--- a/FW/Minh/Task2/WifiMode_WebClient.pptx
+++ b/FW/Minh/Task2/WifiMode_WebClient.pptx
@@ -197,11 +197,13 @@
           <a:bodyPr vert="horz" lIns="91440" tIns="45720" rIns="91440" bIns="45720" rtlCol="0"/>
           <a:lstStyle>
             <a:lvl1pPr algn="l">
-              <a:defRPr sz="1200"/>
+              <a:defRPr sz="1200">
+                <a:latin typeface="Segoe UI Black" panose="020B0A02040204020203" pitchFamily="34" charset="0"/>
+              </a:defRPr>
             </a:lvl1pPr>
           </a:lstStyle>
           <a:p>
-            <a:endParaRPr lang="en-US"/>
+            <a:endParaRPr lang="en-US" dirty="0"/>
           </a:p>
         </p:txBody>
       </p:sp>
@@ -228,15 +230,18 @@
           <a:bodyPr vert="horz" lIns="91440" tIns="45720" rIns="91440" bIns="45720" rtlCol="0"/>
           <a:lstStyle>
             <a:lvl1pPr algn="r">
-              <a:defRPr sz="1200"/>
+              <a:defRPr sz="1200">
+                <a:latin typeface="Segoe UI Black" panose="020B0A02040204020203" pitchFamily="34" charset="0"/>
+              </a:defRPr>
             </a:lvl1pPr>
           </a:lstStyle>
           <a:p>
             <a:fld id="{BE921E71-55FB-4F70-BA64-7E87629B9540}" type="datetimeFigureOut">
               <a:rPr lang="en-US" smtClean="0"/>
-              <a:t>7/23/2020</a:t>
+              <a:pPr/>
+              <a:t>8/23/2020</a:t>
             </a:fld>
-            <a:endParaRPr lang="en-US"/>
+            <a:endParaRPr lang="en-US" dirty="0"/>
           </a:p>
         </p:txBody>
       </p:sp>
@@ -269,7 +274,7 @@
           <a:bodyPr vert="horz" lIns="91440" tIns="45720" rIns="91440" bIns="45720" rtlCol="0" anchor="ctr"/>
           <a:lstStyle/>
           <a:p>
-            <a:endParaRPr lang="en-US"/>
+            <a:endParaRPr lang="en-US" dirty="0"/>
           </a:p>
         </p:txBody>
       </p:sp>
@@ -298,35 +303,35 @@
           <a:p>
             <a:pPr lvl="0"/>
             <a:r>
-              <a:rPr lang="en-US"/>
+              <a:rPr lang="en-US" dirty="0"/>
               <a:t>Edit Master text styles</a:t>
             </a:r>
           </a:p>
           <a:p>
             <a:pPr lvl="1"/>
             <a:r>
-              <a:rPr lang="en-US"/>
+              <a:rPr lang="en-US" dirty="0"/>
               <a:t>Second level</a:t>
             </a:r>
           </a:p>
           <a:p>
             <a:pPr lvl="2"/>
             <a:r>
-              <a:rPr lang="en-US"/>
+              <a:rPr lang="en-US" dirty="0"/>
               <a:t>Third level</a:t>
             </a:r>
           </a:p>
           <a:p>
             <a:pPr lvl="3"/>
             <a:r>
-              <a:rPr lang="en-US"/>
+              <a:rPr lang="en-US" dirty="0"/>
               <a:t>Fourth level</a:t>
             </a:r>
           </a:p>
           <a:p>
             <a:pPr lvl="4"/>
             <a:r>
-              <a:rPr lang="en-US"/>
+              <a:rPr lang="en-US" dirty="0"/>
               <a:t>Fifth level</a:t>
             </a:r>
           </a:p>
@@ -355,11 +360,13 @@
           <a:bodyPr vert="horz" lIns="91440" tIns="45720" rIns="91440" bIns="45720" rtlCol="0" anchor="b"/>
           <a:lstStyle>
             <a:lvl1pPr algn="l">
-              <a:defRPr sz="1200"/>
+              <a:defRPr sz="1200">
+                <a:latin typeface="Segoe UI Black" panose="020B0A02040204020203" pitchFamily="34" charset="0"/>
+              </a:defRPr>
             </a:lvl1pPr>
           </a:lstStyle>
           <a:p>
-            <a:endParaRPr lang="en-US"/>
+            <a:endParaRPr lang="en-US" dirty="0"/>
           </a:p>
         </p:txBody>
       </p:sp>
@@ -386,15 +393,18 @@
           <a:bodyPr vert="horz" lIns="91440" tIns="45720" rIns="91440" bIns="45720" rtlCol="0" anchor="b"/>
           <a:lstStyle>
             <a:lvl1pPr algn="r">
-              <a:defRPr sz="1200"/>
+              <a:defRPr sz="1200">
+                <a:latin typeface="Segoe UI Black" panose="020B0A02040204020203" pitchFamily="34" charset="0"/>
+              </a:defRPr>
             </a:lvl1pPr>
           </a:lstStyle>
           <a:p>
             <a:fld id="{07ECC60F-1D31-4D35-A4BD-2D8861561F47}" type="slidenum">
               <a:rPr lang="en-US" smtClean="0"/>
+              <a:pPr/>
               <a:t>‹#›</a:t>
             </a:fld>
-            <a:endParaRPr lang="en-US"/>
+            <a:endParaRPr lang="en-US" dirty="0"/>
           </a:p>
         </p:txBody>
       </p:sp>
@@ -412,7 +422,7 @@
         <a:solidFill>
           <a:schemeClr val="tx1"/>
         </a:solidFill>
-        <a:latin typeface="+mn-lt"/>
+        <a:latin typeface="Segoe UI Black" panose="020B0A02040204020203" pitchFamily="34" charset="0"/>
         <a:ea typeface="+mn-ea"/>
         <a:cs typeface="+mn-cs"/>
       </a:defRPr>
@@ -422,7 +432,7 @@
         <a:solidFill>
           <a:schemeClr val="tx1"/>
         </a:solidFill>
-        <a:latin typeface="+mn-lt"/>
+        <a:latin typeface="Segoe UI Black" panose="020B0A02040204020203" pitchFamily="34" charset="0"/>
         <a:ea typeface="+mn-ea"/>
         <a:cs typeface="+mn-cs"/>
       </a:defRPr>
@@ -432,7 +442,7 @@
         <a:solidFill>
           <a:schemeClr val="tx1"/>
         </a:solidFill>
-        <a:latin typeface="+mn-lt"/>
+        <a:latin typeface="Segoe UI Black" panose="020B0A02040204020203" pitchFamily="34" charset="0"/>
         <a:ea typeface="+mn-ea"/>
         <a:cs typeface="+mn-cs"/>
       </a:defRPr>
@@ -442,7 +452,7 @@
         <a:solidFill>
           <a:schemeClr val="tx1"/>
         </a:solidFill>
-        <a:latin typeface="+mn-lt"/>
+        <a:latin typeface="Segoe UI Black" panose="020B0A02040204020203" pitchFamily="34" charset="0"/>
         <a:ea typeface="+mn-ea"/>
         <a:cs typeface="+mn-cs"/>
       </a:defRPr>
@@ -452,7 +462,7 @@
         <a:solidFill>
           <a:schemeClr val="tx1"/>
         </a:solidFill>
-        <a:latin typeface="+mn-lt"/>
+        <a:latin typeface="Segoe UI Black" panose="020B0A02040204020203" pitchFamily="34" charset="0"/>
         <a:ea typeface="+mn-ea"/>
         <a:cs typeface="+mn-cs"/>
       </a:defRPr>
@@ -645,7 +655,9 @@
           <a:lstStyle/>
           <a:p>
             <a:pPr algn="ctr"/>
-            <a:endParaRPr lang="en-US"/>
+            <a:endParaRPr lang="en-US" dirty="0">
+              <a:latin typeface="Segoe UI Black" panose="020B0A02040204020203" pitchFamily="34" charset="0"/>
+            </a:endParaRPr>
           </a:p>
         </p:txBody>
       </p:sp>
@@ -1021,96 +1033,120 @@
           </a:lstStyle>
           <a:p>
             <a:r>
-              <a:rPr lang="en-US" err="1">
+              <a:rPr lang="en-US" dirty="0" err="1">
                 <a:solidFill>
                   <a:schemeClr val="bg1"/>
                 </a:solidFill>
+                <a:latin typeface="Segoe UI Black" panose="020B0A02040204020203" pitchFamily="34" charset="0"/>
+                <a:ea typeface="Segoe UI Black" panose="020B0A02040204020203" pitchFamily="34" charset="0"/>
               </a:rPr>
               <a:t>Diễn</a:t>
             </a:r>
             <a:r>
-              <a:rPr lang="en-US">
+              <a:rPr lang="en-US" dirty="0">
                 <a:solidFill>
                   <a:schemeClr val="bg1"/>
                 </a:solidFill>
-              </a:rPr>
-              <a:t> </a:t>
-            </a:r>
-            <a:r>
-              <a:rPr lang="en-US" err="1">
+                <a:latin typeface="Segoe UI Black" panose="020B0A02040204020203" pitchFamily="34" charset="0"/>
+                <a:ea typeface="Segoe UI Black" panose="020B0A02040204020203" pitchFamily="34" charset="0"/>
+              </a:rPr>
+              <a:t> </a:t>
+            </a:r>
+            <a:r>
+              <a:rPr lang="en-US" dirty="0" err="1">
                 <a:solidFill>
                   <a:schemeClr val="bg1"/>
                 </a:solidFill>
+                <a:latin typeface="Segoe UI Black" panose="020B0A02040204020203" pitchFamily="34" charset="0"/>
+                <a:ea typeface="Segoe UI Black" panose="020B0A02040204020203" pitchFamily="34" charset="0"/>
               </a:rPr>
               <a:t>giả</a:t>
             </a:r>
             <a:r>
-              <a:rPr lang="en-US">
+              <a:rPr lang="en-US" dirty="0">
                 <a:solidFill>
                   <a:schemeClr val="bg1"/>
                 </a:solidFill>
+                <a:latin typeface="Segoe UI Black" panose="020B0A02040204020203" pitchFamily="34" charset="0"/>
+                <a:ea typeface="Segoe UI Black" panose="020B0A02040204020203" pitchFamily="34" charset="0"/>
               </a:rPr>
               <a:t>: </a:t>
             </a:r>
             <a:r>
-              <a:rPr lang="en-US" err="1">
+              <a:rPr lang="en-US" dirty="0" err="1">
                 <a:solidFill>
                   <a:schemeClr val="bg1"/>
                 </a:solidFill>
+                <a:latin typeface="Segoe UI Black" panose="020B0A02040204020203" pitchFamily="34" charset="0"/>
+                <a:ea typeface="Segoe UI Black" panose="020B0A02040204020203" pitchFamily="34" charset="0"/>
               </a:rPr>
               <a:t>Indruino</a:t>
             </a:r>
-            <a:endParaRPr lang="en-US">
+            <a:endParaRPr lang="en-US" dirty="0">
               <a:solidFill>
                 <a:schemeClr val="bg1"/>
               </a:solidFill>
+              <a:latin typeface="Segoe UI Black" panose="020B0A02040204020203" pitchFamily="34" charset="0"/>
+              <a:ea typeface="Segoe UI Black" panose="020B0A02040204020203" pitchFamily="34" charset="0"/>
             </a:endParaRPr>
           </a:p>
           <a:p>
             <a:r>
-              <a:rPr lang="en-US" err="1">
+              <a:rPr lang="en-US" dirty="0" err="1">
                 <a:solidFill>
                   <a:schemeClr val="bg1"/>
                 </a:solidFill>
+                <a:latin typeface="Segoe UI Black" panose="020B0A02040204020203" pitchFamily="34" charset="0"/>
+                <a:ea typeface="Segoe UI Black" panose="020B0A02040204020203" pitchFamily="34" charset="0"/>
               </a:rPr>
               <a:t>Bộ</a:t>
             </a:r>
             <a:r>
-              <a:rPr lang="en-US">
+              <a:rPr lang="en-US" dirty="0">
                 <a:solidFill>
                   <a:schemeClr val="bg1"/>
                 </a:solidFill>
-              </a:rPr>
-              <a:t> </a:t>
-            </a:r>
-            <a:r>
-              <a:rPr lang="en-US" err="1">
+                <a:latin typeface="Segoe UI Black" panose="020B0A02040204020203" pitchFamily="34" charset="0"/>
+                <a:ea typeface="Segoe UI Black" panose="020B0A02040204020203" pitchFamily="34" charset="0"/>
+              </a:rPr>
+              <a:t> </a:t>
+            </a:r>
+            <a:r>
+              <a:rPr lang="en-US" dirty="0" err="1">
                 <a:solidFill>
                   <a:schemeClr val="bg1"/>
                 </a:solidFill>
+                <a:latin typeface="Segoe UI Black" panose="020B0A02040204020203" pitchFamily="34" charset="0"/>
+                <a:ea typeface="Segoe UI Black" panose="020B0A02040204020203" pitchFamily="34" charset="0"/>
               </a:rPr>
               <a:t>phận</a:t>
             </a:r>
             <a:r>
-              <a:rPr lang="en-US">
+              <a:rPr lang="en-US" dirty="0">
                 <a:solidFill>
                   <a:schemeClr val="bg1"/>
                 </a:solidFill>
+                <a:latin typeface="Segoe UI Black" panose="020B0A02040204020203" pitchFamily="34" charset="0"/>
+                <a:ea typeface="Segoe UI Black" panose="020B0A02040204020203" pitchFamily="34" charset="0"/>
               </a:rPr>
               <a:t>: </a:t>
             </a:r>
             <a:r>
-              <a:rPr lang="en-US" err="1">
+              <a:rPr lang="en-US" dirty="0" err="1">
                 <a:solidFill>
                   <a:schemeClr val="bg1"/>
                 </a:solidFill>
+                <a:latin typeface="Segoe UI Black" panose="020B0A02040204020203" pitchFamily="34" charset="0"/>
+                <a:ea typeface="Segoe UI Black" panose="020B0A02040204020203" pitchFamily="34" charset="0"/>
               </a:rPr>
               <a:t>Indruino</a:t>
             </a:r>
-            <a:endParaRPr lang="en-US">
+            <a:endParaRPr lang="en-US" dirty="0">
               <a:solidFill>
                 <a:schemeClr val="bg1"/>
               </a:solidFill>
+              <a:latin typeface="Segoe UI Black" panose="020B0A02040204020203" pitchFamily="34" charset="0"/>
+              <a:ea typeface="Segoe UI Black" panose="020B0A02040204020203" pitchFamily="34" charset="0"/>
             </a:endParaRPr>
           </a:p>
         </p:txBody>
@@ -1154,7 +1190,9 @@
           <a:lstStyle/>
           <a:p>
             <a:pPr algn="ctr"/>
-            <a:endParaRPr lang="en-US"/>
+            <a:endParaRPr lang="en-US" dirty="0">
+              <a:latin typeface="Segoe UI Black" panose="020B0A02040204020203" pitchFamily="34" charset="0"/>
+            </a:endParaRPr>
           </a:p>
         </p:txBody>
       </p:sp>
@@ -1329,7 +1367,9 @@
           <a:lstStyle/>
           <a:p>
             <a:pPr algn="ctr"/>
-            <a:endParaRPr lang="en-US"/>
+            <a:endParaRPr lang="en-US" dirty="0">
+              <a:latin typeface="Segoe UI Black" panose="020B0A02040204020203" pitchFamily="34" charset="0"/>
+            </a:endParaRPr>
           </a:p>
         </p:txBody>
       </p:sp>
@@ -1405,7 +1445,9 @@
           <a:lstStyle/>
           <a:p>
             <a:pPr algn="ctr"/>
-            <a:endParaRPr lang="en-US"/>
+            <a:endParaRPr lang="en-US" dirty="0">
+              <a:latin typeface="Segoe UI Black" panose="020B0A02040204020203" pitchFamily="34" charset="0"/>
+            </a:endParaRPr>
           </a:p>
         </p:txBody>
       </p:sp>
@@ -1450,7 +1492,9 @@
           <a:lstStyle/>
           <a:p>
             <a:pPr algn="ctr"/>
-            <a:endParaRPr lang="en-US"/>
+            <a:endParaRPr lang="en-US" dirty="0">
+              <a:latin typeface="Segoe UI Black" panose="020B0A02040204020203" pitchFamily="34" charset="0"/>
+            </a:endParaRPr>
           </a:p>
         </p:txBody>
       </p:sp>
@@ -1751,7 +1795,9 @@
           <a:lstStyle/>
           <a:p>
             <a:pPr algn="ctr"/>
-            <a:endParaRPr lang="en-US"/>
+            <a:endParaRPr lang="en-US" dirty="0">
+              <a:latin typeface="Segoe UI Black" panose="020B0A02040204020203" pitchFamily="34" charset="0"/>
+            </a:endParaRPr>
           </a:p>
         </p:txBody>
       </p:sp>
@@ -1827,7 +1873,9 @@
           <a:lstStyle/>
           <a:p>
             <a:pPr algn="ctr"/>
-            <a:endParaRPr lang="en-US"/>
+            <a:endParaRPr lang="en-US" dirty="0">
+              <a:latin typeface="Segoe UI Black" panose="020B0A02040204020203" pitchFamily="34" charset="0"/>
+            </a:endParaRPr>
           </a:p>
         </p:txBody>
       </p:sp>
@@ -1872,7 +1920,9 @@
           <a:lstStyle/>
           <a:p>
             <a:pPr algn="ctr"/>
-            <a:endParaRPr lang="en-US"/>
+            <a:endParaRPr lang="en-US" dirty="0">
+              <a:latin typeface="Segoe UI Black" panose="020B0A02040204020203" pitchFamily="34" charset="0"/>
+            </a:endParaRPr>
           </a:p>
         </p:txBody>
       </p:sp>
@@ -2364,7 +2414,9 @@
           <a:lstStyle/>
           <a:p>
             <a:pPr algn="ctr"/>
-            <a:endParaRPr lang="en-US"/>
+            <a:endParaRPr lang="en-US" dirty="0">
+              <a:latin typeface="Segoe UI Black" panose="020B0A02040204020203" pitchFamily="34" charset="0"/>
+            </a:endParaRPr>
           </a:p>
         </p:txBody>
       </p:sp>
@@ -2440,7 +2492,9 @@
           <a:lstStyle/>
           <a:p>
             <a:pPr algn="ctr"/>
-            <a:endParaRPr lang="en-US"/>
+            <a:endParaRPr lang="en-US" dirty="0">
+              <a:latin typeface="Segoe UI Black" panose="020B0A02040204020203" pitchFamily="34" charset="0"/>
+            </a:endParaRPr>
           </a:p>
         </p:txBody>
       </p:sp>
@@ -2485,7 +2539,9 @@
           <a:lstStyle/>
           <a:p>
             <a:pPr algn="ctr"/>
-            <a:endParaRPr lang="en-US"/>
+            <a:endParaRPr lang="en-US" dirty="0">
+              <a:latin typeface="Segoe UI Black" panose="020B0A02040204020203" pitchFamily="34" charset="0"/>
+            </a:endParaRPr>
           </a:p>
         </p:txBody>
       </p:sp>
@@ -2640,7 +2696,9 @@
           <a:lstStyle/>
           <a:p>
             <a:pPr algn="ctr"/>
-            <a:endParaRPr lang="en-US"/>
+            <a:endParaRPr lang="en-US" dirty="0">
+              <a:latin typeface="Segoe UI Black" panose="020B0A02040204020203" pitchFamily="34" charset="0"/>
+            </a:endParaRPr>
           </a:p>
         </p:txBody>
       </p:sp>
@@ -2933,96 +2991,120 @@
           </a:lstStyle>
           <a:p>
             <a:r>
-              <a:rPr lang="en-US" err="1">
+              <a:rPr lang="en-US" dirty="0" err="1">
                 <a:solidFill>
                   <a:schemeClr val="bg1"/>
                 </a:solidFill>
+                <a:latin typeface="Segoe UI Black" panose="020B0A02040204020203" pitchFamily="34" charset="0"/>
+                <a:ea typeface="Segoe UI Black" panose="020B0A02040204020203" pitchFamily="34" charset="0"/>
               </a:rPr>
               <a:t>Diễn</a:t>
             </a:r>
             <a:r>
-              <a:rPr lang="en-US">
+              <a:rPr lang="en-US" dirty="0">
                 <a:solidFill>
                   <a:schemeClr val="bg1"/>
                 </a:solidFill>
-              </a:rPr>
-              <a:t> </a:t>
-            </a:r>
-            <a:r>
-              <a:rPr lang="en-US" err="1">
+                <a:latin typeface="Segoe UI Black" panose="020B0A02040204020203" pitchFamily="34" charset="0"/>
+                <a:ea typeface="Segoe UI Black" panose="020B0A02040204020203" pitchFamily="34" charset="0"/>
+              </a:rPr>
+              <a:t> </a:t>
+            </a:r>
+            <a:r>
+              <a:rPr lang="en-US" dirty="0" err="1">
                 <a:solidFill>
                   <a:schemeClr val="bg1"/>
                 </a:solidFill>
+                <a:latin typeface="Segoe UI Black" panose="020B0A02040204020203" pitchFamily="34" charset="0"/>
+                <a:ea typeface="Segoe UI Black" panose="020B0A02040204020203" pitchFamily="34" charset="0"/>
               </a:rPr>
               <a:t>giả</a:t>
             </a:r>
             <a:r>
-              <a:rPr lang="en-US">
+              <a:rPr lang="en-US" dirty="0">
                 <a:solidFill>
                   <a:schemeClr val="bg1"/>
                 </a:solidFill>
+                <a:latin typeface="Segoe UI Black" panose="020B0A02040204020203" pitchFamily="34" charset="0"/>
+                <a:ea typeface="Segoe UI Black" panose="020B0A02040204020203" pitchFamily="34" charset="0"/>
               </a:rPr>
               <a:t>: </a:t>
             </a:r>
             <a:r>
-              <a:rPr lang="en-US" err="1">
+              <a:rPr lang="en-US" dirty="0" err="1">
                 <a:solidFill>
                   <a:schemeClr val="bg1"/>
                 </a:solidFill>
+                <a:latin typeface="Segoe UI Black" panose="020B0A02040204020203" pitchFamily="34" charset="0"/>
+                <a:ea typeface="Segoe UI Black" panose="020B0A02040204020203" pitchFamily="34" charset="0"/>
               </a:rPr>
               <a:t>Indruino</a:t>
             </a:r>
-            <a:endParaRPr lang="en-US">
+            <a:endParaRPr lang="en-US" dirty="0">
               <a:solidFill>
                 <a:schemeClr val="bg1"/>
               </a:solidFill>
+              <a:latin typeface="Segoe UI Black" panose="020B0A02040204020203" pitchFamily="34" charset="0"/>
+              <a:ea typeface="Segoe UI Black" panose="020B0A02040204020203" pitchFamily="34" charset="0"/>
             </a:endParaRPr>
           </a:p>
           <a:p>
             <a:r>
-              <a:rPr lang="en-US" err="1">
+              <a:rPr lang="en-US" dirty="0" err="1">
                 <a:solidFill>
                   <a:schemeClr val="bg1"/>
                 </a:solidFill>
+                <a:latin typeface="Segoe UI Black" panose="020B0A02040204020203" pitchFamily="34" charset="0"/>
+                <a:ea typeface="Segoe UI Black" panose="020B0A02040204020203" pitchFamily="34" charset="0"/>
               </a:rPr>
               <a:t>Bộ</a:t>
             </a:r>
             <a:r>
-              <a:rPr lang="en-US">
+              <a:rPr lang="en-US" dirty="0">
                 <a:solidFill>
                   <a:schemeClr val="bg1"/>
                 </a:solidFill>
-              </a:rPr>
-              <a:t> </a:t>
-            </a:r>
-            <a:r>
-              <a:rPr lang="en-US" err="1">
+                <a:latin typeface="Segoe UI Black" panose="020B0A02040204020203" pitchFamily="34" charset="0"/>
+                <a:ea typeface="Segoe UI Black" panose="020B0A02040204020203" pitchFamily="34" charset="0"/>
+              </a:rPr>
+              <a:t> </a:t>
+            </a:r>
+            <a:r>
+              <a:rPr lang="en-US" dirty="0" err="1">
                 <a:solidFill>
                   <a:schemeClr val="bg1"/>
                 </a:solidFill>
+                <a:latin typeface="Segoe UI Black" panose="020B0A02040204020203" pitchFamily="34" charset="0"/>
+                <a:ea typeface="Segoe UI Black" panose="020B0A02040204020203" pitchFamily="34" charset="0"/>
               </a:rPr>
               <a:t>phận</a:t>
             </a:r>
             <a:r>
-              <a:rPr lang="en-US">
+              <a:rPr lang="en-US" dirty="0">
                 <a:solidFill>
                   <a:schemeClr val="bg1"/>
                 </a:solidFill>
+                <a:latin typeface="Segoe UI Black" panose="020B0A02040204020203" pitchFamily="34" charset="0"/>
+                <a:ea typeface="Segoe UI Black" panose="020B0A02040204020203" pitchFamily="34" charset="0"/>
               </a:rPr>
               <a:t>: </a:t>
             </a:r>
             <a:r>
-              <a:rPr lang="en-US" err="1">
+              <a:rPr lang="en-US" dirty="0" err="1">
                 <a:solidFill>
                   <a:schemeClr val="bg1"/>
                 </a:solidFill>
+                <a:latin typeface="Segoe UI Black" panose="020B0A02040204020203" pitchFamily="34" charset="0"/>
+                <a:ea typeface="Segoe UI Black" panose="020B0A02040204020203" pitchFamily="34" charset="0"/>
               </a:rPr>
               <a:t>Indruino</a:t>
             </a:r>
-            <a:endParaRPr lang="en-US">
+            <a:endParaRPr lang="en-US" dirty="0">
               <a:solidFill>
                 <a:schemeClr val="bg1"/>
               </a:solidFill>
+              <a:latin typeface="Segoe UI Black" panose="020B0A02040204020203" pitchFamily="34" charset="0"/>
+              <a:ea typeface="Segoe UI Black" panose="020B0A02040204020203" pitchFamily="34" charset="0"/>
             </a:endParaRPr>
           </a:p>
         </p:txBody>
@@ -3066,7 +3148,9 @@
           <a:lstStyle/>
           <a:p>
             <a:pPr algn="ctr"/>
-            <a:endParaRPr lang="en-US"/>
+            <a:endParaRPr lang="en-US" dirty="0">
+              <a:latin typeface="Segoe UI Black" panose="020B0A02040204020203" pitchFamily="34" charset="0"/>
+            </a:endParaRPr>
           </a:p>
         </p:txBody>
       </p:sp>
@@ -3134,7 +3218,7 @@
           <a:lstStyle/>
           <a:p>
             <a:r>
-              <a:rPr lang="en-US"/>
+              <a:rPr lang="en-US" dirty="0"/>
               <a:t>Click to edit Master title style</a:t>
             </a:r>
           </a:p>
@@ -3167,35 +3251,35 @@
           <a:p>
             <a:pPr lvl="0"/>
             <a:r>
-              <a:rPr lang="en-US"/>
+              <a:rPr lang="en-US" dirty="0"/>
               <a:t>Edit Master text styles</a:t>
             </a:r>
           </a:p>
           <a:p>
             <a:pPr lvl="1"/>
             <a:r>
-              <a:rPr lang="en-US"/>
+              <a:rPr lang="en-US" dirty="0"/>
               <a:t>Second level</a:t>
             </a:r>
           </a:p>
           <a:p>
             <a:pPr lvl="2"/>
             <a:r>
-              <a:rPr lang="en-US"/>
+              <a:rPr lang="en-US" dirty="0"/>
               <a:t>Third level</a:t>
             </a:r>
           </a:p>
           <a:p>
             <a:pPr lvl="3"/>
             <a:r>
-              <a:rPr lang="en-US"/>
+              <a:rPr lang="en-US" dirty="0"/>
               <a:t>Fourth level</a:t>
             </a:r>
           </a:p>
           <a:p>
             <a:pPr lvl="4"/>
             <a:r>
-              <a:rPr lang="en-US"/>
+              <a:rPr lang="en-US" dirty="0"/>
               <a:t>Fifth level</a:t>
             </a:r>
           </a:p>
@@ -3230,18 +3314,19 @@
                     <a:tint val="75000"/>
                   </a:schemeClr>
                 </a:solidFill>
-                <a:latin typeface="Roboto" panose="02000000000000000000" pitchFamily="2" charset="0"/>
-                <a:ea typeface="Roboto" panose="02000000000000000000" pitchFamily="2" charset="0"/>
-                <a:cs typeface="Roboto" panose="02000000000000000000" pitchFamily="2" charset="0"/>
+                <a:latin typeface="Segoe UI Black" panose="020B0A02040204020203" pitchFamily="34" charset="0"/>
+                <a:ea typeface="Segoe UI Black" panose="020B0A02040204020203" pitchFamily="34" charset="0"/>
+                <a:cs typeface="Segoe UI Black" panose="020B0A02040204020203" pitchFamily="34" charset="0"/>
               </a:defRPr>
             </a:lvl1pPr>
           </a:lstStyle>
           <a:p>
             <a:fld id="{6D9FEF56-C5D4-4D87-B961-211842A8ECEA}" type="datetime1">
               <a:rPr lang="en-US" smtClean="0"/>
-              <a:t>7/23/2020</a:t>
+              <a:pPr/>
+              <a:t>8/23/2020</a:t>
             </a:fld>
-            <a:endParaRPr lang="en-US"/>
+            <a:endParaRPr lang="en-US" dirty="0"/>
           </a:p>
         </p:txBody>
       </p:sp>
@@ -3274,15 +3359,15 @@
                     <a:tint val="75000"/>
                   </a:schemeClr>
                 </a:solidFill>
-                <a:latin typeface="Roboto" panose="02000000000000000000" pitchFamily="2" charset="0"/>
-                <a:ea typeface="Roboto" panose="02000000000000000000" pitchFamily="2" charset="0"/>
-                <a:cs typeface="Roboto" panose="02000000000000000000" pitchFamily="2" charset="0"/>
+                <a:latin typeface="Segoe UI Black" panose="020B0A02040204020203" pitchFamily="34" charset="0"/>
+                <a:ea typeface="Segoe UI Black" panose="020B0A02040204020203" pitchFamily="34" charset="0"/>
+                <a:cs typeface="Segoe UI Black" panose="020B0A02040204020203" pitchFamily="34" charset="0"/>
               </a:defRPr>
             </a:lvl1pPr>
           </a:lstStyle>
           <a:p>
             <a:r>
-              <a:rPr lang="en-US"/>
+              <a:rPr lang="en-US" dirty="0"/>
               <a:t>www.indruino.com</a:t>
             </a:r>
           </a:p>
@@ -3317,9 +3402,9 @@
                     <a:tint val="75000"/>
                   </a:schemeClr>
                 </a:solidFill>
-                <a:latin typeface="Roboto" panose="02000000000000000000" pitchFamily="2" charset="0"/>
-                <a:ea typeface="Roboto" panose="02000000000000000000" pitchFamily="2" charset="0"/>
-                <a:cs typeface="Roboto" panose="02000000000000000000" pitchFamily="2" charset="0"/>
+                <a:latin typeface="Segoe UI Black" panose="020B0A02040204020203" pitchFamily="34" charset="0"/>
+                <a:ea typeface="Segoe UI Black" panose="020B0A02040204020203" pitchFamily="34" charset="0"/>
+                <a:cs typeface="Segoe UI Black" panose="020B0A02040204020203" pitchFamily="34" charset="0"/>
               </a:defRPr>
             </a:lvl1pPr>
           </a:lstStyle>
@@ -3329,7 +3414,7 @@
               <a:pPr/>
               <a:t>‹#›</a:t>
             </a:fld>
-            <a:endParaRPr lang="en-US"/>
+            <a:endParaRPr lang="en-US" dirty="0"/>
           </a:p>
         </p:txBody>
       </p:sp>
@@ -3364,9 +3449,9 @@
           <a:solidFill>
             <a:schemeClr val="tx1"/>
           </a:solidFill>
-          <a:latin typeface="Roboto" panose="02000000000000000000" pitchFamily="2" charset="0"/>
-          <a:ea typeface="Roboto" panose="02000000000000000000" pitchFamily="2" charset="0"/>
-          <a:cs typeface="Roboto" panose="02000000000000000000" pitchFamily="2" charset="0"/>
+          <a:latin typeface="Segoe UI Black" panose="020B0A02040204020203" pitchFamily="34" charset="0"/>
+          <a:ea typeface="Segoe UI Black" panose="020B0A02040204020203" pitchFamily="34" charset="0"/>
+          <a:cs typeface="Segoe UI Black" panose="020B0A02040204020203" pitchFamily="34" charset="0"/>
         </a:defRPr>
       </a:lvl1pPr>
     </p:titleStyle>
@@ -3384,9 +3469,9 @@
           <a:solidFill>
             <a:schemeClr val="tx1"/>
           </a:solidFill>
-          <a:latin typeface="Roboto" panose="02000000000000000000" pitchFamily="2" charset="0"/>
-          <a:ea typeface="Roboto" panose="02000000000000000000" pitchFamily="2" charset="0"/>
-          <a:cs typeface="Roboto" panose="02000000000000000000" pitchFamily="2" charset="0"/>
+          <a:latin typeface="Segoe UI Black" panose="020B0A02040204020203" pitchFamily="34" charset="0"/>
+          <a:ea typeface="Segoe UI Black" panose="020B0A02040204020203" pitchFamily="34" charset="0"/>
+          <a:cs typeface="Segoe UI Black" panose="020B0A02040204020203" pitchFamily="34" charset="0"/>
         </a:defRPr>
       </a:lvl1pPr>
       <a:lvl2pPr marL="685800" indent="-228600" algn="l" defTabSz="914400" rtl="0" eaLnBrk="1" latinLnBrk="0" hangingPunct="1">
@@ -3402,9 +3487,9 @@
           <a:solidFill>
             <a:schemeClr val="tx1"/>
           </a:solidFill>
-          <a:latin typeface="Roboto" panose="02000000000000000000" pitchFamily="2" charset="0"/>
-          <a:ea typeface="Roboto" panose="02000000000000000000" pitchFamily="2" charset="0"/>
-          <a:cs typeface="Roboto" panose="02000000000000000000" pitchFamily="2" charset="0"/>
+          <a:latin typeface="Segoe UI Black" panose="020B0A02040204020203" pitchFamily="34" charset="0"/>
+          <a:ea typeface="Segoe UI Black" panose="020B0A02040204020203" pitchFamily="34" charset="0"/>
+          <a:cs typeface="Segoe UI Black" panose="020B0A02040204020203" pitchFamily="34" charset="0"/>
         </a:defRPr>
       </a:lvl2pPr>
       <a:lvl3pPr marL="1143000" indent="-228600" algn="l" defTabSz="914400" rtl="0" eaLnBrk="1" latinLnBrk="0" hangingPunct="1">
@@ -3420,9 +3505,9 @@
           <a:solidFill>
             <a:schemeClr val="tx1"/>
           </a:solidFill>
-          <a:latin typeface="Roboto" panose="02000000000000000000" pitchFamily="2" charset="0"/>
-          <a:ea typeface="Roboto" panose="02000000000000000000" pitchFamily="2" charset="0"/>
-          <a:cs typeface="Roboto" panose="02000000000000000000" pitchFamily="2" charset="0"/>
+          <a:latin typeface="Segoe UI Black" panose="020B0A02040204020203" pitchFamily="34" charset="0"/>
+          <a:ea typeface="Segoe UI Black" panose="020B0A02040204020203" pitchFamily="34" charset="0"/>
+          <a:cs typeface="Segoe UI Black" panose="020B0A02040204020203" pitchFamily="34" charset="0"/>
         </a:defRPr>
       </a:lvl3pPr>
       <a:lvl4pPr marL="1600200" indent="-228600" algn="l" defTabSz="914400" rtl="0" eaLnBrk="1" latinLnBrk="0" hangingPunct="1">
@@ -3438,9 +3523,9 @@
           <a:solidFill>
             <a:schemeClr val="tx1"/>
           </a:solidFill>
-          <a:latin typeface="Roboto" panose="02000000000000000000" pitchFamily="2" charset="0"/>
-          <a:ea typeface="Roboto" panose="02000000000000000000" pitchFamily="2" charset="0"/>
-          <a:cs typeface="Roboto" panose="02000000000000000000" pitchFamily="2" charset="0"/>
+          <a:latin typeface="Segoe UI Black" panose="020B0A02040204020203" pitchFamily="34" charset="0"/>
+          <a:ea typeface="Segoe UI Black" panose="020B0A02040204020203" pitchFamily="34" charset="0"/>
+          <a:cs typeface="Segoe UI Black" panose="020B0A02040204020203" pitchFamily="34" charset="0"/>
         </a:defRPr>
       </a:lvl4pPr>
       <a:lvl5pPr marL="2057400" indent="-228600" algn="l" defTabSz="914400" rtl="0" eaLnBrk="1" latinLnBrk="0" hangingPunct="1">
@@ -3456,9 +3541,9 @@
           <a:solidFill>
             <a:schemeClr val="tx1"/>
           </a:solidFill>
-          <a:latin typeface="Roboto" panose="02000000000000000000" pitchFamily="2" charset="0"/>
-          <a:ea typeface="Roboto" panose="02000000000000000000" pitchFamily="2" charset="0"/>
-          <a:cs typeface="Roboto" panose="02000000000000000000" pitchFamily="2" charset="0"/>
+          <a:latin typeface="Segoe UI Black" panose="020B0A02040204020203" pitchFamily="34" charset="0"/>
+          <a:ea typeface="Segoe UI Black" panose="020B0A02040204020203" pitchFamily="34" charset="0"/>
+          <a:cs typeface="Segoe UI Black" panose="020B0A02040204020203" pitchFamily="34" charset="0"/>
         </a:defRPr>
       </a:lvl5pPr>
       <a:lvl6pPr marL="2514600" indent="-228600" algn="l" defTabSz="914400" rtl="0" eaLnBrk="1" latinLnBrk="0" hangingPunct="1">
@@ -3696,8 +3781,20 @@
           <a:lstStyle/>
           <a:p>
             <a:r>
-              <a:rPr lang="en-US"/>
-              <a:t>Chế độ Station</a:t>
+              <a:rPr lang="en-US" sz="3000" dirty="0" err="1"/>
+              <a:t>Chế</a:t>
+            </a:r>
+            <a:r>
+              <a:rPr lang="en-US" sz="3000" dirty="0"/>
+              <a:t> </a:t>
+            </a:r>
+            <a:r>
+              <a:rPr lang="en-US" sz="3000" dirty="0" err="1"/>
+              <a:t>độ</a:t>
+            </a:r>
+            <a:r>
+              <a:rPr lang="en-US" sz="3000" dirty="0"/>
+              <a:t> Station</a:t>
             </a:r>
           </a:p>
         </p:txBody>
@@ -3807,8 +3904,20 @@
           <a:lstStyle/>
           <a:p>
             <a:r>
-              <a:rPr lang="en-US"/>
-              <a:t>Chế độ Station</a:t>
+              <a:rPr lang="en-US" sz="3000" dirty="0" err="1"/>
+              <a:t>Chế</a:t>
+            </a:r>
+            <a:r>
+              <a:rPr lang="en-US" sz="3000" dirty="0"/>
+              <a:t> </a:t>
+            </a:r>
+            <a:r>
+              <a:rPr lang="en-US" sz="3000" dirty="0" err="1"/>
+              <a:t>độ</a:t>
+            </a:r>
+            <a:r>
+              <a:rPr lang="en-US" sz="3000" dirty="0"/>
+              <a:t> Station</a:t>
             </a:r>
           </a:p>
         </p:txBody>
@@ -3887,7 +3996,7 @@
         <p:spPr>
           <a:xfrm>
             <a:off x="5668488" y="3049193"/>
-            <a:ext cx="3724894" cy="646331"/>
+            <a:ext cx="3724894" cy="923330"/>
           </a:xfrm>
           <a:prstGeom prst="rect">
             <a:avLst/>
@@ -3901,11 +4010,179 @@
           <a:lstStyle/>
           <a:p>
             <a:r>
-              <a:rPr lang="en-US">
-                <a:latin typeface="Arial" panose="020B0604020202020204" pitchFamily="34" charset="0"/>
-                <a:cs typeface="Arial" panose="020B0604020202020204" pitchFamily="34" charset="0"/>
-              </a:rPr>
-              <a:t>Client sẽ lấy địa chỉ IP này để điều khiển ứng dụng bằng WebServer.</a:t>
+              <a:rPr lang="en-US" dirty="0">
+                <a:latin typeface="Segoe UI Black" panose="020B0A02040204020203" pitchFamily="34" charset="0"/>
+                <a:cs typeface="Arial" panose="020B0604020202020204" pitchFamily="34" charset="0"/>
+              </a:rPr>
+              <a:t>Client </a:t>
+            </a:r>
+            <a:r>
+              <a:rPr lang="en-US" dirty="0" err="1">
+                <a:latin typeface="Segoe UI Black" panose="020B0A02040204020203" pitchFamily="34" charset="0"/>
+                <a:cs typeface="Arial" panose="020B0604020202020204" pitchFamily="34" charset="0"/>
+              </a:rPr>
+              <a:t>sẽ</a:t>
+            </a:r>
+            <a:r>
+              <a:rPr lang="en-US" dirty="0">
+                <a:latin typeface="Segoe UI Black" panose="020B0A02040204020203" pitchFamily="34" charset="0"/>
+                <a:cs typeface="Arial" panose="020B0604020202020204" pitchFamily="34" charset="0"/>
+              </a:rPr>
+              <a:t> </a:t>
+            </a:r>
+            <a:r>
+              <a:rPr lang="en-US" dirty="0" err="1">
+                <a:latin typeface="Segoe UI Black" panose="020B0A02040204020203" pitchFamily="34" charset="0"/>
+                <a:cs typeface="Arial" panose="020B0604020202020204" pitchFamily="34" charset="0"/>
+              </a:rPr>
+              <a:t>lấy</a:t>
+            </a:r>
+            <a:r>
+              <a:rPr lang="en-US" dirty="0">
+                <a:latin typeface="Segoe UI Black" panose="020B0A02040204020203" pitchFamily="34" charset="0"/>
+                <a:cs typeface="Arial" panose="020B0604020202020204" pitchFamily="34" charset="0"/>
+              </a:rPr>
+              <a:t> </a:t>
+            </a:r>
+            <a:r>
+              <a:rPr lang="en-US" dirty="0" err="1">
+                <a:latin typeface="Segoe UI Black" panose="020B0A02040204020203" pitchFamily="34" charset="0"/>
+                <a:cs typeface="Arial" panose="020B0604020202020204" pitchFamily="34" charset="0"/>
+              </a:rPr>
+              <a:t>địa</a:t>
+            </a:r>
+            <a:r>
+              <a:rPr lang="en-US" dirty="0">
+                <a:latin typeface="Segoe UI Black" panose="020B0A02040204020203" pitchFamily="34" charset="0"/>
+                <a:cs typeface="Arial" panose="020B0604020202020204" pitchFamily="34" charset="0"/>
+              </a:rPr>
+              <a:t> </a:t>
+            </a:r>
+            <a:r>
+              <a:rPr lang="en-US" dirty="0" err="1">
+                <a:latin typeface="Segoe UI Black" panose="020B0A02040204020203" pitchFamily="34" charset="0"/>
+                <a:cs typeface="Arial" panose="020B0604020202020204" pitchFamily="34" charset="0"/>
+              </a:rPr>
+              <a:t>chỉ</a:t>
+            </a:r>
+            <a:r>
+              <a:rPr lang="en-US" dirty="0">
+                <a:latin typeface="Segoe UI Black" panose="020B0A02040204020203" pitchFamily="34" charset="0"/>
+                <a:cs typeface="Arial" panose="020B0604020202020204" pitchFamily="34" charset="0"/>
+              </a:rPr>
+              <a:t> IP </a:t>
+            </a:r>
+            <a:r>
+              <a:rPr lang="en-US" dirty="0" err="1">
+                <a:latin typeface="Segoe UI Black" panose="020B0A02040204020203" pitchFamily="34" charset="0"/>
+                <a:cs typeface="Arial" panose="020B0604020202020204" pitchFamily="34" charset="0"/>
+              </a:rPr>
+              <a:t>này</a:t>
+            </a:r>
+            <a:r>
+              <a:rPr lang="en-US" dirty="0">
+                <a:latin typeface="Segoe UI Black" panose="020B0A02040204020203" pitchFamily="34" charset="0"/>
+                <a:cs typeface="Arial" panose="020B0604020202020204" pitchFamily="34" charset="0"/>
+              </a:rPr>
+              <a:t> </a:t>
+            </a:r>
+            <a:r>
+              <a:rPr lang="en-US" dirty="0" err="1">
+                <a:latin typeface="Segoe UI Black" panose="020B0A02040204020203" pitchFamily="34" charset="0"/>
+                <a:cs typeface="Arial" panose="020B0604020202020204" pitchFamily="34" charset="0"/>
+              </a:rPr>
+              <a:t>để</a:t>
+            </a:r>
+            <a:r>
+              <a:rPr lang="en-US" dirty="0">
+                <a:latin typeface="Segoe UI Black" panose="020B0A02040204020203" pitchFamily="34" charset="0"/>
+                <a:cs typeface="Arial" panose="020B0604020202020204" pitchFamily="34" charset="0"/>
+              </a:rPr>
+              <a:t> </a:t>
+            </a:r>
+            <a:r>
+              <a:rPr lang="en-US" dirty="0" err="1">
+                <a:latin typeface="Segoe UI Black" panose="020B0A02040204020203" pitchFamily="34" charset="0"/>
+                <a:cs typeface="Arial" panose="020B0604020202020204" pitchFamily="34" charset="0"/>
+              </a:rPr>
+              <a:t>điều</a:t>
+            </a:r>
+            <a:r>
+              <a:rPr lang="en-US" dirty="0">
+                <a:latin typeface="Segoe UI Black" panose="020B0A02040204020203" pitchFamily="34" charset="0"/>
+                <a:cs typeface="Arial" panose="020B0604020202020204" pitchFamily="34" charset="0"/>
+              </a:rPr>
+              <a:t> </a:t>
+            </a:r>
+            <a:r>
+              <a:rPr lang="en-US" dirty="0" err="1">
+                <a:latin typeface="Segoe UI Black" panose="020B0A02040204020203" pitchFamily="34" charset="0"/>
+                <a:cs typeface="Arial" panose="020B0604020202020204" pitchFamily="34" charset="0"/>
+              </a:rPr>
+              <a:t>khiển</a:t>
+            </a:r>
+            <a:r>
+              <a:rPr lang="en-US" dirty="0">
+                <a:latin typeface="Segoe UI Black" panose="020B0A02040204020203" pitchFamily="34" charset="0"/>
+                <a:cs typeface="Arial" panose="020B0604020202020204" pitchFamily="34" charset="0"/>
+              </a:rPr>
+              <a:t> </a:t>
+            </a:r>
+            <a:r>
+              <a:rPr lang="en-US" dirty="0" err="1">
+                <a:latin typeface="Segoe UI Black" panose="020B0A02040204020203" pitchFamily="34" charset="0"/>
+                <a:cs typeface="Arial" panose="020B0604020202020204" pitchFamily="34" charset="0"/>
+              </a:rPr>
+              <a:t>ứng</a:t>
+            </a:r>
+            <a:r>
+              <a:rPr lang="en-US" dirty="0">
+                <a:latin typeface="Segoe UI Black" panose="020B0A02040204020203" pitchFamily="34" charset="0"/>
+                <a:cs typeface="Arial" panose="020B0604020202020204" pitchFamily="34" charset="0"/>
+              </a:rPr>
+              <a:t> </a:t>
+            </a:r>
+            <a:r>
+              <a:rPr lang="en-US" dirty="0" err="1">
+                <a:latin typeface="Segoe UI Black" panose="020B0A02040204020203" pitchFamily="34" charset="0"/>
+                <a:cs typeface="Arial" panose="020B0604020202020204" pitchFamily="34" charset="0"/>
+              </a:rPr>
+              <a:t>dụng</a:t>
+            </a:r>
+            <a:r>
+              <a:rPr lang="en-US" dirty="0">
+                <a:latin typeface="Segoe UI Black" panose="020B0A02040204020203" pitchFamily="34" charset="0"/>
+                <a:cs typeface="Arial" panose="020B0604020202020204" pitchFamily="34" charset="0"/>
+              </a:rPr>
+              <a:t> </a:t>
+            </a:r>
+            <a:r>
+              <a:rPr lang="en-US" dirty="0" err="1">
+                <a:latin typeface="Segoe UI Black" panose="020B0A02040204020203" pitchFamily="34" charset="0"/>
+                <a:cs typeface="Arial" panose="020B0604020202020204" pitchFamily="34" charset="0"/>
+              </a:rPr>
+              <a:t>bằng</a:t>
+            </a:r>
+            <a:r>
+              <a:rPr lang="en-US" dirty="0">
+                <a:latin typeface="Segoe UI Black" panose="020B0A02040204020203" pitchFamily="34" charset="0"/>
+                <a:cs typeface="Arial" panose="020B0604020202020204" pitchFamily="34" charset="0"/>
+              </a:rPr>
+              <a:t> </a:t>
+            </a:r>
+            <a:r>
+              <a:rPr lang="en-US" dirty="0" err="1">
+                <a:latin typeface="Segoe UI Black" panose="020B0A02040204020203" pitchFamily="34" charset="0"/>
+                <a:cs typeface="Arial" panose="020B0604020202020204" pitchFamily="34" charset="0"/>
+              </a:rPr>
+              <a:t>WebServer</a:t>
+            </a:r>
+            <a:r>
+              <a:rPr lang="en-US" dirty="0">
+                <a:latin typeface="Segoe UI Black" panose="020B0A02040204020203" pitchFamily="34" charset="0"/>
+                <a:cs typeface="Arial" panose="020B0604020202020204" pitchFamily="34" charset="0"/>
+              </a:rPr>
+              <a:t>.</a:t>
             </a:r>
           </a:p>
         </p:txBody>
@@ -3956,8 +4233,20 @@
           <a:lstStyle/>
           <a:p>
             <a:r>
-              <a:rPr lang="en-US"/>
-              <a:t>Chế độ Station</a:t>
+              <a:rPr lang="en-US" sz="3000" dirty="0" err="1"/>
+              <a:t>Chế</a:t>
+            </a:r>
+            <a:r>
+              <a:rPr lang="en-US" sz="3000" dirty="0"/>
+              <a:t> </a:t>
+            </a:r>
+            <a:r>
+              <a:rPr lang="en-US" sz="3000" dirty="0" err="1"/>
+              <a:t>độ</a:t>
+            </a:r>
+            <a:r>
+              <a:rPr lang="en-US" sz="3000" dirty="0"/>
+              <a:t> Station</a:t>
             </a:r>
           </a:p>
         </p:txBody>
@@ -4067,8 +4356,20 @@
           <a:lstStyle/>
           <a:p>
             <a:r>
-              <a:rPr lang="en-US"/>
-              <a:t>Chế độ Station</a:t>
+              <a:rPr lang="en-US" sz="3000" dirty="0" err="1"/>
+              <a:t>Chế</a:t>
+            </a:r>
+            <a:r>
+              <a:rPr lang="en-US" sz="3000" dirty="0"/>
+              <a:t> </a:t>
+            </a:r>
+            <a:r>
+              <a:rPr lang="en-US" sz="3000" dirty="0" err="1"/>
+              <a:t>độ</a:t>
+            </a:r>
+            <a:r>
+              <a:rPr lang="en-US" sz="3000" dirty="0"/>
+              <a:t> Station</a:t>
             </a:r>
           </a:p>
         </p:txBody>
@@ -4178,8 +4479,20 @@
           <a:lstStyle/>
           <a:p>
             <a:r>
-              <a:rPr lang="en-US"/>
-              <a:t>Chế độ AP (Access Point)</a:t>
+              <a:rPr lang="en-US" sz="3000" dirty="0" err="1"/>
+              <a:t>Chế</a:t>
+            </a:r>
+            <a:r>
+              <a:rPr lang="en-US" sz="3000" dirty="0"/>
+              <a:t> </a:t>
+            </a:r>
+            <a:r>
+              <a:rPr lang="en-US" sz="3000" dirty="0" err="1"/>
+              <a:t>độ</a:t>
+            </a:r>
+            <a:r>
+              <a:rPr lang="en-US" sz="3000" dirty="0"/>
+              <a:t> AP (Access Point)</a:t>
             </a:r>
           </a:p>
         </p:txBody>
@@ -4237,17 +4550,787 @@
           <a:p>
             <a:pPr algn="just"/>
             <a:r>
-              <a:rPr lang="en-US">
-                <a:latin typeface="Arial" panose="020B0604020202020204" pitchFamily="34" charset="0"/>
-                <a:cs typeface="Arial" panose="020B0604020202020204" pitchFamily="34" charset="0"/>
-              </a:rPr>
-              <a:t>Access Point (AP - Điểm truy cập) cung cấp khả năng truy cập mạng WiFi cho các thiết bị khác (Station) và kết nối chúng với mạng có dây. ESP32 có thể làm một AP nhưng nó không kết nối có dây với một mạng. Chế độ hoạt động như vậy gọi là soft-AP. Số lượng trạm tối đa kết nối với soft-AP là 5</a:t>
+              <a:rPr lang="en-US" dirty="0">
+                <a:latin typeface="Segoe UI Black" panose="020B0A02040204020203" pitchFamily="34" charset="0"/>
+                <a:cs typeface="Arial" panose="020B0604020202020204" pitchFamily="34" charset="0"/>
+              </a:rPr>
+              <a:t>Access Point (AP - </a:t>
+            </a:r>
+            <a:r>
+              <a:rPr lang="en-US" dirty="0" err="1">
+                <a:latin typeface="Segoe UI Black" panose="020B0A02040204020203" pitchFamily="34" charset="0"/>
+                <a:cs typeface="Arial" panose="020B0604020202020204" pitchFamily="34" charset="0"/>
+              </a:rPr>
+              <a:t>Điểm</a:t>
+            </a:r>
+            <a:r>
+              <a:rPr lang="en-US" dirty="0">
+                <a:latin typeface="Segoe UI Black" panose="020B0A02040204020203" pitchFamily="34" charset="0"/>
+                <a:cs typeface="Arial" panose="020B0604020202020204" pitchFamily="34" charset="0"/>
+              </a:rPr>
+              <a:t> </a:t>
+            </a:r>
+            <a:r>
+              <a:rPr lang="en-US" dirty="0" err="1">
+                <a:latin typeface="Segoe UI Black" panose="020B0A02040204020203" pitchFamily="34" charset="0"/>
+                <a:cs typeface="Arial" panose="020B0604020202020204" pitchFamily="34" charset="0"/>
+              </a:rPr>
+              <a:t>truy</a:t>
+            </a:r>
+            <a:r>
+              <a:rPr lang="en-US" dirty="0">
+                <a:latin typeface="Segoe UI Black" panose="020B0A02040204020203" pitchFamily="34" charset="0"/>
+                <a:cs typeface="Arial" panose="020B0604020202020204" pitchFamily="34" charset="0"/>
+              </a:rPr>
+              <a:t> </a:t>
+            </a:r>
+            <a:r>
+              <a:rPr lang="en-US" dirty="0" err="1">
+                <a:latin typeface="Segoe UI Black" panose="020B0A02040204020203" pitchFamily="34" charset="0"/>
+                <a:cs typeface="Arial" panose="020B0604020202020204" pitchFamily="34" charset="0"/>
+              </a:rPr>
+              <a:t>cập</a:t>
+            </a:r>
+            <a:r>
+              <a:rPr lang="en-US" dirty="0">
+                <a:latin typeface="Segoe UI Black" panose="020B0A02040204020203" pitchFamily="34" charset="0"/>
+                <a:cs typeface="Arial" panose="020B0604020202020204" pitchFamily="34" charset="0"/>
+              </a:rPr>
+              <a:t>) </a:t>
+            </a:r>
+            <a:r>
+              <a:rPr lang="en-US" dirty="0" err="1">
+                <a:latin typeface="Segoe UI Black" panose="020B0A02040204020203" pitchFamily="34" charset="0"/>
+                <a:cs typeface="Arial" panose="020B0604020202020204" pitchFamily="34" charset="0"/>
+              </a:rPr>
+              <a:t>cung</a:t>
+            </a:r>
+            <a:r>
+              <a:rPr lang="en-US" dirty="0">
+                <a:latin typeface="Segoe UI Black" panose="020B0A02040204020203" pitchFamily="34" charset="0"/>
+                <a:cs typeface="Arial" panose="020B0604020202020204" pitchFamily="34" charset="0"/>
+              </a:rPr>
+              <a:t> </a:t>
+            </a:r>
+            <a:r>
+              <a:rPr lang="en-US" dirty="0" err="1">
+                <a:latin typeface="Segoe UI Black" panose="020B0A02040204020203" pitchFamily="34" charset="0"/>
+                <a:cs typeface="Arial" panose="020B0604020202020204" pitchFamily="34" charset="0"/>
+              </a:rPr>
+              <a:t>cấp</a:t>
+            </a:r>
+            <a:r>
+              <a:rPr lang="en-US" dirty="0">
+                <a:latin typeface="Segoe UI Black" panose="020B0A02040204020203" pitchFamily="34" charset="0"/>
+                <a:cs typeface="Arial" panose="020B0604020202020204" pitchFamily="34" charset="0"/>
+              </a:rPr>
+              <a:t> </a:t>
+            </a:r>
+            <a:r>
+              <a:rPr lang="en-US" dirty="0" err="1">
+                <a:latin typeface="Segoe UI Black" panose="020B0A02040204020203" pitchFamily="34" charset="0"/>
+                <a:cs typeface="Arial" panose="020B0604020202020204" pitchFamily="34" charset="0"/>
+              </a:rPr>
+              <a:t>khả</a:t>
+            </a:r>
+            <a:r>
+              <a:rPr lang="en-US" dirty="0">
+                <a:latin typeface="Segoe UI Black" panose="020B0A02040204020203" pitchFamily="34" charset="0"/>
+                <a:cs typeface="Arial" panose="020B0604020202020204" pitchFamily="34" charset="0"/>
+              </a:rPr>
+              <a:t> </a:t>
+            </a:r>
+            <a:r>
+              <a:rPr lang="en-US" dirty="0" err="1">
+                <a:latin typeface="Segoe UI Black" panose="020B0A02040204020203" pitchFamily="34" charset="0"/>
+                <a:cs typeface="Arial" panose="020B0604020202020204" pitchFamily="34" charset="0"/>
+              </a:rPr>
+              <a:t>năng</a:t>
+            </a:r>
+            <a:r>
+              <a:rPr lang="en-US" dirty="0">
+                <a:latin typeface="Segoe UI Black" panose="020B0A02040204020203" pitchFamily="34" charset="0"/>
+                <a:cs typeface="Arial" panose="020B0604020202020204" pitchFamily="34" charset="0"/>
+              </a:rPr>
+              <a:t> </a:t>
+            </a:r>
+            <a:r>
+              <a:rPr lang="en-US" dirty="0" err="1">
+                <a:latin typeface="Segoe UI Black" panose="020B0A02040204020203" pitchFamily="34" charset="0"/>
+                <a:cs typeface="Arial" panose="020B0604020202020204" pitchFamily="34" charset="0"/>
+              </a:rPr>
+              <a:t>truy</a:t>
+            </a:r>
+            <a:r>
+              <a:rPr lang="en-US" dirty="0">
+                <a:latin typeface="Segoe UI Black" panose="020B0A02040204020203" pitchFamily="34" charset="0"/>
+                <a:cs typeface="Arial" panose="020B0604020202020204" pitchFamily="34" charset="0"/>
+              </a:rPr>
+              <a:t> </a:t>
+            </a:r>
+            <a:r>
+              <a:rPr lang="en-US" dirty="0" err="1">
+                <a:latin typeface="Segoe UI Black" panose="020B0A02040204020203" pitchFamily="34" charset="0"/>
+                <a:cs typeface="Arial" panose="020B0604020202020204" pitchFamily="34" charset="0"/>
+              </a:rPr>
+              <a:t>cập</a:t>
+            </a:r>
+            <a:r>
+              <a:rPr lang="en-US" dirty="0">
+                <a:latin typeface="Segoe UI Black" panose="020B0A02040204020203" pitchFamily="34" charset="0"/>
+                <a:cs typeface="Arial" panose="020B0604020202020204" pitchFamily="34" charset="0"/>
+              </a:rPr>
+              <a:t> </a:t>
+            </a:r>
+            <a:r>
+              <a:rPr lang="en-US" dirty="0" err="1">
+                <a:latin typeface="Segoe UI Black" panose="020B0A02040204020203" pitchFamily="34" charset="0"/>
+                <a:cs typeface="Arial" panose="020B0604020202020204" pitchFamily="34" charset="0"/>
+              </a:rPr>
+              <a:t>mạng</a:t>
+            </a:r>
+            <a:r>
+              <a:rPr lang="en-US" dirty="0">
+                <a:latin typeface="Segoe UI Black" panose="020B0A02040204020203" pitchFamily="34" charset="0"/>
+                <a:cs typeface="Arial" panose="020B0604020202020204" pitchFamily="34" charset="0"/>
+              </a:rPr>
+              <a:t> </a:t>
+            </a:r>
+            <a:r>
+              <a:rPr lang="en-US" dirty="0" err="1">
+                <a:latin typeface="Segoe UI Black" panose="020B0A02040204020203" pitchFamily="34" charset="0"/>
+                <a:cs typeface="Arial" panose="020B0604020202020204" pitchFamily="34" charset="0"/>
+              </a:rPr>
+              <a:t>WiFi</a:t>
+            </a:r>
+            <a:r>
+              <a:rPr lang="en-US" dirty="0">
+                <a:latin typeface="Segoe UI Black" panose="020B0A02040204020203" pitchFamily="34" charset="0"/>
+                <a:cs typeface="Arial" panose="020B0604020202020204" pitchFamily="34" charset="0"/>
+              </a:rPr>
+              <a:t> </a:t>
+            </a:r>
+            <a:r>
+              <a:rPr lang="en-US" dirty="0" err="1">
+                <a:latin typeface="Segoe UI Black" panose="020B0A02040204020203" pitchFamily="34" charset="0"/>
+                <a:cs typeface="Arial" panose="020B0604020202020204" pitchFamily="34" charset="0"/>
+              </a:rPr>
+              <a:t>cho</a:t>
+            </a:r>
+            <a:r>
+              <a:rPr lang="en-US" dirty="0">
+                <a:latin typeface="Segoe UI Black" panose="020B0A02040204020203" pitchFamily="34" charset="0"/>
+                <a:cs typeface="Arial" panose="020B0604020202020204" pitchFamily="34" charset="0"/>
+              </a:rPr>
+              <a:t> </a:t>
+            </a:r>
+            <a:r>
+              <a:rPr lang="en-US" dirty="0" err="1">
+                <a:latin typeface="Segoe UI Black" panose="020B0A02040204020203" pitchFamily="34" charset="0"/>
+                <a:cs typeface="Arial" panose="020B0604020202020204" pitchFamily="34" charset="0"/>
+              </a:rPr>
+              <a:t>các</a:t>
+            </a:r>
+            <a:r>
+              <a:rPr lang="en-US" dirty="0">
+                <a:latin typeface="Segoe UI Black" panose="020B0A02040204020203" pitchFamily="34" charset="0"/>
+                <a:cs typeface="Arial" panose="020B0604020202020204" pitchFamily="34" charset="0"/>
+              </a:rPr>
+              <a:t> </a:t>
+            </a:r>
+            <a:r>
+              <a:rPr lang="en-US" dirty="0" err="1">
+                <a:latin typeface="Segoe UI Black" panose="020B0A02040204020203" pitchFamily="34" charset="0"/>
+                <a:cs typeface="Arial" panose="020B0604020202020204" pitchFamily="34" charset="0"/>
+              </a:rPr>
+              <a:t>thiết</a:t>
+            </a:r>
+            <a:r>
+              <a:rPr lang="en-US" dirty="0">
+                <a:latin typeface="Segoe UI Black" panose="020B0A02040204020203" pitchFamily="34" charset="0"/>
+                <a:cs typeface="Arial" panose="020B0604020202020204" pitchFamily="34" charset="0"/>
+              </a:rPr>
+              <a:t> </a:t>
+            </a:r>
+            <a:r>
+              <a:rPr lang="en-US" dirty="0" err="1">
+                <a:latin typeface="Segoe UI Black" panose="020B0A02040204020203" pitchFamily="34" charset="0"/>
+                <a:cs typeface="Arial" panose="020B0604020202020204" pitchFamily="34" charset="0"/>
+              </a:rPr>
+              <a:t>bị</a:t>
+            </a:r>
+            <a:r>
+              <a:rPr lang="en-US" dirty="0">
+                <a:latin typeface="Segoe UI Black" panose="020B0A02040204020203" pitchFamily="34" charset="0"/>
+                <a:cs typeface="Arial" panose="020B0604020202020204" pitchFamily="34" charset="0"/>
+              </a:rPr>
+              <a:t> </a:t>
+            </a:r>
+            <a:r>
+              <a:rPr lang="en-US" dirty="0" err="1">
+                <a:latin typeface="Segoe UI Black" panose="020B0A02040204020203" pitchFamily="34" charset="0"/>
+                <a:cs typeface="Arial" panose="020B0604020202020204" pitchFamily="34" charset="0"/>
+              </a:rPr>
+              <a:t>khác</a:t>
+            </a:r>
+            <a:r>
+              <a:rPr lang="en-US" dirty="0">
+                <a:latin typeface="Segoe UI Black" panose="020B0A02040204020203" pitchFamily="34" charset="0"/>
+                <a:cs typeface="Arial" panose="020B0604020202020204" pitchFamily="34" charset="0"/>
+              </a:rPr>
+              <a:t> (Station) </a:t>
+            </a:r>
+            <a:r>
+              <a:rPr lang="en-US" dirty="0" err="1">
+                <a:latin typeface="Segoe UI Black" panose="020B0A02040204020203" pitchFamily="34" charset="0"/>
+                <a:cs typeface="Arial" panose="020B0604020202020204" pitchFamily="34" charset="0"/>
+              </a:rPr>
+              <a:t>và</a:t>
+            </a:r>
+            <a:r>
+              <a:rPr lang="en-US" dirty="0">
+                <a:latin typeface="Segoe UI Black" panose="020B0A02040204020203" pitchFamily="34" charset="0"/>
+                <a:cs typeface="Arial" panose="020B0604020202020204" pitchFamily="34" charset="0"/>
+              </a:rPr>
+              <a:t> </a:t>
+            </a:r>
+            <a:r>
+              <a:rPr lang="en-US" dirty="0" err="1">
+                <a:latin typeface="Segoe UI Black" panose="020B0A02040204020203" pitchFamily="34" charset="0"/>
+                <a:cs typeface="Arial" panose="020B0604020202020204" pitchFamily="34" charset="0"/>
+              </a:rPr>
+              <a:t>kết</a:t>
+            </a:r>
+            <a:r>
+              <a:rPr lang="en-US" dirty="0">
+                <a:latin typeface="Segoe UI Black" panose="020B0A02040204020203" pitchFamily="34" charset="0"/>
+                <a:cs typeface="Arial" panose="020B0604020202020204" pitchFamily="34" charset="0"/>
+              </a:rPr>
+              <a:t> </a:t>
+            </a:r>
+            <a:r>
+              <a:rPr lang="en-US" dirty="0" err="1">
+                <a:latin typeface="Segoe UI Black" panose="020B0A02040204020203" pitchFamily="34" charset="0"/>
+                <a:cs typeface="Arial" panose="020B0604020202020204" pitchFamily="34" charset="0"/>
+              </a:rPr>
+              <a:t>nối</a:t>
+            </a:r>
+            <a:r>
+              <a:rPr lang="en-US" dirty="0">
+                <a:latin typeface="Segoe UI Black" panose="020B0A02040204020203" pitchFamily="34" charset="0"/>
+                <a:cs typeface="Arial" panose="020B0604020202020204" pitchFamily="34" charset="0"/>
+              </a:rPr>
+              <a:t> </a:t>
+            </a:r>
+            <a:r>
+              <a:rPr lang="en-US" dirty="0" err="1">
+                <a:latin typeface="Segoe UI Black" panose="020B0A02040204020203" pitchFamily="34" charset="0"/>
+                <a:cs typeface="Arial" panose="020B0604020202020204" pitchFamily="34" charset="0"/>
+              </a:rPr>
+              <a:t>chúng</a:t>
+            </a:r>
+            <a:r>
+              <a:rPr lang="en-US" dirty="0">
+                <a:latin typeface="Segoe UI Black" panose="020B0A02040204020203" pitchFamily="34" charset="0"/>
+                <a:cs typeface="Arial" panose="020B0604020202020204" pitchFamily="34" charset="0"/>
+              </a:rPr>
+              <a:t> </a:t>
+            </a:r>
+            <a:r>
+              <a:rPr lang="en-US" dirty="0" err="1">
+                <a:latin typeface="Segoe UI Black" panose="020B0A02040204020203" pitchFamily="34" charset="0"/>
+                <a:cs typeface="Arial" panose="020B0604020202020204" pitchFamily="34" charset="0"/>
+              </a:rPr>
+              <a:t>với</a:t>
+            </a:r>
+            <a:r>
+              <a:rPr lang="en-US" dirty="0">
+                <a:latin typeface="Segoe UI Black" panose="020B0A02040204020203" pitchFamily="34" charset="0"/>
+                <a:cs typeface="Arial" panose="020B0604020202020204" pitchFamily="34" charset="0"/>
+              </a:rPr>
+              <a:t> </a:t>
+            </a:r>
+            <a:r>
+              <a:rPr lang="en-US" dirty="0" err="1">
+                <a:latin typeface="Segoe UI Black" panose="020B0A02040204020203" pitchFamily="34" charset="0"/>
+                <a:cs typeface="Arial" panose="020B0604020202020204" pitchFamily="34" charset="0"/>
+              </a:rPr>
+              <a:t>mạng</a:t>
+            </a:r>
+            <a:r>
+              <a:rPr lang="en-US" dirty="0">
+                <a:latin typeface="Segoe UI Black" panose="020B0A02040204020203" pitchFamily="34" charset="0"/>
+                <a:cs typeface="Arial" panose="020B0604020202020204" pitchFamily="34" charset="0"/>
+              </a:rPr>
+              <a:t> </a:t>
+            </a:r>
+            <a:r>
+              <a:rPr lang="en-US" dirty="0" err="1">
+                <a:latin typeface="Segoe UI Black" panose="020B0A02040204020203" pitchFamily="34" charset="0"/>
+                <a:cs typeface="Arial" panose="020B0604020202020204" pitchFamily="34" charset="0"/>
+              </a:rPr>
+              <a:t>có</a:t>
+            </a:r>
+            <a:r>
+              <a:rPr lang="en-US" dirty="0">
+                <a:latin typeface="Segoe UI Black" panose="020B0A02040204020203" pitchFamily="34" charset="0"/>
+                <a:cs typeface="Arial" panose="020B0604020202020204" pitchFamily="34" charset="0"/>
+              </a:rPr>
+              <a:t> </a:t>
+            </a:r>
+            <a:r>
+              <a:rPr lang="en-US" dirty="0" err="1">
+                <a:latin typeface="Segoe UI Black" panose="020B0A02040204020203" pitchFamily="34" charset="0"/>
+                <a:cs typeface="Arial" panose="020B0604020202020204" pitchFamily="34" charset="0"/>
+              </a:rPr>
+              <a:t>dây</a:t>
+            </a:r>
+            <a:r>
+              <a:rPr lang="en-US" dirty="0">
+                <a:latin typeface="Segoe UI Black" panose="020B0A02040204020203" pitchFamily="34" charset="0"/>
+                <a:cs typeface="Arial" panose="020B0604020202020204" pitchFamily="34" charset="0"/>
+              </a:rPr>
+              <a:t>. ESP32 </a:t>
+            </a:r>
+            <a:r>
+              <a:rPr lang="en-US" dirty="0" err="1">
+                <a:latin typeface="Segoe UI Black" panose="020B0A02040204020203" pitchFamily="34" charset="0"/>
+                <a:cs typeface="Arial" panose="020B0604020202020204" pitchFamily="34" charset="0"/>
+              </a:rPr>
+              <a:t>có</a:t>
+            </a:r>
+            <a:r>
+              <a:rPr lang="en-US" dirty="0">
+                <a:latin typeface="Segoe UI Black" panose="020B0A02040204020203" pitchFamily="34" charset="0"/>
+                <a:cs typeface="Arial" panose="020B0604020202020204" pitchFamily="34" charset="0"/>
+              </a:rPr>
+              <a:t> </a:t>
+            </a:r>
+            <a:r>
+              <a:rPr lang="en-US" dirty="0" err="1">
+                <a:latin typeface="Segoe UI Black" panose="020B0A02040204020203" pitchFamily="34" charset="0"/>
+                <a:cs typeface="Arial" panose="020B0604020202020204" pitchFamily="34" charset="0"/>
+              </a:rPr>
+              <a:t>thể</a:t>
+            </a:r>
+            <a:r>
+              <a:rPr lang="en-US" dirty="0">
+                <a:latin typeface="Segoe UI Black" panose="020B0A02040204020203" pitchFamily="34" charset="0"/>
+                <a:cs typeface="Arial" panose="020B0604020202020204" pitchFamily="34" charset="0"/>
+              </a:rPr>
+              <a:t> </a:t>
+            </a:r>
+            <a:r>
+              <a:rPr lang="en-US" dirty="0" err="1">
+                <a:latin typeface="Segoe UI Black" panose="020B0A02040204020203" pitchFamily="34" charset="0"/>
+                <a:cs typeface="Arial" panose="020B0604020202020204" pitchFamily="34" charset="0"/>
+              </a:rPr>
+              <a:t>làm</a:t>
+            </a:r>
+            <a:r>
+              <a:rPr lang="en-US" dirty="0">
+                <a:latin typeface="Segoe UI Black" panose="020B0A02040204020203" pitchFamily="34" charset="0"/>
+                <a:cs typeface="Arial" panose="020B0604020202020204" pitchFamily="34" charset="0"/>
+              </a:rPr>
+              <a:t> </a:t>
+            </a:r>
+            <a:r>
+              <a:rPr lang="en-US" dirty="0" err="1">
+                <a:latin typeface="Segoe UI Black" panose="020B0A02040204020203" pitchFamily="34" charset="0"/>
+                <a:cs typeface="Arial" panose="020B0604020202020204" pitchFamily="34" charset="0"/>
+              </a:rPr>
+              <a:t>một</a:t>
+            </a:r>
+            <a:r>
+              <a:rPr lang="en-US" dirty="0">
+                <a:latin typeface="Segoe UI Black" panose="020B0A02040204020203" pitchFamily="34" charset="0"/>
+                <a:cs typeface="Arial" panose="020B0604020202020204" pitchFamily="34" charset="0"/>
+              </a:rPr>
+              <a:t> AP </a:t>
+            </a:r>
+            <a:r>
+              <a:rPr lang="en-US" dirty="0" err="1">
+                <a:latin typeface="Segoe UI Black" panose="020B0A02040204020203" pitchFamily="34" charset="0"/>
+                <a:cs typeface="Arial" panose="020B0604020202020204" pitchFamily="34" charset="0"/>
+              </a:rPr>
+              <a:t>nhưng</a:t>
+            </a:r>
+            <a:r>
+              <a:rPr lang="en-US" dirty="0">
+                <a:latin typeface="Segoe UI Black" panose="020B0A02040204020203" pitchFamily="34" charset="0"/>
+                <a:cs typeface="Arial" panose="020B0604020202020204" pitchFamily="34" charset="0"/>
+              </a:rPr>
+              <a:t> </a:t>
+            </a:r>
+            <a:r>
+              <a:rPr lang="en-US" dirty="0" err="1">
+                <a:latin typeface="Segoe UI Black" panose="020B0A02040204020203" pitchFamily="34" charset="0"/>
+                <a:cs typeface="Arial" panose="020B0604020202020204" pitchFamily="34" charset="0"/>
+              </a:rPr>
+              <a:t>nó</a:t>
+            </a:r>
+            <a:r>
+              <a:rPr lang="en-US" dirty="0">
+                <a:latin typeface="Segoe UI Black" panose="020B0A02040204020203" pitchFamily="34" charset="0"/>
+                <a:cs typeface="Arial" panose="020B0604020202020204" pitchFamily="34" charset="0"/>
+              </a:rPr>
+              <a:t> </a:t>
+            </a:r>
+            <a:r>
+              <a:rPr lang="en-US" dirty="0" err="1">
+                <a:latin typeface="Segoe UI Black" panose="020B0A02040204020203" pitchFamily="34" charset="0"/>
+                <a:cs typeface="Arial" panose="020B0604020202020204" pitchFamily="34" charset="0"/>
+              </a:rPr>
+              <a:t>không</a:t>
+            </a:r>
+            <a:r>
+              <a:rPr lang="en-US" dirty="0">
+                <a:latin typeface="Segoe UI Black" panose="020B0A02040204020203" pitchFamily="34" charset="0"/>
+                <a:cs typeface="Arial" panose="020B0604020202020204" pitchFamily="34" charset="0"/>
+              </a:rPr>
+              <a:t> </a:t>
+            </a:r>
+            <a:r>
+              <a:rPr lang="en-US" dirty="0" err="1">
+                <a:latin typeface="Segoe UI Black" panose="020B0A02040204020203" pitchFamily="34" charset="0"/>
+                <a:cs typeface="Arial" panose="020B0604020202020204" pitchFamily="34" charset="0"/>
+              </a:rPr>
+              <a:t>kết</a:t>
+            </a:r>
+            <a:r>
+              <a:rPr lang="en-US" dirty="0">
+                <a:latin typeface="Segoe UI Black" panose="020B0A02040204020203" pitchFamily="34" charset="0"/>
+                <a:cs typeface="Arial" panose="020B0604020202020204" pitchFamily="34" charset="0"/>
+              </a:rPr>
+              <a:t> </a:t>
+            </a:r>
+            <a:r>
+              <a:rPr lang="en-US" dirty="0" err="1">
+                <a:latin typeface="Segoe UI Black" panose="020B0A02040204020203" pitchFamily="34" charset="0"/>
+                <a:cs typeface="Arial" panose="020B0604020202020204" pitchFamily="34" charset="0"/>
+              </a:rPr>
+              <a:t>nối</a:t>
+            </a:r>
+            <a:r>
+              <a:rPr lang="en-US" dirty="0">
+                <a:latin typeface="Segoe UI Black" panose="020B0A02040204020203" pitchFamily="34" charset="0"/>
+                <a:cs typeface="Arial" panose="020B0604020202020204" pitchFamily="34" charset="0"/>
+              </a:rPr>
+              <a:t> </a:t>
+            </a:r>
+            <a:r>
+              <a:rPr lang="en-US" dirty="0" err="1">
+                <a:latin typeface="Segoe UI Black" panose="020B0A02040204020203" pitchFamily="34" charset="0"/>
+                <a:cs typeface="Arial" panose="020B0604020202020204" pitchFamily="34" charset="0"/>
+              </a:rPr>
+              <a:t>có</a:t>
+            </a:r>
+            <a:r>
+              <a:rPr lang="en-US" dirty="0">
+                <a:latin typeface="Segoe UI Black" panose="020B0A02040204020203" pitchFamily="34" charset="0"/>
+                <a:cs typeface="Arial" panose="020B0604020202020204" pitchFamily="34" charset="0"/>
+              </a:rPr>
+              <a:t> </a:t>
+            </a:r>
+            <a:r>
+              <a:rPr lang="en-US" dirty="0" err="1">
+                <a:latin typeface="Segoe UI Black" panose="020B0A02040204020203" pitchFamily="34" charset="0"/>
+                <a:cs typeface="Arial" panose="020B0604020202020204" pitchFamily="34" charset="0"/>
+              </a:rPr>
+              <a:t>dây</a:t>
+            </a:r>
+            <a:r>
+              <a:rPr lang="en-US" dirty="0">
+                <a:latin typeface="Segoe UI Black" panose="020B0A02040204020203" pitchFamily="34" charset="0"/>
+                <a:cs typeface="Arial" panose="020B0604020202020204" pitchFamily="34" charset="0"/>
+              </a:rPr>
+              <a:t> </a:t>
+            </a:r>
+            <a:r>
+              <a:rPr lang="en-US" dirty="0" err="1">
+                <a:latin typeface="Segoe UI Black" panose="020B0A02040204020203" pitchFamily="34" charset="0"/>
+                <a:cs typeface="Arial" panose="020B0604020202020204" pitchFamily="34" charset="0"/>
+              </a:rPr>
+              <a:t>với</a:t>
+            </a:r>
+            <a:r>
+              <a:rPr lang="en-US" dirty="0">
+                <a:latin typeface="Segoe UI Black" panose="020B0A02040204020203" pitchFamily="34" charset="0"/>
+                <a:cs typeface="Arial" panose="020B0604020202020204" pitchFamily="34" charset="0"/>
+              </a:rPr>
+              <a:t> </a:t>
+            </a:r>
+            <a:r>
+              <a:rPr lang="en-US" dirty="0" err="1">
+                <a:latin typeface="Segoe UI Black" panose="020B0A02040204020203" pitchFamily="34" charset="0"/>
+                <a:cs typeface="Arial" panose="020B0604020202020204" pitchFamily="34" charset="0"/>
+              </a:rPr>
+              <a:t>một</a:t>
+            </a:r>
+            <a:r>
+              <a:rPr lang="en-US" dirty="0">
+                <a:latin typeface="Segoe UI Black" panose="020B0A02040204020203" pitchFamily="34" charset="0"/>
+                <a:cs typeface="Arial" panose="020B0604020202020204" pitchFamily="34" charset="0"/>
+              </a:rPr>
+              <a:t> </a:t>
+            </a:r>
+            <a:r>
+              <a:rPr lang="en-US" dirty="0" err="1">
+                <a:latin typeface="Segoe UI Black" panose="020B0A02040204020203" pitchFamily="34" charset="0"/>
+                <a:cs typeface="Arial" panose="020B0604020202020204" pitchFamily="34" charset="0"/>
+              </a:rPr>
+              <a:t>mạng</a:t>
+            </a:r>
+            <a:r>
+              <a:rPr lang="en-US" dirty="0">
+                <a:latin typeface="Segoe UI Black" panose="020B0A02040204020203" pitchFamily="34" charset="0"/>
+                <a:cs typeface="Arial" panose="020B0604020202020204" pitchFamily="34" charset="0"/>
+              </a:rPr>
+              <a:t>. </a:t>
+            </a:r>
+            <a:r>
+              <a:rPr lang="en-US" dirty="0" err="1">
+                <a:latin typeface="Segoe UI Black" panose="020B0A02040204020203" pitchFamily="34" charset="0"/>
+                <a:cs typeface="Arial" panose="020B0604020202020204" pitchFamily="34" charset="0"/>
+              </a:rPr>
+              <a:t>Chế</a:t>
+            </a:r>
+            <a:r>
+              <a:rPr lang="en-US" dirty="0">
+                <a:latin typeface="Segoe UI Black" panose="020B0A02040204020203" pitchFamily="34" charset="0"/>
+                <a:cs typeface="Arial" panose="020B0604020202020204" pitchFamily="34" charset="0"/>
+              </a:rPr>
+              <a:t> </a:t>
+            </a:r>
+            <a:r>
+              <a:rPr lang="en-US" dirty="0" err="1">
+                <a:latin typeface="Segoe UI Black" panose="020B0A02040204020203" pitchFamily="34" charset="0"/>
+                <a:cs typeface="Arial" panose="020B0604020202020204" pitchFamily="34" charset="0"/>
+              </a:rPr>
+              <a:t>độ</a:t>
+            </a:r>
+            <a:r>
+              <a:rPr lang="en-US" dirty="0">
+                <a:latin typeface="Segoe UI Black" panose="020B0A02040204020203" pitchFamily="34" charset="0"/>
+                <a:cs typeface="Arial" panose="020B0604020202020204" pitchFamily="34" charset="0"/>
+              </a:rPr>
+              <a:t> </a:t>
+            </a:r>
+            <a:r>
+              <a:rPr lang="en-US" dirty="0" err="1">
+                <a:latin typeface="Segoe UI Black" panose="020B0A02040204020203" pitchFamily="34" charset="0"/>
+                <a:cs typeface="Arial" panose="020B0604020202020204" pitchFamily="34" charset="0"/>
+              </a:rPr>
+              <a:t>hoạt</a:t>
+            </a:r>
+            <a:r>
+              <a:rPr lang="en-US" dirty="0">
+                <a:latin typeface="Segoe UI Black" panose="020B0A02040204020203" pitchFamily="34" charset="0"/>
+                <a:cs typeface="Arial" panose="020B0604020202020204" pitchFamily="34" charset="0"/>
+              </a:rPr>
+              <a:t> </a:t>
+            </a:r>
+            <a:r>
+              <a:rPr lang="en-US" dirty="0" err="1">
+                <a:latin typeface="Segoe UI Black" panose="020B0A02040204020203" pitchFamily="34" charset="0"/>
+                <a:cs typeface="Arial" panose="020B0604020202020204" pitchFamily="34" charset="0"/>
+              </a:rPr>
+              <a:t>động</a:t>
+            </a:r>
+            <a:r>
+              <a:rPr lang="en-US" dirty="0">
+                <a:latin typeface="Segoe UI Black" panose="020B0A02040204020203" pitchFamily="34" charset="0"/>
+                <a:cs typeface="Arial" panose="020B0604020202020204" pitchFamily="34" charset="0"/>
+              </a:rPr>
+              <a:t> </a:t>
+            </a:r>
+            <a:r>
+              <a:rPr lang="en-US" dirty="0" err="1">
+                <a:latin typeface="Segoe UI Black" panose="020B0A02040204020203" pitchFamily="34" charset="0"/>
+                <a:cs typeface="Arial" panose="020B0604020202020204" pitchFamily="34" charset="0"/>
+              </a:rPr>
+              <a:t>như</a:t>
+            </a:r>
+            <a:r>
+              <a:rPr lang="en-US" dirty="0">
+                <a:latin typeface="Segoe UI Black" panose="020B0A02040204020203" pitchFamily="34" charset="0"/>
+                <a:cs typeface="Arial" panose="020B0604020202020204" pitchFamily="34" charset="0"/>
+              </a:rPr>
+              <a:t> </a:t>
+            </a:r>
+            <a:r>
+              <a:rPr lang="en-US" dirty="0" err="1">
+                <a:latin typeface="Segoe UI Black" panose="020B0A02040204020203" pitchFamily="34" charset="0"/>
+                <a:cs typeface="Arial" panose="020B0604020202020204" pitchFamily="34" charset="0"/>
+              </a:rPr>
+              <a:t>vậy</a:t>
+            </a:r>
+            <a:r>
+              <a:rPr lang="en-US" dirty="0">
+                <a:latin typeface="Segoe UI Black" panose="020B0A02040204020203" pitchFamily="34" charset="0"/>
+                <a:cs typeface="Arial" panose="020B0604020202020204" pitchFamily="34" charset="0"/>
+              </a:rPr>
+              <a:t> </a:t>
+            </a:r>
+            <a:r>
+              <a:rPr lang="en-US" dirty="0" err="1">
+                <a:latin typeface="Segoe UI Black" panose="020B0A02040204020203" pitchFamily="34" charset="0"/>
+                <a:cs typeface="Arial" panose="020B0604020202020204" pitchFamily="34" charset="0"/>
+              </a:rPr>
+              <a:t>gọi</a:t>
+            </a:r>
+            <a:r>
+              <a:rPr lang="en-US" dirty="0">
+                <a:latin typeface="Segoe UI Black" panose="020B0A02040204020203" pitchFamily="34" charset="0"/>
+                <a:cs typeface="Arial" panose="020B0604020202020204" pitchFamily="34" charset="0"/>
+              </a:rPr>
+              <a:t> </a:t>
+            </a:r>
+            <a:r>
+              <a:rPr lang="en-US" dirty="0" err="1">
+                <a:latin typeface="Segoe UI Black" panose="020B0A02040204020203" pitchFamily="34" charset="0"/>
+                <a:cs typeface="Arial" panose="020B0604020202020204" pitchFamily="34" charset="0"/>
+              </a:rPr>
+              <a:t>là</a:t>
+            </a:r>
+            <a:r>
+              <a:rPr lang="en-US" dirty="0">
+                <a:latin typeface="Segoe UI Black" panose="020B0A02040204020203" pitchFamily="34" charset="0"/>
+                <a:cs typeface="Arial" panose="020B0604020202020204" pitchFamily="34" charset="0"/>
+              </a:rPr>
+              <a:t> soft-AP. </a:t>
+            </a:r>
+            <a:r>
+              <a:rPr lang="en-US" dirty="0" err="1">
+                <a:latin typeface="Segoe UI Black" panose="020B0A02040204020203" pitchFamily="34" charset="0"/>
+                <a:cs typeface="Arial" panose="020B0604020202020204" pitchFamily="34" charset="0"/>
+              </a:rPr>
+              <a:t>Số</a:t>
+            </a:r>
+            <a:r>
+              <a:rPr lang="en-US" dirty="0">
+                <a:latin typeface="Segoe UI Black" panose="020B0A02040204020203" pitchFamily="34" charset="0"/>
+                <a:cs typeface="Arial" panose="020B0604020202020204" pitchFamily="34" charset="0"/>
+              </a:rPr>
+              <a:t> </a:t>
+            </a:r>
+            <a:r>
+              <a:rPr lang="en-US" dirty="0" err="1">
+                <a:latin typeface="Segoe UI Black" panose="020B0A02040204020203" pitchFamily="34" charset="0"/>
+                <a:cs typeface="Arial" panose="020B0604020202020204" pitchFamily="34" charset="0"/>
+              </a:rPr>
+              <a:t>lượng</a:t>
+            </a:r>
+            <a:r>
+              <a:rPr lang="en-US" dirty="0">
+                <a:latin typeface="Segoe UI Black" panose="020B0A02040204020203" pitchFamily="34" charset="0"/>
+                <a:cs typeface="Arial" panose="020B0604020202020204" pitchFamily="34" charset="0"/>
+              </a:rPr>
+              <a:t> </a:t>
+            </a:r>
+            <a:r>
+              <a:rPr lang="en-US" dirty="0" err="1">
+                <a:latin typeface="Segoe UI Black" panose="020B0A02040204020203" pitchFamily="34" charset="0"/>
+                <a:cs typeface="Arial" panose="020B0604020202020204" pitchFamily="34" charset="0"/>
+              </a:rPr>
+              <a:t>trạm</a:t>
+            </a:r>
+            <a:r>
+              <a:rPr lang="en-US" dirty="0">
+                <a:latin typeface="Segoe UI Black" panose="020B0A02040204020203" pitchFamily="34" charset="0"/>
+                <a:cs typeface="Arial" panose="020B0604020202020204" pitchFamily="34" charset="0"/>
+              </a:rPr>
+              <a:t> </a:t>
+            </a:r>
+            <a:r>
+              <a:rPr lang="en-US" dirty="0" err="1">
+                <a:latin typeface="Segoe UI Black" panose="020B0A02040204020203" pitchFamily="34" charset="0"/>
+                <a:cs typeface="Arial" panose="020B0604020202020204" pitchFamily="34" charset="0"/>
+              </a:rPr>
+              <a:t>tối</a:t>
+            </a:r>
+            <a:r>
+              <a:rPr lang="en-US" dirty="0">
+                <a:latin typeface="Segoe UI Black" panose="020B0A02040204020203" pitchFamily="34" charset="0"/>
+                <a:cs typeface="Arial" panose="020B0604020202020204" pitchFamily="34" charset="0"/>
+              </a:rPr>
+              <a:t> </a:t>
+            </a:r>
+            <a:r>
+              <a:rPr lang="en-US" dirty="0" err="1">
+                <a:latin typeface="Segoe UI Black" panose="020B0A02040204020203" pitchFamily="34" charset="0"/>
+                <a:cs typeface="Arial" panose="020B0604020202020204" pitchFamily="34" charset="0"/>
+              </a:rPr>
+              <a:t>đa</a:t>
+            </a:r>
+            <a:r>
+              <a:rPr lang="en-US" dirty="0">
+                <a:latin typeface="Segoe UI Black" panose="020B0A02040204020203" pitchFamily="34" charset="0"/>
+                <a:cs typeface="Arial" panose="020B0604020202020204" pitchFamily="34" charset="0"/>
+              </a:rPr>
+              <a:t> </a:t>
+            </a:r>
+            <a:r>
+              <a:rPr lang="en-US" dirty="0" err="1">
+                <a:latin typeface="Segoe UI Black" panose="020B0A02040204020203" pitchFamily="34" charset="0"/>
+                <a:cs typeface="Arial" panose="020B0604020202020204" pitchFamily="34" charset="0"/>
+              </a:rPr>
+              <a:t>kết</a:t>
+            </a:r>
+            <a:r>
+              <a:rPr lang="en-US" dirty="0">
+                <a:latin typeface="Segoe UI Black" panose="020B0A02040204020203" pitchFamily="34" charset="0"/>
+                <a:cs typeface="Arial" panose="020B0604020202020204" pitchFamily="34" charset="0"/>
+              </a:rPr>
+              <a:t> </a:t>
+            </a:r>
+            <a:r>
+              <a:rPr lang="en-US" dirty="0" err="1">
+                <a:latin typeface="Segoe UI Black" panose="020B0A02040204020203" pitchFamily="34" charset="0"/>
+                <a:cs typeface="Arial" panose="020B0604020202020204" pitchFamily="34" charset="0"/>
+              </a:rPr>
+              <a:t>nối</a:t>
+            </a:r>
+            <a:r>
+              <a:rPr lang="en-US" dirty="0">
+                <a:latin typeface="Segoe UI Black" panose="020B0A02040204020203" pitchFamily="34" charset="0"/>
+                <a:cs typeface="Arial" panose="020B0604020202020204" pitchFamily="34" charset="0"/>
+              </a:rPr>
+              <a:t> </a:t>
+            </a:r>
+            <a:r>
+              <a:rPr lang="en-US" dirty="0" err="1">
+                <a:latin typeface="Segoe UI Black" panose="020B0A02040204020203" pitchFamily="34" charset="0"/>
+                <a:cs typeface="Arial" panose="020B0604020202020204" pitchFamily="34" charset="0"/>
+              </a:rPr>
+              <a:t>với</a:t>
+            </a:r>
+            <a:r>
+              <a:rPr lang="en-US" dirty="0">
+                <a:latin typeface="Segoe UI Black" panose="020B0A02040204020203" pitchFamily="34" charset="0"/>
+                <a:cs typeface="Arial" panose="020B0604020202020204" pitchFamily="34" charset="0"/>
+              </a:rPr>
+              <a:t> soft-AP </a:t>
+            </a:r>
+            <a:r>
+              <a:rPr lang="en-US" dirty="0" err="1">
+                <a:latin typeface="Segoe UI Black" panose="020B0A02040204020203" pitchFamily="34" charset="0"/>
+                <a:cs typeface="Arial" panose="020B0604020202020204" pitchFamily="34" charset="0"/>
+              </a:rPr>
+              <a:t>là</a:t>
+            </a:r>
+            <a:r>
+              <a:rPr lang="en-US" dirty="0">
+                <a:latin typeface="Segoe UI Black" panose="020B0A02040204020203" pitchFamily="34" charset="0"/>
+                <a:cs typeface="Arial" panose="020B0604020202020204" pitchFamily="34" charset="0"/>
+              </a:rPr>
+              <a:t> 5</a:t>
             </a:r>
           </a:p>
           <a:p>
             <a:pPr algn="just"/>
-            <a:endParaRPr lang="en-US">
-              <a:latin typeface="Arial" panose="020B0604020202020204" pitchFamily="34" charset="0"/>
+            <a:endParaRPr lang="en-US" dirty="0">
+              <a:latin typeface="Segoe UI Black" panose="020B0A02040204020203" pitchFamily="34" charset="0"/>
               <a:cs typeface="Arial" panose="020B0604020202020204" pitchFamily="34" charset="0"/>
             </a:endParaRPr>
           </a:p>
@@ -4335,8 +5418,20 @@
           <a:lstStyle/>
           <a:p>
             <a:r>
-              <a:rPr lang="en-US"/>
-              <a:t>Chế độ AP (Access Point)</a:t>
+              <a:rPr lang="en-US" sz="3000" dirty="0" err="1"/>
+              <a:t>Chế</a:t>
+            </a:r>
+            <a:r>
+              <a:rPr lang="en-US" sz="3000" dirty="0"/>
+              <a:t> </a:t>
+            </a:r>
+            <a:r>
+              <a:rPr lang="en-US" sz="3000" dirty="0" err="1"/>
+              <a:t>độ</a:t>
+            </a:r>
+            <a:r>
+              <a:rPr lang="en-US" sz="3000" dirty="0"/>
+              <a:t> AP (Access Point)</a:t>
             </a:r>
           </a:p>
         </p:txBody>
@@ -4394,45 +5489,1816 @@
           <a:p>
             <a:pPr algn="just"/>
             <a:r>
-              <a:rPr lang="en-US">
-                <a:latin typeface="Arial" panose="020B0604020202020204" pitchFamily="34" charset="0"/>
-                <a:cs typeface="Arial" panose="020B0604020202020204" pitchFamily="34" charset="0"/>
-              </a:rPr>
-              <a:t>Chế độ soft access point (soft-AP) được dùng để hỗ trợ việc kết nối vào mạng Wifi. Khi đó, ta thiết lập một mạng WiFi mới với SSID và password do ta thiết lập. Sau khi thiết lập Wifi ở chế độ soft Access point, thì các thiết bị có thể kết nối tới mạng WiFi đó. Khi đó, ta có thể quản lí các kết nối với các trạm kết nối (station).</a:t>
+              <a:rPr lang="en-US" dirty="0" err="1">
+                <a:latin typeface="Segoe UI Black" panose="020B0A02040204020203" pitchFamily="34" charset="0"/>
+                <a:cs typeface="Arial" panose="020B0604020202020204" pitchFamily="34" charset="0"/>
+              </a:rPr>
+              <a:t>Chế</a:t>
+            </a:r>
+            <a:r>
+              <a:rPr lang="en-US" dirty="0">
+                <a:latin typeface="Segoe UI Black" panose="020B0A02040204020203" pitchFamily="34" charset="0"/>
+                <a:cs typeface="Arial" panose="020B0604020202020204" pitchFamily="34" charset="0"/>
+              </a:rPr>
+              <a:t> </a:t>
+            </a:r>
+            <a:r>
+              <a:rPr lang="en-US" dirty="0" err="1">
+                <a:latin typeface="Segoe UI Black" panose="020B0A02040204020203" pitchFamily="34" charset="0"/>
+                <a:cs typeface="Arial" panose="020B0604020202020204" pitchFamily="34" charset="0"/>
+              </a:rPr>
+              <a:t>độ</a:t>
+            </a:r>
+            <a:r>
+              <a:rPr lang="en-US" dirty="0">
+                <a:latin typeface="Segoe UI Black" panose="020B0A02040204020203" pitchFamily="34" charset="0"/>
+                <a:cs typeface="Arial" panose="020B0604020202020204" pitchFamily="34" charset="0"/>
+              </a:rPr>
+              <a:t> soft access point (soft-AP) </a:t>
+            </a:r>
+            <a:r>
+              <a:rPr lang="en-US" dirty="0" err="1">
+                <a:latin typeface="Segoe UI Black" panose="020B0A02040204020203" pitchFamily="34" charset="0"/>
+                <a:cs typeface="Arial" panose="020B0604020202020204" pitchFamily="34" charset="0"/>
+              </a:rPr>
+              <a:t>được</a:t>
+            </a:r>
+            <a:r>
+              <a:rPr lang="en-US" dirty="0">
+                <a:latin typeface="Segoe UI Black" panose="020B0A02040204020203" pitchFamily="34" charset="0"/>
+                <a:cs typeface="Arial" panose="020B0604020202020204" pitchFamily="34" charset="0"/>
+              </a:rPr>
+              <a:t> </a:t>
+            </a:r>
+            <a:r>
+              <a:rPr lang="en-US" dirty="0" err="1">
+                <a:latin typeface="Segoe UI Black" panose="020B0A02040204020203" pitchFamily="34" charset="0"/>
+                <a:cs typeface="Arial" panose="020B0604020202020204" pitchFamily="34" charset="0"/>
+              </a:rPr>
+              <a:t>dùng</a:t>
+            </a:r>
+            <a:r>
+              <a:rPr lang="en-US" dirty="0">
+                <a:latin typeface="Segoe UI Black" panose="020B0A02040204020203" pitchFamily="34" charset="0"/>
+                <a:cs typeface="Arial" panose="020B0604020202020204" pitchFamily="34" charset="0"/>
+              </a:rPr>
+              <a:t> </a:t>
+            </a:r>
+            <a:r>
+              <a:rPr lang="en-US" dirty="0" err="1">
+                <a:latin typeface="Segoe UI Black" panose="020B0A02040204020203" pitchFamily="34" charset="0"/>
+                <a:cs typeface="Arial" panose="020B0604020202020204" pitchFamily="34" charset="0"/>
+              </a:rPr>
+              <a:t>để</a:t>
+            </a:r>
+            <a:r>
+              <a:rPr lang="en-US" dirty="0">
+                <a:latin typeface="Segoe UI Black" panose="020B0A02040204020203" pitchFamily="34" charset="0"/>
+                <a:cs typeface="Arial" panose="020B0604020202020204" pitchFamily="34" charset="0"/>
+              </a:rPr>
+              <a:t> </a:t>
+            </a:r>
+            <a:r>
+              <a:rPr lang="en-US" dirty="0" err="1">
+                <a:latin typeface="Segoe UI Black" panose="020B0A02040204020203" pitchFamily="34" charset="0"/>
+                <a:cs typeface="Arial" panose="020B0604020202020204" pitchFamily="34" charset="0"/>
+              </a:rPr>
+              <a:t>hỗ</a:t>
+            </a:r>
+            <a:r>
+              <a:rPr lang="en-US" dirty="0">
+                <a:latin typeface="Segoe UI Black" panose="020B0A02040204020203" pitchFamily="34" charset="0"/>
+                <a:cs typeface="Arial" panose="020B0604020202020204" pitchFamily="34" charset="0"/>
+              </a:rPr>
+              <a:t> </a:t>
+            </a:r>
+            <a:r>
+              <a:rPr lang="en-US" dirty="0" err="1">
+                <a:latin typeface="Segoe UI Black" panose="020B0A02040204020203" pitchFamily="34" charset="0"/>
+                <a:cs typeface="Arial" panose="020B0604020202020204" pitchFamily="34" charset="0"/>
+              </a:rPr>
+              <a:t>trợ</a:t>
+            </a:r>
+            <a:r>
+              <a:rPr lang="en-US" dirty="0">
+                <a:latin typeface="Segoe UI Black" panose="020B0A02040204020203" pitchFamily="34" charset="0"/>
+                <a:cs typeface="Arial" panose="020B0604020202020204" pitchFamily="34" charset="0"/>
+              </a:rPr>
+              <a:t> </a:t>
+            </a:r>
+            <a:r>
+              <a:rPr lang="en-US" dirty="0" err="1">
+                <a:latin typeface="Segoe UI Black" panose="020B0A02040204020203" pitchFamily="34" charset="0"/>
+                <a:cs typeface="Arial" panose="020B0604020202020204" pitchFamily="34" charset="0"/>
+              </a:rPr>
+              <a:t>việc</a:t>
+            </a:r>
+            <a:r>
+              <a:rPr lang="en-US" dirty="0">
+                <a:latin typeface="Segoe UI Black" panose="020B0A02040204020203" pitchFamily="34" charset="0"/>
+                <a:cs typeface="Arial" panose="020B0604020202020204" pitchFamily="34" charset="0"/>
+              </a:rPr>
+              <a:t> </a:t>
+            </a:r>
+            <a:r>
+              <a:rPr lang="en-US" dirty="0" err="1">
+                <a:latin typeface="Segoe UI Black" panose="020B0A02040204020203" pitchFamily="34" charset="0"/>
+                <a:cs typeface="Arial" panose="020B0604020202020204" pitchFamily="34" charset="0"/>
+              </a:rPr>
+              <a:t>kết</a:t>
+            </a:r>
+            <a:r>
+              <a:rPr lang="en-US" dirty="0">
+                <a:latin typeface="Segoe UI Black" panose="020B0A02040204020203" pitchFamily="34" charset="0"/>
+                <a:cs typeface="Arial" panose="020B0604020202020204" pitchFamily="34" charset="0"/>
+              </a:rPr>
+              <a:t> </a:t>
+            </a:r>
+            <a:r>
+              <a:rPr lang="en-US" dirty="0" err="1">
+                <a:latin typeface="Segoe UI Black" panose="020B0A02040204020203" pitchFamily="34" charset="0"/>
+                <a:cs typeface="Arial" panose="020B0604020202020204" pitchFamily="34" charset="0"/>
+              </a:rPr>
+              <a:t>nối</a:t>
+            </a:r>
+            <a:r>
+              <a:rPr lang="en-US" dirty="0">
+                <a:latin typeface="Segoe UI Black" panose="020B0A02040204020203" pitchFamily="34" charset="0"/>
+                <a:cs typeface="Arial" panose="020B0604020202020204" pitchFamily="34" charset="0"/>
+              </a:rPr>
+              <a:t> </a:t>
+            </a:r>
+            <a:r>
+              <a:rPr lang="en-US" dirty="0" err="1">
+                <a:latin typeface="Segoe UI Black" panose="020B0A02040204020203" pitchFamily="34" charset="0"/>
+                <a:cs typeface="Arial" panose="020B0604020202020204" pitchFamily="34" charset="0"/>
+              </a:rPr>
+              <a:t>vào</a:t>
+            </a:r>
+            <a:r>
+              <a:rPr lang="en-US" dirty="0">
+                <a:latin typeface="Segoe UI Black" panose="020B0A02040204020203" pitchFamily="34" charset="0"/>
+                <a:cs typeface="Arial" panose="020B0604020202020204" pitchFamily="34" charset="0"/>
+              </a:rPr>
+              <a:t> </a:t>
+            </a:r>
+            <a:r>
+              <a:rPr lang="en-US" dirty="0" err="1">
+                <a:latin typeface="Segoe UI Black" panose="020B0A02040204020203" pitchFamily="34" charset="0"/>
+                <a:cs typeface="Arial" panose="020B0604020202020204" pitchFamily="34" charset="0"/>
+              </a:rPr>
+              <a:t>mạng</a:t>
+            </a:r>
+            <a:r>
+              <a:rPr lang="en-US" dirty="0">
+                <a:latin typeface="Segoe UI Black" panose="020B0A02040204020203" pitchFamily="34" charset="0"/>
+                <a:cs typeface="Arial" panose="020B0604020202020204" pitchFamily="34" charset="0"/>
+              </a:rPr>
+              <a:t> </a:t>
+            </a:r>
+            <a:r>
+              <a:rPr lang="en-US" dirty="0" err="1">
+                <a:latin typeface="Segoe UI Black" panose="020B0A02040204020203" pitchFamily="34" charset="0"/>
+                <a:cs typeface="Arial" panose="020B0604020202020204" pitchFamily="34" charset="0"/>
+              </a:rPr>
+              <a:t>Wifi</a:t>
+            </a:r>
+            <a:r>
+              <a:rPr lang="en-US" dirty="0">
+                <a:latin typeface="Segoe UI Black" panose="020B0A02040204020203" pitchFamily="34" charset="0"/>
+                <a:cs typeface="Arial" panose="020B0604020202020204" pitchFamily="34" charset="0"/>
+              </a:rPr>
+              <a:t>. Khi </a:t>
+            </a:r>
+            <a:r>
+              <a:rPr lang="en-US" dirty="0" err="1">
+                <a:latin typeface="Segoe UI Black" panose="020B0A02040204020203" pitchFamily="34" charset="0"/>
+                <a:cs typeface="Arial" panose="020B0604020202020204" pitchFamily="34" charset="0"/>
+              </a:rPr>
+              <a:t>đó</a:t>
+            </a:r>
+            <a:r>
+              <a:rPr lang="en-US" dirty="0">
+                <a:latin typeface="Segoe UI Black" panose="020B0A02040204020203" pitchFamily="34" charset="0"/>
+                <a:cs typeface="Arial" panose="020B0604020202020204" pitchFamily="34" charset="0"/>
+              </a:rPr>
+              <a:t>, ta </a:t>
+            </a:r>
+            <a:r>
+              <a:rPr lang="en-US" dirty="0" err="1">
+                <a:latin typeface="Segoe UI Black" panose="020B0A02040204020203" pitchFamily="34" charset="0"/>
+                <a:cs typeface="Arial" panose="020B0604020202020204" pitchFamily="34" charset="0"/>
+              </a:rPr>
+              <a:t>thiết</a:t>
+            </a:r>
+            <a:r>
+              <a:rPr lang="en-US" dirty="0">
+                <a:latin typeface="Segoe UI Black" panose="020B0A02040204020203" pitchFamily="34" charset="0"/>
+                <a:cs typeface="Arial" panose="020B0604020202020204" pitchFamily="34" charset="0"/>
+              </a:rPr>
+              <a:t> </a:t>
+            </a:r>
+            <a:r>
+              <a:rPr lang="en-US" dirty="0" err="1">
+                <a:latin typeface="Segoe UI Black" panose="020B0A02040204020203" pitchFamily="34" charset="0"/>
+                <a:cs typeface="Arial" panose="020B0604020202020204" pitchFamily="34" charset="0"/>
+              </a:rPr>
+              <a:t>lập</a:t>
+            </a:r>
+            <a:r>
+              <a:rPr lang="en-US" dirty="0">
+                <a:latin typeface="Segoe UI Black" panose="020B0A02040204020203" pitchFamily="34" charset="0"/>
+                <a:cs typeface="Arial" panose="020B0604020202020204" pitchFamily="34" charset="0"/>
+              </a:rPr>
+              <a:t> </a:t>
+            </a:r>
+            <a:r>
+              <a:rPr lang="en-US" dirty="0" err="1">
+                <a:latin typeface="Segoe UI Black" panose="020B0A02040204020203" pitchFamily="34" charset="0"/>
+                <a:cs typeface="Arial" panose="020B0604020202020204" pitchFamily="34" charset="0"/>
+              </a:rPr>
+              <a:t>một</a:t>
+            </a:r>
+            <a:r>
+              <a:rPr lang="en-US" dirty="0">
+                <a:latin typeface="Segoe UI Black" panose="020B0A02040204020203" pitchFamily="34" charset="0"/>
+                <a:cs typeface="Arial" panose="020B0604020202020204" pitchFamily="34" charset="0"/>
+              </a:rPr>
+              <a:t> </a:t>
+            </a:r>
+            <a:r>
+              <a:rPr lang="en-US" dirty="0" err="1">
+                <a:latin typeface="Segoe UI Black" panose="020B0A02040204020203" pitchFamily="34" charset="0"/>
+                <a:cs typeface="Arial" panose="020B0604020202020204" pitchFamily="34" charset="0"/>
+              </a:rPr>
+              <a:t>mạng</a:t>
+            </a:r>
+            <a:r>
+              <a:rPr lang="en-US" dirty="0">
+                <a:latin typeface="Segoe UI Black" panose="020B0A02040204020203" pitchFamily="34" charset="0"/>
+                <a:cs typeface="Arial" panose="020B0604020202020204" pitchFamily="34" charset="0"/>
+              </a:rPr>
+              <a:t> </a:t>
+            </a:r>
+            <a:r>
+              <a:rPr lang="en-US" dirty="0" err="1">
+                <a:latin typeface="Segoe UI Black" panose="020B0A02040204020203" pitchFamily="34" charset="0"/>
+                <a:cs typeface="Arial" panose="020B0604020202020204" pitchFamily="34" charset="0"/>
+              </a:rPr>
+              <a:t>WiFi</a:t>
+            </a:r>
+            <a:r>
+              <a:rPr lang="en-US" dirty="0">
+                <a:latin typeface="Segoe UI Black" panose="020B0A02040204020203" pitchFamily="34" charset="0"/>
+                <a:cs typeface="Arial" panose="020B0604020202020204" pitchFamily="34" charset="0"/>
+              </a:rPr>
+              <a:t> </a:t>
+            </a:r>
+            <a:r>
+              <a:rPr lang="en-US" dirty="0" err="1">
+                <a:latin typeface="Segoe UI Black" panose="020B0A02040204020203" pitchFamily="34" charset="0"/>
+                <a:cs typeface="Arial" panose="020B0604020202020204" pitchFamily="34" charset="0"/>
+              </a:rPr>
+              <a:t>mới</a:t>
+            </a:r>
+            <a:r>
+              <a:rPr lang="en-US" dirty="0">
+                <a:latin typeface="Segoe UI Black" panose="020B0A02040204020203" pitchFamily="34" charset="0"/>
+                <a:cs typeface="Arial" panose="020B0604020202020204" pitchFamily="34" charset="0"/>
+              </a:rPr>
+              <a:t> </a:t>
+            </a:r>
+            <a:r>
+              <a:rPr lang="en-US" dirty="0" err="1">
+                <a:latin typeface="Segoe UI Black" panose="020B0A02040204020203" pitchFamily="34" charset="0"/>
+                <a:cs typeface="Arial" panose="020B0604020202020204" pitchFamily="34" charset="0"/>
+              </a:rPr>
+              <a:t>với</a:t>
+            </a:r>
+            <a:r>
+              <a:rPr lang="en-US" dirty="0">
+                <a:latin typeface="Segoe UI Black" panose="020B0A02040204020203" pitchFamily="34" charset="0"/>
+                <a:cs typeface="Arial" panose="020B0604020202020204" pitchFamily="34" charset="0"/>
+              </a:rPr>
+              <a:t> SSID </a:t>
+            </a:r>
+            <a:r>
+              <a:rPr lang="en-US" dirty="0" err="1">
+                <a:latin typeface="Segoe UI Black" panose="020B0A02040204020203" pitchFamily="34" charset="0"/>
+                <a:cs typeface="Arial" panose="020B0604020202020204" pitchFamily="34" charset="0"/>
+              </a:rPr>
+              <a:t>và</a:t>
+            </a:r>
+            <a:r>
+              <a:rPr lang="en-US" dirty="0">
+                <a:latin typeface="Segoe UI Black" panose="020B0A02040204020203" pitchFamily="34" charset="0"/>
+                <a:cs typeface="Arial" panose="020B0604020202020204" pitchFamily="34" charset="0"/>
+              </a:rPr>
+              <a:t> password do ta </a:t>
+            </a:r>
+            <a:r>
+              <a:rPr lang="en-US" dirty="0" err="1">
+                <a:latin typeface="Segoe UI Black" panose="020B0A02040204020203" pitchFamily="34" charset="0"/>
+                <a:cs typeface="Arial" panose="020B0604020202020204" pitchFamily="34" charset="0"/>
+              </a:rPr>
+              <a:t>thiết</a:t>
+            </a:r>
+            <a:r>
+              <a:rPr lang="en-US" dirty="0">
+                <a:latin typeface="Segoe UI Black" panose="020B0A02040204020203" pitchFamily="34" charset="0"/>
+                <a:cs typeface="Arial" panose="020B0604020202020204" pitchFamily="34" charset="0"/>
+              </a:rPr>
+              <a:t> </a:t>
+            </a:r>
+            <a:r>
+              <a:rPr lang="en-US" dirty="0" err="1">
+                <a:latin typeface="Segoe UI Black" panose="020B0A02040204020203" pitchFamily="34" charset="0"/>
+                <a:cs typeface="Arial" panose="020B0604020202020204" pitchFamily="34" charset="0"/>
+              </a:rPr>
+              <a:t>lập</a:t>
+            </a:r>
+            <a:r>
+              <a:rPr lang="en-US" dirty="0">
+                <a:latin typeface="Segoe UI Black" panose="020B0A02040204020203" pitchFamily="34" charset="0"/>
+                <a:cs typeface="Arial" panose="020B0604020202020204" pitchFamily="34" charset="0"/>
+              </a:rPr>
+              <a:t>. Sau </a:t>
+            </a:r>
+            <a:r>
+              <a:rPr lang="en-US" dirty="0" err="1">
+                <a:latin typeface="Segoe UI Black" panose="020B0A02040204020203" pitchFamily="34" charset="0"/>
+                <a:cs typeface="Arial" panose="020B0604020202020204" pitchFamily="34" charset="0"/>
+              </a:rPr>
+              <a:t>khi</a:t>
+            </a:r>
+            <a:r>
+              <a:rPr lang="en-US" dirty="0">
+                <a:latin typeface="Segoe UI Black" panose="020B0A02040204020203" pitchFamily="34" charset="0"/>
+                <a:cs typeface="Arial" panose="020B0604020202020204" pitchFamily="34" charset="0"/>
+              </a:rPr>
+              <a:t> </a:t>
+            </a:r>
+            <a:r>
+              <a:rPr lang="en-US" dirty="0" err="1">
+                <a:latin typeface="Segoe UI Black" panose="020B0A02040204020203" pitchFamily="34" charset="0"/>
+                <a:cs typeface="Arial" panose="020B0604020202020204" pitchFamily="34" charset="0"/>
+              </a:rPr>
+              <a:t>thiết</a:t>
+            </a:r>
+            <a:r>
+              <a:rPr lang="en-US" dirty="0">
+                <a:latin typeface="Segoe UI Black" panose="020B0A02040204020203" pitchFamily="34" charset="0"/>
+                <a:cs typeface="Arial" panose="020B0604020202020204" pitchFamily="34" charset="0"/>
+              </a:rPr>
+              <a:t> </a:t>
+            </a:r>
+            <a:r>
+              <a:rPr lang="en-US" dirty="0" err="1">
+                <a:latin typeface="Segoe UI Black" panose="020B0A02040204020203" pitchFamily="34" charset="0"/>
+                <a:cs typeface="Arial" panose="020B0604020202020204" pitchFamily="34" charset="0"/>
+              </a:rPr>
+              <a:t>lập</a:t>
+            </a:r>
+            <a:r>
+              <a:rPr lang="en-US" dirty="0">
+                <a:latin typeface="Segoe UI Black" panose="020B0A02040204020203" pitchFamily="34" charset="0"/>
+                <a:cs typeface="Arial" panose="020B0604020202020204" pitchFamily="34" charset="0"/>
+              </a:rPr>
+              <a:t> </a:t>
+            </a:r>
+            <a:r>
+              <a:rPr lang="en-US" dirty="0" err="1">
+                <a:latin typeface="Segoe UI Black" panose="020B0A02040204020203" pitchFamily="34" charset="0"/>
+                <a:cs typeface="Arial" panose="020B0604020202020204" pitchFamily="34" charset="0"/>
+              </a:rPr>
+              <a:t>Wifi</a:t>
+            </a:r>
+            <a:r>
+              <a:rPr lang="en-US" dirty="0">
+                <a:latin typeface="Segoe UI Black" panose="020B0A02040204020203" pitchFamily="34" charset="0"/>
+                <a:cs typeface="Arial" panose="020B0604020202020204" pitchFamily="34" charset="0"/>
+              </a:rPr>
+              <a:t> ở </a:t>
+            </a:r>
+            <a:r>
+              <a:rPr lang="en-US" dirty="0" err="1">
+                <a:latin typeface="Segoe UI Black" panose="020B0A02040204020203" pitchFamily="34" charset="0"/>
+                <a:cs typeface="Arial" panose="020B0604020202020204" pitchFamily="34" charset="0"/>
+              </a:rPr>
+              <a:t>chế</a:t>
+            </a:r>
+            <a:r>
+              <a:rPr lang="en-US" dirty="0">
+                <a:latin typeface="Segoe UI Black" panose="020B0A02040204020203" pitchFamily="34" charset="0"/>
+                <a:cs typeface="Arial" panose="020B0604020202020204" pitchFamily="34" charset="0"/>
+              </a:rPr>
+              <a:t> </a:t>
+            </a:r>
+            <a:r>
+              <a:rPr lang="en-US" dirty="0" err="1">
+                <a:latin typeface="Segoe UI Black" panose="020B0A02040204020203" pitchFamily="34" charset="0"/>
+                <a:cs typeface="Arial" panose="020B0604020202020204" pitchFamily="34" charset="0"/>
+              </a:rPr>
+              <a:t>độ</a:t>
+            </a:r>
+            <a:r>
+              <a:rPr lang="en-US" dirty="0">
+                <a:latin typeface="Segoe UI Black" panose="020B0A02040204020203" pitchFamily="34" charset="0"/>
+                <a:cs typeface="Arial" panose="020B0604020202020204" pitchFamily="34" charset="0"/>
+              </a:rPr>
+              <a:t> soft Access point, </a:t>
+            </a:r>
+            <a:r>
+              <a:rPr lang="en-US" dirty="0" err="1">
+                <a:latin typeface="Segoe UI Black" panose="020B0A02040204020203" pitchFamily="34" charset="0"/>
+                <a:cs typeface="Arial" panose="020B0604020202020204" pitchFamily="34" charset="0"/>
+              </a:rPr>
+              <a:t>thì</a:t>
+            </a:r>
+            <a:r>
+              <a:rPr lang="en-US" dirty="0">
+                <a:latin typeface="Segoe UI Black" panose="020B0A02040204020203" pitchFamily="34" charset="0"/>
+                <a:cs typeface="Arial" panose="020B0604020202020204" pitchFamily="34" charset="0"/>
+              </a:rPr>
+              <a:t> </a:t>
+            </a:r>
+            <a:r>
+              <a:rPr lang="en-US" dirty="0" err="1">
+                <a:latin typeface="Segoe UI Black" panose="020B0A02040204020203" pitchFamily="34" charset="0"/>
+                <a:cs typeface="Arial" panose="020B0604020202020204" pitchFamily="34" charset="0"/>
+              </a:rPr>
+              <a:t>các</a:t>
+            </a:r>
+            <a:r>
+              <a:rPr lang="en-US" dirty="0">
+                <a:latin typeface="Segoe UI Black" panose="020B0A02040204020203" pitchFamily="34" charset="0"/>
+                <a:cs typeface="Arial" panose="020B0604020202020204" pitchFamily="34" charset="0"/>
+              </a:rPr>
+              <a:t> </a:t>
+            </a:r>
+            <a:r>
+              <a:rPr lang="en-US" dirty="0" err="1">
+                <a:latin typeface="Segoe UI Black" panose="020B0A02040204020203" pitchFamily="34" charset="0"/>
+                <a:cs typeface="Arial" panose="020B0604020202020204" pitchFamily="34" charset="0"/>
+              </a:rPr>
+              <a:t>thiết</a:t>
+            </a:r>
+            <a:r>
+              <a:rPr lang="en-US" dirty="0">
+                <a:latin typeface="Segoe UI Black" panose="020B0A02040204020203" pitchFamily="34" charset="0"/>
+                <a:cs typeface="Arial" panose="020B0604020202020204" pitchFamily="34" charset="0"/>
+              </a:rPr>
+              <a:t> </a:t>
+            </a:r>
+            <a:r>
+              <a:rPr lang="en-US" dirty="0" err="1">
+                <a:latin typeface="Segoe UI Black" panose="020B0A02040204020203" pitchFamily="34" charset="0"/>
+                <a:cs typeface="Arial" panose="020B0604020202020204" pitchFamily="34" charset="0"/>
+              </a:rPr>
+              <a:t>bị</a:t>
+            </a:r>
+            <a:r>
+              <a:rPr lang="en-US" dirty="0">
+                <a:latin typeface="Segoe UI Black" panose="020B0A02040204020203" pitchFamily="34" charset="0"/>
+                <a:cs typeface="Arial" panose="020B0604020202020204" pitchFamily="34" charset="0"/>
+              </a:rPr>
+              <a:t> </a:t>
+            </a:r>
+            <a:r>
+              <a:rPr lang="en-US" dirty="0" err="1">
+                <a:latin typeface="Segoe UI Black" panose="020B0A02040204020203" pitchFamily="34" charset="0"/>
+                <a:cs typeface="Arial" panose="020B0604020202020204" pitchFamily="34" charset="0"/>
+              </a:rPr>
+              <a:t>có</a:t>
+            </a:r>
+            <a:r>
+              <a:rPr lang="en-US" dirty="0">
+                <a:latin typeface="Segoe UI Black" panose="020B0A02040204020203" pitchFamily="34" charset="0"/>
+                <a:cs typeface="Arial" panose="020B0604020202020204" pitchFamily="34" charset="0"/>
+              </a:rPr>
+              <a:t> </a:t>
+            </a:r>
+            <a:r>
+              <a:rPr lang="en-US" dirty="0" err="1">
+                <a:latin typeface="Segoe UI Black" panose="020B0A02040204020203" pitchFamily="34" charset="0"/>
+                <a:cs typeface="Arial" panose="020B0604020202020204" pitchFamily="34" charset="0"/>
+              </a:rPr>
+              <a:t>thể</a:t>
+            </a:r>
+            <a:r>
+              <a:rPr lang="en-US" dirty="0">
+                <a:latin typeface="Segoe UI Black" panose="020B0A02040204020203" pitchFamily="34" charset="0"/>
+                <a:cs typeface="Arial" panose="020B0604020202020204" pitchFamily="34" charset="0"/>
+              </a:rPr>
+              <a:t> </a:t>
+            </a:r>
+            <a:r>
+              <a:rPr lang="en-US" dirty="0" err="1">
+                <a:latin typeface="Segoe UI Black" panose="020B0A02040204020203" pitchFamily="34" charset="0"/>
+                <a:cs typeface="Arial" panose="020B0604020202020204" pitchFamily="34" charset="0"/>
+              </a:rPr>
+              <a:t>kết</a:t>
+            </a:r>
+            <a:r>
+              <a:rPr lang="en-US" dirty="0">
+                <a:latin typeface="Segoe UI Black" panose="020B0A02040204020203" pitchFamily="34" charset="0"/>
+                <a:cs typeface="Arial" panose="020B0604020202020204" pitchFamily="34" charset="0"/>
+              </a:rPr>
+              <a:t> </a:t>
+            </a:r>
+            <a:r>
+              <a:rPr lang="en-US" dirty="0" err="1">
+                <a:latin typeface="Segoe UI Black" panose="020B0A02040204020203" pitchFamily="34" charset="0"/>
+                <a:cs typeface="Arial" panose="020B0604020202020204" pitchFamily="34" charset="0"/>
+              </a:rPr>
+              <a:t>nối</a:t>
+            </a:r>
+            <a:r>
+              <a:rPr lang="en-US" dirty="0">
+                <a:latin typeface="Segoe UI Black" panose="020B0A02040204020203" pitchFamily="34" charset="0"/>
+                <a:cs typeface="Arial" panose="020B0604020202020204" pitchFamily="34" charset="0"/>
+              </a:rPr>
+              <a:t> </a:t>
+            </a:r>
+            <a:r>
+              <a:rPr lang="en-US" dirty="0" err="1">
+                <a:latin typeface="Segoe UI Black" panose="020B0A02040204020203" pitchFamily="34" charset="0"/>
+                <a:cs typeface="Arial" panose="020B0604020202020204" pitchFamily="34" charset="0"/>
+              </a:rPr>
+              <a:t>tới</a:t>
+            </a:r>
+            <a:r>
+              <a:rPr lang="en-US" dirty="0">
+                <a:latin typeface="Segoe UI Black" panose="020B0A02040204020203" pitchFamily="34" charset="0"/>
+                <a:cs typeface="Arial" panose="020B0604020202020204" pitchFamily="34" charset="0"/>
+              </a:rPr>
+              <a:t> </a:t>
+            </a:r>
+            <a:r>
+              <a:rPr lang="en-US" dirty="0" err="1">
+                <a:latin typeface="Segoe UI Black" panose="020B0A02040204020203" pitchFamily="34" charset="0"/>
+                <a:cs typeface="Arial" panose="020B0604020202020204" pitchFamily="34" charset="0"/>
+              </a:rPr>
+              <a:t>mạng</a:t>
+            </a:r>
+            <a:r>
+              <a:rPr lang="en-US" dirty="0">
+                <a:latin typeface="Segoe UI Black" panose="020B0A02040204020203" pitchFamily="34" charset="0"/>
+                <a:cs typeface="Arial" panose="020B0604020202020204" pitchFamily="34" charset="0"/>
+              </a:rPr>
+              <a:t> </a:t>
+            </a:r>
+            <a:r>
+              <a:rPr lang="en-US" dirty="0" err="1">
+                <a:latin typeface="Segoe UI Black" panose="020B0A02040204020203" pitchFamily="34" charset="0"/>
+                <a:cs typeface="Arial" panose="020B0604020202020204" pitchFamily="34" charset="0"/>
+              </a:rPr>
+              <a:t>WiFi</a:t>
+            </a:r>
+            <a:r>
+              <a:rPr lang="en-US" dirty="0">
+                <a:latin typeface="Segoe UI Black" panose="020B0A02040204020203" pitchFamily="34" charset="0"/>
+                <a:cs typeface="Arial" panose="020B0604020202020204" pitchFamily="34" charset="0"/>
+              </a:rPr>
+              <a:t> </a:t>
+            </a:r>
+            <a:r>
+              <a:rPr lang="en-US" dirty="0" err="1">
+                <a:latin typeface="Segoe UI Black" panose="020B0A02040204020203" pitchFamily="34" charset="0"/>
+                <a:cs typeface="Arial" panose="020B0604020202020204" pitchFamily="34" charset="0"/>
+              </a:rPr>
+              <a:t>đó</a:t>
+            </a:r>
+            <a:r>
+              <a:rPr lang="en-US" dirty="0">
+                <a:latin typeface="Segoe UI Black" panose="020B0A02040204020203" pitchFamily="34" charset="0"/>
+                <a:cs typeface="Arial" panose="020B0604020202020204" pitchFamily="34" charset="0"/>
+              </a:rPr>
+              <a:t>. Khi </a:t>
+            </a:r>
+            <a:r>
+              <a:rPr lang="en-US" dirty="0" err="1">
+                <a:latin typeface="Segoe UI Black" panose="020B0A02040204020203" pitchFamily="34" charset="0"/>
+                <a:cs typeface="Arial" panose="020B0604020202020204" pitchFamily="34" charset="0"/>
+              </a:rPr>
+              <a:t>đó</a:t>
+            </a:r>
+            <a:r>
+              <a:rPr lang="en-US" dirty="0">
+                <a:latin typeface="Segoe UI Black" panose="020B0A02040204020203" pitchFamily="34" charset="0"/>
+                <a:cs typeface="Arial" panose="020B0604020202020204" pitchFamily="34" charset="0"/>
+              </a:rPr>
+              <a:t>, ta </a:t>
+            </a:r>
+            <a:r>
+              <a:rPr lang="en-US" dirty="0" err="1">
+                <a:latin typeface="Segoe UI Black" panose="020B0A02040204020203" pitchFamily="34" charset="0"/>
+                <a:cs typeface="Arial" panose="020B0604020202020204" pitchFamily="34" charset="0"/>
+              </a:rPr>
+              <a:t>có</a:t>
+            </a:r>
+            <a:r>
+              <a:rPr lang="en-US" dirty="0">
+                <a:latin typeface="Segoe UI Black" panose="020B0A02040204020203" pitchFamily="34" charset="0"/>
+                <a:cs typeface="Arial" panose="020B0604020202020204" pitchFamily="34" charset="0"/>
+              </a:rPr>
+              <a:t> </a:t>
+            </a:r>
+            <a:r>
+              <a:rPr lang="en-US" dirty="0" err="1">
+                <a:latin typeface="Segoe UI Black" panose="020B0A02040204020203" pitchFamily="34" charset="0"/>
+                <a:cs typeface="Arial" panose="020B0604020202020204" pitchFamily="34" charset="0"/>
+              </a:rPr>
+              <a:t>thể</a:t>
+            </a:r>
+            <a:r>
+              <a:rPr lang="en-US" dirty="0">
+                <a:latin typeface="Segoe UI Black" panose="020B0A02040204020203" pitchFamily="34" charset="0"/>
+                <a:cs typeface="Arial" panose="020B0604020202020204" pitchFamily="34" charset="0"/>
+              </a:rPr>
+              <a:t> </a:t>
+            </a:r>
+            <a:r>
+              <a:rPr lang="en-US" dirty="0" err="1">
+                <a:latin typeface="Segoe UI Black" panose="020B0A02040204020203" pitchFamily="34" charset="0"/>
+                <a:cs typeface="Arial" panose="020B0604020202020204" pitchFamily="34" charset="0"/>
+              </a:rPr>
+              <a:t>quản</a:t>
+            </a:r>
+            <a:r>
+              <a:rPr lang="en-US" dirty="0">
+                <a:latin typeface="Segoe UI Black" panose="020B0A02040204020203" pitchFamily="34" charset="0"/>
+                <a:cs typeface="Arial" panose="020B0604020202020204" pitchFamily="34" charset="0"/>
+              </a:rPr>
+              <a:t> </a:t>
+            </a:r>
+            <a:r>
+              <a:rPr lang="en-US" dirty="0" err="1">
+                <a:latin typeface="Segoe UI Black" panose="020B0A02040204020203" pitchFamily="34" charset="0"/>
+                <a:cs typeface="Arial" panose="020B0604020202020204" pitchFamily="34" charset="0"/>
+              </a:rPr>
+              <a:t>lí</a:t>
+            </a:r>
+            <a:r>
+              <a:rPr lang="en-US" dirty="0">
+                <a:latin typeface="Segoe UI Black" panose="020B0A02040204020203" pitchFamily="34" charset="0"/>
+                <a:cs typeface="Arial" panose="020B0604020202020204" pitchFamily="34" charset="0"/>
+              </a:rPr>
+              <a:t> </a:t>
+            </a:r>
+            <a:r>
+              <a:rPr lang="en-US" dirty="0" err="1">
+                <a:latin typeface="Segoe UI Black" panose="020B0A02040204020203" pitchFamily="34" charset="0"/>
+                <a:cs typeface="Arial" panose="020B0604020202020204" pitchFamily="34" charset="0"/>
+              </a:rPr>
+              <a:t>các</a:t>
+            </a:r>
+            <a:r>
+              <a:rPr lang="en-US" dirty="0">
+                <a:latin typeface="Segoe UI Black" panose="020B0A02040204020203" pitchFamily="34" charset="0"/>
+                <a:cs typeface="Arial" panose="020B0604020202020204" pitchFamily="34" charset="0"/>
+              </a:rPr>
+              <a:t> </a:t>
+            </a:r>
+            <a:r>
+              <a:rPr lang="en-US" dirty="0" err="1">
+                <a:latin typeface="Segoe UI Black" panose="020B0A02040204020203" pitchFamily="34" charset="0"/>
+                <a:cs typeface="Arial" panose="020B0604020202020204" pitchFamily="34" charset="0"/>
+              </a:rPr>
+              <a:t>kết</a:t>
+            </a:r>
+            <a:r>
+              <a:rPr lang="en-US" dirty="0">
+                <a:latin typeface="Segoe UI Black" panose="020B0A02040204020203" pitchFamily="34" charset="0"/>
+                <a:cs typeface="Arial" panose="020B0604020202020204" pitchFamily="34" charset="0"/>
+              </a:rPr>
+              <a:t> </a:t>
+            </a:r>
+            <a:r>
+              <a:rPr lang="en-US" dirty="0" err="1">
+                <a:latin typeface="Segoe UI Black" panose="020B0A02040204020203" pitchFamily="34" charset="0"/>
+                <a:cs typeface="Arial" panose="020B0604020202020204" pitchFamily="34" charset="0"/>
+              </a:rPr>
+              <a:t>nối</a:t>
+            </a:r>
+            <a:r>
+              <a:rPr lang="en-US" dirty="0">
+                <a:latin typeface="Segoe UI Black" panose="020B0A02040204020203" pitchFamily="34" charset="0"/>
+                <a:cs typeface="Arial" panose="020B0604020202020204" pitchFamily="34" charset="0"/>
+              </a:rPr>
+              <a:t> </a:t>
+            </a:r>
+            <a:r>
+              <a:rPr lang="en-US" dirty="0" err="1">
+                <a:latin typeface="Segoe UI Black" panose="020B0A02040204020203" pitchFamily="34" charset="0"/>
+                <a:cs typeface="Arial" panose="020B0604020202020204" pitchFamily="34" charset="0"/>
+              </a:rPr>
+              <a:t>với</a:t>
+            </a:r>
+            <a:r>
+              <a:rPr lang="en-US" dirty="0">
+                <a:latin typeface="Segoe UI Black" panose="020B0A02040204020203" pitchFamily="34" charset="0"/>
+                <a:cs typeface="Arial" panose="020B0604020202020204" pitchFamily="34" charset="0"/>
+              </a:rPr>
+              <a:t> </a:t>
+            </a:r>
+            <a:r>
+              <a:rPr lang="en-US" dirty="0" err="1">
+                <a:latin typeface="Segoe UI Black" panose="020B0A02040204020203" pitchFamily="34" charset="0"/>
+                <a:cs typeface="Arial" panose="020B0604020202020204" pitchFamily="34" charset="0"/>
+              </a:rPr>
+              <a:t>các</a:t>
+            </a:r>
+            <a:r>
+              <a:rPr lang="en-US" dirty="0">
+                <a:latin typeface="Segoe UI Black" panose="020B0A02040204020203" pitchFamily="34" charset="0"/>
+                <a:cs typeface="Arial" panose="020B0604020202020204" pitchFamily="34" charset="0"/>
+              </a:rPr>
+              <a:t> </a:t>
+            </a:r>
+            <a:r>
+              <a:rPr lang="en-US" dirty="0" err="1">
+                <a:latin typeface="Segoe UI Black" panose="020B0A02040204020203" pitchFamily="34" charset="0"/>
+                <a:cs typeface="Arial" panose="020B0604020202020204" pitchFamily="34" charset="0"/>
+              </a:rPr>
+              <a:t>trạm</a:t>
+            </a:r>
+            <a:r>
+              <a:rPr lang="en-US" dirty="0">
+                <a:latin typeface="Segoe UI Black" panose="020B0A02040204020203" pitchFamily="34" charset="0"/>
+                <a:cs typeface="Arial" panose="020B0604020202020204" pitchFamily="34" charset="0"/>
+              </a:rPr>
+              <a:t> </a:t>
+            </a:r>
+            <a:r>
+              <a:rPr lang="en-US" dirty="0" err="1">
+                <a:latin typeface="Segoe UI Black" panose="020B0A02040204020203" pitchFamily="34" charset="0"/>
+                <a:cs typeface="Arial" panose="020B0604020202020204" pitchFamily="34" charset="0"/>
+              </a:rPr>
+              <a:t>kết</a:t>
+            </a:r>
+            <a:r>
+              <a:rPr lang="en-US" dirty="0">
+                <a:latin typeface="Segoe UI Black" panose="020B0A02040204020203" pitchFamily="34" charset="0"/>
+                <a:cs typeface="Arial" panose="020B0604020202020204" pitchFamily="34" charset="0"/>
+              </a:rPr>
+              <a:t> </a:t>
+            </a:r>
+            <a:r>
+              <a:rPr lang="en-US" dirty="0" err="1">
+                <a:latin typeface="Segoe UI Black" panose="020B0A02040204020203" pitchFamily="34" charset="0"/>
+                <a:cs typeface="Arial" panose="020B0604020202020204" pitchFamily="34" charset="0"/>
+              </a:rPr>
+              <a:t>nối</a:t>
+            </a:r>
+            <a:r>
+              <a:rPr lang="en-US" dirty="0">
+                <a:latin typeface="Segoe UI Black" panose="020B0A02040204020203" pitchFamily="34" charset="0"/>
+                <a:cs typeface="Arial" panose="020B0604020202020204" pitchFamily="34" charset="0"/>
+              </a:rPr>
+              <a:t> (station).</a:t>
             </a:r>
           </a:p>
           <a:p>
             <a:pPr algn="just"/>
-            <a:endParaRPr lang="en-US">
-              <a:latin typeface="Arial" panose="020B0604020202020204" pitchFamily="34" charset="0"/>
+            <a:endParaRPr lang="en-US" dirty="0">
+              <a:latin typeface="Segoe UI Black" panose="020B0A02040204020203" pitchFamily="34" charset="0"/>
               <a:cs typeface="Arial" panose="020B0604020202020204" pitchFamily="34" charset="0"/>
             </a:endParaRPr>
           </a:p>
           <a:p>
             <a:pPr algn="just"/>
             <a:r>
-              <a:rPr lang="en-US">
-                <a:latin typeface="Arial" panose="020B0604020202020204" pitchFamily="34" charset="0"/>
-                <a:cs typeface="Arial" panose="020B0604020202020204" pitchFamily="34" charset="0"/>
-              </a:rPr>
-              <a:t>Chế độ soft-AP có thể được dùng để thiết lập mesh network (một mạng lưới). Mesh network là những kết nối mạng theo lưới với nhiều điểm truy nhập (access points) khác nhau trong những khu vực địa lý rộng lớn.</a:t>
+              <a:rPr lang="en-US" dirty="0" err="1">
+                <a:latin typeface="Segoe UI Black" panose="020B0A02040204020203" pitchFamily="34" charset="0"/>
+                <a:cs typeface="Arial" panose="020B0604020202020204" pitchFamily="34" charset="0"/>
+              </a:rPr>
+              <a:t>Chế</a:t>
+            </a:r>
+            <a:r>
+              <a:rPr lang="en-US" dirty="0">
+                <a:latin typeface="Segoe UI Black" panose="020B0A02040204020203" pitchFamily="34" charset="0"/>
+                <a:cs typeface="Arial" panose="020B0604020202020204" pitchFamily="34" charset="0"/>
+              </a:rPr>
+              <a:t> </a:t>
+            </a:r>
+            <a:r>
+              <a:rPr lang="en-US" dirty="0" err="1">
+                <a:latin typeface="Segoe UI Black" panose="020B0A02040204020203" pitchFamily="34" charset="0"/>
+                <a:cs typeface="Arial" panose="020B0604020202020204" pitchFamily="34" charset="0"/>
+              </a:rPr>
+              <a:t>độ</a:t>
+            </a:r>
+            <a:r>
+              <a:rPr lang="en-US" dirty="0">
+                <a:latin typeface="Segoe UI Black" panose="020B0A02040204020203" pitchFamily="34" charset="0"/>
+                <a:cs typeface="Arial" panose="020B0604020202020204" pitchFamily="34" charset="0"/>
+              </a:rPr>
+              <a:t> soft-AP </a:t>
+            </a:r>
+            <a:r>
+              <a:rPr lang="en-US" dirty="0" err="1">
+                <a:latin typeface="Segoe UI Black" panose="020B0A02040204020203" pitchFamily="34" charset="0"/>
+                <a:cs typeface="Arial" panose="020B0604020202020204" pitchFamily="34" charset="0"/>
+              </a:rPr>
+              <a:t>có</a:t>
+            </a:r>
+            <a:r>
+              <a:rPr lang="en-US" dirty="0">
+                <a:latin typeface="Segoe UI Black" panose="020B0A02040204020203" pitchFamily="34" charset="0"/>
+                <a:cs typeface="Arial" panose="020B0604020202020204" pitchFamily="34" charset="0"/>
+              </a:rPr>
+              <a:t> </a:t>
+            </a:r>
+            <a:r>
+              <a:rPr lang="en-US" dirty="0" err="1">
+                <a:latin typeface="Segoe UI Black" panose="020B0A02040204020203" pitchFamily="34" charset="0"/>
+                <a:cs typeface="Arial" panose="020B0604020202020204" pitchFamily="34" charset="0"/>
+              </a:rPr>
+              <a:t>thể</a:t>
+            </a:r>
+            <a:r>
+              <a:rPr lang="en-US" dirty="0">
+                <a:latin typeface="Segoe UI Black" panose="020B0A02040204020203" pitchFamily="34" charset="0"/>
+                <a:cs typeface="Arial" panose="020B0604020202020204" pitchFamily="34" charset="0"/>
+              </a:rPr>
+              <a:t> </a:t>
+            </a:r>
+            <a:r>
+              <a:rPr lang="en-US" dirty="0" err="1">
+                <a:latin typeface="Segoe UI Black" panose="020B0A02040204020203" pitchFamily="34" charset="0"/>
+                <a:cs typeface="Arial" panose="020B0604020202020204" pitchFamily="34" charset="0"/>
+              </a:rPr>
+              <a:t>được</a:t>
+            </a:r>
+            <a:r>
+              <a:rPr lang="en-US" dirty="0">
+                <a:latin typeface="Segoe UI Black" panose="020B0A02040204020203" pitchFamily="34" charset="0"/>
+                <a:cs typeface="Arial" panose="020B0604020202020204" pitchFamily="34" charset="0"/>
+              </a:rPr>
+              <a:t> </a:t>
+            </a:r>
+            <a:r>
+              <a:rPr lang="en-US" dirty="0" err="1">
+                <a:latin typeface="Segoe UI Black" panose="020B0A02040204020203" pitchFamily="34" charset="0"/>
+                <a:cs typeface="Arial" panose="020B0604020202020204" pitchFamily="34" charset="0"/>
+              </a:rPr>
+              <a:t>dùng</a:t>
+            </a:r>
+            <a:r>
+              <a:rPr lang="en-US" dirty="0">
+                <a:latin typeface="Segoe UI Black" panose="020B0A02040204020203" pitchFamily="34" charset="0"/>
+                <a:cs typeface="Arial" panose="020B0604020202020204" pitchFamily="34" charset="0"/>
+              </a:rPr>
+              <a:t> </a:t>
+            </a:r>
+            <a:r>
+              <a:rPr lang="en-US" dirty="0" err="1">
+                <a:latin typeface="Segoe UI Black" panose="020B0A02040204020203" pitchFamily="34" charset="0"/>
+                <a:cs typeface="Arial" panose="020B0604020202020204" pitchFamily="34" charset="0"/>
+              </a:rPr>
+              <a:t>để</a:t>
+            </a:r>
+            <a:r>
+              <a:rPr lang="en-US" dirty="0">
+                <a:latin typeface="Segoe UI Black" panose="020B0A02040204020203" pitchFamily="34" charset="0"/>
+                <a:cs typeface="Arial" panose="020B0604020202020204" pitchFamily="34" charset="0"/>
+              </a:rPr>
+              <a:t> </a:t>
+            </a:r>
+            <a:r>
+              <a:rPr lang="en-US" dirty="0" err="1">
+                <a:latin typeface="Segoe UI Black" panose="020B0A02040204020203" pitchFamily="34" charset="0"/>
+                <a:cs typeface="Arial" panose="020B0604020202020204" pitchFamily="34" charset="0"/>
+              </a:rPr>
+              <a:t>thiết</a:t>
+            </a:r>
+            <a:r>
+              <a:rPr lang="en-US" dirty="0">
+                <a:latin typeface="Segoe UI Black" panose="020B0A02040204020203" pitchFamily="34" charset="0"/>
+                <a:cs typeface="Arial" panose="020B0604020202020204" pitchFamily="34" charset="0"/>
+              </a:rPr>
+              <a:t> </a:t>
+            </a:r>
+            <a:r>
+              <a:rPr lang="en-US" dirty="0" err="1">
+                <a:latin typeface="Segoe UI Black" panose="020B0A02040204020203" pitchFamily="34" charset="0"/>
+                <a:cs typeface="Arial" panose="020B0604020202020204" pitchFamily="34" charset="0"/>
+              </a:rPr>
+              <a:t>lập</a:t>
+            </a:r>
+            <a:r>
+              <a:rPr lang="en-US" dirty="0">
+                <a:latin typeface="Segoe UI Black" panose="020B0A02040204020203" pitchFamily="34" charset="0"/>
+                <a:cs typeface="Arial" panose="020B0604020202020204" pitchFamily="34" charset="0"/>
+              </a:rPr>
+              <a:t> mesh network (</a:t>
+            </a:r>
+            <a:r>
+              <a:rPr lang="en-US" dirty="0" err="1">
+                <a:latin typeface="Segoe UI Black" panose="020B0A02040204020203" pitchFamily="34" charset="0"/>
+                <a:cs typeface="Arial" panose="020B0604020202020204" pitchFamily="34" charset="0"/>
+              </a:rPr>
+              <a:t>một</a:t>
+            </a:r>
+            <a:r>
+              <a:rPr lang="en-US" dirty="0">
+                <a:latin typeface="Segoe UI Black" panose="020B0A02040204020203" pitchFamily="34" charset="0"/>
+                <a:cs typeface="Arial" panose="020B0604020202020204" pitchFamily="34" charset="0"/>
+              </a:rPr>
+              <a:t> </a:t>
+            </a:r>
+            <a:r>
+              <a:rPr lang="en-US" dirty="0" err="1">
+                <a:latin typeface="Segoe UI Black" panose="020B0A02040204020203" pitchFamily="34" charset="0"/>
+                <a:cs typeface="Arial" panose="020B0604020202020204" pitchFamily="34" charset="0"/>
+              </a:rPr>
+              <a:t>mạng</a:t>
+            </a:r>
+            <a:r>
+              <a:rPr lang="en-US" dirty="0">
+                <a:latin typeface="Segoe UI Black" panose="020B0A02040204020203" pitchFamily="34" charset="0"/>
+                <a:cs typeface="Arial" panose="020B0604020202020204" pitchFamily="34" charset="0"/>
+              </a:rPr>
+              <a:t> </a:t>
+            </a:r>
+            <a:r>
+              <a:rPr lang="en-US" dirty="0" err="1">
+                <a:latin typeface="Segoe UI Black" panose="020B0A02040204020203" pitchFamily="34" charset="0"/>
+                <a:cs typeface="Arial" panose="020B0604020202020204" pitchFamily="34" charset="0"/>
+              </a:rPr>
+              <a:t>lưới</a:t>
+            </a:r>
+            <a:r>
+              <a:rPr lang="en-US" dirty="0">
+                <a:latin typeface="Segoe UI Black" panose="020B0A02040204020203" pitchFamily="34" charset="0"/>
+                <a:cs typeface="Arial" panose="020B0604020202020204" pitchFamily="34" charset="0"/>
+              </a:rPr>
+              <a:t>). Mesh network </a:t>
+            </a:r>
+            <a:r>
+              <a:rPr lang="en-US" dirty="0" err="1">
+                <a:latin typeface="Segoe UI Black" panose="020B0A02040204020203" pitchFamily="34" charset="0"/>
+                <a:cs typeface="Arial" panose="020B0604020202020204" pitchFamily="34" charset="0"/>
+              </a:rPr>
+              <a:t>là</a:t>
+            </a:r>
+            <a:r>
+              <a:rPr lang="en-US" dirty="0">
+                <a:latin typeface="Segoe UI Black" panose="020B0A02040204020203" pitchFamily="34" charset="0"/>
+                <a:cs typeface="Arial" panose="020B0604020202020204" pitchFamily="34" charset="0"/>
+              </a:rPr>
+              <a:t> </a:t>
+            </a:r>
+            <a:r>
+              <a:rPr lang="en-US" dirty="0" err="1">
+                <a:latin typeface="Segoe UI Black" panose="020B0A02040204020203" pitchFamily="34" charset="0"/>
+                <a:cs typeface="Arial" panose="020B0604020202020204" pitchFamily="34" charset="0"/>
+              </a:rPr>
+              <a:t>những</a:t>
+            </a:r>
+            <a:r>
+              <a:rPr lang="en-US" dirty="0">
+                <a:latin typeface="Segoe UI Black" panose="020B0A02040204020203" pitchFamily="34" charset="0"/>
+                <a:cs typeface="Arial" panose="020B0604020202020204" pitchFamily="34" charset="0"/>
+              </a:rPr>
+              <a:t> </a:t>
+            </a:r>
+            <a:r>
+              <a:rPr lang="en-US" dirty="0" err="1">
+                <a:latin typeface="Segoe UI Black" panose="020B0A02040204020203" pitchFamily="34" charset="0"/>
+                <a:cs typeface="Arial" panose="020B0604020202020204" pitchFamily="34" charset="0"/>
+              </a:rPr>
+              <a:t>kết</a:t>
+            </a:r>
+            <a:r>
+              <a:rPr lang="en-US" dirty="0">
+                <a:latin typeface="Segoe UI Black" panose="020B0A02040204020203" pitchFamily="34" charset="0"/>
+                <a:cs typeface="Arial" panose="020B0604020202020204" pitchFamily="34" charset="0"/>
+              </a:rPr>
+              <a:t> </a:t>
+            </a:r>
+            <a:r>
+              <a:rPr lang="en-US" dirty="0" err="1">
+                <a:latin typeface="Segoe UI Black" panose="020B0A02040204020203" pitchFamily="34" charset="0"/>
+                <a:cs typeface="Arial" panose="020B0604020202020204" pitchFamily="34" charset="0"/>
+              </a:rPr>
+              <a:t>nối</a:t>
+            </a:r>
+            <a:r>
+              <a:rPr lang="en-US" dirty="0">
+                <a:latin typeface="Segoe UI Black" panose="020B0A02040204020203" pitchFamily="34" charset="0"/>
+                <a:cs typeface="Arial" panose="020B0604020202020204" pitchFamily="34" charset="0"/>
+              </a:rPr>
+              <a:t> </a:t>
+            </a:r>
+            <a:r>
+              <a:rPr lang="en-US" dirty="0" err="1">
+                <a:latin typeface="Segoe UI Black" panose="020B0A02040204020203" pitchFamily="34" charset="0"/>
+                <a:cs typeface="Arial" panose="020B0604020202020204" pitchFamily="34" charset="0"/>
+              </a:rPr>
+              <a:t>mạng</a:t>
+            </a:r>
+            <a:r>
+              <a:rPr lang="en-US" dirty="0">
+                <a:latin typeface="Segoe UI Black" panose="020B0A02040204020203" pitchFamily="34" charset="0"/>
+                <a:cs typeface="Arial" panose="020B0604020202020204" pitchFamily="34" charset="0"/>
+              </a:rPr>
+              <a:t> </a:t>
+            </a:r>
+            <a:r>
+              <a:rPr lang="en-US" dirty="0" err="1">
+                <a:latin typeface="Segoe UI Black" panose="020B0A02040204020203" pitchFamily="34" charset="0"/>
+                <a:cs typeface="Arial" panose="020B0604020202020204" pitchFamily="34" charset="0"/>
+              </a:rPr>
+              <a:t>theo</a:t>
+            </a:r>
+            <a:r>
+              <a:rPr lang="en-US" dirty="0">
+                <a:latin typeface="Segoe UI Black" panose="020B0A02040204020203" pitchFamily="34" charset="0"/>
+                <a:cs typeface="Arial" panose="020B0604020202020204" pitchFamily="34" charset="0"/>
+              </a:rPr>
+              <a:t> </a:t>
+            </a:r>
+            <a:r>
+              <a:rPr lang="en-US" dirty="0" err="1">
+                <a:latin typeface="Segoe UI Black" panose="020B0A02040204020203" pitchFamily="34" charset="0"/>
+                <a:cs typeface="Arial" panose="020B0604020202020204" pitchFamily="34" charset="0"/>
+              </a:rPr>
+              <a:t>lưới</a:t>
+            </a:r>
+            <a:r>
+              <a:rPr lang="en-US" dirty="0">
+                <a:latin typeface="Segoe UI Black" panose="020B0A02040204020203" pitchFamily="34" charset="0"/>
+                <a:cs typeface="Arial" panose="020B0604020202020204" pitchFamily="34" charset="0"/>
+              </a:rPr>
+              <a:t> </a:t>
+            </a:r>
+            <a:r>
+              <a:rPr lang="en-US" dirty="0" err="1">
+                <a:latin typeface="Segoe UI Black" panose="020B0A02040204020203" pitchFamily="34" charset="0"/>
+                <a:cs typeface="Arial" panose="020B0604020202020204" pitchFamily="34" charset="0"/>
+              </a:rPr>
+              <a:t>với</a:t>
+            </a:r>
+            <a:r>
+              <a:rPr lang="en-US" dirty="0">
+                <a:latin typeface="Segoe UI Black" panose="020B0A02040204020203" pitchFamily="34" charset="0"/>
+                <a:cs typeface="Arial" panose="020B0604020202020204" pitchFamily="34" charset="0"/>
+              </a:rPr>
+              <a:t> </a:t>
+            </a:r>
+            <a:r>
+              <a:rPr lang="en-US" dirty="0" err="1">
+                <a:latin typeface="Segoe UI Black" panose="020B0A02040204020203" pitchFamily="34" charset="0"/>
+                <a:cs typeface="Arial" panose="020B0604020202020204" pitchFamily="34" charset="0"/>
+              </a:rPr>
+              <a:t>nhiều</a:t>
+            </a:r>
+            <a:r>
+              <a:rPr lang="en-US" dirty="0">
+                <a:latin typeface="Segoe UI Black" panose="020B0A02040204020203" pitchFamily="34" charset="0"/>
+                <a:cs typeface="Arial" panose="020B0604020202020204" pitchFamily="34" charset="0"/>
+              </a:rPr>
+              <a:t> </a:t>
+            </a:r>
+            <a:r>
+              <a:rPr lang="en-US" dirty="0" err="1">
+                <a:latin typeface="Segoe UI Black" panose="020B0A02040204020203" pitchFamily="34" charset="0"/>
+                <a:cs typeface="Arial" panose="020B0604020202020204" pitchFamily="34" charset="0"/>
+              </a:rPr>
+              <a:t>điểm</a:t>
+            </a:r>
+            <a:r>
+              <a:rPr lang="en-US" dirty="0">
+                <a:latin typeface="Segoe UI Black" panose="020B0A02040204020203" pitchFamily="34" charset="0"/>
+                <a:cs typeface="Arial" panose="020B0604020202020204" pitchFamily="34" charset="0"/>
+              </a:rPr>
+              <a:t> </a:t>
+            </a:r>
+            <a:r>
+              <a:rPr lang="en-US" dirty="0" err="1">
+                <a:latin typeface="Segoe UI Black" panose="020B0A02040204020203" pitchFamily="34" charset="0"/>
+                <a:cs typeface="Arial" panose="020B0604020202020204" pitchFamily="34" charset="0"/>
+              </a:rPr>
+              <a:t>truy</a:t>
+            </a:r>
+            <a:r>
+              <a:rPr lang="en-US" dirty="0">
+                <a:latin typeface="Segoe UI Black" panose="020B0A02040204020203" pitchFamily="34" charset="0"/>
+                <a:cs typeface="Arial" panose="020B0604020202020204" pitchFamily="34" charset="0"/>
+              </a:rPr>
+              <a:t> </a:t>
+            </a:r>
+            <a:r>
+              <a:rPr lang="en-US" dirty="0" err="1">
+                <a:latin typeface="Segoe UI Black" panose="020B0A02040204020203" pitchFamily="34" charset="0"/>
+                <a:cs typeface="Arial" panose="020B0604020202020204" pitchFamily="34" charset="0"/>
+              </a:rPr>
+              <a:t>nhập</a:t>
+            </a:r>
+            <a:r>
+              <a:rPr lang="en-US" dirty="0">
+                <a:latin typeface="Segoe UI Black" panose="020B0A02040204020203" pitchFamily="34" charset="0"/>
+                <a:cs typeface="Arial" panose="020B0604020202020204" pitchFamily="34" charset="0"/>
+              </a:rPr>
+              <a:t> (access points) </a:t>
+            </a:r>
+            <a:r>
+              <a:rPr lang="en-US" dirty="0" err="1">
+                <a:latin typeface="Segoe UI Black" panose="020B0A02040204020203" pitchFamily="34" charset="0"/>
+                <a:cs typeface="Arial" panose="020B0604020202020204" pitchFamily="34" charset="0"/>
+              </a:rPr>
+              <a:t>khác</a:t>
+            </a:r>
+            <a:r>
+              <a:rPr lang="en-US" dirty="0">
+                <a:latin typeface="Segoe UI Black" panose="020B0A02040204020203" pitchFamily="34" charset="0"/>
+                <a:cs typeface="Arial" panose="020B0604020202020204" pitchFamily="34" charset="0"/>
+              </a:rPr>
+              <a:t> </a:t>
+            </a:r>
+            <a:r>
+              <a:rPr lang="en-US" dirty="0" err="1">
+                <a:latin typeface="Segoe UI Black" panose="020B0A02040204020203" pitchFamily="34" charset="0"/>
+                <a:cs typeface="Arial" panose="020B0604020202020204" pitchFamily="34" charset="0"/>
+              </a:rPr>
+              <a:t>nhau</a:t>
+            </a:r>
+            <a:r>
+              <a:rPr lang="en-US" dirty="0">
+                <a:latin typeface="Segoe UI Black" panose="020B0A02040204020203" pitchFamily="34" charset="0"/>
+                <a:cs typeface="Arial" panose="020B0604020202020204" pitchFamily="34" charset="0"/>
+              </a:rPr>
+              <a:t> </a:t>
+            </a:r>
+            <a:r>
+              <a:rPr lang="en-US" dirty="0" err="1">
+                <a:latin typeface="Segoe UI Black" panose="020B0A02040204020203" pitchFamily="34" charset="0"/>
+                <a:cs typeface="Arial" panose="020B0604020202020204" pitchFamily="34" charset="0"/>
+              </a:rPr>
+              <a:t>trong</a:t>
+            </a:r>
+            <a:r>
+              <a:rPr lang="en-US" dirty="0">
+                <a:latin typeface="Segoe UI Black" panose="020B0A02040204020203" pitchFamily="34" charset="0"/>
+                <a:cs typeface="Arial" panose="020B0604020202020204" pitchFamily="34" charset="0"/>
+              </a:rPr>
+              <a:t> </a:t>
+            </a:r>
+            <a:r>
+              <a:rPr lang="en-US" dirty="0" err="1">
+                <a:latin typeface="Segoe UI Black" panose="020B0A02040204020203" pitchFamily="34" charset="0"/>
+                <a:cs typeface="Arial" panose="020B0604020202020204" pitchFamily="34" charset="0"/>
+              </a:rPr>
+              <a:t>những</a:t>
+            </a:r>
+            <a:r>
+              <a:rPr lang="en-US" dirty="0">
+                <a:latin typeface="Segoe UI Black" panose="020B0A02040204020203" pitchFamily="34" charset="0"/>
+                <a:cs typeface="Arial" panose="020B0604020202020204" pitchFamily="34" charset="0"/>
+              </a:rPr>
+              <a:t> </a:t>
+            </a:r>
+            <a:r>
+              <a:rPr lang="en-US" dirty="0" err="1">
+                <a:latin typeface="Segoe UI Black" panose="020B0A02040204020203" pitchFamily="34" charset="0"/>
+                <a:cs typeface="Arial" panose="020B0604020202020204" pitchFamily="34" charset="0"/>
+              </a:rPr>
+              <a:t>khu</a:t>
+            </a:r>
+            <a:r>
+              <a:rPr lang="en-US" dirty="0">
+                <a:latin typeface="Segoe UI Black" panose="020B0A02040204020203" pitchFamily="34" charset="0"/>
+                <a:cs typeface="Arial" panose="020B0604020202020204" pitchFamily="34" charset="0"/>
+              </a:rPr>
+              <a:t> </a:t>
+            </a:r>
+            <a:r>
+              <a:rPr lang="en-US" dirty="0" err="1">
+                <a:latin typeface="Segoe UI Black" panose="020B0A02040204020203" pitchFamily="34" charset="0"/>
+                <a:cs typeface="Arial" panose="020B0604020202020204" pitchFamily="34" charset="0"/>
+              </a:rPr>
+              <a:t>vực</a:t>
+            </a:r>
+            <a:r>
+              <a:rPr lang="en-US" dirty="0">
+                <a:latin typeface="Segoe UI Black" panose="020B0A02040204020203" pitchFamily="34" charset="0"/>
+                <a:cs typeface="Arial" panose="020B0604020202020204" pitchFamily="34" charset="0"/>
+              </a:rPr>
+              <a:t> </a:t>
+            </a:r>
+            <a:r>
+              <a:rPr lang="en-US" dirty="0" err="1">
+                <a:latin typeface="Segoe UI Black" panose="020B0A02040204020203" pitchFamily="34" charset="0"/>
+                <a:cs typeface="Arial" panose="020B0604020202020204" pitchFamily="34" charset="0"/>
+              </a:rPr>
+              <a:t>địa</a:t>
+            </a:r>
+            <a:r>
+              <a:rPr lang="en-US" dirty="0">
+                <a:latin typeface="Segoe UI Black" panose="020B0A02040204020203" pitchFamily="34" charset="0"/>
+                <a:cs typeface="Arial" panose="020B0604020202020204" pitchFamily="34" charset="0"/>
+              </a:rPr>
+              <a:t> </a:t>
+            </a:r>
+            <a:r>
+              <a:rPr lang="en-US" dirty="0" err="1">
+                <a:latin typeface="Segoe UI Black" panose="020B0A02040204020203" pitchFamily="34" charset="0"/>
+                <a:cs typeface="Arial" panose="020B0604020202020204" pitchFamily="34" charset="0"/>
+              </a:rPr>
+              <a:t>lý</a:t>
+            </a:r>
+            <a:r>
+              <a:rPr lang="en-US" dirty="0">
+                <a:latin typeface="Segoe UI Black" panose="020B0A02040204020203" pitchFamily="34" charset="0"/>
+                <a:cs typeface="Arial" panose="020B0604020202020204" pitchFamily="34" charset="0"/>
+              </a:rPr>
+              <a:t> </a:t>
+            </a:r>
+            <a:r>
+              <a:rPr lang="en-US" dirty="0" err="1">
+                <a:latin typeface="Segoe UI Black" panose="020B0A02040204020203" pitchFamily="34" charset="0"/>
+                <a:cs typeface="Arial" panose="020B0604020202020204" pitchFamily="34" charset="0"/>
+              </a:rPr>
+              <a:t>rộng</a:t>
+            </a:r>
+            <a:r>
+              <a:rPr lang="en-US" dirty="0">
+                <a:latin typeface="Segoe UI Black" panose="020B0A02040204020203" pitchFamily="34" charset="0"/>
+                <a:cs typeface="Arial" panose="020B0604020202020204" pitchFamily="34" charset="0"/>
+              </a:rPr>
+              <a:t> </a:t>
+            </a:r>
+            <a:r>
+              <a:rPr lang="en-US" dirty="0" err="1">
+                <a:latin typeface="Segoe UI Black" panose="020B0A02040204020203" pitchFamily="34" charset="0"/>
+                <a:cs typeface="Arial" panose="020B0604020202020204" pitchFamily="34" charset="0"/>
+              </a:rPr>
+              <a:t>lớn</a:t>
+            </a:r>
+            <a:r>
+              <a:rPr lang="en-US" dirty="0">
+                <a:latin typeface="Segoe UI Black" panose="020B0A02040204020203" pitchFamily="34" charset="0"/>
+                <a:cs typeface="Arial" panose="020B0604020202020204" pitchFamily="34" charset="0"/>
+              </a:rPr>
+              <a:t>.</a:t>
             </a:r>
           </a:p>
           <a:p>
             <a:pPr algn="just"/>
-            <a:endParaRPr lang="en-US">
-              <a:latin typeface="Arial" panose="020B0604020202020204" pitchFamily="34" charset="0"/>
+            <a:endParaRPr lang="en-US" dirty="0">
+              <a:latin typeface="Segoe UI Black" panose="020B0A02040204020203" pitchFamily="34" charset="0"/>
               <a:cs typeface="Arial" panose="020B0604020202020204" pitchFamily="34" charset="0"/>
             </a:endParaRPr>
           </a:p>
           <a:p>
             <a:pPr algn="just"/>
             <a:r>
-              <a:rPr lang="en-US">
-                <a:latin typeface="Arial" panose="020B0604020202020204" pitchFamily="34" charset="0"/>
-                <a:cs typeface="Arial" panose="020B0604020202020204" pitchFamily="34" charset="0"/>
-              </a:rPr>
-              <a:t>Một hệ thống mesh network bao gồm các client, router và gateway. Do đó, để module ESP32 tham gia vào một mesh network lớn thì hệ thống cần có các router. Mesh network truyền thông tin giữa các nút. Do ESP32 có thể làm việc ở 2 chế độ station và soft-AP nên nó có thể là một nút trong mesh network.</a:t>
+              <a:rPr lang="en-US" dirty="0" err="1">
+                <a:latin typeface="Segoe UI Black" panose="020B0A02040204020203" pitchFamily="34" charset="0"/>
+                <a:cs typeface="Arial" panose="020B0604020202020204" pitchFamily="34" charset="0"/>
+              </a:rPr>
+              <a:t>Một</a:t>
+            </a:r>
+            <a:r>
+              <a:rPr lang="en-US" dirty="0">
+                <a:latin typeface="Segoe UI Black" panose="020B0A02040204020203" pitchFamily="34" charset="0"/>
+                <a:cs typeface="Arial" panose="020B0604020202020204" pitchFamily="34" charset="0"/>
+              </a:rPr>
+              <a:t> </a:t>
+            </a:r>
+            <a:r>
+              <a:rPr lang="en-US" dirty="0" err="1">
+                <a:latin typeface="Segoe UI Black" panose="020B0A02040204020203" pitchFamily="34" charset="0"/>
+                <a:cs typeface="Arial" panose="020B0604020202020204" pitchFamily="34" charset="0"/>
+              </a:rPr>
+              <a:t>hệ</a:t>
+            </a:r>
+            <a:r>
+              <a:rPr lang="en-US" dirty="0">
+                <a:latin typeface="Segoe UI Black" panose="020B0A02040204020203" pitchFamily="34" charset="0"/>
+                <a:cs typeface="Arial" panose="020B0604020202020204" pitchFamily="34" charset="0"/>
+              </a:rPr>
+              <a:t> </a:t>
+            </a:r>
+            <a:r>
+              <a:rPr lang="en-US" dirty="0" err="1">
+                <a:latin typeface="Segoe UI Black" panose="020B0A02040204020203" pitchFamily="34" charset="0"/>
+                <a:cs typeface="Arial" panose="020B0604020202020204" pitchFamily="34" charset="0"/>
+              </a:rPr>
+              <a:t>thống</a:t>
+            </a:r>
+            <a:r>
+              <a:rPr lang="en-US" dirty="0">
+                <a:latin typeface="Segoe UI Black" panose="020B0A02040204020203" pitchFamily="34" charset="0"/>
+                <a:cs typeface="Arial" panose="020B0604020202020204" pitchFamily="34" charset="0"/>
+              </a:rPr>
+              <a:t> mesh network bao </a:t>
+            </a:r>
+            <a:r>
+              <a:rPr lang="en-US" dirty="0" err="1">
+                <a:latin typeface="Segoe UI Black" panose="020B0A02040204020203" pitchFamily="34" charset="0"/>
+                <a:cs typeface="Arial" panose="020B0604020202020204" pitchFamily="34" charset="0"/>
+              </a:rPr>
+              <a:t>gồm</a:t>
+            </a:r>
+            <a:r>
+              <a:rPr lang="en-US" dirty="0">
+                <a:latin typeface="Segoe UI Black" panose="020B0A02040204020203" pitchFamily="34" charset="0"/>
+                <a:cs typeface="Arial" panose="020B0604020202020204" pitchFamily="34" charset="0"/>
+              </a:rPr>
+              <a:t> </a:t>
+            </a:r>
+            <a:r>
+              <a:rPr lang="en-US" dirty="0" err="1">
+                <a:latin typeface="Segoe UI Black" panose="020B0A02040204020203" pitchFamily="34" charset="0"/>
+                <a:cs typeface="Arial" panose="020B0604020202020204" pitchFamily="34" charset="0"/>
+              </a:rPr>
+              <a:t>các</a:t>
+            </a:r>
+            <a:r>
+              <a:rPr lang="en-US" dirty="0">
+                <a:latin typeface="Segoe UI Black" panose="020B0A02040204020203" pitchFamily="34" charset="0"/>
+                <a:cs typeface="Arial" panose="020B0604020202020204" pitchFamily="34" charset="0"/>
+              </a:rPr>
+              <a:t> client, router </a:t>
+            </a:r>
+            <a:r>
+              <a:rPr lang="en-US" dirty="0" err="1">
+                <a:latin typeface="Segoe UI Black" panose="020B0A02040204020203" pitchFamily="34" charset="0"/>
+                <a:cs typeface="Arial" panose="020B0604020202020204" pitchFamily="34" charset="0"/>
+              </a:rPr>
+              <a:t>và</a:t>
+            </a:r>
+            <a:r>
+              <a:rPr lang="en-US" dirty="0">
+                <a:latin typeface="Segoe UI Black" panose="020B0A02040204020203" pitchFamily="34" charset="0"/>
+                <a:cs typeface="Arial" panose="020B0604020202020204" pitchFamily="34" charset="0"/>
+              </a:rPr>
+              <a:t> gateway. Do </a:t>
+            </a:r>
+            <a:r>
+              <a:rPr lang="en-US" dirty="0" err="1">
+                <a:latin typeface="Segoe UI Black" panose="020B0A02040204020203" pitchFamily="34" charset="0"/>
+                <a:cs typeface="Arial" panose="020B0604020202020204" pitchFamily="34" charset="0"/>
+              </a:rPr>
+              <a:t>đó</a:t>
+            </a:r>
+            <a:r>
+              <a:rPr lang="en-US" dirty="0">
+                <a:latin typeface="Segoe UI Black" panose="020B0A02040204020203" pitchFamily="34" charset="0"/>
+                <a:cs typeface="Arial" panose="020B0604020202020204" pitchFamily="34" charset="0"/>
+              </a:rPr>
+              <a:t>, </a:t>
+            </a:r>
+            <a:r>
+              <a:rPr lang="en-US" dirty="0" err="1">
+                <a:latin typeface="Segoe UI Black" panose="020B0A02040204020203" pitchFamily="34" charset="0"/>
+                <a:cs typeface="Arial" panose="020B0604020202020204" pitchFamily="34" charset="0"/>
+              </a:rPr>
+              <a:t>để</a:t>
+            </a:r>
+            <a:r>
+              <a:rPr lang="en-US" dirty="0">
+                <a:latin typeface="Segoe UI Black" panose="020B0A02040204020203" pitchFamily="34" charset="0"/>
+                <a:cs typeface="Arial" panose="020B0604020202020204" pitchFamily="34" charset="0"/>
+              </a:rPr>
+              <a:t> module ESP32 </a:t>
+            </a:r>
+            <a:r>
+              <a:rPr lang="en-US" dirty="0" err="1">
+                <a:latin typeface="Segoe UI Black" panose="020B0A02040204020203" pitchFamily="34" charset="0"/>
+                <a:cs typeface="Arial" panose="020B0604020202020204" pitchFamily="34" charset="0"/>
+              </a:rPr>
+              <a:t>tham</a:t>
+            </a:r>
+            <a:r>
+              <a:rPr lang="en-US" dirty="0">
+                <a:latin typeface="Segoe UI Black" panose="020B0A02040204020203" pitchFamily="34" charset="0"/>
+                <a:cs typeface="Arial" panose="020B0604020202020204" pitchFamily="34" charset="0"/>
+              </a:rPr>
+              <a:t> </a:t>
+            </a:r>
+            <a:r>
+              <a:rPr lang="en-US" dirty="0" err="1">
+                <a:latin typeface="Segoe UI Black" panose="020B0A02040204020203" pitchFamily="34" charset="0"/>
+                <a:cs typeface="Arial" panose="020B0604020202020204" pitchFamily="34" charset="0"/>
+              </a:rPr>
+              <a:t>gia</a:t>
+            </a:r>
+            <a:r>
+              <a:rPr lang="en-US" dirty="0">
+                <a:latin typeface="Segoe UI Black" panose="020B0A02040204020203" pitchFamily="34" charset="0"/>
+                <a:cs typeface="Arial" panose="020B0604020202020204" pitchFamily="34" charset="0"/>
+              </a:rPr>
+              <a:t> </a:t>
+            </a:r>
+            <a:r>
+              <a:rPr lang="en-US" dirty="0" err="1">
+                <a:latin typeface="Segoe UI Black" panose="020B0A02040204020203" pitchFamily="34" charset="0"/>
+                <a:cs typeface="Arial" panose="020B0604020202020204" pitchFamily="34" charset="0"/>
+              </a:rPr>
+              <a:t>vào</a:t>
+            </a:r>
+            <a:r>
+              <a:rPr lang="en-US" dirty="0">
+                <a:latin typeface="Segoe UI Black" panose="020B0A02040204020203" pitchFamily="34" charset="0"/>
+                <a:cs typeface="Arial" panose="020B0604020202020204" pitchFamily="34" charset="0"/>
+              </a:rPr>
+              <a:t> </a:t>
+            </a:r>
+            <a:r>
+              <a:rPr lang="en-US" dirty="0" err="1">
+                <a:latin typeface="Segoe UI Black" panose="020B0A02040204020203" pitchFamily="34" charset="0"/>
+                <a:cs typeface="Arial" panose="020B0604020202020204" pitchFamily="34" charset="0"/>
+              </a:rPr>
+              <a:t>một</a:t>
+            </a:r>
+            <a:r>
+              <a:rPr lang="en-US" dirty="0">
+                <a:latin typeface="Segoe UI Black" panose="020B0A02040204020203" pitchFamily="34" charset="0"/>
+                <a:cs typeface="Arial" panose="020B0604020202020204" pitchFamily="34" charset="0"/>
+              </a:rPr>
+              <a:t> mesh network </a:t>
+            </a:r>
+            <a:r>
+              <a:rPr lang="en-US" dirty="0" err="1">
+                <a:latin typeface="Segoe UI Black" panose="020B0A02040204020203" pitchFamily="34" charset="0"/>
+                <a:cs typeface="Arial" panose="020B0604020202020204" pitchFamily="34" charset="0"/>
+              </a:rPr>
+              <a:t>lớn</a:t>
+            </a:r>
+            <a:r>
+              <a:rPr lang="en-US" dirty="0">
+                <a:latin typeface="Segoe UI Black" panose="020B0A02040204020203" pitchFamily="34" charset="0"/>
+                <a:cs typeface="Arial" panose="020B0604020202020204" pitchFamily="34" charset="0"/>
+              </a:rPr>
+              <a:t> </a:t>
+            </a:r>
+            <a:r>
+              <a:rPr lang="en-US" dirty="0" err="1">
+                <a:latin typeface="Segoe UI Black" panose="020B0A02040204020203" pitchFamily="34" charset="0"/>
+                <a:cs typeface="Arial" panose="020B0604020202020204" pitchFamily="34" charset="0"/>
+              </a:rPr>
+              <a:t>thì</a:t>
+            </a:r>
+            <a:r>
+              <a:rPr lang="en-US" dirty="0">
+                <a:latin typeface="Segoe UI Black" panose="020B0A02040204020203" pitchFamily="34" charset="0"/>
+                <a:cs typeface="Arial" panose="020B0604020202020204" pitchFamily="34" charset="0"/>
+              </a:rPr>
+              <a:t> </a:t>
+            </a:r>
+            <a:r>
+              <a:rPr lang="en-US" dirty="0" err="1">
+                <a:latin typeface="Segoe UI Black" panose="020B0A02040204020203" pitchFamily="34" charset="0"/>
+                <a:cs typeface="Arial" panose="020B0604020202020204" pitchFamily="34" charset="0"/>
+              </a:rPr>
+              <a:t>hệ</a:t>
+            </a:r>
+            <a:r>
+              <a:rPr lang="en-US" dirty="0">
+                <a:latin typeface="Segoe UI Black" panose="020B0A02040204020203" pitchFamily="34" charset="0"/>
+                <a:cs typeface="Arial" panose="020B0604020202020204" pitchFamily="34" charset="0"/>
+              </a:rPr>
+              <a:t> </a:t>
+            </a:r>
+            <a:r>
+              <a:rPr lang="en-US" dirty="0" err="1">
+                <a:latin typeface="Segoe UI Black" panose="020B0A02040204020203" pitchFamily="34" charset="0"/>
+                <a:cs typeface="Arial" panose="020B0604020202020204" pitchFamily="34" charset="0"/>
+              </a:rPr>
+              <a:t>thống</a:t>
+            </a:r>
+            <a:r>
+              <a:rPr lang="en-US" dirty="0">
+                <a:latin typeface="Segoe UI Black" panose="020B0A02040204020203" pitchFamily="34" charset="0"/>
+                <a:cs typeface="Arial" panose="020B0604020202020204" pitchFamily="34" charset="0"/>
+              </a:rPr>
+              <a:t> </a:t>
+            </a:r>
+            <a:r>
+              <a:rPr lang="en-US" dirty="0" err="1">
+                <a:latin typeface="Segoe UI Black" panose="020B0A02040204020203" pitchFamily="34" charset="0"/>
+                <a:cs typeface="Arial" panose="020B0604020202020204" pitchFamily="34" charset="0"/>
+              </a:rPr>
+              <a:t>cần</a:t>
+            </a:r>
+            <a:r>
+              <a:rPr lang="en-US" dirty="0">
+                <a:latin typeface="Segoe UI Black" panose="020B0A02040204020203" pitchFamily="34" charset="0"/>
+                <a:cs typeface="Arial" panose="020B0604020202020204" pitchFamily="34" charset="0"/>
+              </a:rPr>
+              <a:t> </a:t>
+            </a:r>
+            <a:r>
+              <a:rPr lang="en-US" dirty="0" err="1">
+                <a:latin typeface="Segoe UI Black" panose="020B0A02040204020203" pitchFamily="34" charset="0"/>
+                <a:cs typeface="Arial" panose="020B0604020202020204" pitchFamily="34" charset="0"/>
+              </a:rPr>
+              <a:t>có</a:t>
+            </a:r>
+            <a:r>
+              <a:rPr lang="en-US" dirty="0">
+                <a:latin typeface="Segoe UI Black" panose="020B0A02040204020203" pitchFamily="34" charset="0"/>
+                <a:cs typeface="Arial" panose="020B0604020202020204" pitchFamily="34" charset="0"/>
+              </a:rPr>
+              <a:t> </a:t>
+            </a:r>
+            <a:r>
+              <a:rPr lang="en-US" dirty="0" err="1">
+                <a:latin typeface="Segoe UI Black" panose="020B0A02040204020203" pitchFamily="34" charset="0"/>
+                <a:cs typeface="Arial" panose="020B0604020202020204" pitchFamily="34" charset="0"/>
+              </a:rPr>
+              <a:t>các</a:t>
+            </a:r>
+            <a:r>
+              <a:rPr lang="en-US" dirty="0">
+                <a:latin typeface="Segoe UI Black" panose="020B0A02040204020203" pitchFamily="34" charset="0"/>
+                <a:cs typeface="Arial" panose="020B0604020202020204" pitchFamily="34" charset="0"/>
+              </a:rPr>
+              <a:t> router. Mesh network </a:t>
+            </a:r>
+            <a:r>
+              <a:rPr lang="en-US" dirty="0" err="1">
+                <a:latin typeface="Segoe UI Black" panose="020B0A02040204020203" pitchFamily="34" charset="0"/>
+                <a:cs typeface="Arial" panose="020B0604020202020204" pitchFamily="34" charset="0"/>
+              </a:rPr>
+              <a:t>truyền</a:t>
+            </a:r>
+            <a:r>
+              <a:rPr lang="en-US" dirty="0">
+                <a:latin typeface="Segoe UI Black" panose="020B0A02040204020203" pitchFamily="34" charset="0"/>
+                <a:cs typeface="Arial" panose="020B0604020202020204" pitchFamily="34" charset="0"/>
+              </a:rPr>
+              <a:t> </a:t>
+            </a:r>
+            <a:r>
+              <a:rPr lang="en-US" dirty="0" err="1">
+                <a:latin typeface="Segoe UI Black" panose="020B0A02040204020203" pitchFamily="34" charset="0"/>
+                <a:cs typeface="Arial" panose="020B0604020202020204" pitchFamily="34" charset="0"/>
+              </a:rPr>
+              <a:t>thông</a:t>
+            </a:r>
+            <a:r>
+              <a:rPr lang="en-US" dirty="0">
+                <a:latin typeface="Segoe UI Black" panose="020B0A02040204020203" pitchFamily="34" charset="0"/>
+                <a:cs typeface="Arial" panose="020B0604020202020204" pitchFamily="34" charset="0"/>
+              </a:rPr>
+              <a:t> tin </a:t>
+            </a:r>
+            <a:r>
+              <a:rPr lang="en-US" dirty="0" err="1">
+                <a:latin typeface="Segoe UI Black" panose="020B0A02040204020203" pitchFamily="34" charset="0"/>
+                <a:cs typeface="Arial" panose="020B0604020202020204" pitchFamily="34" charset="0"/>
+              </a:rPr>
+              <a:t>giữa</a:t>
+            </a:r>
+            <a:r>
+              <a:rPr lang="en-US" dirty="0">
+                <a:latin typeface="Segoe UI Black" panose="020B0A02040204020203" pitchFamily="34" charset="0"/>
+                <a:cs typeface="Arial" panose="020B0604020202020204" pitchFamily="34" charset="0"/>
+              </a:rPr>
+              <a:t> </a:t>
+            </a:r>
+            <a:r>
+              <a:rPr lang="en-US" dirty="0" err="1">
+                <a:latin typeface="Segoe UI Black" panose="020B0A02040204020203" pitchFamily="34" charset="0"/>
+                <a:cs typeface="Arial" panose="020B0604020202020204" pitchFamily="34" charset="0"/>
+              </a:rPr>
+              <a:t>các</a:t>
+            </a:r>
+            <a:r>
+              <a:rPr lang="en-US" dirty="0">
+                <a:latin typeface="Segoe UI Black" panose="020B0A02040204020203" pitchFamily="34" charset="0"/>
+                <a:cs typeface="Arial" panose="020B0604020202020204" pitchFamily="34" charset="0"/>
+              </a:rPr>
+              <a:t> </a:t>
+            </a:r>
+            <a:r>
+              <a:rPr lang="en-US" dirty="0" err="1">
+                <a:latin typeface="Segoe UI Black" panose="020B0A02040204020203" pitchFamily="34" charset="0"/>
+                <a:cs typeface="Arial" panose="020B0604020202020204" pitchFamily="34" charset="0"/>
+              </a:rPr>
+              <a:t>nút</a:t>
+            </a:r>
+            <a:r>
+              <a:rPr lang="en-US" dirty="0">
+                <a:latin typeface="Segoe UI Black" panose="020B0A02040204020203" pitchFamily="34" charset="0"/>
+                <a:cs typeface="Arial" panose="020B0604020202020204" pitchFamily="34" charset="0"/>
+              </a:rPr>
+              <a:t>. Do ESP32 </a:t>
+            </a:r>
+            <a:r>
+              <a:rPr lang="en-US" dirty="0" err="1">
+                <a:latin typeface="Segoe UI Black" panose="020B0A02040204020203" pitchFamily="34" charset="0"/>
+                <a:cs typeface="Arial" panose="020B0604020202020204" pitchFamily="34" charset="0"/>
+              </a:rPr>
+              <a:t>có</a:t>
+            </a:r>
+            <a:r>
+              <a:rPr lang="en-US" dirty="0">
+                <a:latin typeface="Segoe UI Black" panose="020B0A02040204020203" pitchFamily="34" charset="0"/>
+                <a:cs typeface="Arial" panose="020B0604020202020204" pitchFamily="34" charset="0"/>
+              </a:rPr>
+              <a:t> </a:t>
+            </a:r>
+            <a:r>
+              <a:rPr lang="en-US" dirty="0" err="1">
+                <a:latin typeface="Segoe UI Black" panose="020B0A02040204020203" pitchFamily="34" charset="0"/>
+                <a:cs typeface="Arial" panose="020B0604020202020204" pitchFamily="34" charset="0"/>
+              </a:rPr>
+              <a:t>thể</a:t>
+            </a:r>
+            <a:r>
+              <a:rPr lang="en-US" dirty="0">
+                <a:latin typeface="Segoe UI Black" panose="020B0A02040204020203" pitchFamily="34" charset="0"/>
+                <a:cs typeface="Arial" panose="020B0604020202020204" pitchFamily="34" charset="0"/>
+              </a:rPr>
+              <a:t> </a:t>
+            </a:r>
+            <a:r>
+              <a:rPr lang="en-US" dirty="0" err="1">
+                <a:latin typeface="Segoe UI Black" panose="020B0A02040204020203" pitchFamily="34" charset="0"/>
+                <a:cs typeface="Arial" panose="020B0604020202020204" pitchFamily="34" charset="0"/>
+              </a:rPr>
+              <a:t>làm</a:t>
+            </a:r>
+            <a:r>
+              <a:rPr lang="en-US" dirty="0">
+                <a:latin typeface="Segoe UI Black" panose="020B0A02040204020203" pitchFamily="34" charset="0"/>
+                <a:cs typeface="Arial" panose="020B0604020202020204" pitchFamily="34" charset="0"/>
+              </a:rPr>
+              <a:t> </a:t>
+            </a:r>
+            <a:r>
+              <a:rPr lang="en-US" dirty="0" err="1">
+                <a:latin typeface="Segoe UI Black" panose="020B0A02040204020203" pitchFamily="34" charset="0"/>
+                <a:cs typeface="Arial" panose="020B0604020202020204" pitchFamily="34" charset="0"/>
+              </a:rPr>
+              <a:t>việc</a:t>
+            </a:r>
+            <a:r>
+              <a:rPr lang="en-US" dirty="0">
+                <a:latin typeface="Segoe UI Black" panose="020B0A02040204020203" pitchFamily="34" charset="0"/>
+                <a:cs typeface="Arial" panose="020B0604020202020204" pitchFamily="34" charset="0"/>
+              </a:rPr>
+              <a:t> ở 2 </a:t>
+            </a:r>
+            <a:r>
+              <a:rPr lang="en-US" dirty="0" err="1">
+                <a:latin typeface="Segoe UI Black" panose="020B0A02040204020203" pitchFamily="34" charset="0"/>
+                <a:cs typeface="Arial" panose="020B0604020202020204" pitchFamily="34" charset="0"/>
+              </a:rPr>
+              <a:t>chế</a:t>
+            </a:r>
+            <a:r>
+              <a:rPr lang="en-US" dirty="0">
+                <a:latin typeface="Segoe UI Black" panose="020B0A02040204020203" pitchFamily="34" charset="0"/>
+                <a:cs typeface="Arial" panose="020B0604020202020204" pitchFamily="34" charset="0"/>
+              </a:rPr>
+              <a:t> </a:t>
+            </a:r>
+            <a:r>
+              <a:rPr lang="en-US" dirty="0" err="1">
+                <a:latin typeface="Segoe UI Black" panose="020B0A02040204020203" pitchFamily="34" charset="0"/>
+                <a:cs typeface="Arial" panose="020B0604020202020204" pitchFamily="34" charset="0"/>
+              </a:rPr>
+              <a:t>độ</a:t>
+            </a:r>
+            <a:r>
+              <a:rPr lang="en-US" dirty="0">
+                <a:latin typeface="Segoe UI Black" panose="020B0A02040204020203" pitchFamily="34" charset="0"/>
+                <a:cs typeface="Arial" panose="020B0604020202020204" pitchFamily="34" charset="0"/>
+              </a:rPr>
+              <a:t> station </a:t>
+            </a:r>
+            <a:r>
+              <a:rPr lang="en-US" dirty="0" err="1">
+                <a:latin typeface="Segoe UI Black" panose="020B0A02040204020203" pitchFamily="34" charset="0"/>
+                <a:cs typeface="Arial" panose="020B0604020202020204" pitchFamily="34" charset="0"/>
+              </a:rPr>
+              <a:t>và</a:t>
+            </a:r>
+            <a:r>
+              <a:rPr lang="en-US" dirty="0">
+                <a:latin typeface="Segoe UI Black" panose="020B0A02040204020203" pitchFamily="34" charset="0"/>
+                <a:cs typeface="Arial" panose="020B0604020202020204" pitchFamily="34" charset="0"/>
+              </a:rPr>
+              <a:t> soft-AP </a:t>
+            </a:r>
+            <a:r>
+              <a:rPr lang="en-US" dirty="0" err="1">
+                <a:latin typeface="Segoe UI Black" panose="020B0A02040204020203" pitchFamily="34" charset="0"/>
+                <a:cs typeface="Arial" panose="020B0604020202020204" pitchFamily="34" charset="0"/>
+              </a:rPr>
+              <a:t>nên</a:t>
+            </a:r>
+            <a:r>
+              <a:rPr lang="en-US" dirty="0">
+                <a:latin typeface="Segoe UI Black" panose="020B0A02040204020203" pitchFamily="34" charset="0"/>
+                <a:cs typeface="Arial" panose="020B0604020202020204" pitchFamily="34" charset="0"/>
+              </a:rPr>
+              <a:t> </a:t>
+            </a:r>
+            <a:r>
+              <a:rPr lang="en-US" dirty="0" err="1">
+                <a:latin typeface="Segoe UI Black" panose="020B0A02040204020203" pitchFamily="34" charset="0"/>
+                <a:cs typeface="Arial" panose="020B0604020202020204" pitchFamily="34" charset="0"/>
+              </a:rPr>
+              <a:t>nó</a:t>
+            </a:r>
+            <a:r>
+              <a:rPr lang="en-US" dirty="0">
+                <a:latin typeface="Segoe UI Black" panose="020B0A02040204020203" pitchFamily="34" charset="0"/>
+                <a:cs typeface="Arial" panose="020B0604020202020204" pitchFamily="34" charset="0"/>
+              </a:rPr>
+              <a:t> </a:t>
+            </a:r>
+            <a:r>
+              <a:rPr lang="en-US" dirty="0" err="1">
+                <a:latin typeface="Segoe UI Black" panose="020B0A02040204020203" pitchFamily="34" charset="0"/>
+                <a:cs typeface="Arial" panose="020B0604020202020204" pitchFamily="34" charset="0"/>
+              </a:rPr>
+              <a:t>có</a:t>
+            </a:r>
+            <a:r>
+              <a:rPr lang="en-US" dirty="0">
+                <a:latin typeface="Segoe UI Black" panose="020B0A02040204020203" pitchFamily="34" charset="0"/>
+                <a:cs typeface="Arial" panose="020B0604020202020204" pitchFamily="34" charset="0"/>
+              </a:rPr>
+              <a:t> </a:t>
+            </a:r>
+            <a:r>
+              <a:rPr lang="en-US" dirty="0" err="1">
+                <a:latin typeface="Segoe UI Black" panose="020B0A02040204020203" pitchFamily="34" charset="0"/>
+                <a:cs typeface="Arial" panose="020B0604020202020204" pitchFamily="34" charset="0"/>
+              </a:rPr>
+              <a:t>thể</a:t>
+            </a:r>
+            <a:r>
+              <a:rPr lang="en-US" dirty="0">
+                <a:latin typeface="Segoe UI Black" panose="020B0A02040204020203" pitchFamily="34" charset="0"/>
+                <a:cs typeface="Arial" panose="020B0604020202020204" pitchFamily="34" charset="0"/>
+              </a:rPr>
+              <a:t> </a:t>
+            </a:r>
+            <a:r>
+              <a:rPr lang="en-US" dirty="0" err="1">
+                <a:latin typeface="Segoe UI Black" panose="020B0A02040204020203" pitchFamily="34" charset="0"/>
+                <a:cs typeface="Arial" panose="020B0604020202020204" pitchFamily="34" charset="0"/>
+              </a:rPr>
+              <a:t>là</a:t>
+            </a:r>
+            <a:r>
+              <a:rPr lang="en-US" dirty="0">
+                <a:latin typeface="Segoe UI Black" panose="020B0A02040204020203" pitchFamily="34" charset="0"/>
+                <a:cs typeface="Arial" panose="020B0604020202020204" pitchFamily="34" charset="0"/>
+              </a:rPr>
+              <a:t> </a:t>
+            </a:r>
+            <a:r>
+              <a:rPr lang="en-US" dirty="0" err="1">
+                <a:latin typeface="Segoe UI Black" panose="020B0A02040204020203" pitchFamily="34" charset="0"/>
+                <a:cs typeface="Arial" panose="020B0604020202020204" pitchFamily="34" charset="0"/>
+              </a:rPr>
+              <a:t>một</a:t>
+            </a:r>
+            <a:r>
+              <a:rPr lang="en-US" dirty="0">
+                <a:latin typeface="Segoe UI Black" panose="020B0A02040204020203" pitchFamily="34" charset="0"/>
+                <a:cs typeface="Arial" panose="020B0604020202020204" pitchFamily="34" charset="0"/>
+              </a:rPr>
+              <a:t> </a:t>
+            </a:r>
+            <a:r>
+              <a:rPr lang="en-US" dirty="0" err="1">
+                <a:latin typeface="Segoe UI Black" panose="020B0A02040204020203" pitchFamily="34" charset="0"/>
+                <a:cs typeface="Arial" panose="020B0604020202020204" pitchFamily="34" charset="0"/>
+              </a:rPr>
+              <a:t>nút</a:t>
+            </a:r>
+            <a:r>
+              <a:rPr lang="en-US" dirty="0">
+                <a:latin typeface="Segoe UI Black" panose="020B0A02040204020203" pitchFamily="34" charset="0"/>
+                <a:cs typeface="Arial" panose="020B0604020202020204" pitchFamily="34" charset="0"/>
+              </a:rPr>
+              <a:t> </a:t>
+            </a:r>
+            <a:r>
+              <a:rPr lang="en-US" dirty="0" err="1">
+                <a:latin typeface="Segoe UI Black" panose="020B0A02040204020203" pitchFamily="34" charset="0"/>
+                <a:cs typeface="Arial" panose="020B0604020202020204" pitchFamily="34" charset="0"/>
+              </a:rPr>
+              <a:t>trong</a:t>
+            </a:r>
+            <a:r>
+              <a:rPr lang="en-US" dirty="0">
+                <a:latin typeface="Segoe UI Black" panose="020B0A02040204020203" pitchFamily="34" charset="0"/>
+                <a:cs typeface="Arial" panose="020B0604020202020204" pitchFamily="34" charset="0"/>
+              </a:rPr>
+              <a:t> mesh network.</a:t>
             </a:r>
           </a:p>
         </p:txBody>
@@ -4483,8 +7349,20 @@
           <a:lstStyle/>
           <a:p>
             <a:r>
-              <a:rPr lang="en-US"/>
-              <a:t>Chế độ AP (Access Point)</a:t>
+              <a:rPr lang="en-US" sz="3000" dirty="0" err="1"/>
+              <a:t>Chế</a:t>
+            </a:r>
+            <a:r>
+              <a:rPr lang="en-US" sz="3000" dirty="0"/>
+              <a:t> </a:t>
+            </a:r>
+            <a:r>
+              <a:rPr lang="en-US" sz="3000" dirty="0" err="1"/>
+              <a:t>độ</a:t>
+            </a:r>
+            <a:r>
+              <a:rPr lang="en-US" sz="3000" dirty="0"/>
+              <a:t> AP (Access Point)</a:t>
             </a:r>
           </a:p>
         </p:txBody>
@@ -4594,8 +7472,20 @@
           <a:lstStyle/>
           <a:p>
             <a:r>
-              <a:rPr lang="en-US"/>
-              <a:t>Chế độ AP (Access Point)</a:t>
+              <a:rPr lang="en-US" sz="3000" dirty="0" err="1"/>
+              <a:t>Chế</a:t>
+            </a:r>
+            <a:r>
+              <a:rPr lang="en-US" sz="3000" dirty="0"/>
+              <a:t> </a:t>
+            </a:r>
+            <a:r>
+              <a:rPr lang="en-US" sz="3000" dirty="0" err="1"/>
+              <a:t>độ</a:t>
+            </a:r>
+            <a:r>
+              <a:rPr lang="en-US" sz="3000" dirty="0"/>
+              <a:t> AP (Access Point)</a:t>
             </a:r>
           </a:p>
         </p:txBody>
@@ -4639,7 +7529,7 @@
         <p:spPr>
           <a:xfrm>
             <a:off x="1971675" y="1999896"/>
-            <a:ext cx="6363942" cy="646331"/>
+            <a:ext cx="6363942" cy="923330"/>
           </a:xfrm>
           <a:prstGeom prst="rect">
             <a:avLst/>
@@ -4653,22 +7543,192 @@
           <a:lstStyle/>
           <a:p>
             <a:r>
-              <a:rPr lang="en-US" b="1"/>
-              <a:t>WiFi.softAPgetStationNum()</a:t>
-            </a:r>
-          </a:p>
-          <a:p>
-            <a:r>
-              <a:rPr lang="en-US"/>
-              <a:t>Lấy số l</a:t>
-            </a:r>
-            <a:r>
-              <a:rPr lang="vi-VN"/>
+              <a:rPr lang="en-US" b="1" dirty="0" err="1">
+                <a:latin typeface="Segoe UI Black" panose="020B0A02040204020203" pitchFamily="34" charset="0"/>
+              </a:rPr>
+              <a:t>WiFi.softAPgetStationNum</a:t>
+            </a:r>
+            <a:r>
+              <a:rPr lang="en-US" b="1" dirty="0">
+                <a:latin typeface="Segoe UI Black" panose="020B0A02040204020203" pitchFamily="34" charset="0"/>
+              </a:rPr>
+              <a:t>()</a:t>
+            </a:r>
+          </a:p>
+          <a:p>
+            <a:r>
+              <a:rPr lang="en-US" dirty="0" err="1">
+                <a:latin typeface="Segoe UI Black" panose="020B0A02040204020203" pitchFamily="34" charset="0"/>
+              </a:rPr>
+              <a:t>Lấy</a:t>
+            </a:r>
+            <a:r>
+              <a:rPr lang="en-US" dirty="0">
+                <a:latin typeface="Segoe UI Black" panose="020B0A02040204020203" pitchFamily="34" charset="0"/>
+              </a:rPr>
+              <a:t> </a:t>
+            </a:r>
+            <a:r>
+              <a:rPr lang="en-US" dirty="0" err="1">
+                <a:latin typeface="Segoe UI Black" panose="020B0A02040204020203" pitchFamily="34" charset="0"/>
+              </a:rPr>
+              <a:t>số</a:t>
+            </a:r>
+            <a:r>
+              <a:rPr lang="en-US" dirty="0">
+                <a:latin typeface="Segoe UI Black" panose="020B0A02040204020203" pitchFamily="34" charset="0"/>
+              </a:rPr>
+              <a:t> l</a:t>
+            </a:r>
+            <a:r>
+              <a:rPr lang="vi-VN" dirty="0">
+                <a:latin typeface="Segoe UI Black" panose="020B0A02040204020203" pitchFamily="34" charset="0"/>
+              </a:rPr>
               <a:t>ư</a:t>
             </a:r>
             <a:r>
-              <a:rPr lang="en-US"/>
-              <a:t>ợng các station kết nối tới AP. Giá trị trả về là số nguyên. </a:t>
+              <a:rPr lang="en-US" dirty="0" err="1">
+                <a:latin typeface="Segoe UI Black" panose="020B0A02040204020203" pitchFamily="34" charset="0"/>
+              </a:rPr>
+              <a:t>ợng</a:t>
+            </a:r>
+            <a:r>
+              <a:rPr lang="en-US" dirty="0">
+                <a:latin typeface="Segoe UI Black" panose="020B0A02040204020203" pitchFamily="34" charset="0"/>
+              </a:rPr>
+              <a:t> </a:t>
+            </a:r>
+            <a:r>
+              <a:rPr lang="en-US" dirty="0" err="1">
+                <a:latin typeface="Segoe UI Black" panose="020B0A02040204020203" pitchFamily="34" charset="0"/>
+              </a:rPr>
+              <a:t>các</a:t>
+            </a:r>
+            <a:r>
+              <a:rPr lang="en-US" dirty="0">
+                <a:latin typeface="Segoe UI Black" panose="020B0A02040204020203" pitchFamily="34" charset="0"/>
+              </a:rPr>
+              <a:t> station </a:t>
+            </a:r>
+            <a:r>
+              <a:rPr lang="en-US" dirty="0" err="1">
+                <a:latin typeface="Segoe UI Black" panose="020B0A02040204020203" pitchFamily="34" charset="0"/>
+              </a:rPr>
+              <a:t>kết</a:t>
+            </a:r>
+            <a:r>
+              <a:rPr lang="en-US" dirty="0">
+                <a:latin typeface="Segoe UI Black" panose="020B0A02040204020203" pitchFamily="34" charset="0"/>
+              </a:rPr>
+              <a:t> </a:t>
+            </a:r>
+            <a:r>
+              <a:rPr lang="en-US" dirty="0" err="1">
+                <a:latin typeface="Segoe UI Black" panose="020B0A02040204020203" pitchFamily="34" charset="0"/>
+              </a:rPr>
+              <a:t>nối</a:t>
+            </a:r>
+            <a:r>
+              <a:rPr lang="en-US" dirty="0">
+                <a:latin typeface="Segoe UI Black" panose="020B0A02040204020203" pitchFamily="34" charset="0"/>
+              </a:rPr>
+              <a:t> </a:t>
+            </a:r>
+            <a:r>
+              <a:rPr lang="en-US" dirty="0" err="1">
+                <a:latin typeface="Segoe UI Black" panose="020B0A02040204020203" pitchFamily="34" charset="0"/>
+              </a:rPr>
+              <a:t>tới</a:t>
+            </a:r>
+            <a:r>
+              <a:rPr lang="en-US" dirty="0">
+                <a:latin typeface="Segoe UI Black" panose="020B0A02040204020203" pitchFamily="34" charset="0"/>
+              </a:rPr>
+              <a:t> AP. </a:t>
+            </a:r>
+            <a:r>
+              <a:rPr lang="en-US" dirty="0" err="1">
+                <a:latin typeface="Segoe UI Black" panose="020B0A02040204020203" pitchFamily="34" charset="0"/>
+              </a:rPr>
+              <a:t>Giá</a:t>
+            </a:r>
+            <a:r>
+              <a:rPr lang="en-US" dirty="0">
+                <a:latin typeface="Segoe UI Black" panose="020B0A02040204020203" pitchFamily="34" charset="0"/>
+              </a:rPr>
+              <a:t> </a:t>
+            </a:r>
+            <a:r>
+              <a:rPr lang="en-US" dirty="0" err="1">
+                <a:latin typeface="Segoe UI Black" panose="020B0A02040204020203" pitchFamily="34" charset="0"/>
+              </a:rPr>
+              <a:t>trị</a:t>
+            </a:r>
+            <a:r>
+              <a:rPr lang="en-US" dirty="0">
+                <a:latin typeface="Segoe UI Black" panose="020B0A02040204020203" pitchFamily="34" charset="0"/>
+              </a:rPr>
+              <a:t> </a:t>
+            </a:r>
+            <a:r>
+              <a:rPr lang="en-US" dirty="0" err="1">
+                <a:latin typeface="Segoe UI Black" panose="020B0A02040204020203" pitchFamily="34" charset="0"/>
+              </a:rPr>
+              <a:t>trả</a:t>
+            </a:r>
+            <a:r>
+              <a:rPr lang="en-US" dirty="0">
+                <a:latin typeface="Segoe UI Black" panose="020B0A02040204020203" pitchFamily="34" charset="0"/>
+              </a:rPr>
+              <a:t> </a:t>
+            </a:r>
+            <a:r>
+              <a:rPr lang="en-US" dirty="0" err="1">
+                <a:latin typeface="Segoe UI Black" panose="020B0A02040204020203" pitchFamily="34" charset="0"/>
+              </a:rPr>
+              <a:t>về</a:t>
+            </a:r>
+            <a:r>
+              <a:rPr lang="en-US" dirty="0">
+                <a:latin typeface="Segoe UI Black" panose="020B0A02040204020203" pitchFamily="34" charset="0"/>
+              </a:rPr>
+              <a:t> </a:t>
+            </a:r>
+            <a:r>
+              <a:rPr lang="en-US" dirty="0" err="1">
+                <a:latin typeface="Segoe UI Black" panose="020B0A02040204020203" pitchFamily="34" charset="0"/>
+              </a:rPr>
+              <a:t>là</a:t>
+            </a:r>
+            <a:r>
+              <a:rPr lang="en-US" dirty="0">
+                <a:latin typeface="Segoe UI Black" panose="020B0A02040204020203" pitchFamily="34" charset="0"/>
+              </a:rPr>
+              <a:t> </a:t>
+            </a:r>
+            <a:r>
+              <a:rPr lang="en-US" dirty="0" err="1">
+                <a:latin typeface="Segoe UI Black" panose="020B0A02040204020203" pitchFamily="34" charset="0"/>
+              </a:rPr>
+              <a:t>số</a:t>
+            </a:r>
+            <a:r>
+              <a:rPr lang="en-US" dirty="0">
+                <a:latin typeface="Segoe UI Black" panose="020B0A02040204020203" pitchFamily="34" charset="0"/>
+              </a:rPr>
+              <a:t> </a:t>
+            </a:r>
+            <a:r>
+              <a:rPr lang="en-US" dirty="0" err="1">
+                <a:latin typeface="Segoe UI Black" panose="020B0A02040204020203" pitchFamily="34" charset="0"/>
+              </a:rPr>
+              <a:t>nguyên</a:t>
+            </a:r>
+            <a:r>
+              <a:rPr lang="en-US" dirty="0">
+                <a:latin typeface="Segoe UI Black" panose="020B0A02040204020203" pitchFamily="34" charset="0"/>
+              </a:rPr>
+              <a:t>. </a:t>
             </a:r>
           </a:p>
         </p:txBody>
@@ -4754,8 +7814,20 @@
           <a:lstStyle/>
           <a:p>
             <a:r>
-              <a:rPr lang="en-US"/>
-              <a:t>Chế độ AP (Access Point)</a:t>
+              <a:rPr lang="en-US" sz="3000" dirty="0" err="1"/>
+              <a:t>Chế</a:t>
+            </a:r>
+            <a:r>
+              <a:rPr lang="en-US" sz="3000" dirty="0"/>
+              <a:t> </a:t>
+            </a:r>
+            <a:r>
+              <a:rPr lang="en-US" sz="3000" dirty="0" err="1"/>
+              <a:t>độ</a:t>
+            </a:r>
+            <a:r>
+              <a:rPr lang="en-US" sz="3000" dirty="0"/>
+              <a:t> AP (Access Point)</a:t>
             </a:r>
           </a:p>
         </p:txBody>
@@ -4813,22 +7885,270 @@
           <a:lstStyle/>
           <a:p>
             <a:r>
-              <a:rPr lang="en-US" b="1"/>
-              <a:t>WiFi.softAPIP(): </a:t>
-            </a:r>
-            <a:r>
-              <a:rPr lang="en-US"/>
-              <a:t>trả kết quả là đại chỉ IP của thiết bị làm AP.</a:t>
-            </a:r>
-          </a:p>
-          <a:p>
-            <a:r>
-              <a:rPr lang="en-US" b="1"/>
-              <a:t>WiFi.softAPmacAddress(): </a:t>
-            </a:r>
-            <a:r>
-              <a:rPr lang="en-US"/>
-              <a:t>trả kết quả là địa chỉ Mac của thiết bị làm AP.</a:t>
+              <a:rPr lang="en-US" b="1" dirty="0" err="1">
+                <a:latin typeface="Segoe UI Black" panose="020B0A02040204020203" pitchFamily="34" charset="0"/>
+              </a:rPr>
+              <a:t>WiFi.softAPIP</a:t>
+            </a:r>
+            <a:r>
+              <a:rPr lang="en-US" b="1" dirty="0">
+                <a:latin typeface="Segoe UI Black" panose="020B0A02040204020203" pitchFamily="34" charset="0"/>
+              </a:rPr>
+              <a:t>(): </a:t>
+            </a:r>
+            <a:r>
+              <a:rPr lang="en-US" dirty="0" err="1">
+                <a:latin typeface="Segoe UI Black" panose="020B0A02040204020203" pitchFamily="34" charset="0"/>
+              </a:rPr>
+              <a:t>trả</a:t>
+            </a:r>
+            <a:r>
+              <a:rPr lang="en-US" dirty="0">
+                <a:latin typeface="Segoe UI Black" panose="020B0A02040204020203" pitchFamily="34" charset="0"/>
+              </a:rPr>
+              <a:t> </a:t>
+            </a:r>
+            <a:r>
+              <a:rPr lang="en-US" dirty="0" err="1">
+                <a:latin typeface="Segoe UI Black" panose="020B0A02040204020203" pitchFamily="34" charset="0"/>
+              </a:rPr>
+              <a:t>kết</a:t>
+            </a:r>
+            <a:r>
+              <a:rPr lang="en-US" dirty="0">
+                <a:latin typeface="Segoe UI Black" panose="020B0A02040204020203" pitchFamily="34" charset="0"/>
+              </a:rPr>
+              <a:t> </a:t>
+            </a:r>
+            <a:r>
+              <a:rPr lang="en-US" dirty="0" err="1">
+                <a:latin typeface="Segoe UI Black" panose="020B0A02040204020203" pitchFamily="34" charset="0"/>
+              </a:rPr>
+              <a:t>quả</a:t>
+            </a:r>
+            <a:r>
+              <a:rPr lang="en-US" dirty="0">
+                <a:latin typeface="Segoe UI Black" panose="020B0A02040204020203" pitchFamily="34" charset="0"/>
+              </a:rPr>
+              <a:t> </a:t>
+            </a:r>
+            <a:r>
+              <a:rPr lang="en-US" dirty="0" err="1">
+                <a:latin typeface="Segoe UI Black" panose="020B0A02040204020203" pitchFamily="34" charset="0"/>
+              </a:rPr>
+              <a:t>là</a:t>
+            </a:r>
+            <a:r>
+              <a:rPr lang="en-US" dirty="0">
+                <a:latin typeface="Segoe UI Black" panose="020B0A02040204020203" pitchFamily="34" charset="0"/>
+              </a:rPr>
+              <a:t> </a:t>
+            </a:r>
+            <a:r>
+              <a:rPr lang="en-US" dirty="0" err="1">
+                <a:latin typeface="Segoe UI Black" panose="020B0A02040204020203" pitchFamily="34" charset="0"/>
+              </a:rPr>
+              <a:t>đại</a:t>
+            </a:r>
+            <a:r>
+              <a:rPr lang="en-US" dirty="0">
+                <a:latin typeface="Segoe UI Black" panose="020B0A02040204020203" pitchFamily="34" charset="0"/>
+              </a:rPr>
+              <a:t> </a:t>
+            </a:r>
+            <a:r>
+              <a:rPr lang="en-US" dirty="0" err="1">
+                <a:latin typeface="Segoe UI Black" panose="020B0A02040204020203" pitchFamily="34" charset="0"/>
+              </a:rPr>
+              <a:t>chỉ</a:t>
+            </a:r>
+            <a:r>
+              <a:rPr lang="en-US" dirty="0">
+                <a:latin typeface="Segoe UI Black" panose="020B0A02040204020203" pitchFamily="34" charset="0"/>
+              </a:rPr>
+              <a:t> IP </a:t>
+            </a:r>
+            <a:r>
+              <a:rPr lang="en-US" dirty="0" err="1">
+                <a:latin typeface="Segoe UI Black" panose="020B0A02040204020203" pitchFamily="34" charset="0"/>
+              </a:rPr>
+              <a:t>của</a:t>
+            </a:r>
+            <a:r>
+              <a:rPr lang="en-US" dirty="0">
+                <a:latin typeface="Segoe UI Black" panose="020B0A02040204020203" pitchFamily="34" charset="0"/>
+              </a:rPr>
+              <a:t> </a:t>
+            </a:r>
+            <a:r>
+              <a:rPr lang="en-US" dirty="0" err="1">
+                <a:latin typeface="Segoe UI Black" panose="020B0A02040204020203" pitchFamily="34" charset="0"/>
+              </a:rPr>
+              <a:t>thiết</a:t>
+            </a:r>
+            <a:r>
+              <a:rPr lang="en-US" dirty="0">
+                <a:latin typeface="Segoe UI Black" panose="020B0A02040204020203" pitchFamily="34" charset="0"/>
+              </a:rPr>
+              <a:t> </a:t>
+            </a:r>
+            <a:r>
+              <a:rPr lang="en-US" dirty="0" err="1">
+                <a:latin typeface="Segoe UI Black" panose="020B0A02040204020203" pitchFamily="34" charset="0"/>
+              </a:rPr>
+              <a:t>bị</a:t>
+            </a:r>
+            <a:r>
+              <a:rPr lang="en-US" dirty="0">
+                <a:latin typeface="Segoe UI Black" panose="020B0A02040204020203" pitchFamily="34" charset="0"/>
+              </a:rPr>
+              <a:t> </a:t>
+            </a:r>
+            <a:r>
+              <a:rPr lang="en-US" dirty="0" err="1">
+                <a:latin typeface="Segoe UI Black" panose="020B0A02040204020203" pitchFamily="34" charset="0"/>
+              </a:rPr>
+              <a:t>làm</a:t>
+            </a:r>
+            <a:r>
+              <a:rPr lang="en-US" dirty="0">
+                <a:latin typeface="Segoe UI Black" panose="020B0A02040204020203" pitchFamily="34" charset="0"/>
+              </a:rPr>
+              <a:t> AP.</a:t>
+            </a:r>
+          </a:p>
+          <a:p>
+            <a:r>
+              <a:rPr lang="en-US" b="1" dirty="0" err="1">
+                <a:latin typeface="Segoe UI Black" panose="020B0A02040204020203" pitchFamily="34" charset="0"/>
+              </a:rPr>
+              <a:t>WiFi.softAPmacAddress</a:t>
+            </a:r>
+            <a:r>
+              <a:rPr lang="en-US" b="1" dirty="0">
+                <a:latin typeface="Segoe UI Black" panose="020B0A02040204020203" pitchFamily="34" charset="0"/>
+              </a:rPr>
+              <a:t>(): </a:t>
+            </a:r>
+            <a:r>
+              <a:rPr lang="en-US" dirty="0" err="1">
+                <a:latin typeface="Segoe UI Black" panose="020B0A02040204020203" pitchFamily="34" charset="0"/>
+              </a:rPr>
+              <a:t>trả</a:t>
+            </a:r>
+            <a:r>
+              <a:rPr lang="en-US" dirty="0">
+                <a:latin typeface="Segoe UI Black" panose="020B0A02040204020203" pitchFamily="34" charset="0"/>
+              </a:rPr>
+              <a:t> </a:t>
+            </a:r>
+            <a:r>
+              <a:rPr lang="en-US" dirty="0" err="1">
+                <a:latin typeface="Segoe UI Black" panose="020B0A02040204020203" pitchFamily="34" charset="0"/>
+              </a:rPr>
+              <a:t>kết</a:t>
+            </a:r>
+            <a:r>
+              <a:rPr lang="en-US" dirty="0">
+                <a:latin typeface="Segoe UI Black" panose="020B0A02040204020203" pitchFamily="34" charset="0"/>
+              </a:rPr>
+              <a:t> </a:t>
+            </a:r>
+            <a:r>
+              <a:rPr lang="en-US" dirty="0" err="1">
+                <a:latin typeface="Segoe UI Black" panose="020B0A02040204020203" pitchFamily="34" charset="0"/>
+              </a:rPr>
+              <a:t>quả</a:t>
+            </a:r>
+            <a:r>
+              <a:rPr lang="en-US" dirty="0">
+                <a:latin typeface="Segoe UI Black" panose="020B0A02040204020203" pitchFamily="34" charset="0"/>
+              </a:rPr>
+              <a:t> </a:t>
+            </a:r>
+            <a:r>
+              <a:rPr lang="en-US" dirty="0" err="1">
+                <a:latin typeface="Segoe UI Black" panose="020B0A02040204020203" pitchFamily="34" charset="0"/>
+              </a:rPr>
+              <a:t>là</a:t>
+            </a:r>
+            <a:r>
+              <a:rPr lang="en-US" dirty="0">
+                <a:latin typeface="Segoe UI Black" panose="020B0A02040204020203" pitchFamily="34" charset="0"/>
+              </a:rPr>
+              <a:t> </a:t>
+            </a:r>
+            <a:r>
+              <a:rPr lang="en-US" dirty="0" err="1">
+                <a:latin typeface="Segoe UI Black" panose="020B0A02040204020203" pitchFamily="34" charset="0"/>
+              </a:rPr>
+              <a:t>địa</a:t>
+            </a:r>
+            <a:r>
+              <a:rPr lang="en-US" dirty="0">
+                <a:latin typeface="Segoe UI Black" panose="020B0A02040204020203" pitchFamily="34" charset="0"/>
+              </a:rPr>
+              <a:t> </a:t>
+            </a:r>
+            <a:r>
+              <a:rPr lang="en-US" dirty="0" err="1">
+                <a:latin typeface="Segoe UI Black" panose="020B0A02040204020203" pitchFamily="34" charset="0"/>
+              </a:rPr>
+              <a:t>chỉ</a:t>
+            </a:r>
+            <a:r>
+              <a:rPr lang="en-US" dirty="0">
+                <a:latin typeface="Segoe UI Black" panose="020B0A02040204020203" pitchFamily="34" charset="0"/>
+              </a:rPr>
+              <a:t> Mac </a:t>
+            </a:r>
+            <a:r>
+              <a:rPr lang="en-US" dirty="0" err="1">
+                <a:latin typeface="Segoe UI Black" panose="020B0A02040204020203" pitchFamily="34" charset="0"/>
+              </a:rPr>
+              <a:t>của</a:t>
+            </a:r>
+            <a:r>
+              <a:rPr lang="en-US" dirty="0">
+                <a:latin typeface="Segoe UI Black" panose="020B0A02040204020203" pitchFamily="34" charset="0"/>
+              </a:rPr>
+              <a:t> </a:t>
+            </a:r>
+            <a:r>
+              <a:rPr lang="en-US" dirty="0" err="1">
+                <a:latin typeface="Segoe UI Black" panose="020B0A02040204020203" pitchFamily="34" charset="0"/>
+              </a:rPr>
+              <a:t>thiết</a:t>
+            </a:r>
+            <a:r>
+              <a:rPr lang="en-US" dirty="0">
+                <a:latin typeface="Segoe UI Black" panose="020B0A02040204020203" pitchFamily="34" charset="0"/>
+              </a:rPr>
+              <a:t> </a:t>
+            </a:r>
+            <a:r>
+              <a:rPr lang="en-US" dirty="0" err="1">
+                <a:latin typeface="Segoe UI Black" panose="020B0A02040204020203" pitchFamily="34" charset="0"/>
+              </a:rPr>
+              <a:t>bị</a:t>
+            </a:r>
+            <a:r>
+              <a:rPr lang="en-US" dirty="0">
+                <a:latin typeface="Segoe UI Black" panose="020B0A02040204020203" pitchFamily="34" charset="0"/>
+              </a:rPr>
+              <a:t> </a:t>
+            </a:r>
+            <a:r>
+              <a:rPr lang="en-US" dirty="0" err="1">
+                <a:latin typeface="Segoe UI Black" panose="020B0A02040204020203" pitchFamily="34" charset="0"/>
+              </a:rPr>
+              <a:t>làm</a:t>
+            </a:r>
+            <a:r>
+              <a:rPr lang="en-US" dirty="0">
+                <a:latin typeface="Segoe UI Black" panose="020B0A02040204020203" pitchFamily="34" charset="0"/>
+              </a:rPr>
+              <a:t> AP.</a:t>
             </a:r>
           </a:p>
         </p:txBody>
@@ -4914,8 +8234,28 @@
           <a:lstStyle/>
           <a:p>
             <a:r>
-              <a:rPr lang="en-US"/>
-              <a:t>Chế độ AP và Station</a:t>
+              <a:rPr lang="en-US" sz="3000" dirty="0" err="1"/>
+              <a:t>Chế</a:t>
+            </a:r>
+            <a:r>
+              <a:rPr lang="en-US" sz="3000" dirty="0"/>
+              <a:t> </a:t>
+            </a:r>
+            <a:r>
+              <a:rPr lang="en-US" sz="3000" dirty="0" err="1"/>
+              <a:t>độ</a:t>
+            </a:r>
+            <a:r>
+              <a:rPr lang="en-US" sz="3000" dirty="0"/>
+              <a:t> AP </a:t>
+            </a:r>
+            <a:r>
+              <a:rPr lang="en-US" sz="3000" dirty="0" err="1"/>
+              <a:t>và</a:t>
+            </a:r>
+            <a:r>
+              <a:rPr lang="en-US" sz="3000" dirty="0"/>
+              <a:t> Station</a:t>
             </a:r>
           </a:p>
         </p:txBody>
@@ -5035,7 +8375,7 @@
           <a:bodyPr/>
           <a:lstStyle/>
           <a:p>
-            <a:endParaRPr lang="en-US"/>
+            <a:endParaRPr lang="en-US" dirty="0"/>
           </a:p>
         </p:txBody>
       </p:sp>
@@ -5076,7 +8416,7 @@
           <a:bodyPr/>
           <a:lstStyle/>
           <a:p>
-            <a:endParaRPr lang="en-US"/>
+            <a:endParaRPr lang="en-US" dirty="0"/>
           </a:p>
         </p:txBody>
       </p:sp>
@@ -5126,7 +8466,7 @@
           <a:lstStyle/>
           <a:p>
             <a:r>
-              <a:rPr lang="en-US"/>
+              <a:rPr lang="en-US" sz="3000" dirty="0"/>
               <a:t>HTTP Client (HTTP GET)</a:t>
             </a:r>
           </a:p>
@@ -5145,7 +8485,7 @@
         <p:spPr/>
         <p:txBody>
           <a:bodyPr>
-            <a:normAutofit fontScale="92500"/>
+            <a:normAutofit fontScale="85000" lnSpcReduction="10000"/>
           </a:bodyPr>
           <a:lstStyle/>
           <a:p>
@@ -5209,7 +8549,7 @@
         <p:spPr>
           <a:xfrm>
             <a:off x="7403408" y="3222870"/>
-            <a:ext cx="3715165" cy="2308324"/>
+            <a:ext cx="3715165" cy="2862322"/>
           </a:xfrm>
           <a:prstGeom prst="rect">
             <a:avLst/>
@@ -5227,26 +8567,142 @@
               <a:buChar char="•"/>
             </a:pPr>
             <a:r>
-              <a:rPr lang="en-US">
-                <a:latin typeface="Arial" panose="020B0604020202020204" pitchFamily="34" charset="0"/>
-                <a:cs typeface="Arial" panose="020B0604020202020204" pitchFamily="34" charset="0"/>
-              </a:rPr>
-              <a:t>Khi cần sử dụng HTTP client thì cần gọi th</a:t>
-            </a:r>
-            <a:r>
-              <a:rPr lang="vi-VN">
-                <a:latin typeface="Arial" panose="020B0604020202020204" pitchFamily="34" charset="0"/>
+              <a:rPr lang="en-US" dirty="0">
+                <a:latin typeface="Segoe UI Black" panose="020B0A02040204020203" pitchFamily="34" charset="0"/>
+                <a:cs typeface="Arial" panose="020B0604020202020204" pitchFamily="34" charset="0"/>
+              </a:rPr>
+              <a:t>Khi </a:t>
+            </a:r>
+            <a:r>
+              <a:rPr lang="en-US" dirty="0" err="1">
+                <a:latin typeface="Segoe UI Black" panose="020B0A02040204020203" pitchFamily="34" charset="0"/>
+                <a:cs typeface="Arial" panose="020B0604020202020204" pitchFamily="34" charset="0"/>
+              </a:rPr>
+              <a:t>cần</a:t>
+            </a:r>
+            <a:r>
+              <a:rPr lang="en-US" dirty="0">
+                <a:latin typeface="Segoe UI Black" panose="020B0A02040204020203" pitchFamily="34" charset="0"/>
+                <a:cs typeface="Arial" panose="020B0604020202020204" pitchFamily="34" charset="0"/>
+              </a:rPr>
+              <a:t> </a:t>
+            </a:r>
+            <a:r>
+              <a:rPr lang="en-US" dirty="0" err="1">
+                <a:latin typeface="Segoe UI Black" panose="020B0A02040204020203" pitchFamily="34" charset="0"/>
+                <a:cs typeface="Arial" panose="020B0604020202020204" pitchFamily="34" charset="0"/>
+              </a:rPr>
+              <a:t>sử</a:t>
+            </a:r>
+            <a:r>
+              <a:rPr lang="en-US" dirty="0">
+                <a:latin typeface="Segoe UI Black" panose="020B0A02040204020203" pitchFamily="34" charset="0"/>
+                <a:cs typeface="Arial" panose="020B0604020202020204" pitchFamily="34" charset="0"/>
+              </a:rPr>
+              <a:t> </a:t>
+            </a:r>
+            <a:r>
+              <a:rPr lang="en-US" dirty="0" err="1">
+                <a:latin typeface="Segoe UI Black" panose="020B0A02040204020203" pitchFamily="34" charset="0"/>
+                <a:cs typeface="Arial" panose="020B0604020202020204" pitchFamily="34" charset="0"/>
+              </a:rPr>
+              <a:t>dụng</a:t>
+            </a:r>
+            <a:r>
+              <a:rPr lang="en-US" dirty="0">
+                <a:latin typeface="Segoe UI Black" panose="020B0A02040204020203" pitchFamily="34" charset="0"/>
+                <a:cs typeface="Arial" panose="020B0604020202020204" pitchFamily="34" charset="0"/>
+              </a:rPr>
+              <a:t> HTTP client </a:t>
+            </a:r>
+            <a:r>
+              <a:rPr lang="en-US" dirty="0" err="1">
+                <a:latin typeface="Segoe UI Black" panose="020B0A02040204020203" pitchFamily="34" charset="0"/>
+                <a:cs typeface="Arial" panose="020B0604020202020204" pitchFamily="34" charset="0"/>
+              </a:rPr>
+              <a:t>thì</a:t>
+            </a:r>
+            <a:r>
+              <a:rPr lang="en-US" dirty="0">
+                <a:latin typeface="Segoe UI Black" panose="020B0A02040204020203" pitchFamily="34" charset="0"/>
+                <a:cs typeface="Arial" panose="020B0604020202020204" pitchFamily="34" charset="0"/>
+              </a:rPr>
+              <a:t> </a:t>
+            </a:r>
+            <a:r>
+              <a:rPr lang="en-US" dirty="0" err="1">
+                <a:latin typeface="Segoe UI Black" panose="020B0A02040204020203" pitchFamily="34" charset="0"/>
+                <a:cs typeface="Arial" panose="020B0604020202020204" pitchFamily="34" charset="0"/>
+              </a:rPr>
+              <a:t>cần</a:t>
+            </a:r>
+            <a:r>
+              <a:rPr lang="en-US" dirty="0">
+                <a:latin typeface="Segoe UI Black" panose="020B0A02040204020203" pitchFamily="34" charset="0"/>
+                <a:cs typeface="Arial" panose="020B0604020202020204" pitchFamily="34" charset="0"/>
+              </a:rPr>
+              <a:t> </a:t>
+            </a:r>
+            <a:r>
+              <a:rPr lang="en-US" dirty="0" err="1">
+                <a:latin typeface="Segoe UI Black" panose="020B0A02040204020203" pitchFamily="34" charset="0"/>
+                <a:cs typeface="Arial" panose="020B0604020202020204" pitchFamily="34" charset="0"/>
+              </a:rPr>
+              <a:t>gọi</a:t>
+            </a:r>
+            <a:r>
+              <a:rPr lang="en-US" dirty="0">
+                <a:latin typeface="Segoe UI Black" panose="020B0A02040204020203" pitchFamily="34" charset="0"/>
+                <a:cs typeface="Arial" panose="020B0604020202020204" pitchFamily="34" charset="0"/>
+              </a:rPr>
+              <a:t> </a:t>
+            </a:r>
+            <a:r>
+              <a:rPr lang="en-US" dirty="0" err="1">
+                <a:latin typeface="Segoe UI Black" panose="020B0A02040204020203" pitchFamily="34" charset="0"/>
+                <a:cs typeface="Arial" panose="020B0604020202020204" pitchFamily="34" charset="0"/>
+              </a:rPr>
+              <a:t>th</a:t>
+            </a:r>
+            <a:r>
+              <a:rPr lang="vi-VN" dirty="0">
+                <a:latin typeface="Segoe UI Black" panose="020B0A02040204020203" pitchFamily="34" charset="0"/>
                 <a:cs typeface="Arial" panose="020B0604020202020204" pitchFamily="34" charset="0"/>
               </a:rPr>
               <a:t>ư</a:t>
             </a:r>
             <a:r>
-              <a:rPr lang="en-US">
-                <a:latin typeface="Arial" panose="020B0604020202020204" pitchFamily="34" charset="0"/>
-                <a:cs typeface="Arial" panose="020B0604020202020204" pitchFamily="34" charset="0"/>
-              </a:rPr>
-              <a:t> viện HTTPClient.h</a:t>
-            </a:r>
+              <a:rPr lang="en-US" dirty="0">
+                <a:latin typeface="Segoe UI Black" panose="020B0A02040204020203" pitchFamily="34" charset="0"/>
+                <a:cs typeface="Arial" panose="020B0604020202020204" pitchFamily="34" charset="0"/>
+              </a:rPr>
+              <a:t> </a:t>
+            </a:r>
+            <a:r>
+              <a:rPr lang="en-US" dirty="0" err="1">
+                <a:latin typeface="Segoe UI Black" panose="020B0A02040204020203" pitchFamily="34" charset="0"/>
+                <a:cs typeface="Arial" panose="020B0604020202020204" pitchFamily="34" charset="0"/>
+              </a:rPr>
+              <a:t>viện</a:t>
+            </a:r>
+            <a:r>
+              <a:rPr lang="en-US" dirty="0">
+                <a:latin typeface="Segoe UI Black" panose="020B0A02040204020203" pitchFamily="34" charset="0"/>
+                <a:cs typeface="Arial" panose="020B0604020202020204" pitchFamily="34" charset="0"/>
+              </a:rPr>
+              <a:t> </a:t>
+            </a:r>
+            <a:r>
+              <a:rPr lang="en-US" dirty="0" err="1">
+                <a:latin typeface="Segoe UI Black" panose="020B0A02040204020203" pitchFamily="34" charset="0"/>
+                <a:cs typeface="Arial" panose="020B0604020202020204" pitchFamily="34" charset="0"/>
+              </a:rPr>
+              <a:t>HTTPClient.h</a:t>
+            </a:r>
+            <a:endParaRPr lang="en-US" dirty="0">
+              <a:latin typeface="Segoe UI Black" panose="020B0A02040204020203" pitchFamily="34" charset="0"/>
+              <a:cs typeface="Arial" panose="020B0604020202020204" pitchFamily="34" charset="0"/>
+            </a:endParaRPr>
           </a:p>
           <a:p>
             <a:pPr marL="285750" indent="-285750" algn="just">
@@ -5254,11 +8710,179 @@
               <a:buChar char="•"/>
             </a:pPr>
             <a:r>
-              <a:rPr lang="en-US">
-                <a:latin typeface="Arial" panose="020B0604020202020204" pitchFamily="34" charset="0"/>
-                <a:cs typeface="Arial" panose="020B0604020202020204" pitchFamily="34" charset="0"/>
-              </a:rPr>
-              <a:t>Ở host thì chúng ta sẽ truy cập vào CryptoCompare và tìm link chứa Json về giá bitcoin sang VND.</a:t>
+              <a:rPr lang="en-US" dirty="0">
+                <a:latin typeface="Segoe UI Black" panose="020B0A02040204020203" pitchFamily="34" charset="0"/>
+                <a:cs typeface="Arial" panose="020B0604020202020204" pitchFamily="34" charset="0"/>
+              </a:rPr>
+              <a:t>Ở host </a:t>
+            </a:r>
+            <a:r>
+              <a:rPr lang="en-US" dirty="0" err="1">
+                <a:latin typeface="Segoe UI Black" panose="020B0A02040204020203" pitchFamily="34" charset="0"/>
+                <a:cs typeface="Arial" panose="020B0604020202020204" pitchFamily="34" charset="0"/>
+              </a:rPr>
+              <a:t>thì</a:t>
+            </a:r>
+            <a:r>
+              <a:rPr lang="en-US" dirty="0">
+                <a:latin typeface="Segoe UI Black" panose="020B0A02040204020203" pitchFamily="34" charset="0"/>
+                <a:cs typeface="Arial" panose="020B0604020202020204" pitchFamily="34" charset="0"/>
+              </a:rPr>
+              <a:t> </a:t>
+            </a:r>
+            <a:r>
+              <a:rPr lang="en-US" dirty="0" err="1">
+                <a:latin typeface="Segoe UI Black" panose="020B0A02040204020203" pitchFamily="34" charset="0"/>
+                <a:cs typeface="Arial" panose="020B0604020202020204" pitchFamily="34" charset="0"/>
+              </a:rPr>
+              <a:t>chúng</a:t>
+            </a:r>
+            <a:r>
+              <a:rPr lang="en-US" dirty="0">
+                <a:latin typeface="Segoe UI Black" panose="020B0A02040204020203" pitchFamily="34" charset="0"/>
+                <a:cs typeface="Arial" panose="020B0604020202020204" pitchFamily="34" charset="0"/>
+              </a:rPr>
+              <a:t> ta </a:t>
+            </a:r>
+            <a:r>
+              <a:rPr lang="en-US" dirty="0" err="1">
+                <a:latin typeface="Segoe UI Black" panose="020B0A02040204020203" pitchFamily="34" charset="0"/>
+                <a:cs typeface="Arial" panose="020B0604020202020204" pitchFamily="34" charset="0"/>
+              </a:rPr>
+              <a:t>sẽ</a:t>
+            </a:r>
+            <a:r>
+              <a:rPr lang="en-US" dirty="0">
+                <a:latin typeface="Segoe UI Black" panose="020B0A02040204020203" pitchFamily="34" charset="0"/>
+                <a:cs typeface="Arial" panose="020B0604020202020204" pitchFamily="34" charset="0"/>
+              </a:rPr>
+              <a:t> </a:t>
+            </a:r>
+            <a:r>
+              <a:rPr lang="en-US" dirty="0" err="1">
+                <a:latin typeface="Segoe UI Black" panose="020B0A02040204020203" pitchFamily="34" charset="0"/>
+                <a:cs typeface="Arial" panose="020B0604020202020204" pitchFamily="34" charset="0"/>
+              </a:rPr>
+              <a:t>truy</a:t>
+            </a:r>
+            <a:r>
+              <a:rPr lang="en-US" dirty="0">
+                <a:latin typeface="Segoe UI Black" panose="020B0A02040204020203" pitchFamily="34" charset="0"/>
+                <a:cs typeface="Arial" panose="020B0604020202020204" pitchFamily="34" charset="0"/>
+              </a:rPr>
+              <a:t> </a:t>
+            </a:r>
+            <a:r>
+              <a:rPr lang="en-US" dirty="0" err="1">
+                <a:latin typeface="Segoe UI Black" panose="020B0A02040204020203" pitchFamily="34" charset="0"/>
+                <a:cs typeface="Arial" panose="020B0604020202020204" pitchFamily="34" charset="0"/>
+              </a:rPr>
+              <a:t>cập</a:t>
+            </a:r>
+            <a:r>
+              <a:rPr lang="en-US" dirty="0">
+                <a:latin typeface="Segoe UI Black" panose="020B0A02040204020203" pitchFamily="34" charset="0"/>
+                <a:cs typeface="Arial" panose="020B0604020202020204" pitchFamily="34" charset="0"/>
+              </a:rPr>
+              <a:t> </a:t>
+            </a:r>
+            <a:r>
+              <a:rPr lang="en-US" dirty="0" err="1">
+                <a:latin typeface="Segoe UI Black" panose="020B0A02040204020203" pitchFamily="34" charset="0"/>
+                <a:cs typeface="Arial" panose="020B0604020202020204" pitchFamily="34" charset="0"/>
+              </a:rPr>
+              <a:t>vào</a:t>
+            </a:r>
+            <a:r>
+              <a:rPr lang="en-US" dirty="0">
+                <a:latin typeface="Segoe UI Black" panose="020B0A02040204020203" pitchFamily="34" charset="0"/>
+                <a:cs typeface="Arial" panose="020B0604020202020204" pitchFamily="34" charset="0"/>
+              </a:rPr>
+              <a:t> </a:t>
+            </a:r>
+            <a:r>
+              <a:rPr lang="en-US" dirty="0" err="1">
+                <a:latin typeface="Segoe UI Black" panose="020B0A02040204020203" pitchFamily="34" charset="0"/>
+                <a:cs typeface="Arial" panose="020B0604020202020204" pitchFamily="34" charset="0"/>
+              </a:rPr>
+              <a:t>CryptoCompare</a:t>
+            </a:r>
+            <a:r>
+              <a:rPr lang="en-US" dirty="0">
+                <a:latin typeface="Segoe UI Black" panose="020B0A02040204020203" pitchFamily="34" charset="0"/>
+                <a:cs typeface="Arial" panose="020B0604020202020204" pitchFamily="34" charset="0"/>
+              </a:rPr>
+              <a:t> </a:t>
+            </a:r>
+            <a:r>
+              <a:rPr lang="en-US" dirty="0" err="1">
+                <a:latin typeface="Segoe UI Black" panose="020B0A02040204020203" pitchFamily="34" charset="0"/>
+                <a:cs typeface="Arial" panose="020B0604020202020204" pitchFamily="34" charset="0"/>
+              </a:rPr>
+              <a:t>và</a:t>
+            </a:r>
+            <a:r>
+              <a:rPr lang="en-US" dirty="0">
+                <a:latin typeface="Segoe UI Black" panose="020B0A02040204020203" pitchFamily="34" charset="0"/>
+                <a:cs typeface="Arial" panose="020B0604020202020204" pitchFamily="34" charset="0"/>
+              </a:rPr>
+              <a:t> </a:t>
+            </a:r>
+            <a:r>
+              <a:rPr lang="en-US" dirty="0" err="1">
+                <a:latin typeface="Segoe UI Black" panose="020B0A02040204020203" pitchFamily="34" charset="0"/>
+                <a:cs typeface="Arial" panose="020B0604020202020204" pitchFamily="34" charset="0"/>
+              </a:rPr>
+              <a:t>tìm</a:t>
+            </a:r>
+            <a:r>
+              <a:rPr lang="en-US" dirty="0">
+                <a:latin typeface="Segoe UI Black" panose="020B0A02040204020203" pitchFamily="34" charset="0"/>
+                <a:cs typeface="Arial" panose="020B0604020202020204" pitchFamily="34" charset="0"/>
+              </a:rPr>
+              <a:t> link </a:t>
+            </a:r>
+            <a:r>
+              <a:rPr lang="en-US" dirty="0" err="1">
+                <a:latin typeface="Segoe UI Black" panose="020B0A02040204020203" pitchFamily="34" charset="0"/>
+                <a:cs typeface="Arial" panose="020B0604020202020204" pitchFamily="34" charset="0"/>
+              </a:rPr>
+              <a:t>chứa</a:t>
+            </a:r>
+            <a:r>
+              <a:rPr lang="en-US" dirty="0">
+                <a:latin typeface="Segoe UI Black" panose="020B0A02040204020203" pitchFamily="34" charset="0"/>
+                <a:cs typeface="Arial" panose="020B0604020202020204" pitchFamily="34" charset="0"/>
+              </a:rPr>
+              <a:t> Json </a:t>
+            </a:r>
+            <a:r>
+              <a:rPr lang="en-US" dirty="0" err="1">
+                <a:latin typeface="Segoe UI Black" panose="020B0A02040204020203" pitchFamily="34" charset="0"/>
+                <a:cs typeface="Arial" panose="020B0604020202020204" pitchFamily="34" charset="0"/>
+              </a:rPr>
+              <a:t>về</a:t>
+            </a:r>
+            <a:r>
+              <a:rPr lang="en-US" dirty="0">
+                <a:latin typeface="Segoe UI Black" panose="020B0A02040204020203" pitchFamily="34" charset="0"/>
+                <a:cs typeface="Arial" panose="020B0604020202020204" pitchFamily="34" charset="0"/>
+              </a:rPr>
+              <a:t> </a:t>
+            </a:r>
+            <a:r>
+              <a:rPr lang="en-US" dirty="0" err="1">
+                <a:latin typeface="Segoe UI Black" panose="020B0A02040204020203" pitchFamily="34" charset="0"/>
+                <a:cs typeface="Arial" panose="020B0604020202020204" pitchFamily="34" charset="0"/>
+              </a:rPr>
+              <a:t>giá</a:t>
+            </a:r>
+            <a:r>
+              <a:rPr lang="en-US" dirty="0">
+                <a:latin typeface="Segoe UI Black" panose="020B0A02040204020203" pitchFamily="34" charset="0"/>
+                <a:cs typeface="Arial" panose="020B0604020202020204" pitchFamily="34" charset="0"/>
+              </a:rPr>
+              <a:t> bitcoin sang VND.</a:t>
             </a:r>
           </a:p>
           <a:p>
@@ -5267,11 +8891,130 @@
               <a:buChar char="•"/>
             </a:pPr>
             <a:r>
-              <a:rPr lang="en-US">
-                <a:latin typeface="Arial" panose="020B0604020202020204" pitchFamily="34" charset="0"/>
-                <a:cs typeface="Arial" panose="020B0604020202020204" pitchFamily="34" charset="0"/>
-              </a:rPr>
-              <a:t>Nếu là https thì cần thêm một biến mã hóa fingerprint. </a:t>
+              <a:rPr lang="en-US" dirty="0" err="1">
+                <a:latin typeface="Segoe UI Black" panose="020B0A02040204020203" pitchFamily="34" charset="0"/>
+                <a:cs typeface="Arial" panose="020B0604020202020204" pitchFamily="34" charset="0"/>
+              </a:rPr>
+              <a:t>Nếu</a:t>
+            </a:r>
+            <a:r>
+              <a:rPr lang="en-US" dirty="0">
+                <a:latin typeface="Segoe UI Black" panose="020B0A02040204020203" pitchFamily="34" charset="0"/>
+                <a:cs typeface="Arial" panose="020B0604020202020204" pitchFamily="34" charset="0"/>
+              </a:rPr>
+              <a:t> </a:t>
+            </a:r>
+            <a:r>
+              <a:rPr lang="en-US" dirty="0" err="1">
+                <a:latin typeface="Segoe UI Black" panose="020B0A02040204020203" pitchFamily="34" charset="0"/>
+                <a:cs typeface="Arial" panose="020B0604020202020204" pitchFamily="34" charset="0"/>
+              </a:rPr>
+              <a:t>là</a:t>
+            </a:r>
+            <a:r>
+              <a:rPr lang="en-US" dirty="0">
+                <a:latin typeface="Segoe UI Black" panose="020B0A02040204020203" pitchFamily="34" charset="0"/>
+                <a:cs typeface="Arial" panose="020B0604020202020204" pitchFamily="34" charset="0"/>
+              </a:rPr>
+              <a:t> https </a:t>
+            </a:r>
+            <a:r>
+              <a:rPr lang="en-US" dirty="0" err="1">
+                <a:latin typeface="Segoe UI Black" panose="020B0A02040204020203" pitchFamily="34" charset="0"/>
+                <a:cs typeface="Arial" panose="020B0604020202020204" pitchFamily="34" charset="0"/>
+              </a:rPr>
+              <a:t>thì</a:t>
+            </a:r>
+            <a:r>
+              <a:rPr lang="en-US" dirty="0">
+                <a:latin typeface="Segoe UI Black" panose="020B0A02040204020203" pitchFamily="34" charset="0"/>
+                <a:cs typeface="Arial" panose="020B0604020202020204" pitchFamily="34" charset="0"/>
+              </a:rPr>
+              <a:t> </a:t>
+            </a:r>
+            <a:r>
+              <a:rPr lang="en-US" dirty="0" err="1">
+                <a:latin typeface="Segoe UI Black" panose="020B0A02040204020203" pitchFamily="34" charset="0"/>
+                <a:cs typeface="Arial" panose="020B0604020202020204" pitchFamily="34" charset="0"/>
+              </a:rPr>
+              <a:t>cần</a:t>
+            </a:r>
+            <a:r>
+              <a:rPr lang="en-US" dirty="0">
+                <a:latin typeface="Segoe UI Black" panose="020B0A02040204020203" pitchFamily="34" charset="0"/>
+                <a:cs typeface="Arial" panose="020B0604020202020204" pitchFamily="34" charset="0"/>
+              </a:rPr>
+              <a:t> </a:t>
+            </a:r>
+            <a:r>
+              <a:rPr lang="en-US" dirty="0" err="1">
+                <a:latin typeface="Segoe UI Black" panose="020B0A02040204020203" pitchFamily="34" charset="0"/>
+                <a:cs typeface="Arial" panose="020B0604020202020204" pitchFamily="34" charset="0"/>
+              </a:rPr>
+              <a:t>thêm</a:t>
+            </a:r>
+            <a:r>
+              <a:rPr lang="en-US" dirty="0">
+                <a:latin typeface="Segoe UI Black" panose="020B0A02040204020203" pitchFamily="34" charset="0"/>
+                <a:cs typeface="Arial" panose="020B0604020202020204" pitchFamily="34" charset="0"/>
+              </a:rPr>
+              <a:t> </a:t>
+            </a:r>
+            <a:r>
+              <a:rPr lang="en-US" dirty="0" err="1">
+                <a:latin typeface="Segoe UI Black" panose="020B0A02040204020203" pitchFamily="34" charset="0"/>
+                <a:cs typeface="Arial" panose="020B0604020202020204" pitchFamily="34" charset="0"/>
+              </a:rPr>
+              <a:t>một</a:t>
+            </a:r>
+            <a:r>
+              <a:rPr lang="en-US" dirty="0">
+                <a:latin typeface="Segoe UI Black" panose="020B0A02040204020203" pitchFamily="34" charset="0"/>
+                <a:cs typeface="Arial" panose="020B0604020202020204" pitchFamily="34" charset="0"/>
+              </a:rPr>
+              <a:t> </a:t>
+            </a:r>
+            <a:r>
+              <a:rPr lang="en-US" dirty="0" err="1">
+                <a:latin typeface="Segoe UI Black" panose="020B0A02040204020203" pitchFamily="34" charset="0"/>
+                <a:cs typeface="Arial" panose="020B0604020202020204" pitchFamily="34" charset="0"/>
+              </a:rPr>
+              <a:t>biến</a:t>
+            </a:r>
+            <a:r>
+              <a:rPr lang="en-US" dirty="0">
+                <a:latin typeface="Segoe UI Black" panose="020B0A02040204020203" pitchFamily="34" charset="0"/>
+                <a:cs typeface="Arial" panose="020B0604020202020204" pitchFamily="34" charset="0"/>
+              </a:rPr>
+              <a:t> </a:t>
+            </a:r>
+            <a:r>
+              <a:rPr lang="en-US" dirty="0" err="1">
+                <a:latin typeface="Segoe UI Black" panose="020B0A02040204020203" pitchFamily="34" charset="0"/>
+                <a:cs typeface="Arial" panose="020B0604020202020204" pitchFamily="34" charset="0"/>
+              </a:rPr>
+              <a:t>mã</a:t>
+            </a:r>
+            <a:r>
+              <a:rPr lang="en-US" dirty="0">
+                <a:latin typeface="Segoe UI Black" panose="020B0A02040204020203" pitchFamily="34" charset="0"/>
+                <a:cs typeface="Arial" panose="020B0604020202020204" pitchFamily="34" charset="0"/>
+              </a:rPr>
+              <a:t> </a:t>
+            </a:r>
+            <a:r>
+              <a:rPr lang="en-US" dirty="0" err="1">
+                <a:latin typeface="Segoe UI Black" panose="020B0A02040204020203" pitchFamily="34" charset="0"/>
+                <a:cs typeface="Arial" panose="020B0604020202020204" pitchFamily="34" charset="0"/>
+              </a:rPr>
+              <a:t>hóa</a:t>
+            </a:r>
+            <a:r>
+              <a:rPr lang="en-US" dirty="0">
+                <a:latin typeface="Segoe UI Black" panose="020B0A02040204020203" pitchFamily="34" charset="0"/>
+                <a:cs typeface="Arial" panose="020B0604020202020204" pitchFamily="34" charset="0"/>
+              </a:rPr>
+              <a:t> fingerprint. </a:t>
             </a:r>
           </a:p>
         </p:txBody>
@@ -5433,7 +9176,9 @@
           <a:lstStyle/>
           <a:p>
             <a:pPr algn="ctr"/>
-            <a:endParaRPr lang="en-US"/>
+            <a:endParaRPr lang="en-US" dirty="0">
+              <a:latin typeface="Segoe UI Black" panose="020B0A02040204020203" pitchFamily="34" charset="0"/>
+            </a:endParaRPr>
           </a:p>
         </p:txBody>
       </p:sp>
@@ -5485,7 +9230,9 @@
           <a:lstStyle/>
           <a:p>
             <a:pPr algn="ctr"/>
-            <a:endParaRPr lang="en-US"/>
+            <a:endParaRPr lang="en-US" dirty="0">
+              <a:latin typeface="Segoe UI Black" panose="020B0A02040204020203" pitchFamily="34" charset="0"/>
+            </a:endParaRPr>
           </a:p>
         </p:txBody>
       </p:sp>
@@ -5537,7 +9284,9 @@
           <a:lstStyle/>
           <a:p>
             <a:pPr algn="ctr"/>
-            <a:endParaRPr lang="en-US"/>
+            <a:endParaRPr lang="en-US" dirty="0">
+              <a:latin typeface="Segoe UI Black" panose="020B0A02040204020203" pitchFamily="34" charset="0"/>
+            </a:endParaRPr>
           </a:p>
         </p:txBody>
       </p:sp>
@@ -5589,7 +9338,9 @@
           <a:lstStyle/>
           <a:p>
             <a:pPr algn="ctr"/>
-            <a:endParaRPr lang="en-US"/>
+            <a:endParaRPr lang="en-US" dirty="0">
+              <a:latin typeface="Segoe UI Black" panose="020B0A02040204020203" pitchFamily="34" charset="0"/>
+            </a:endParaRPr>
           </a:p>
         </p:txBody>
       </p:sp>
@@ -5608,7 +9359,7 @@
         <p:spPr>
           <a:xfrm>
             <a:off x="-25055" y="932963"/>
-            <a:ext cx="2451652" cy="461665"/>
+            <a:ext cx="2451652" cy="830997"/>
           </a:xfrm>
           <a:prstGeom prst="rect">
             <a:avLst/>
@@ -5622,10 +9373,11 @@
           <a:lstStyle/>
           <a:p>
             <a:r>
-              <a:rPr lang="en-US" sz="2400" b="1">
+              <a:rPr lang="en-US" sz="2400" b="1" dirty="0">
                 <a:solidFill>
                   <a:srgbClr val="FF0000"/>
                 </a:solidFill>
+                <a:latin typeface="Segoe UI Black" panose="020B0A02040204020203" pitchFamily="34" charset="0"/>
               </a:rPr>
               <a:t>B1: Ctrl + Shift + I</a:t>
             </a:r>
@@ -5661,10 +9413,11 @@
           <a:lstStyle/>
           <a:p>
             <a:r>
-              <a:rPr lang="en-US" sz="2400" b="1">
+              <a:rPr lang="en-US" sz="2400" b="1" dirty="0">
                 <a:solidFill>
                   <a:srgbClr val="FF0000"/>
                 </a:solidFill>
+                <a:latin typeface="Segoe UI Black" panose="020B0A02040204020203" pitchFamily="34" charset="0"/>
               </a:rPr>
               <a:t>B2</a:t>
             </a:r>
@@ -5700,10 +9453,11 @@
           <a:lstStyle/>
           <a:p>
             <a:r>
-              <a:rPr lang="en-US" sz="2400" b="1">
+              <a:rPr lang="en-US" sz="2400" b="1" dirty="0">
                 <a:solidFill>
                   <a:srgbClr val="FF0000"/>
                 </a:solidFill>
+                <a:latin typeface="Segoe UI Black" panose="020B0A02040204020203" pitchFamily="34" charset="0"/>
               </a:rPr>
               <a:t>B3</a:t>
             </a:r>
@@ -5739,10 +9493,11 @@
           <a:lstStyle/>
           <a:p>
             <a:r>
-              <a:rPr lang="en-US" sz="2400" b="1">
+              <a:rPr lang="en-US" sz="2400" b="1" dirty="0">
                 <a:solidFill>
                   <a:srgbClr val="FF0000"/>
                 </a:solidFill>
+                <a:latin typeface="Segoe UI Black" panose="020B0A02040204020203" pitchFamily="34" charset="0"/>
               </a:rPr>
               <a:t>B4</a:t>
             </a:r>
@@ -5778,10 +9533,11 @@
           <a:lstStyle/>
           <a:p>
             <a:r>
-              <a:rPr lang="en-US" sz="2400" b="1">
+              <a:rPr lang="en-US" sz="2400" b="1" dirty="0">
                 <a:solidFill>
                   <a:srgbClr val="FF0000"/>
                 </a:solidFill>
+                <a:latin typeface="Segoe UI Black" panose="020B0A02040204020203" pitchFamily="34" charset="0"/>
               </a:rPr>
               <a:t>B5</a:t>
             </a:r>
@@ -5803,7 +9559,7 @@
         <p:spPr>
           <a:xfrm>
             <a:off x="1544497" y="3712605"/>
-            <a:ext cx="1569761" cy="461665"/>
+            <a:ext cx="1569761" cy="830997"/>
           </a:xfrm>
           <a:prstGeom prst="rect">
             <a:avLst/>
@@ -5817,10 +9573,11 @@
           <a:lstStyle/>
           <a:p>
             <a:r>
-              <a:rPr lang="en-US" sz="2400" b="1">
+              <a:rPr lang="en-US" sz="2400" b="1" dirty="0">
                 <a:solidFill>
                   <a:srgbClr val="FF0000"/>
                 </a:solidFill>
+                <a:latin typeface="Segoe UI Black" panose="020B0A02040204020203" pitchFamily="34" charset="0"/>
               </a:rPr>
               <a:t>fingerprint</a:t>
             </a:r>
@@ -5875,7 +9632,9 @@
           <a:lstStyle/>
           <a:p>
             <a:pPr algn="ctr"/>
-            <a:endParaRPr lang="en-US"/>
+            <a:endParaRPr lang="en-US" dirty="0">
+              <a:latin typeface="Segoe UI Black" panose="020B0A02040204020203" pitchFamily="34" charset="0"/>
+            </a:endParaRPr>
           </a:p>
         </p:txBody>
       </p:sp>
@@ -5967,7 +9726,7 @@
           <a:lstStyle/>
           <a:p>
             <a:r>
-              <a:rPr lang="en-US"/>
+              <a:rPr lang="en-US" sz="3000" dirty="0"/>
               <a:t>HTTP Client (HTTP GET)</a:t>
             </a:r>
           </a:p>
@@ -6062,25 +9821,95 @@
               <a:buChar char="•"/>
             </a:pPr>
             <a:r>
-              <a:rPr lang="en-US">
-                <a:latin typeface="Arial" panose="020B0604020202020204" pitchFamily="34" charset="0"/>
-                <a:cs typeface="Arial" panose="020B0604020202020204" pitchFamily="34" charset="0"/>
-              </a:rPr>
-              <a:t>Cần tạo đối t</a:t>
-            </a:r>
-            <a:r>
-              <a:rPr lang="vi-VN">
-                <a:latin typeface="Arial" panose="020B0604020202020204" pitchFamily="34" charset="0"/>
+              <a:rPr lang="en-US" dirty="0" err="1">
+                <a:latin typeface="Segoe UI Black" panose="020B0A02040204020203" pitchFamily="34" charset="0"/>
+                <a:cs typeface="Arial" panose="020B0604020202020204" pitchFamily="34" charset="0"/>
+              </a:rPr>
+              <a:t>Cần</a:t>
+            </a:r>
+            <a:r>
+              <a:rPr lang="en-US" dirty="0">
+                <a:latin typeface="Segoe UI Black" panose="020B0A02040204020203" pitchFamily="34" charset="0"/>
+                <a:cs typeface="Arial" panose="020B0604020202020204" pitchFamily="34" charset="0"/>
+              </a:rPr>
+              <a:t> </a:t>
+            </a:r>
+            <a:r>
+              <a:rPr lang="en-US" dirty="0" err="1">
+                <a:latin typeface="Segoe UI Black" panose="020B0A02040204020203" pitchFamily="34" charset="0"/>
+                <a:cs typeface="Arial" panose="020B0604020202020204" pitchFamily="34" charset="0"/>
+              </a:rPr>
+              <a:t>tạo</a:t>
+            </a:r>
+            <a:r>
+              <a:rPr lang="en-US" dirty="0">
+                <a:latin typeface="Segoe UI Black" panose="020B0A02040204020203" pitchFamily="34" charset="0"/>
+                <a:cs typeface="Arial" panose="020B0604020202020204" pitchFamily="34" charset="0"/>
+              </a:rPr>
+              <a:t> </a:t>
+            </a:r>
+            <a:r>
+              <a:rPr lang="en-US" dirty="0" err="1">
+                <a:latin typeface="Segoe UI Black" panose="020B0A02040204020203" pitchFamily="34" charset="0"/>
+                <a:cs typeface="Arial" panose="020B0604020202020204" pitchFamily="34" charset="0"/>
+              </a:rPr>
+              <a:t>đối</a:t>
+            </a:r>
+            <a:r>
+              <a:rPr lang="en-US" dirty="0">
+                <a:latin typeface="Segoe UI Black" panose="020B0A02040204020203" pitchFamily="34" charset="0"/>
+                <a:cs typeface="Arial" panose="020B0604020202020204" pitchFamily="34" charset="0"/>
+              </a:rPr>
+              <a:t> t</a:t>
+            </a:r>
+            <a:r>
+              <a:rPr lang="vi-VN" dirty="0">
+                <a:latin typeface="Segoe UI Black" panose="020B0A02040204020203" pitchFamily="34" charset="0"/>
                 <a:cs typeface="Arial" panose="020B0604020202020204" pitchFamily="34" charset="0"/>
               </a:rPr>
               <a:t>ư</a:t>
             </a:r>
             <a:r>
-              <a:rPr lang="en-US">
-                <a:latin typeface="Arial" panose="020B0604020202020204" pitchFamily="34" charset="0"/>
-                <a:cs typeface="Arial" panose="020B0604020202020204" pitchFamily="34" charset="0"/>
-              </a:rPr>
-              <a:t>ợng http trong class HTTPLient.</a:t>
+              <a:rPr lang="en-US" dirty="0" err="1">
+                <a:latin typeface="Segoe UI Black" panose="020B0A02040204020203" pitchFamily="34" charset="0"/>
+                <a:cs typeface="Arial" panose="020B0604020202020204" pitchFamily="34" charset="0"/>
+              </a:rPr>
+              <a:t>ợng</a:t>
+            </a:r>
+            <a:r>
+              <a:rPr lang="en-US" dirty="0">
+                <a:latin typeface="Segoe UI Black" panose="020B0A02040204020203" pitchFamily="34" charset="0"/>
+                <a:cs typeface="Arial" panose="020B0604020202020204" pitchFamily="34" charset="0"/>
+              </a:rPr>
+              <a:t> http </a:t>
+            </a:r>
+            <a:r>
+              <a:rPr lang="en-US" dirty="0" err="1">
+                <a:latin typeface="Segoe UI Black" panose="020B0A02040204020203" pitchFamily="34" charset="0"/>
+                <a:cs typeface="Arial" panose="020B0604020202020204" pitchFamily="34" charset="0"/>
+              </a:rPr>
+              <a:t>trong</a:t>
+            </a:r>
+            <a:r>
+              <a:rPr lang="en-US" dirty="0">
+                <a:latin typeface="Segoe UI Black" panose="020B0A02040204020203" pitchFamily="34" charset="0"/>
+                <a:cs typeface="Arial" panose="020B0604020202020204" pitchFamily="34" charset="0"/>
+              </a:rPr>
+              <a:t> class </a:t>
+            </a:r>
+            <a:r>
+              <a:rPr lang="en-US" dirty="0" err="1">
+                <a:latin typeface="Segoe UI Black" panose="020B0A02040204020203" pitchFamily="34" charset="0"/>
+                <a:cs typeface="Arial" panose="020B0604020202020204" pitchFamily="34" charset="0"/>
+              </a:rPr>
+              <a:t>HTTPLient</a:t>
+            </a:r>
+            <a:r>
+              <a:rPr lang="en-US" dirty="0">
+                <a:latin typeface="Segoe UI Black" panose="020B0A02040204020203" pitchFamily="34" charset="0"/>
+                <a:cs typeface="Arial" panose="020B0604020202020204" pitchFamily="34" charset="0"/>
+              </a:rPr>
+              <a:t>.</a:t>
             </a:r>
           </a:p>
           <a:p>
@@ -6089,11 +9918,46 @@
               <a:buChar char="•"/>
             </a:pPr>
             <a:r>
-              <a:rPr lang="en-US">
-                <a:latin typeface="Arial" panose="020B0604020202020204" pitchFamily="34" charset="0"/>
-                <a:cs typeface="Arial" panose="020B0604020202020204" pitchFamily="34" charset="0"/>
-              </a:rPr>
-              <a:t>http.begin(host, fingerprint) nếu là https</a:t>
+              <a:rPr lang="en-US" dirty="0" err="1">
+                <a:latin typeface="Segoe UI Black" panose="020B0A02040204020203" pitchFamily="34" charset="0"/>
+                <a:cs typeface="Arial" panose="020B0604020202020204" pitchFamily="34" charset="0"/>
+              </a:rPr>
+              <a:t>http.begin</a:t>
+            </a:r>
+            <a:r>
+              <a:rPr lang="en-US" dirty="0">
+                <a:latin typeface="Segoe UI Black" panose="020B0A02040204020203" pitchFamily="34" charset="0"/>
+                <a:cs typeface="Arial" panose="020B0604020202020204" pitchFamily="34" charset="0"/>
+              </a:rPr>
+              <a:t>(host, fingerprint) </a:t>
+            </a:r>
+            <a:r>
+              <a:rPr lang="en-US" dirty="0" err="1">
+                <a:latin typeface="Segoe UI Black" panose="020B0A02040204020203" pitchFamily="34" charset="0"/>
+                <a:cs typeface="Arial" panose="020B0604020202020204" pitchFamily="34" charset="0"/>
+              </a:rPr>
+              <a:t>nếu</a:t>
+            </a:r>
+            <a:r>
+              <a:rPr lang="en-US" dirty="0">
+                <a:latin typeface="Segoe UI Black" panose="020B0A02040204020203" pitchFamily="34" charset="0"/>
+                <a:cs typeface="Arial" panose="020B0604020202020204" pitchFamily="34" charset="0"/>
+              </a:rPr>
+              <a:t> </a:t>
+            </a:r>
+            <a:r>
+              <a:rPr lang="en-US" dirty="0" err="1">
+                <a:latin typeface="Segoe UI Black" panose="020B0A02040204020203" pitchFamily="34" charset="0"/>
+                <a:cs typeface="Arial" panose="020B0604020202020204" pitchFamily="34" charset="0"/>
+              </a:rPr>
+              <a:t>là</a:t>
+            </a:r>
+            <a:r>
+              <a:rPr lang="en-US" dirty="0">
+                <a:latin typeface="Segoe UI Black" panose="020B0A02040204020203" pitchFamily="34" charset="0"/>
+                <a:cs typeface="Arial" panose="020B0604020202020204" pitchFamily="34" charset="0"/>
+              </a:rPr>
+              <a:t> https</a:t>
             </a:r>
           </a:p>
           <a:p>
@@ -6102,11 +9966,46 @@
               <a:buChar char="•"/>
             </a:pPr>
             <a:r>
-              <a:rPr lang="en-US">
-                <a:latin typeface="Arial" panose="020B0604020202020204" pitchFamily="34" charset="0"/>
-                <a:cs typeface="Arial" panose="020B0604020202020204" pitchFamily="34" charset="0"/>
-              </a:rPr>
-              <a:t>http.begin(host) nếu là http.</a:t>
+              <a:rPr lang="en-US" dirty="0" err="1">
+                <a:latin typeface="Segoe UI Black" panose="020B0A02040204020203" pitchFamily="34" charset="0"/>
+                <a:cs typeface="Arial" panose="020B0604020202020204" pitchFamily="34" charset="0"/>
+              </a:rPr>
+              <a:t>http.begin</a:t>
+            </a:r>
+            <a:r>
+              <a:rPr lang="en-US" dirty="0">
+                <a:latin typeface="Segoe UI Black" panose="020B0A02040204020203" pitchFamily="34" charset="0"/>
+                <a:cs typeface="Arial" panose="020B0604020202020204" pitchFamily="34" charset="0"/>
+              </a:rPr>
+              <a:t>(host) </a:t>
+            </a:r>
+            <a:r>
+              <a:rPr lang="en-US" dirty="0" err="1">
+                <a:latin typeface="Segoe UI Black" panose="020B0A02040204020203" pitchFamily="34" charset="0"/>
+                <a:cs typeface="Arial" panose="020B0604020202020204" pitchFamily="34" charset="0"/>
+              </a:rPr>
+              <a:t>nếu</a:t>
+            </a:r>
+            <a:r>
+              <a:rPr lang="en-US" dirty="0">
+                <a:latin typeface="Segoe UI Black" panose="020B0A02040204020203" pitchFamily="34" charset="0"/>
+                <a:cs typeface="Arial" panose="020B0604020202020204" pitchFamily="34" charset="0"/>
+              </a:rPr>
+              <a:t> </a:t>
+            </a:r>
+            <a:r>
+              <a:rPr lang="en-US" dirty="0" err="1">
+                <a:latin typeface="Segoe UI Black" panose="020B0A02040204020203" pitchFamily="34" charset="0"/>
+                <a:cs typeface="Arial" panose="020B0604020202020204" pitchFamily="34" charset="0"/>
+              </a:rPr>
+              <a:t>là</a:t>
+            </a:r>
+            <a:r>
+              <a:rPr lang="en-US" dirty="0">
+                <a:latin typeface="Segoe UI Black" panose="020B0A02040204020203" pitchFamily="34" charset="0"/>
+                <a:cs typeface="Arial" panose="020B0604020202020204" pitchFamily="34" charset="0"/>
+              </a:rPr>
+              <a:t> http.</a:t>
             </a:r>
           </a:p>
           <a:p>
@@ -6114,8 +10013,8 @@
               <a:buFont typeface="Arial" panose="020B0604020202020204" pitchFamily="34" charset="0"/>
               <a:buChar char="•"/>
             </a:pPr>
-            <a:endParaRPr lang="en-US">
-              <a:latin typeface="Arial" panose="020B0604020202020204" pitchFamily="34" charset="0"/>
+            <a:endParaRPr lang="en-US" dirty="0">
+              <a:latin typeface="Segoe UI Black" panose="020B0A02040204020203" pitchFamily="34" charset="0"/>
               <a:cs typeface="Arial" panose="020B0604020202020204" pitchFamily="34" charset="0"/>
             </a:endParaRPr>
           </a:p>
@@ -6167,7 +10066,7 @@
           <a:lstStyle/>
           <a:p>
             <a:r>
-              <a:rPr lang="en-US"/>
+              <a:rPr lang="en-US" sz="3000" dirty="0"/>
               <a:t>HTTP Client (HTTP GET)</a:t>
             </a:r>
           </a:p>
@@ -6244,7 +10143,7 @@
         <p:spPr>
           <a:xfrm>
             <a:off x="7231130" y="2971078"/>
-            <a:ext cx="4629566" cy="3139321"/>
+            <a:ext cx="4629566" cy="3693319"/>
           </a:xfrm>
           <a:prstGeom prst="rect">
             <a:avLst/>
@@ -6259,35 +10158,294 @@
           <a:p>
             <a:pPr algn="just"/>
             <a:r>
-              <a:rPr lang="en-US">
-                <a:latin typeface="Arial" panose="020B0604020202020204" pitchFamily="34" charset="0"/>
-                <a:cs typeface="Arial" panose="020B0604020202020204" pitchFamily="34" charset="0"/>
-              </a:rPr>
-              <a:t>Dữ liệu trả về luôn chứa phần thông tin header với dòng đầu tiên là StatusCode (kết nối đ</a:t>
-            </a:r>
-            <a:r>
-              <a:rPr lang="vi-VN">
-                <a:latin typeface="Arial" panose="020B0604020202020204" pitchFamily="34" charset="0"/>
+              <a:rPr lang="en-US" dirty="0" err="1">
+                <a:latin typeface="Segoe UI Black" panose="020B0A02040204020203" pitchFamily="34" charset="0"/>
+                <a:cs typeface="Arial" panose="020B0604020202020204" pitchFamily="34" charset="0"/>
+              </a:rPr>
+              <a:t>Dữ</a:t>
+            </a:r>
+            <a:r>
+              <a:rPr lang="en-US" dirty="0">
+                <a:latin typeface="Segoe UI Black" panose="020B0A02040204020203" pitchFamily="34" charset="0"/>
+                <a:cs typeface="Arial" panose="020B0604020202020204" pitchFamily="34" charset="0"/>
+              </a:rPr>
+              <a:t> </a:t>
+            </a:r>
+            <a:r>
+              <a:rPr lang="en-US" dirty="0" err="1">
+                <a:latin typeface="Segoe UI Black" panose="020B0A02040204020203" pitchFamily="34" charset="0"/>
+                <a:cs typeface="Arial" panose="020B0604020202020204" pitchFamily="34" charset="0"/>
+              </a:rPr>
+              <a:t>liệu</a:t>
+            </a:r>
+            <a:r>
+              <a:rPr lang="en-US" dirty="0">
+                <a:latin typeface="Segoe UI Black" panose="020B0A02040204020203" pitchFamily="34" charset="0"/>
+                <a:cs typeface="Arial" panose="020B0604020202020204" pitchFamily="34" charset="0"/>
+              </a:rPr>
+              <a:t> </a:t>
+            </a:r>
+            <a:r>
+              <a:rPr lang="en-US" dirty="0" err="1">
+                <a:latin typeface="Segoe UI Black" panose="020B0A02040204020203" pitchFamily="34" charset="0"/>
+                <a:cs typeface="Arial" panose="020B0604020202020204" pitchFamily="34" charset="0"/>
+              </a:rPr>
+              <a:t>trả</a:t>
+            </a:r>
+            <a:r>
+              <a:rPr lang="en-US" dirty="0">
+                <a:latin typeface="Segoe UI Black" panose="020B0A02040204020203" pitchFamily="34" charset="0"/>
+                <a:cs typeface="Arial" panose="020B0604020202020204" pitchFamily="34" charset="0"/>
+              </a:rPr>
+              <a:t> </a:t>
+            </a:r>
+            <a:r>
+              <a:rPr lang="en-US" dirty="0" err="1">
+                <a:latin typeface="Segoe UI Black" panose="020B0A02040204020203" pitchFamily="34" charset="0"/>
+                <a:cs typeface="Arial" panose="020B0604020202020204" pitchFamily="34" charset="0"/>
+              </a:rPr>
+              <a:t>về</a:t>
+            </a:r>
+            <a:r>
+              <a:rPr lang="en-US" dirty="0">
+                <a:latin typeface="Segoe UI Black" panose="020B0A02040204020203" pitchFamily="34" charset="0"/>
+                <a:cs typeface="Arial" panose="020B0604020202020204" pitchFamily="34" charset="0"/>
+              </a:rPr>
+              <a:t> </a:t>
+            </a:r>
+            <a:r>
+              <a:rPr lang="en-US" dirty="0" err="1">
+                <a:latin typeface="Segoe UI Black" panose="020B0A02040204020203" pitchFamily="34" charset="0"/>
+                <a:cs typeface="Arial" panose="020B0604020202020204" pitchFamily="34" charset="0"/>
+              </a:rPr>
+              <a:t>luôn</a:t>
+            </a:r>
+            <a:r>
+              <a:rPr lang="en-US" dirty="0">
+                <a:latin typeface="Segoe UI Black" panose="020B0A02040204020203" pitchFamily="34" charset="0"/>
+                <a:cs typeface="Arial" panose="020B0604020202020204" pitchFamily="34" charset="0"/>
+              </a:rPr>
+              <a:t> </a:t>
+            </a:r>
+            <a:r>
+              <a:rPr lang="en-US" dirty="0" err="1">
+                <a:latin typeface="Segoe UI Black" panose="020B0A02040204020203" pitchFamily="34" charset="0"/>
+                <a:cs typeface="Arial" panose="020B0604020202020204" pitchFamily="34" charset="0"/>
+              </a:rPr>
+              <a:t>chứa</a:t>
+            </a:r>
+            <a:r>
+              <a:rPr lang="en-US" dirty="0">
+                <a:latin typeface="Segoe UI Black" panose="020B0A02040204020203" pitchFamily="34" charset="0"/>
+                <a:cs typeface="Arial" panose="020B0604020202020204" pitchFamily="34" charset="0"/>
+              </a:rPr>
+              <a:t> </a:t>
+            </a:r>
+            <a:r>
+              <a:rPr lang="en-US" dirty="0" err="1">
+                <a:latin typeface="Segoe UI Black" panose="020B0A02040204020203" pitchFamily="34" charset="0"/>
+                <a:cs typeface="Arial" panose="020B0604020202020204" pitchFamily="34" charset="0"/>
+              </a:rPr>
+              <a:t>phần</a:t>
+            </a:r>
+            <a:r>
+              <a:rPr lang="en-US" dirty="0">
+                <a:latin typeface="Segoe UI Black" panose="020B0A02040204020203" pitchFamily="34" charset="0"/>
+                <a:cs typeface="Arial" panose="020B0604020202020204" pitchFamily="34" charset="0"/>
+              </a:rPr>
+              <a:t> </a:t>
+            </a:r>
+            <a:r>
+              <a:rPr lang="en-US" dirty="0" err="1">
+                <a:latin typeface="Segoe UI Black" panose="020B0A02040204020203" pitchFamily="34" charset="0"/>
+                <a:cs typeface="Arial" panose="020B0604020202020204" pitchFamily="34" charset="0"/>
+              </a:rPr>
+              <a:t>thông</a:t>
+            </a:r>
+            <a:r>
+              <a:rPr lang="en-US" dirty="0">
+                <a:latin typeface="Segoe UI Black" panose="020B0A02040204020203" pitchFamily="34" charset="0"/>
+                <a:cs typeface="Arial" panose="020B0604020202020204" pitchFamily="34" charset="0"/>
+              </a:rPr>
+              <a:t> tin header </a:t>
+            </a:r>
+            <a:r>
+              <a:rPr lang="en-US" dirty="0" err="1">
+                <a:latin typeface="Segoe UI Black" panose="020B0A02040204020203" pitchFamily="34" charset="0"/>
+                <a:cs typeface="Arial" panose="020B0604020202020204" pitchFamily="34" charset="0"/>
+              </a:rPr>
+              <a:t>với</a:t>
+            </a:r>
+            <a:r>
+              <a:rPr lang="en-US" dirty="0">
+                <a:latin typeface="Segoe UI Black" panose="020B0A02040204020203" pitchFamily="34" charset="0"/>
+                <a:cs typeface="Arial" panose="020B0604020202020204" pitchFamily="34" charset="0"/>
+              </a:rPr>
+              <a:t> </a:t>
+            </a:r>
+            <a:r>
+              <a:rPr lang="en-US" dirty="0" err="1">
+                <a:latin typeface="Segoe UI Black" panose="020B0A02040204020203" pitchFamily="34" charset="0"/>
+                <a:cs typeface="Arial" panose="020B0604020202020204" pitchFamily="34" charset="0"/>
+              </a:rPr>
+              <a:t>dòng</a:t>
+            </a:r>
+            <a:r>
+              <a:rPr lang="en-US" dirty="0">
+                <a:latin typeface="Segoe UI Black" panose="020B0A02040204020203" pitchFamily="34" charset="0"/>
+                <a:cs typeface="Arial" panose="020B0604020202020204" pitchFamily="34" charset="0"/>
+              </a:rPr>
+              <a:t> </a:t>
+            </a:r>
+            <a:r>
+              <a:rPr lang="en-US" dirty="0" err="1">
+                <a:latin typeface="Segoe UI Black" panose="020B0A02040204020203" pitchFamily="34" charset="0"/>
+                <a:cs typeface="Arial" panose="020B0604020202020204" pitchFamily="34" charset="0"/>
+              </a:rPr>
+              <a:t>đầu</a:t>
+            </a:r>
+            <a:r>
+              <a:rPr lang="en-US" dirty="0">
+                <a:latin typeface="Segoe UI Black" panose="020B0A02040204020203" pitchFamily="34" charset="0"/>
+                <a:cs typeface="Arial" panose="020B0604020202020204" pitchFamily="34" charset="0"/>
+              </a:rPr>
+              <a:t> </a:t>
+            </a:r>
+            <a:r>
+              <a:rPr lang="en-US" dirty="0" err="1">
+                <a:latin typeface="Segoe UI Black" panose="020B0A02040204020203" pitchFamily="34" charset="0"/>
+                <a:cs typeface="Arial" panose="020B0604020202020204" pitchFamily="34" charset="0"/>
+              </a:rPr>
+              <a:t>tiên</a:t>
+            </a:r>
+            <a:r>
+              <a:rPr lang="en-US" dirty="0">
+                <a:latin typeface="Segoe UI Black" panose="020B0A02040204020203" pitchFamily="34" charset="0"/>
+                <a:cs typeface="Arial" panose="020B0604020202020204" pitchFamily="34" charset="0"/>
+              </a:rPr>
+              <a:t> </a:t>
+            </a:r>
+            <a:r>
+              <a:rPr lang="en-US" dirty="0" err="1">
+                <a:latin typeface="Segoe UI Black" panose="020B0A02040204020203" pitchFamily="34" charset="0"/>
+                <a:cs typeface="Arial" panose="020B0604020202020204" pitchFamily="34" charset="0"/>
+              </a:rPr>
+              <a:t>là</a:t>
+            </a:r>
+            <a:r>
+              <a:rPr lang="en-US" dirty="0">
+                <a:latin typeface="Segoe UI Black" panose="020B0A02040204020203" pitchFamily="34" charset="0"/>
+                <a:cs typeface="Arial" panose="020B0604020202020204" pitchFamily="34" charset="0"/>
+              </a:rPr>
+              <a:t> </a:t>
+            </a:r>
+            <a:r>
+              <a:rPr lang="en-US" dirty="0" err="1">
+                <a:latin typeface="Segoe UI Black" panose="020B0A02040204020203" pitchFamily="34" charset="0"/>
+                <a:cs typeface="Arial" panose="020B0604020202020204" pitchFamily="34" charset="0"/>
+              </a:rPr>
+              <a:t>StatusCode</a:t>
+            </a:r>
+            <a:r>
+              <a:rPr lang="en-US" dirty="0">
+                <a:latin typeface="Segoe UI Black" panose="020B0A02040204020203" pitchFamily="34" charset="0"/>
+                <a:cs typeface="Arial" panose="020B0604020202020204" pitchFamily="34" charset="0"/>
+              </a:rPr>
+              <a:t> (</a:t>
+            </a:r>
+            <a:r>
+              <a:rPr lang="en-US" dirty="0" err="1">
+                <a:latin typeface="Segoe UI Black" panose="020B0A02040204020203" pitchFamily="34" charset="0"/>
+                <a:cs typeface="Arial" panose="020B0604020202020204" pitchFamily="34" charset="0"/>
+              </a:rPr>
+              <a:t>kết</a:t>
+            </a:r>
+            <a:r>
+              <a:rPr lang="en-US" dirty="0">
+                <a:latin typeface="Segoe UI Black" panose="020B0A02040204020203" pitchFamily="34" charset="0"/>
+                <a:cs typeface="Arial" panose="020B0604020202020204" pitchFamily="34" charset="0"/>
+              </a:rPr>
+              <a:t> </a:t>
+            </a:r>
+            <a:r>
+              <a:rPr lang="en-US" dirty="0" err="1">
+                <a:latin typeface="Segoe UI Black" panose="020B0A02040204020203" pitchFamily="34" charset="0"/>
+                <a:cs typeface="Arial" panose="020B0604020202020204" pitchFamily="34" charset="0"/>
+              </a:rPr>
+              <a:t>nối</a:t>
+            </a:r>
+            <a:r>
+              <a:rPr lang="en-US" dirty="0">
+                <a:latin typeface="Segoe UI Black" panose="020B0A02040204020203" pitchFamily="34" charset="0"/>
+                <a:cs typeface="Arial" panose="020B0604020202020204" pitchFamily="34" charset="0"/>
+              </a:rPr>
+              <a:t> đ</a:t>
+            </a:r>
+            <a:r>
+              <a:rPr lang="vi-VN" dirty="0">
+                <a:latin typeface="Segoe UI Black" panose="020B0A02040204020203" pitchFamily="34" charset="0"/>
                 <a:cs typeface="Arial" panose="020B0604020202020204" pitchFamily="34" charset="0"/>
               </a:rPr>
               <a:t>ư</a:t>
             </a:r>
             <a:r>
-              <a:rPr lang="en-US">
-                <a:latin typeface="Arial" panose="020B0604020202020204" pitchFamily="34" charset="0"/>
-                <a:cs typeface="Arial" panose="020B0604020202020204" pitchFamily="34" charset="0"/>
-              </a:rPr>
-              <a:t>ợc hay lỗi).</a:t>
+              <a:rPr lang="en-US" dirty="0" err="1">
+                <a:latin typeface="Segoe UI Black" panose="020B0A02040204020203" pitchFamily="34" charset="0"/>
+                <a:cs typeface="Arial" panose="020B0604020202020204" pitchFamily="34" charset="0"/>
+              </a:rPr>
+              <a:t>ợc</a:t>
+            </a:r>
+            <a:r>
+              <a:rPr lang="en-US" dirty="0">
+                <a:latin typeface="Segoe UI Black" panose="020B0A02040204020203" pitchFamily="34" charset="0"/>
+                <a:cs typeface="Arial" panose="020B0604020202020204" pitchFamily="34" charset="0"/>
+              </a:rPr>
+              <a:t> hay </a:t>
+            </a:r>
+            <a:r>
+              <a:rPr lang="en-US" dirty="0" err="1">
+                <a:latin typeface="Segoe UI Black" panose="020B0A02040204020203" pitchFamily="34" charset="0"/>
+                <a:cs typeface="Arial" panose="020B0604020202020204" pitchFamily="34" charset="0"/>
+              </a:rPr>
+              <a:t>lỗi</a:t>
+            </a:r>
+            <a:r>
+              <a:rPr lang="en-US" dirty="0">
+                <a:latin typeface="Segoe UI Black" panose="020B0A02040204020203" pitchFamily="34" charset="0"/>
+                <a:cs typeface="Arial" panose="020B0604020202020204" pitchFamily="34" charset="0"/>
+              </a:rPr>
+              <a:t>).</a:t>
             </a:r>
           </a:p>
           <a:p>
             <a:pPr algn="just"/>
             <a:r>
-              <a:rPr lang="en-US">
-                <a:latin typeface="Arial" panose="020B0604020202020204" pitchFamily="34" charset="0"/>
-                <a:cs typeface="Arial" panose="020B0604020202020204" pitchFamily="34" charset="0"/>
-              </a:rPr>
-              <a:t>Một số Http status code:</a:t>
+              <a:rPr lang="en-US" dirty="0" err="1">
+                <a:latin typeface="Segoe UI Black" panose="020B0A02040204020203" pitchFamily="34" charset="0"/>
+                <a:cs typeface="Arial" panose="020B0604020202020204" pitchFamily="34" charset="0"/>
+              </a:rPr>
+              <a:t>Một</a:t>
+            </a:r>
+            <a:r>
+              <a:rPr lang="en-US" dirty="0">
+                <a:latin typeface="Segoe UI Black" panose="020B0A02040204020203" pitchFamily="34" charset="0"/>
+                <a:cs typeface="Arial" panose="020B0604020202020204" pitchFamily="34" charset="0"/>
+              </a:rPr>
+              <a:t> </a:t>
+            </a:r>
+            <a:r>
+              <a:rPr lang="en-US" dirty="0" err="1">
+                <a:latin typeface="Segoe UI Black" panose="020B0A02040204020203" pitchFamily="34" charset="0"/>
+                <a:cs typeface="Arial" panose="020B0604020202020204" pitchFamily="34" charset="0"/>
+              </a:rPr>
+              <a:t>số</a:t>
+            </a:r>
+            <a:r>
+              <a:rPr lang="en-US" dirty="0">
+                <a:latin typeface="Segoe UI Black" panose="020B0A02040204020203" pitchFamily="34" charset="0"/>
+                <a:cs typeface="Arial" panose="020B0604020202020204" pitchFamily="34" charset="0"/>
+              </a:rPr>
+              <a:t> Http status code:</a:t>
             </a:r>
           </a:p>
           <a:p>
@@ -6296,11 +10454,81 @@
               <a:buChar char="•"/>
             </a:pPr>
             <a:r>
-              <a:rPr lang="en-US">
-                <a:latin typeface="Arial" panose="020B0604020202020204" pitchFamily="34" charset="0"/>
-                <a:cs typeface="Arial" panose="020B0604020202020204" pitchFamily="34" charset="0"/>
-              </a:rPr>
-              <a:t>200: request từ client đã gửi thành công.</a:t>
+              <a:rPr lang="en-US" dirty="0">
+                <a:latin typeface="Segoe UI Black" panose="020B0A02040204020203" pitchFamily="34" charset="0"/>
+                <a:cs typeface="Arial" panose="020B0604020202020204" pitchFamily="34" charset="0"/>
+              </a:rPr>
+              <a:t>200: request </a:t>
+            </a:r>
+            <a:r>
+              <a:rPr lang="en-US" dirty="0" err="1">
+                <a:latin typeface="Segoe UI Black" panose="020B0A02040204020203" pitchFamily="34" charset="0"/>
+                <a:cs typeface="Arial" panose="020B0604020202020204" pitchFamily="34" charset="0"/>
+              </a:rPr>
+              <a:t>từ</a:t>
+            </a:r>
+            <a:r>
+              <a:rPr lang="en-US" dirty="0">
+                <a:latin typeface="Segoe UI Black" panose="020B0A02040204020203" pitchFamily="34" charset="0"/>
+                <a:cs typeface="Arial" panose="020B0604020202020204" pitchFamily="34" charset="0"/>
+              </a:rPr>
+              <a:t> client </a:t>
+            </a:r>
+            <a:r>
+              <a:rPr lang="en-US" dirty="0" err="1">
+                <a:latin typeface="Segoe UI Black" panose="020B0A02040204020203" pitchFamily="34" charset="0"/>
+                <a:cs typeface="Arial" panose="020B0604020202020204" pitchFamily="34" charset="0"/>
+              </a:rPr>
+              <a:t>đã</a:t>
+            </a:r>
+            <a:r>
+              <a:rPr lang="en-US" dirty="0">
+                <a:latin typeface="Segoe UI Black" panose="020B0A02040204020203" pitchFamily="34" charset="0"/>
+                <a:cs typeface="Arial" panose="020B0604020202020204" pitchFamily="34" charset="0"/>
+              </a:rPr>
+              <a:t> </a:t>
+            </a:r>
+            <a:r>
+              <a:rPr lang="en-US" dirty="0" err="1">
+                <a:latin typeface="Segoe UI Black" panose="020B0A02040204020203" pitchFamily="34" charset="0"/>
+                <a:cs typeface="Arial" panose="020B0604020202020204" pitchFamily="34" charset="0"/>
+              </a:rPr>
+              <a:t>gửi</a:t>
+            </a:r>
+            <a:r>
+              <a:rPr lang="en-US" dirty="0">
+                <a:latin typeface="Segoe UI Black" panose="020B0A02040204020203" pitchFamily="34" charset="0"/>
+                <a:cs typeface="Arial" panose="020B0604020202020204" pitchFamily="34" charset="0"/>
+              </a:rPr>
+              <a:t> </a:t>
+            </a:r>
+            <a:r>
+              <a:rPr lang="en-US" dirty="0" err="1">
+                <a:latin typeface="Segoe UI Black" panose="020B0A02040204020203" pitchFamily="34" charset="0"/>
+                <a:cs typeface="Arial" panose="020B0604020202020204" pitchFamily="34" charset="0"/>
+              </a:rPr>
+              <a:t>thành</a:t>
+            </a:r>
+            <a:r>
+              <a:rPr lang="en-US" dirty="0">
+                <a:latin typeface="Segoe UI Black" panose="020B0A02040204020203" pitchFamily="34" charset="0"/>
+                <a:cs typeface="Arial" panose="020B0604020202020204" pitchFamily="34" charset="0"/>
+              </a:rPr>
+              <a:t> </a:t>
+            </a:r>
+            <a:r>
+              <a:rPr lang="en-US" dirty="0" err="1">
+                <a:latin typeface="Segoe UI Black" panose="020B0A02040204020203" pitchFamily="34" charset="0"/>
+                <a:cs typeface="Arial" panose="020B0604020202020204" pitchFamily="34" charset="0"/>
+              </a:rPr>
+              <a:t>công</a:t>
+            </a:r>
+            <a:r>
+              <a:rPr lang="en-US" dirty="0">
+                <a:latin typeface="Segoe UI Black" panose="020B0A02040204020203" pitchFamily="34" charset="0"/>
+                <a:cs typeface="Arial" panose="020B0604020202020204" pitchFamily="34" charset="0"/>
+              </a:rPr>
+              <a:t>.</a:t>
             </a:r>
           </a:p>
           <a:p>
@@ -6309,11 +10537,53 @@
               <a:buChar char="•"/>
             </a:pPr>
             <a:r>
-              <a:rPr lang="en-US">
-                <a:latin typeface="Arial" panose="020B0604020202020204" pitchFamily="34" charset="0"/>
-                <a:cs typeface="Arial" panose="020B0604020202020204" pitchFamily="34" charset="0"/>
-              </a:rPr>
-              <a:t>400: request đã gửi sai.</a:t>
+              <a:rPr lang="en-US" dirty="0">
+                <a:latin typeface="Segoe UI Black" panose="020B0A02040204020203" pitchFamily="34" charset="0"/>
+                <a:cs typeface="Arial" panose="020B0604020202020204" pitchFamily="34" charset="0"/>
+              </a:rPr>
+              <a:t>400: request </a:t>
+            </a:r>
+            <a:r>
+              <a:rPr lang="en-US" dirty="0" err="1">
+                <a:latin typeface="Segoe UI Black" panose="020B0A02040204020203" pitchFamily="34" charset="0"/>
+                <a:cs typeface="Arial" panose="020B0604020202020204" pitchFamily="34" charset="0"/>
+              </a:rPr>
+              <a:t>đã</a:t>
+            </a:r>
+            <a:r>
+              <a:rPr lang="en-US" dirty="0">
+                <a:latin typeface="Segoe UI Black" panose="020B0A02040204020203" pitchFamily="34" charset="0"/>
+                <a:cs typeface="Arial" panose="020B0604020202020204" pitchFamily="34" charset="0"/>
+              </a:rPr>
+              <a:t> </a:t>
+            </a:r>
+            <a:r>
+              <a:rPr lang="en-US" dirty="0" err="1">
+                <a:latin typeface="Segoe UI Black" panose="020B0A02040204020203" pitchFamily="34" charset="0"/>
+                <a:cs typeface="Arial" panose="020B0604020202020204" pitchFamily="34" charset="0"/>
+              </a:rPr>
+              <a:t>gửi</a:t>
+            </a:r>
+            <a:r>
+              <a:rPr lang="en-US" dirty="0">
+                <a:latin typeface="Segoe UI Black" panose="020B0A02040204020203" pitchFamily="34" charset="0"/>
+                <a:cs typeface="Arial" panose="020B0604020202020204" pitchFamily="34" charset="0"/>
+              </a:rPr>
+              <a:t> </a:t>
+            </a:r>
+            <a:r>
+              <a:rPr lang="en-US" dirty="0" err="1">
+                <a:latin typeface="Segoe UI Black" panose="020B0A02040204020203" pitchFamily="34" charset="0"/>
+                <a:cs typeface="Arial" panose="020B0604020202020204" pitchFamily="34" charset="0"/>
+              </a:rPr>
+              <a:t>sai</a:t>
+            </a:r>
+            <a:r>
+              <a:rPr lang="en-US" dirty="0">
+                <a:latin typeface="Segoe UI Black" panose="020B0A02040204020203" pitchFamily="34" charset="0"/>
+                <a:cs typeface="Arial" panose="020B0604020202020204" pitchFamily="34" charset="0"/>
+              </a:rPr>
+              <a:t>.</a:t>
             </a:r>
           </a:p>
           <a:p>
@@ -6322,11 +10592,151 @@
               <a:buChar char="•"/>
             </a:pPr>
             <a:r>
-              <a:rPr lang="en-US">
-                <a:latin typeface="Arial" panose="020B0604020202020204" pitchFamily="34" charset="0"/>
-                <a:cs typeface="Arial" panose="020B0604020202020204" pitchFamily="34" charset="0"/>
-              </a:rPr>
-              <a:t>404: tài nguyên không hợp lệ và không tồn tại trên server.</a:t>
+              <a:rPr lang="en-US" dirty="0">
+                <a:latin typeface="Segoe UI Black" panose="020B0A02040204020203" pitchFamily="34" charset="0"/>
+                <a:cs typeface="Arial" panose="020B0604020202020204" pitchFamily="34" charset="0"/>
+              </a:rPr>
+              <a:t>404: </a:t>
+            </a:r>
+            <a:r>
+              <a:rPr lang="en-US" dirty="0" err="1">
+                <a:latin typeface="Segoe UI Black" panose="020B0A02040204020203" pitchFamily="34" charset="0"/>
+                <a:cs typeface="Arial" panose="020B0604020202020204" pitchFamily="34" charset="0"/>
+              </a:rPr>
+              <a:t>tài</a:t>
+            </a:r>
+            <a:r>
+              <a:rPr lang="en-US" dirty="0">
+                <a:latin typeface="Segoe UI Black" panose="020B0A02040204020203" pitchFamily="34" charset="0"/>
+                <a:cs typeface="Arial" panose="020B0604020202020204" pitchFamily="34" charset="0"/>
+              </a:rPr>
+              <a:t> </a:t>
+            </a:r>
+            <a:r>
+              <a:rPr lang="en-US" dirty="0" err="1">
+                <a:latin typeface="Segoe UI Black" panose="020B0A02040204020203" pitchFamily="34" charset="0"/>
+                <a:cs typeface="Arial" panose="020B0604020202020204" pitchFamily="34" charset="0"/>
+              </a:rPr>
+              <a:t>nguyên</a:t>
+            </a:r>
+            <a:r>
+              <a:rPr lang="en-US" dirty="0">
+                <a:latin typeface="Segoe UI Black" panose="020B0A02040204020203" pitchFamily="34" charset="0"/>
+                <a:cs typeface="Arial" panose="020B0604020202020204" pitchFamily="34" charset="0"/>
+              </a:rPr>
+              <a:t> </a:t>
+            </a:r>
+            <a:r>
+              <a:rPr lang="en-US" dirty="0" err="1">
+                <a:latin typeface="Segoe UI Black" panose="020B0A02040204020203" pitchFamily="34" charset="0"/>
+                <a:cs typeface="Arial" panose="020B0604020202020204" pitchFamily="34" charset="0"/>
+              </a:rPr>
+              <a:t>không</a:t>
+            </a:r>
+            <a:r>
+              <a:rPr lang="en-US" dirty="0">
+                <a:latin typeface="Segoe UI Black" panose="020B0A02040204020203" pitchFamily="34" charset="0"/>
+                <a:cs typeface="Arial" panose="020B0604020202020204" pitchFamily="34" charset="0"/>
+              </a:rPr>
+              <a:t> </a:t>
+            </a:r>
+            <a:r>
+              <a:rPr lang="en-US" dirty="0" err="1">
+                <a:latin typeface="Segoe UI Black" panose="020B0A02040204020203" pitchFamily="34" charset="0"/>
+                <a:cs typeface="Arial" panose="020B0604020202020204" pitchFamily="34" charset="0"/>
+              </a:rPr>
+              <a:t>hợp</a:t>
+            </a:r>
+            <a:r>
+              <a:rPr lang="en-US" dirty="0">
+                <a:latin typeface="Segoe UI Black" panose="020B0A02040204020203" pitchFamily="34" charset="0"/>
+                <a:cs typeface="Arial" panose="020B0604020202020204" pitchFamily="34" charset="0"/>
+              </a:rPr>
+              <a:t> </a:t>
+            </a:r>
+            <a:r>
+              <a:rPr lang="en-US" dirty="0" err="1">
+                <a:latin typeface="Segoe UI Black" panose="020B0A02040204020203" pitchFamily="34" charset="0"/>
+                <a:cs typeface="Arial" panose="020B0604020202020204" pitchFamily="34" charset="0"/>
+              </a:rPr>
+              <a:t>lệ</a:t>
+            </a:r>
+            <a:r>
+              <a:rPr lang="en-US" dirty="0">
+                <a:latin typeface="Segoe UI Black" panose="020B0A02040204020203" pitchFamily="34" charset="0"/>
+                <a:cs typeface="Arial" panose="020B0604020202020204" pitchFamily="34" charset="0"/>
+              </a:rPr>
+              <a:t> </a:t>
+            </a:r>
+            <a:r>
+              <a:rPr lang="en-US" dirty="0" err="1">
+                <a:latin typeface="Segoe UI Black" panose="020B0A02040204020203" pitchFamily="34" charset="0"/>
+                <a:cs typeface="Arial" panose="020B0604020202020204" pitchFamily="34" charset="0"/>
+              </a:rPr>
+              <a:t>và</a:t>
+            </a:r>
+            <a:r>
+              <a:rPr lang="en-US" dirty="0">
+                <a:latin typeface="Segoe UI Black" panose="020B0A02040204020203" pitchFamily="34" charset="0"/>
+                <a:cs typeface="Arial" panose="020B0604020202020204" pitchFamily="34" charset="0"/>
+              </a:rPr>
+              <a:t> </a:t>
+            </a:r>
+            <a:r>
+              <a:rPr lang="en-US" dirty="0" err="1">
+                <a:latin typeface="Segoe UI Black" panose="020B0A02040204020203" pitchFamily="34" charset="0"/>
+                <a:cs typeface="Arial" panose="020B0604020202020204" pitchFamily="34" charset="0"/>
+              </a:rPr>
+              <a:t>không</a:t>
+            </a:r>
+            <a:r>
+              <a:rPr lang="en-US" dirty="0">
+                <a:latin typeface="Segoe UI Black" panose="020B0A02040204020203" pitchFamily="34" charset="0"/>
+                <a:cs typeface="Arial" panose="020B0604020202020204" pitchFamily="34" charset="0"/>
+              </a:rPr>
+              <a:t> </a:t>
+            </a:r>
+            <a:r>
+              <a:rPr lang="en-US" dirty="0" err="1">
+                <a:latin typeface="Segoe UI Black" panose="020B0A02040204020203" pitchFamily="34" charset="0"/>
+                <a:cs typeface="Arial" panose="020B0604020202020204" pitchFamily="34" charset="0"/>
+              </a:rPr>
+              <a:t>tồn</a:t>
+            </a:r>
+            <a:r>
+              <a:rPr lang="en-US" dirty="0">
+                <a:latin typeface="Segoe UI Black" panose="020B0A02040204020203" pitchFamily="34" charset="0"/>
+                <a:cs typeface="Arial" panose="020B0604020202020204" pitchFamily="34" charset="0"/>
+              </a:rPr>
+              <a:t> </a:t>
+            </a:r>
+            <a:r>
+              <a:rPr lang="en-US" dirty="0" err="1">
+                <a:latin typeface="Segoe UI Black" panose="020B0A02040204020203" pitchFamily="34" charset="0"/>
+                <a:cs typeface="Arial" panose="020B0604020202020204" pitchFamily="34" charset="0"/>
+              </a:rPr>
+              <a:t>tại</a:t>
+            </a:r>
+            <a:r>
+              <a:rPr lang="en-US" dirty="0">
+                <a:latin typeface="Segoe UI Black" panose="020B0A02040204020203" pitchFamily="34" charset="0"/>
+                <a:cs typeface="Arial" panose="020B0604020202020204" pitchFamily="34" charset="0"/>
+              </a:rPr>
+              <a:t> </a:t>
+            </a:r>
+            <a:r>
+              <a:rPr lang="en-US" dirty="0" err="1">
+                <a:latin typeface="Segoe UI Black" panose="020B0A02040204020203" pitchFamily="34" charset="0"/>
+                <a:cs typeface="Arial" panose="020B0604020202020204" pitchFamily="34" charset="0"/>
+              </a:rPr>
+              <a:t>trên</a:t>
+            </a:r>
+            <a:r>
+              <a:rPr lang="en-US" dirty="0">
+                <a:latin typeface="Segoe UI Black" panose="020B0A02040204020203" pitchFamily="34" charset="0"/>
+                <a:cs typeface="Arial" panose="020B0604020202020204" pitchFamily="34" charset="0"/>
+              </a:rPr>
+              <a:t> server.</a:t>
             </a:r>
           </a:p>
           <a:p>
@@ -6335,11 +10745,67 @@
               <a:buChar char="•"/>
             </a:pPr>
             <a:r>
-              <a:rPr lang="en-US">
-                <a:latin typeface="Arial" panose="020B0604020202020204" pitchFamily="34" charset="0"/>
-                <a:cs typeface="Arial" panose="020B0604020202020204" pitchFamily="34" charset="0"/>
-              </a:rPr>
-              <a:t>500: không thể thực hiện request </a:t>
+              <a:rPr lang="en-US" dirty="0">
+                <a:latin typeface="Segoe UI Black" panose="020B0A02040204020203" pitchFamily="34" charset="0"/>
+                <a:cs typeface="Arial" panose="020B0604020202020204" pitchFamily="34" charset="0"/>
+              </a:rPr>
+              <a:t>500: </a:t>
+            </a:r>
+            <a:r>
+              <a:rPr lang="en-US" dirty="0" err="1">
+                <a:latin typeface="Segoe UI Black" panose="020B0A02040204020203" pitchFamily="34" charset="0"/>
+                <a:cs typeface="Arial" panose="020B0604020202020204" pitchFamily="34" charset="0"/>
+              </a:rPr>
+              <a:t>không</a:t>
+            </a:r>
+            <a:r>
+              <a:rPr lang="en-US" dirty="0">
+                <a:latin typeface="Segoe UI Black" panose="020B0A02040204020203" pitchFamily="34" charset="0"/>
+                <a:cs typeface="Arial" panose="020B0604020202020204" pitchFamily="34" charset="0"/>
+              </a:rPr>
+              <a:t> </a:t>
+            </a:r>
+            <a:r>
+              <a:rPr lang="en-US" dirty="0" err="1">
+                <a:latin typeface="Segoe UI Black" panose="020B0A02040204020203" pitchFamily="34" charset="0"/>
+                <a:cs typeface="Arial" panose="020B0604020202020204" pitchFamily="34" charset="0"/>
+              </a:rPr>
+              <a:t>thể</a:t>
+            </a:r>
+            <a:r>
+              <a:rPr lang="en-US" dirty="0">
+                <a:latin typeface="Segoe UI Black" panose="020B0A02040204020203" pitchFamily="34" charset="0"/>
+                <a:cs typeface="Arial" panose="020B0604020202020204" pitchFamily="34" charset="0"/>
+              </a:rPr>
+              <a:t> </a:t>
+            </a:r>
+            <a:r>
+              <a:rPr lang="en-US" dirty="0" err="1">
+                <a:latin typeface="Segoe UI Black" panose="020B0A02040204020203" pitchFamily="34" charset="0"/>
+                <a:cs typeface="Arial" panose="020B0604020202020204" pitchFamily="34" charset="0"/>
+              </a:rPr>
+              <a:t>thực</a:t>
+            </a:r>
+            <a:r>
+              <a:rPr lang="en-US" dirty="0">
+                <a:latin typeface="Segoe UI Black" panose="020B0A02040204020203" pitchFamily="34" charset="0"/>
+                <a:cs typeface="Arial" panose="020B0604020202020204" pitchFamily="34" charset="0"/>
+              </a:rPr>
+              <a:t> </a:t>
+            </a:r>
+            <a:r>
+              <a:rPr lang="en-US" dirty="0" err="1">
+                <a:latin typeface="Segoe UI Black" panose="020B0A02040204020203" pitchFamily="34" charset="0"/>
+                <a:cs typeface="Arial" panose="020B0604020202020204" pitchFamily="34" charset="0"/>
+              </a:rPr>
+              <a:t>hiện</a:t>
+            </a:r>
+            <a:r>
+              <a:rPr lang="en-US" dirty="0">
+                <a:latin typeface="Segoe UI Black" panose="020B0A02040204020203" pitchFamily="34" charset="0"/>
+                <a:cs typeface="Arial" panose="020B0604020202020204" pitchFamily="34" charset="0"/>
+              </a:rPr>
+              <a:t> request </a:t>
             </a:r>
           </a:p>
           <a:p>
@@ -6348,42 +10814,147 @@
               <a:buChar char="•"/>
             </a:pPr>
             <a:r>
-              <a:rPr lang="en-US">
-                <a:latin typeface="Arial" panose="020B0604020202020204" pitchFamily="34" charset="0"/>
-                <a:cs typeface="Arial" panose="020B0604020202020204" pitchFamily="34" charset="0"/>
-              </a:rPr>
-              <a:t>503: server đang bảo d</a:t>
-            </a:r>
-            <a:r>
-              <a:rPr lang="vi-VN">
-                <a:latin typeface="Arial" panose="020B0604020202020204" pitchFamily="34" charset="0"/>
+              <a:rPr lang="en-US" dirty="0">
+                <a:latin typeface="Segoe UI Black" panose="020B0A02040204020203" pitchFamily="34" charset="0"/>
+                <a:cs typeface="Arial" panose="020B0604020202020204" pitchFamily="34" charset="0"/>
+              </a:rPr>
+              <a:t>503: server </a:t>
+            </a:r>
+            <a:r>
+              <a:rPr lang="en-US" dirty="0" err="1">
+                <a:latin typeface="Segoe UI Black" panose="020B0A02040204020203" pitchFamily="34" charset="0"/>
+                <a:cs typeface="Arial" panose="020B0604020202020204" pitchFamily="34" charset="0"/>
+              </a:rPr>
+              <a:t>đang</a:t>
+            </a:r>
+            <a:r>
+              <a:rPr lang="en-US" dirty="0">
+                <a:latin typeface="Segoe UI Black" panose="020B0A02040204020203" pitchFamily="34" charset="0"/>
+                <a:cs typeface="Arial" panose="020B0604020202020204" pitchFamily="34" charset="0"/>
+              </a:rPr>
+              <a:t> </a:t>
+            </a:r>
+            <a:r>
+              <a:rPr lang="en-US" dirty="0" err="1">
+                <a:latin typeface="Segoe UI Black" panose="020B0A02040204020203" pitchFamily="34" charset="0"/>
+                <a:cs typeface="Arial" panose="020B0604020202020204" pitchFamily="34" charset="0"/>
+              </a:rPr>
+              <a:t>bảo</a:t>
+            </a:r>
+            <a:r>
+              <a:rPr lang="en-US" dirty="0">
+                <a:latin typeface="Segoe UI Black" panose="020B0A02040204020203" pitchFamily="34" charset="0"/>
+                <a:cs typeface="Arial" panose="020B0604020202020204" pitchFamily="34" charset="0"/>
+              </a:rPr>
+              <a:t> d</a:t>
+            </a:r>
+            <a:r>
+              <a:rPr lang="vi-VN" dirty="0">
+                <a:latin typeface="Segoe UI Black" panose="020B0A02040204020203" pitchFamily="34" charset="0"/>
                 <a:cs typeface="Arial" panose="020B0604020202020204" pitchFamily="34" charset="0"/>
               </a:rPr>
               <a:t>ư</a:t>
             </a:r>
             <a:r>
-              <a:rPr lang="en-US">
-                <a:latin typeface="Arial" panose="020B0604020202020204" pitchFamily="34" charset="0"/>
-                <a:cs typeface="Arial" panose="020B0604020202020204" pitchFamily="34" charset="0"/>
-              </a:rPr>
-              <a:t>ỡng.</a:t>
+              <a:rPr lang="en-US" dirty="0" err="1">
+                <a:latin typeface="Segoe UI Black" panose="020B0A02040204020203" pitchFamily="34" charset="0"/>
+                <a:cs typeface="Arial" panose="020B0604020202020204" pitchFamily="34" charset="0"/>
+              </a:rPr>
+              <a:t>ỡng</a:t>
+            </a:r>
+            <a:r>
+              <a:rPr lang="en-US" dirty="0">
+                <a:latin typeface="Segoe UI Black" panose="020B0A02040204020203" pitchFamily="34" charset="0"/>
+                <a:cs typeface="Arial" panose="020B0604020202020204" pitchFamily="34" charset="0"/>
+              </a:rPr>
+              <a:t>.</a:t>
             </a:r>
           </a:p>
           <a:p>
             <a:pPr algn="just"/>
             <a:r>
-              <a:rPr lang="en-US">
-                <a:latin typeface="Arial" panose="020B0604020202020204" pitchFamily="34" charset="0"/>
-                <a:cs typeface="Arial" panose="020B0604020202020204" pitchFamily="34" charset="0"/>
-              </a:rPr>
-              <a:t>Để xem status code thì sử dụng </a:t>
-            </a:r>
-            <a:r>
-              <a:rPr lang="en-US" b="1">
-                <a:latin typeface="Arial" panose="020B0604020202020204" pitchFamily="34" charset="0"/>
-                <a:cs typeface="Arial" panose="020B0604020202020204" pitchFamily="34" charset="0"/>
-              </a:rPr>
-              <a:t>http.GET()</a:t>
+              <a:rPr lang="en-US" dirty="0" err="1">
+                <a:latin typeface="Segoe UI Black" panose="020B0A02040204020203" pitchFamily="34" charset="0"/>
+                <a:cs typeface="Arial" panose="020B0604020202020204" pitchFamily="34" charset="0"/>
+              </a:rPr>
+              <a:t>Để</a:t>
+            </a:r>
+            <a:r>
+              <a:rPr lang="en-US" dirty="0">
+                <a:latin typeface="Segoe UI Black" panose="020B0A02040204020203" pitchFamily="34" charset="0"/>
+                <a:cs typeface="Arial" panose="020B0604020202020204" pitchFamily="34" charset="0"/>
+              </a:rPr>
+              <a:t> </a:t>
+            </a:r>
+            <a:r>
+              <a:rPr lang="en-US" dirty="0" err="1">
+                <a:latin typeface="Segoe UI Black" panose="020B0A02040204020203" pitchFamily="34" charset="0"/>
+                <a:cs typeface="Arial" panose="020B0604020202020204" pitchFamily="34" charset="0"/>
+              </a:rPr>
+              <a:t>xem</a:t>
+            </a:r>
+            <a:r>
+              <a:rPr lang="en-US" dirty="0">
+                <a:latin typeface="Segoe UI Black" panose="020B0A02040204020203" pitchFamily="34" charset="0"/>
+                <a:cs typeface="Arial" panose="020B0604020202020204" pitchFamily="34" charset="0"/>
+              </a:rPr>
+              <a:t> status code </a:t>
+            </a:r>
+            <a:r>
+              <a:rPr lang="en-US" dirty="0" err="1">
+                <a:latin typeface="Segoe UI Black" panose="020B0A02040204020203" pitchFamily="34" charset="0"/>
+                <a:cs typeface="Arial" panose="020B0604020202020204" pitchFamily="34" charset="0"/>
+              </a:rPr>
+              <a:t>thì</a:t>
+            </a:r>
+            <a:r>
+              <a:rPr lang="en-US" dirty="0">
+                <a:latin typeface="Segoe UI Black" panose="020B0A02040204020203" pitchFamily="34" charset="0"/>
+                <a:cs typeface="Arial" panose="020B0604020202020204" pitchFamily="34" charset="0"/>
+              </a:rPr>
+              <a:t> </a:t>
+            </a:r>
+            <a:r>
+              <a:rPr lang="en-US" dirty="0" err="1">
+                <a:latin typeface="Segoe UI Black" panose="020B0A02040204020203" pitchFamily="34" charset="0"/>
+                <a:cs typeface="Arial" panose="020B0604020202020204" pitchFamily="34" charset="0"/>
+              </a:rPr>
+              <a:t>sử</a:t>
+            </a:r>
+            <a:r>
+              <a:rPr lang="en-US" dirty="0">
+                <a:latin typeface="Segoe UI Black" panose="020B0A02040204020203" pitchFamily="34" charset="0"/>
+                <a:cs typeface="Arial" panose="020B0604020202020204" pitchFamily="34" charset="0"/>
+              </a:rPr>
+              <a:t> </a:t>
+            </a:r>
+            <a:r>
+              <a:rPr lang="en-US" dirty="0" err="1">
+                <a:latin typeface="Segoe UI Black" panose="020B0A02040204020203" pitchFamily="34" charset="0"/>
+                <a:cs typeface="Arial" panose="020B0604020202020204" pitchFamily="34" charset="0"/>
+              </a:rPr>
+              <a:t>dụng</a:t>
+            </a:r>
+            <a:r>
+              <a:rPr lang="en-US" dirty="0">
+                <a:latin typeface="Segoe UI Black" panose="020B0A02040204020203" pitchFamily="34" charset="0"/>
+                <a:cs typeface="Arial" panose="020B0604020202020204" pitchFamily="34" charset="0"/>
+              </a:rPr>
+              <a:t> </a:t>
+            </a:r>
+            <a:r>
+              <a:rPr lang="en-US" b="1" dirty="0" err="1">
+                <a:latin typeface="Segoe UI Black" panose="020B0A02040204020203" pitchFamily="34" charset="0"/>
+                <a:cs typeface="Arial" panose="020B0604020202020204" pitchFamily="34" charset="0"/>
+              </a:rPr>
+              <a:t>http.GET</a:t>
+            </a:r>
+            <a:r>
+              <a:rPr lang="en-US" b="1" dirty="0">
+                <a:latin typeface="Segoe UI Black" panose="020B0A02040204020203" pitchFamily="34" charset="0"/>
+                <a:cs typeface="Arial" panose="020B0604020202020204" pitchFamily="34" charset="0"/>
+              </a:rPr>
+              <a:t>()</a:t>
             </a:r>
           </a:p>
         </p:txBody>
@@ -6434,7 +11005,7 @@
           <a:lstStyle/>
           <a:p>
             <a:r>
-              <a:rPr lang="en-US"/>
+              <a:rPr lang="en-US" sz="3000" dirty="0"/>
               <a:t>HTTP Client (HTTP GET)</a:t>
             </a:r>
           </a:p>
@@ -6511,7 +11082,7 @@
         <p:spPr>
           <a:xfrm>
             <a:off x="6724233" y="3499869"/>
-            <a:ext cx="4629566" cy="1477328"/>
+            <a:ext cx="4629566" cy="1754326"/>
           </a:xfrm>
           <a:prstGeom prst="rect">
             <a:avLst/>
@@ -6526,35 +11097,371 @@
           <a:p>
             <a:pPr algn="just"/>
             <a:r>
-              <a:rPr lang="en-US">
-                <a:latin typeface="Arial" panose="020B0604020202020204" pitchFamily="34" charset="0"/>
-                <a:cs typeface="Arial" panose="020B0604020202020204" pitchFamily="34" charset="0"/>
-              </a:rPr>
-              <a:t>httpResponseCode&gt;0 thì kết nối thành công với server.</a:t>
-            </a:r>
-            <a:endParaRPr lang="en-US" b="1">
-              <a:latin typeface="Arial" panose="020B0604020202020204" pitchFamily="34" charset="0"/>
+              <a:rPr lang="en-US" dirty="0" err="1">
+                <a:latin typeface="Segoe UI Black" panose="020B0A02040204020203" pitchFamily="34" charset="0"/>
+                <a:cs typeface="Arial" panose="020B0604020202020204" pitchFamily="34" charset="0"/>
+              </a:rPr>
+              <a:t>httpResponseCode</a:t>
+            </a:r>
+            <a:r>
+              <a:rPr lang="en-US" dirty="0">
+                <a:latin typeface="Segoe UI Black" panose="020B0A02040204020203" pitchFamily="34" charset="0"/>
+                <a:cs typeface="Arial" panose="020B0604020202020204" pitchFamily="34" charset="0"/>
+              </a:rPr>
+              <a:t>&gt;0 </a:t>
+            </a:r>
+            <a:r>
+              <a:rPr lang="en-US" dirty="0" err="1">
+                <a:latin typeface="Segoe UI Black" panose="020B0A02040204020203" pitchFamily="34" charset="0"/>
+                <a:cs typeface="Arial" panose="020B0604020202020204" pitchFamily="34" charset="0"/>
+              </a:rPr>
+              <a:t>thì</a:t>
+            </a:r>
+            <a:r>
+              <a:rPr lang="en-US" dirty="0">
+                <a:latin typeface="Segoe UI Black" panose="020B0A02040204020203" pitchFamily="34" charset="0"/>
+                <a:cs typeface="Arial" panose="020B0604020202020204" pitchFamily="34" charset="0"/>
+              </a:rPr>
+              <a:t> </a:t>
+            </a:r>
+            <a:r>
+              <a:rPr lang="en-US" dirty="0" err="1">
+                <a:latin typeface="Segoe UI Black" panose="020B0A02040204020203" pitchFamily="34" charset="0"/>
+                <a:cs typeface="Arial" panose="020B0604020202020204" pitchFamily="34" charset="0"/>
+              </a:rPr>
+              <a:t>kết</a:t>
+            </a:r>
+            <a:r>
+              <a:rPr lang="en-US" dirty="0">
+                <a:latin typeface="Segoe UI Black" panose="020B0A02040204020203" pitchFamily="34" charset="0"/>
+                <a:cs typeface="Arial" panose="020B0604020202020204" pitchFamily="34" charset="0"/>
+              </a:rPr>
+              <a:t> </a:t>
+            </a:r>
+            <a:r>
+              <a:rPr lang="en-US" dirty="0" err="1">
+                <a:latin typeface="Segoe UI Black" panose="020B0A02040204020203" pitchFamily="34" charset="0"/>
+                <a:cs typeface="Arial" panose="020B0604020202020204" pitchFamily="34" charset="0"/>
+              </a:rPr>
+              <a:t>nối</a:t>
+            </a:r>
+            <a:r>
+              <a:rPr lang="en-US" dirty="0">
+                <a:latin typeface="Segoe UI Black" panose="020B0A02040204020203" pitchFamily="34" charset="0"/>
+                <a:cs typeface="Arial" panose="020B0604020202020204" pitchFamily="34" charset="0"/>
+              </a:rPr>
+              <a:t> </a:t>
+            </a:r>
+            <a:r>
+              <a:rPr lang="en-US" dirty="0" err="1">
+                <a:latin typeface="Segoe UI Black" panose="020B0A02040204020203" pitchFamily="34" charset="0"/>
+                <a:cs typeface="Arial" panose="020B0604020202020204" pitchFamily="34" charset="0"/>
+              </a:rPr>
+              <a:t>thành</a:t>
+            </a:r>
+            <a:r>
+              <a:rPr lang="en-US" dirty="0">
+                <a:latin typeface="Segoe UI Black" panose="020B0A02040204020203" pitchFamily="34" charset="0"/>
+                <a:cs typeface="Arial" panose="020B0604020202020204" pitchFamily="34" charset="0"/>
+              </a:rPr>
+              <a:t> </a:t>
+            </a:r>
+            <a:r>
+              <a:rPr lang="en-US" dirty="0" err="1">
+                <a:latin typeface="Segoe UI Black" panose="020B0A02040204020203" pitchFamily="34" charset="0"/>
+                <a:cs typeface="Arial" panose="020B0604020202020204" pitchFamily="34" charset="0"/>
+              </a:rPr>
+              <a:t>công</a:t>
+            </a:r>
+            <a:r>
+              <a:rPr lang="en-US" dirty="0">
+                <a:latin typeface="Segoe UI Black" panose="020B0A02040204020203" pitchFamily="34" charset="0"/>
+                <a:cs typeface="Arial" panose="020B0604020202020204" pitchFamily="34" charset="0"/>
+              </a:rPr>
+              <a:t> </a:t>
+            </a:r>
+            <a:r>
+              <a:rPr lang="en-US" dirty="0" err="1">
+                <a:latin typeface="Segoe UI Black" panose="020B0A02040204020203" pitchFamily="34" charset="0"/>
+                <a:cs typeface="Arial" panose="020B0604020202020204" pitchFamily="34" charset="0"/>
+              </a:rPr>
+              <a:t>với</a:t>
+            </a:r>
+            <a:r>
+              <a:rPr lang="en-US" dirty="0">
+                <a:latin typeface="Segoe UI Black" panose="020B0A02040204020203" pitchFamily="34" charset="0"/>
+                <a:cs typeface="Arial" panose="020B0604020202020204" pitchFamily="34" charset="0"/>
+              </a:rPr>
+              <a:t> server.</a:t>
+            </a:r>
+            <a:endParaRPr lang="en-US" b="1" dirty="0">
+              <a:latin typeface="Segoe UI Black" panose="020B0A02040204020203" pitchFamily="34" charset="0"/>
               <a:cs typeface="Arial" panose="020B0604020202020204" pitchFamily="34" charset="0"/>
             </a:endParaRPr>
           </a:p>
           <a:p>
             <a:pPr algn="just"/>
             <a:r>
-              <a:rPr lang="en-US">
-                <a:latin typeface="Arial" panose="020B0604020202020204" pitchFamily="34" charset="0"/>
-                <a:cs typeface="Arial" panose="020B0604020202020204" pitchFamily="34" charset="0"/>
-              </a:rPr>
-              <a:t>httpResponseCode&lt;0 thì kết nối thất bại.</a:t>
+              <a:rPr lang="en-US" dirty="0" err="1">
+                <a:latin typeface="Segoe UI Black" panose="020B0A02040204020203" pitchFamily="34" charset="0"/>
+                <a:cs typeface="Arial" panose="020B0604020202020204" pitchFamily="34" charset="0"/>
+              </a:rPr>
+              <a:t>httpResponseCode</a:t>
+            </a:r>
+            <a:r>
+              <a:rPr lang="en-US" dirty="0">
+                <a:latin typeface="Segoe UI Black" panose="020B0A02040204020203" pitchFamily="34" charset="0"/>
+                <a:cs typeface="Arial" panose="020B0604020202020204" pitchFamily="34" charset="0"/>
+              </a:rPr>
+              <a:t>&lt;0 </a:t>
+            </a:r>
+            <a:r>
+              <a:rPr lang="en-US" dirty="0" err="1">
+                <a:latin typeface="Segoe UI Black" panose="020B0A02040204020203" pitchFamily="34" charset="0"/>
+                <a:cs typeface="Arial" panose="020B0604020202020204" pitchFamily="34" charset="0"/>
+              </a:rPr>
+              <a:t>thì</a:t>
+            </a:r>
+            <a:r>
+              <a:rPr lang="en-US" dirty="0">
+                <a:latin typeface="Segoe UI Black" panose="020B0A02040204020203" pitchFamily="34" charset="0"/>
+                <a:cs typeface="Arial" panose="020B0604020202020204" pitchFamily="34" charset="0"/>
+              </a:rPr>
+              <a:t> </a:t>
+            </a:r>
+            <a:r>
+              <a:rPr lang="en-US" dirty="0" err="1">
+                <a:latin typeface="Segoe UI Black" panose="020B0A02040204020203" pitchFamily="34" charset="0"/>
+                <a:cs typeface="Arial" panose="020B0604020202020204" pitchFamily="34" charset="0"/>
+              </a:rPr>
+              <a:t>kết</a:t>
+            </a:r>
+            <a:r>
+              <a:rPr lang="en-US" dirty="0">
+                <a:latin typeface="Segoe UI Black" panose="020B0A02040204020203" pitchFamily="34" charset="0"/>
+                <a:cs typeface="Arial" panose="020B0604020202020204" pitchFamily="34" charset="0"/>
+              </a:rPr>
+              <a:t> </a:t>
+            </a:r>
+            <a:r>
+              <a:rPr lang="en-US" dirty="0" err="1">
+                <a:latin typeface="Segoe UI Black" panose="020B0A02040204020203" pitchFamily="34" charset="0"/>
+                <a:cs typeface="Arial" panose="020B0604020202020204" pitchFamily="34" charset="0"/>
+              </a:rPr>
+              <a:t>nối</a:t>
+            </a:r>
+            <a:r>
+              <a:rPr lang="en-US" dirty="0">
+                <a:latin typeface="Segoe UI Black" panose="020B0A02040204020203" pitchFamily="34" charset="0"/>
+                <a:cs typeface="Arial" panose="020B0604020202020204" pitchFamily="34" charset="0"/>
+              </a:rPr>
+              <a:t> </a:t>
+            </a:r>
+            <a:r>
+              <a:rPr lang="en-US" dirty="0" err="1">
+                <a:latin typeface="Segoe UI Black" panose="020B0A02040204020203" pitchFamily="34" charset="0"/>
+                <a:cs typeface="Arial" panose="020B0604020202020204" pitchFamily="34" charset="0"/>
+              </a:rPr>
+              <a:t>thất</a:t>
+            </a:r>
+            <a:r>
+              <a:rPr lang="en-US" dirty="0">
+                <a:latin typeface="Segoe UI Black" panose="020B0A02040204020203" pitchFamily="34" charset="0"/>
+                <a:cs typeface="Arial" panose="020B0604020202020204" pitchFamily="34" charset="0"/>
+              </a:rPr>
+              <a:t> </a:t>
+            </a:r>
+            <a:r>
+              <a:rPr lang="en-US" dirty="0" err="1">
+                <a:latin typeface="Segoe UI Black" panose="020B0A02040204020203" pitchFamily="34" charset="0"/>
+                <a:cs typeface="Arial" panose="020B0604020202020204" pitchFamily="34" charset="0"/>
+              </a:rPr>
+              <a:t>bại</a:t>
+            </a:r>
+            <a:r>
+              <a:rPr lang="en-US" dirty="0">
+                <a:latin typeface="Segoe UI Black" panose="020B0A02040204020203" pitchFamily="34" charset="0"/>
+                <a:cs typeface="Arial" panose="020B0604020202020204" pitchFamily="34" charset="0"/>
+              </a:rPr>
+              <a:t>.</a:t>
             </a:r>
           </a:p>
           <a:p>
             <a:pPr algn="just"/>
             <a:r>
-              <a:rPr lang="en-US">
-                <a:latin typeface="Arial" panose="020B0604020202020204" pitchFamily="34" charset="0"/>
-                <a:cs typeface="Arial" panose="020B0604020202020204" pitchFamily="34" charset="0"/>
-              </a:rPr>
-              <a:t>Payload chính là dữ liệu muốn lấy về từ server. (ở đây là giá trị bitcoin -&gt; VND)</a:t>
+              <a:rPr lang="en-US" dirty="0">
+                <a:latin typeface="Segoe UI Black" panose="020B0A02040204020203" pitchFamily="34" charset="0"/>
+                <a:cs typeface="Arial" panose="020B0604020202020204" pitchFamily="34" charset="0"/>
+              </a:rPr>
+              <a:t>Payload </a:t>
+            </a:r>
+            <a:r>
+              <a:rPr lang="en-US" dirty="0" err="1">
+                <a:latin typeface="Segoe UI Black" panose="020B0A02040204020203" pitchFamily="34" charset="0"/>
+                <a:cs typeface="Arial" panose="020B0604020202020204" pitchFamily="34" charset="0"/>
+              </a:rPr>
+              <a:t>chính</a:t>
+            </a:r>
+            <a:r>
+              <a:rPr lang="en-US" dirty="0">
+                <a:latin typeface="Segoe UI Black" panose="020B0A02040204020203" pitchFamily="34" charset="0"/>
+                <a:cs typeface="Arial" panose="020B0604020202020204" pitchFamily="34" charset="0"/>
+              </a:rPr>
+              <a:t> </a:t>
+            </a:r>
+            <a:r>
+              <a:rPr lang="en-US" dirty="0" err="1">
+                <a:latin typeface="Segoe UI Black" panose="020B0A02040204020203" pitchFamily="34" charset="0"/>
+                <a:cs typeface="Arial" panose="020B0604020202020204" pitchFamily="34" charset="0"/>
+              </a:rPr>
+              <a:t>là</a:t>
+            </a:r>
+            <a:r>
+              <a:rPr lang="en-US" dirty="0">
+                <a:latin typeface="Segoe UI Black" panose="020B0A02040204020203" pitchFamily="34" charset="0"/>
+                <a:cs typeface="Arial" panose="020B0604020202020204" pitchFamily="34" charset="0"/>
+              </a:rPr>
+              <a:t> </a:t>
+            </a:r>
+            <a:r>
+              <a:rPr lang="en-US" dirty="0" err="1">
+                <a:latin typeface="Segoe UI Black" panose="020B0A02040204020203" pitchFamily="34" charset="0"/>
+                <a:cs typeface="Arial" panose="020B0604020202020204" pitchFamily="34" charset="0"/>
+              </a:rPr>
+              <a:t>dữ</a:t>
+            </a:r>
+            <a:r>
+              <a:rPr lang="en-US" dirty="0">
+                <a:latin typeface="Segoe UI Black" panose="020B0A02040204020203" pitchFamily="34" charset="0"/>
+                <a:cs typeface="Arial" panose="020B0604020202020204" pitchFamily="34" charset="0"/>
+              </a:rPr>
+              <a:t> </a:t>
+            </a:r>
+            <a:r>
+              <a:rPr lang="en-US" dirty="0" err="1">
+                <a:latin typeface="Segoe UI Black" panose="020B0A02040204020203" pitchFamily="34" charset="0"/>
+                <a:cs typeface="Arial" panose="020B0604020202020204" pitchFamily="34" charset="0"/>
+              </a:rPr>
+              <a:t>liệu</a:t>
+            </a:r>
+            <a:r>
+              <a:rPr lang="en-US" dirty="0">
+                <a:latin typeface="Segoe UI Black" panose="020B0A02040204020203" pitchFamily="34" charset="0"/>
+                <a:cs typeface="Arial" panose="020B0604020202020204" pitchFamily="34" charset="0"/>
+              </a:rPr>
+              <a:t> </a:t>
+            </a:r>
+            <a:r>
+              <a:rPr lang="en-US" dirty="0" err="1">
+                <a:latin typeface="Segoe UI Black" panose="020B0A02040204020203" pitchFamily="34" charset="0"/>
+                <a:cs typeface="Arial" panose="020B0604020202020204" pitchFamily="34" charset="0"/>
+              </a:rPr>
+              <a:t>muốn</a:t>
+            </a:r>
+            <a:r>
+              <a:rPr lang="en-US" dirty="0">
+                <a:latin typeface="Segoe UI Black" panose="020B0A02040204020203" pitchFamily="34" charset="0"/>
+                <a:cs typeface="Arial" panose="020B0604020202020204" pitchFamily="34" charset="0"/>
+              </a:rPr>
+              <a:t> </a:t>
+            </a:r>
+            <a:r>
+              <a:rPr lang="en-US" dirty="0" err="1">
+                <a:latin typeface="Segoe UI Black" panose="020B0A02040204020203" pitchFamily="34" charset="0"/>
+                <a:cs typeface="Arial" panose="020B0604020202020204" pitchFamily="34" charset="0"/>
+              </a:rPr>
+              <a:t>lấy</a:t>
+            </a:r>
+            <a:r>
+              <a:rPr lang="en-US" dirty="0">
+                <a:latin typeface="Segoe UI Black" panose="020B0A02040204020203" pitchFamily="34" charset="0"/>
+                <a:cs typeface="Arial" panose="020B0604020202020204" pitchFamily="34" charset="0"/>
+              </a:rPr>
+              <a:t> </a:t>
+            </a:r>
+            <a:r>
+              <a:rPr lang="en-US" dirty="0" err="1">
+                <a:latin typeface="Segoe UI Black" panose="020B0A02040204020203" pitchFamily="34" charset="0"/>
+                <a:cs typeface="Arial" panose="020B0604020202020204" pitchFamily="34" charset="0"/>
+              </a:rPr>
+              <a:t>về</a:t>
+            </a:r>
+            <a:r>
+              <a:rPr lang="en-US" dirty="0">
+                <a:latin typeface="Segoe UI Black" panose="020B0A02040204020203" pitchFamily="34" charset="0"/>
+                <a:cs typeface="Arial" panose="020B0604020202020204" pitchFamily="34" charset="0"/>
+              </a:rPr>
+              <a:t> </a:t>
+            </a:r>
+            <a:r>
+              <a:rPr lang="en-US" dirty="0" err="1">
+                <a:latin typeface="Segoe UI Black" panose="020B0A02040204020203" pitchFamily="34" charset="0"/>
+                <a:cs typeface="Arial" panose="020B0604020202020204" pitchFamily="34" charset="0"/>
+              </a:rPr>
+              <a:t>từ</a:t>
+            </a:r>
+            <a:r>
+              <a:rPr lang="en-US" dirty="0">
+                <a:latin typeface="Segoe UI Black" panose="020B0A02040204020203" pitchFamily="34" charset="0"/>
+                <a:cs typeface="Arial" panose="020B0604020202020204" pitchFamily="34" charset="0"/>
+              </a:rPr>
+              <a:t> server. (ở </a:t>
+            </a:r>
+            <a:r>
+              <a:rPr lang="en-US" dirty="0" err="1">
+                <a:latin typeface="Segoe UI Black" panose="020B0A02040204020203" pitchFamily="34" charset="0"/>
+                <a:cs typeface="Arial" panose="020B0604020202020204" pitchFamily="34" charset="0"/>
+              </a:rPr>
+              <a:t>đây</a:t>
+            </a:r>
+            <a:r>
+              <a:rPr lang="en-US" dirty="0">
+                <a:latin typeface="Segoe UI Black" panose="020B0A02040204020203" pitchFamily="34" charset="0"/>
+                <a:cs typeface="Arial" panose="020B0604020202020204" pitchFamily="34" charset="0"/>
+              </a:rPr>
+              <a:t> </a:t>
+            </a:r>
+            <a:r>
+              <a:rPr lang="en-US" dirty="0" err="1">
+                <a:latin typeface="Segoe UI Black" panose="020B0A02040204020203" pitchFamily="34" charset="0"/>
+                <a:cs typeface="Arial" panose="020B0604020202020204" pitchFamily="34" charset="0"/>
+              </a:rPr>
+              <a:t>là</a:t>
+            </a:r>
+            <a:r>
+              <a:rPr lang="en-US" dirty="0">
+                <a:latin typeface="Segoe UI Black" panose="020B0A02040204020203" pitchFamily="34" charset="0"/>
+                <a:cs typeface="Arial" panose="020B0604020202020204" pitchFamily="34" charset="0"/>
+              </a:rPr>
+              <a:t> </a:t>
+            </a:r>
+            <a:r>
+              <a:rPr lang="en-US" dirty="0" err="1">
+                <a:latin typeface="Segoe UI Black" panose="020B0A02040204020203" pitchFamily="34" charset="0"/>
+                <a:cs typeface="Arial" panose="020B0604020202020204" pitchFamily="34" charset="0"/>
+              </a:rPr>
+              <a:t>giá</a:t>
+            </a:r>
+            <a:r>
+              <a:rPr lang="en-US" dirty="0">
+                <a:latin typeface="Segoe UI Black" panose="020B0A02040204020203" pitchFamily="34" charset="0"/>
+                <a:cs typeface="Arial" panose="020B0604020202020204" pitchFamily="34" charset="0"/>
+              </a:rPr>
+              <a:t> </a:t>
+            </a:r>
+            <a:r>
+              <a:rPr lang="en-US" dirty="0" err="1">
+                <a:latin typeface="Segoe UI Black" panose="020B0A02040204020203" pitchFamily="34" charset="0"/>
+                <a:cs typeface="Arial" panose="020B0604020202020204" pitchFamily="34" charset="0"/>
+              </a:rPr>
+              <a:t>trị</a:t>
+            </a:r>
+            <a:r>
+              <a:rPr lang="en-US" dirty="0">
+                <a:latin typeface="Segoe UI Black" panose="020B0A02040204020203" pitchFamily="34" charset="0"/>
+                <a:cs typeface="Arial" panose="020B0604020202020204" pitchFamily="34" charset="0"/>
+              </a:rPr>
+              <a:t> bitcoin -&gt; VND)</a:t>
             </a:r>
           </a:p>
         </p:txBody>
@@ -6640,7 +11547,7 @@
           <a:lstStyle/>
           <a:p>
             <a:r>
-              <a:rPr lang="en-US"/>
+              <a:rPr lang="en-US" sz="3000" dirty="0"/>
               <a:t>HTTP Client (HTTP GET)</a:t>
             </a:r>
           </a:p>
@@ -6718,8 +11625,8 @@
         </p:nvSpPr>
         <p:spPr bwMode="auto">
           <a:xfrm>
-            <a:off x="0" y="0"/>
-            <a:ext cx="12192000" cy="457200"/>
+            <a:off x="0" y="97795"/>
+            <a:ext cx="1334020" cy="261610"/>
           </a:xfrm>
           <a:prstGeom prst="rect">
             <a:avLst/>
@@ -6784,7 +11691,7 @@
               <a:tabLst/>
             </a:pPr>
             <a:r>
-              <a:rPr kumimoji="0" lang="en-US" altLang="en-US" sz="1000" b="0" i="0" u="none" strike="noStrike" cap="none" normalizeH="0" baseline="0">
+              <a:rPr kumimoji="0" lang="en-US" altLang="en-US" sz="1000" b="0" i="0" u="none" strike="noStrike" cap="none" normalizeH="0" baseline="0" dirty="0">
                 <a:ln>
                   <a:noFill/>
                 </a:ln>
@@ -6797,7 +11704,7 @@
               <a:t>{"VND":168000000}</a:t>
             </a:r>
             <a:r>
-              <a:rPr kumimoji="0" lang="en-US" altLang="en-US" sz="1100" b="0" i="0" u="none" strike="noStrike" cap="none" normalizeH="0" baseline="0">
+              <a:rPr kumimoji="0" lang="en-US" altLang="en-US" sz="1100" b="0" i="0" u="none" strike="noStrike" cap="none" normalizeH="0" baseline="0" dirty="0">
                 <a:ln>
                   <a:noFill/>
                 </a:ln>
@@ -6805,10 +11712,11 @@
                   <a:schemeClr val="tx1"/>
                 </a:solidFill>
                 <a:effectLst/>
-              </a:rPr>
-              <a:t> </a:t>
-            </a:r>
-            <a:endParaRPr kumimoji="0" lang="en-US" altLang="en-US" sz="1800" b="0" i="0" u="none" strike="noStrike" cap="none" normalizeH="0" baseline="0">
+                <a:latin typeface="Segoe UI Black" panose="020B0A02040204020203" pitchFamily="34" charset="0"/>
+              </a:rPr>
+              <a:t> </a:t>
+            </a:r>
+            <a:endParaRPr kumimoji="0" lang="en-US" altLang="en-US" sz="1800" b="0" i="0" u="none" strike="noStrike" cap="none" normalizeH="0" baseline="0" dirty="0">
               <a:ln>
                 <a:noFill/>
               </a:ln>
@@ -6816,7 +11724,7 @@
                 <a:schemeClr val="tx1"/>
               </a:solidFill>
               <a:effectLst/>
-              <a:latin typeface="Arial" panose="020B0604020202020204" pitchFamily="34" charset="0"/>
+              <a:latin typeface="Segoe UI Black" panose="020B0A02040204020203" pitchFamily="34" charset="0"/>
             </a:endParaRPr>
           </a:p>
         </p:txBody>
@@ -6851,41 +11759,419 @@
           <a:p>
             <a:pPr algn="just"/>
             <a:r>
-              <a:rPr lang="en-US">
-                <a:latin typeface="Arial" panose="020B0604020202020204" pitchFamily="34" charset="0"/>
-                <a:cs typeface="Arial" panose="020B0604020202020204" pitchFamily="34" charset="0"/>
-              </a:rPr>
-              <a:t>jsonBuffer chứa giá trị ví dụ là {"VND":168000000}</a:t>
+              <a:rPr lang="en-US" dirty="0" err="1">
+                <a:latin typeface="Segoe UI Black" panose="020B0A02040204020203" pitchFamily="34" charset="0"/>
+                <a:cs typeface="Arial" panose="020B0604020202020204" pitchFamily="34" charset="0"/>
+              </a:rPr>
+              <a:t>jsonBuffer</a:t>
+            </a:r>
+            <a:r>
+              <a:rPr lang="en-US" dirty="0">
+                <a:latin typeface="Segoe UI Black" panose="020B0A02040204020203" pitchFamily="34" charset="0"/>
+                <a:cs typeface="Arial" panose="020B0604020202020204" pitchFamily="34" charset="0"/>
+              </a:rPr>
+              <a:t> </a:t>
+            </a:r>
+            <a:r>
+              <a:rPr lang="en-US" dirty="0" err="1">
+                <a:latin typeface="Segoe UI Black" panose="020B0A02040204020203" pitchFamily="34" charset="0"/>
+                <a:cs typeface="Arial" panose="020B0604020202020204" pitchFamily="34" charset="0"/>
+              </a:rPr>
+              <a:t>chứa</a:t>
+            </a:r>
+            <a:r>
+              <a:rPr lang="en-US" dirty="0">
+                <a:latin typeface="Segoe UI Black" panose="020B0A02040204020203" pitchFamily="34" charset="0"/>
+                <a:cs typeface="Arial" panose="020B0604020202020204" pitchFamily="34" charset="0"/>
+              </a:rPr>
+              <a:t> </a:t>
+            </a:r>
+            <a:r>
+              <a:rPr lang="en-US" dirty="0" err="1">
+                <a:latin typeface="Segoe UI Black" panose="020B0A02040204020203" pitchFamily="34" charset="0"/>
+                <a:cs typeface="Arial" panose="020B0604020202020204" pitchFamily="34" charset="0"/>
+              </a:rPr>
+              <a:t>giá</a:t>
+            </a:r>
+            <a:r>
+              <a:rPr lang="en-US" dirty="0">
+                <a:latin typeface="Segoe UI Black" panose="020B0A02040204020203" pitchFamily="34" charset="0"/>
+                <a:cs typeface="Arial" panose="020B0604020202020204" pitchFamily="34" charset="0"/>
+              </a:rPr>
+              <a:t> </a:t>
+            </a:r>
+            <a:r>
+              <a:rPr lang="en-US" dirty="0" err="1">
+                <a:latin typeface="Segoe UI Black" panose="020B0A02040204020203" pitchFamily="34" charset="0"/>
+                <a:cs typeface="Arial" panose="020B0604020202020204" pitchFamily="34" charset="0"/>
+              </a:rPr>
+              <a:t>trị</a:t>
+            </a:r>
+            <a:r>
+              <a:rPr lang="en-US" dirty="0">
+                <a:latin typeface="Segoe UI Black" panose="020B0A02040204020203" pitchFamily="34" charset="0"/>
+                <a:cs typeface="Arial" panose="020B0604020202020204" pitchFamily="34" charset="0"/>
+              </a:rPr>
+              <a:t> </a:t>
+            </a:r>
+            <a:r>
+              <a:rPr lang="en-US" dirty="0" err="1">
+                <a:latin typeface="Segoe UI Black" panose="020B0A02040204020203" pitchFamily="34" charset="0"/>
+                <a:cs typeface="Arial" panose="020B0604020202020204" pitchFamily="34" charset="0"/>
+              </a:rPr>
+              <a:t>ví</a:t>
+            </a:r>
+            <a:r>
+              <a:rPr lang="en-US" dirty="0">
+                <a:latin typeface="Segoe UI Black" panose="020B0A02040204020203" pitchFamily="34" charset="0"/>
+                <a:cs typeface="Arial" panose="020B0604020202020204" pitchFamily="34" charset="0"/>
+              </a:rPr>
+              <a:t> </a:t>
+            </a:r>
+            <a:r>
+              <a:rPr lang="en-US" dirty="0" err="1">
+                <a:latin typeface="Segoe UI Black" panose="020B0A02040204020203" pitchFamily="34" charset="0"/>
+                <a:cs typeface="Arial" panose="020B0604020202020204" pitchFamily="34" charset="0"/>
+              </a:rPr>
+              <a:t>dụ</a:t>
+            </a:r>
+            <a:r>
+              <a:rPr lang="en-US" dirty="0">
+                <a:latin typeface="Segoe UI Black" panose="020B0A02040204020203" pitchFamily="34" charset="0"/>
+                <a:cs typeface="Arial" panose="020B0604020202020204" pitchFamily="34" charset="0"/>
+              </a:rPr>
+              <a:t> </a:t>
+            </a:r>
+            <a:r>
+              <a:rPr lang="en-US" dirty="0" err="1">
+                <a:latin typeface="Segoe UI Black" panose="020B0A02040204020203" pitchFamily="34" charset="0"/>
+                <a:cs typeface="Arial" panose="020B0604020202020204" pitchFamily="34" charset="0"/>
+              </a:rPr>
+              <a:t>là</a:t>
+            </a:r>
+            <a:r>
+              <a:rPr lang="en-US" dirty="0">
+                <a:latin typeface="Segoe UI Black" panose="020B0A02040204020203" pitchFamily="34" charset="0"/>
+                <a:cs typeface="Arial" panose="020B0604020202020204" pitchFamily="34" charset="0"/>
+              </a:rPr>
+              <a:t> {"VND":168000000}</a:t>
             </a:r>
           </a:p>
           <a:p>
             <a:pPr algn="just"/>
             <a:r>
-              <a:rPr lang="en-US">
-                <a:latin typeface="Arial" panose="020B0604020202020204" pitchFamily="34" charset="0"/>
-                <a:cs typeface="Arial" panose="020B0604020202020204" pitchFamily="34" charset="0"/>
-              </a:rPr>
-              <a:t>Để lấy giá trị 168000000 thì sử dụng:</a:t>
+              <a:rPr lang="en-US" dirty="0" err="1">
+                <a:latin typeface="Segoe UI Black" panose="020B0A02040204020203" pitchFamily="34" charset="0"/>
+                <a:cs typeface="Arial" panose="020B0604020202020204" pitchFamily="34" charset="0"/>
+              </a:rPr>
+              <a:t>Để</a:t>
+            </a:r>
+            <a:r>
+              <a:rPr lang="en-US" dirty="0">
+                <a:latin typeface="Segoe UI Black" panose="020B0A02040204020203" pitchFamily="34" charset="0"/>
+                <a:cs typeface="Arial" panose="020B0604020202020204" pitchFamily="34" charset="0"/>
+              </a:rPr>
+              <a:t> </a:t>
+            </a:r>
+            <a:r>
+              <a:rPr lang="en-US" dirty="0" err="1">
+                <a:latin typeface="Segoe UI Black" panose="020B0A02040204020203" pitchFamily="34" charset="0"/>
+                <a:cs typeface="Arial" panose="020B0604020202020204" pitchFamily="34" charset="0"/>
+              </a:rPr>
+              <a:t>lấy</a:t>
+            </a:r>
+            <a:r>
+              <a:rPr lang="en-US" dirty="0">
+                <a:latin typeface="Segoe UI Black" panose="020B0A02040204020203" pitchFamily="34" charset="0"/>
+                <a:cs typeface="Arial" panose="020B0604020202020204" pitchFamily="34" charset="0"/>
+              </a:rPr>
+              <a:t> </a:t>
+            </a:r>
+            <a:r>
+              <a:rPr lang="en-US" dirty="0" err="1">
+                <a:latin typeface="Segoe UI Black" panose="020B0A02040204020203" pitchFamily="34" charset="0"/>
+                <a:cs typeface="Arial" panose="020B0604020202020204" pitchFamily="34" charset="0"/>
+              </a:rPr>
+              <a:t>giá</a:t>
+            </a:r>
+            <a:r>
+              <a:rPr lang="en-US" dirty="0">
+                <a:latin typeface="Segoe UI Black" panose="020B0A02040204020203" pitchFamily="34" charset="0"/>
+                <a:cs typeface="Arial" panose="020B0604020202020204" pitchFamily="34" charset="0"/>
+              </a:rPr>
+              <a:t> </a:t>
+            </a:r>
+            <a:r>
+              <a:rPr lang="en-US" dirty="0" err="1">
+                <a:latin typeface="Segoe UI Black" panose="020B0A02040204020203" pitchFamily="34" charset="0"/>
+                <a:cs typeface="Arial" panose="020B0604020202020204" pitchFamily="34" charset="0"/>
+              </a:rPr>
+              <a:t>trị</a:t>
+            </a:r>
+            <a:r>
+              <a:rPr lang="en-US" dirty="0">
+                <a:latin typeface="Segoe UI Black" panose="020B0A02040204020203" pitchFamily="34" charset="0"/>
+                <a:cs typeface="Arial" panose="020B0604020202020204" pitchFamily="34" charset="0"/>
+              </a:rPr>
+              <a:t> 168000000 </a:t>
+            </a:r>
+            <a:r>
+              <a:rPr lang="en-US" dirty="0" err="1">
+                <a:latin typeface="Segoe UI Black" panose="020B0A02040204020203" pitchFamily="34" charset="0"/>
+                <a:cs typeface="Arial" panose="020B0604020202020204" pitchFamily="34" charset="0"/>
+              </a:rPr>
+              <a:t>thì</a:t>
+            </a:r>
+            <a:r>
+              <a:rPr lang="en-US" dirty="0">
+                <a:latin typeface="Segoe UI Black" panose="020B0A02040204020203" pitchFamily="34" charset="0"/>
+                <a:cs typeface="Arial" panose="020B0604020202020204" pitchFamily="34" charset="0"/>
+              </a:rPr>
+              <a:t> </a:t>
+            </a:r>
+            <a:r>
+              <a:rPr lang="en-US" dirty="0" err="1">
+                <a:latin typeface="Segoe UI Black" panose="020B0A02040204020203" pitchFamily="34" charset="0"/>
+                <a:cs typeface="Arial" panose="020B0604020202020204" pitchFamily="34" charset="0"/>
+              </a:rPr>
+              <a:t>sử</a:t>
+            </a:r>
+            <a:r>
+              <a:rPr lang="en-US" dirty="0">
+                <a:latin typeface="Segoe UI Black" panose="020B0A02040204020203" pitchFamily="34" charset="0"/>
+                <a:cs typeface="Arial" panose="020B0604020202020204" pitchFamily="34" charset="0"/>
+              </a:rPr>
+              <a:t> </a:t>
+            </a:r>
+            <a:r>
+              <a:rPr lang="en-US" dirty="0" err="1">
+                <a:latin typeface="Segoe UI Black" panose="020B0A02040204020203" pitchFamily="34" charset="0"/>
+                <a:cs typeface="Arial" panose="020B0604020202020204" pitchFamily="34" charset="0"/>
+              </a:rPr>
+              <a:t>dụng</a:t>
+            </a:r>
+            <a:r>
+              <a:rPr lang="en-US" dirty="0">
+                <a:latin typeface="Segoe UI Black" panose="020B0A02040204020203" pitchFamily="34" charset="0"/>
+                <a:cs typeface="Arial" panose="020B0604020202020204" pitchFamily="34" charset="0"/>
+              </a:rPr>
+              <a:t>:</a:t>
             </a:r>
           </a:p>
           <a:p>
             <a:pPr algn="just"/>
             <a:r>
-              <a:rPr lang="en-US">
-                <a:latin typeface="Arial" panose="020B0604020202020204" pitchFamily="34" charset="0"/>
-                <a:cs typeface="Arial" panose="020B0604020202020204" pitchFamily="34" charset="0"/>
-              </a:rPr>
-              <a:t>JSONVar myObject = JSON.parse(jsonBuffer) và </a:t>
+              <a:rPr lang="en-US" dirty="0" err="1">
+                <a:latin typeface="Segoe UI Black" panose="020B0A02040204020203" pitchFamily="34" charset="0"/>
+                <a:cs typeface="Arial" panose="020B0604020202020204" pitchFamily="34" charset="0"/>
+              </a:rPr>
+              <a:t>JSONVar</a:t>
+            </a:r>
+            <a:r>
+              <a:rPr lang="en-US" dirty="0">
+                <a:latin typeface="Segoe UI Black" panose="020B0A02040204020203" pitchFamily="34" charset="0"/>
+                <a:cs typeface="Arial" panose="020B0604020202020204" pitchFamily="34" charset="0"/>
+              </a:rPr>
+              <a:t> </a:t>
+            </a:r>
+            <a:r>
+              <a:rPr lang="en-US" dirty="0" err="1">
+                <a:latin typeface="Segoe UI Black" panose="020B0A02040204020203" pitchFamily="34" charset="0"/>
+                <a:cs typeface="Arial" panose="020B0604020202020204" pitchFamily="34" charset="0"/>
+              </a:rPr>
+              <a:t>myObject</a:t>
+            </a:r>
+            <a:r>
+              <a:rPr lang="en-US" dirty="0">
+                <a:latin typeface="Segoe UI Black" panose="020B0A02040204020203" pitchFamily="34" charset="0"/>
+                <a:cs typeface="Arial" panose="020B0604020202020204" pitchFamily="34" charset="0"/>
+              </a:rPr>
+              <a:t> = </a:t>
+            </a:r>
+            <a:r>
+              <a:rPr lang="en-US" dirty="0" err="1">
+                <a:latin typeface="Segoe UI Black" panose="020B0A02040204020203" pitchFamily="34" charset="0"/>
+                <a:cs typeface="Arial" panose="020B0604020202020204" pitchFamily="34" charset="0"/>
+              </a:rPr>
+              <a:t>JSON.parse</a:t>
+            </a:r>
+            <a:r>
+              <a:rPr lang="en-US" dirty="0">
+                <a:latin typeface="Segoe UI Black" panose="020B0A02040204020203" pitchFamily="34" charset="0"/>
+                <a:cs typeface="Arial" panose="020B0604020202020204" pitchFamily="34" charset="0"/>
+              </a:rPr>
+              <a:t>(</a:t>
+            </a:r>
+            <a:r>
+              <a:rPr lang="en-US" dirty="0" err="1">
+                <a:latin typeface="Segoe UI Black" panose="020B0A02040204020203" pitchFamily="34" charset="0"/>
+                <a:cs typeface="Arial" panose="020B0604020202020204" pitchFamily="34" charset="0"/>
+              </a:rPr>
+              <a:t>jsonBuffer</a:t>
+            </a:r>
+            <a:r>
+              <a:rPr lang="en-US" dirty="0">
+                <a:latin typeface="Segoe UI Black" panose="020B0A02040204020203" pitchFamily="34" charset="0"/>
+                <a:cs typeface="Arial" panose="020B0604020202020204" pitchFamily="34" charset="0"/>
+              </a:rPr>
+              <a:t>) </a:t>
+            </a:r>
+            <a:r>
+              <a:rPr lang="en-US" dirty="0" err="1">
+                <a:latin typeface="Segoe UI Black" panose="020B0A02040204020203" pitchFamily="34" charset="0"/>
+                <a:cs typeface="Arial" panose="020B0604020202020204" pitchFamily="34" charset="0"/>
+              </a:rPr>
+              <a:t>và</a:t>
+            </a:r>
+            <a:r>
+              <a:rPr lang="en-US" dirty="0">
+                <a:latin typeface="Segoe UI Black" panose="020B0A02040204020203" pitchFamily="34" charset="0"/>
+                <a:cs typeface="Arial" panose="020B0604020202020204" pitchFamily="34" charset="0"/>
+              </a:rPr>
+              <a:t> </a:t>
             </a:r>
           </a:p>
           <a:p>
             <a:pPr algn="just"/>
             <a:r>
-              <a:rPr lang="en-US">
-                <a:latin typeface="Arial" panose="020B0604020202020204" pitchFamily="34" charset="0"/>
-                <a:cs typeface="Arial" panose="020B0604020202020204" pitchFamily="34" charset="0"/>
-              </a:rPr>
-              <a:t>thực hiện giống với việc xuất giá trị trong mảng.</a:t>
+              <a:rPr lang="en-US" dirty="0" err="1">
+                <a:latin typeface="Segoe UI Black" panose="020B0A02040204020203" pitchFamily="34" charset="0"/>
+                <a:cs typeface="Arial" panose="020B0604020202020204" pitchFamily="34" charset="0"/>
+              </a:rPr>
+              <a:t>thực</a:t>
+            </a:r>
+            <a:r>
+              <a:rPr lang="en-US" dirty="0">
+                <a:latin typeface="Segoe UI Black" panose="020B0A02040204020203" pitchFamily="34" charset="0"/>
+                <a:cs typeface="Arial" panose="020B0604020202020204" pitchFamily="34" charset="0"/>
+              </a:rPr>
+              <a:t> </a:t>
+            </a:r>
+            <a:r>
+              <a:rPr lang="en-US" dirty="0" err="1">
+                <a:latin typeface="Segoe UI Black" panose="020B0A02040204020203" pitchFamily="34" charset="0"/>
+                <a:cs typeface="Arial" panose="020B0604020202020204" pitchFamily="34" charset="0"/>
+              </a:rPr>
+              <a:t>hiện</a:t>
+            </a:r>
+            <a:r>
+              <a:rPr lang="en-US" dirty="0">
+                <a:latin typeface="Segoe UI Black" panose="020B0A02040204020203" pitchFamily="34" charset="0"/>
+                <a:cs typeface="Arial" panose="020B0604020202020204" pitchFamily="34" charset="0"/>
+              </a:rPr>
+              <a:t> </a:t>
+            </a:r>
+            <a:r>
+              <a:rPr lang="en-US" dirty="0" err="1">
+                <a:latin typeface="Segoe UI Black" panose="020B0A02040204020203" pitchFamily="34" charset="0"/>
+                <a:cs typeface="Arial" panose="020B0604020202020204" pitchFamily="34" charset="0"/>
+              </a:rPr>
+              <a:t>giống</a:t>
+            </a:r>
+            <a:r>
+              <a:rPr lang="en-US" dirty="0">
+                <a:latin typeface="Segoe UI Black" panose="020B0A02040204020203" pitchFamily="34" charset="0"/>
+                <a:cs typeface="Arial" panose="020B0604020202020204" pitchFamily="34" charset="0"/>
+              </a:rPr>
+              <a:t> </a:t>
+            </a:r>
+            <a:r>
+              <a:rPr lang="en-US" dirty="0" err="1">
+                <a:latin typeface="Segoe UI Black" panose="020B0A02040204020203" pitchFamily="34" charset="0"/>
+                <a:cs typeface="Arial" panose="020B0604020202020204" pitchFamily="34" charset="0"/>
+              </a:rPr>
+              <a:t>với</a:t>
+            </a:r>
+            <a:r>
+              <a:rPr lang="en-US" dirty="0">
+                <a:latin typeface="Segoe UI Black" panose="020B0A02040204020203" pitchFamily="34" charset="0"/>
+                <a:cs typeface="Arial" panose="020B0604020202020204" pitchFamily="34" charset="0"/>
+              </a:rPr>
+              <a:t> </a:t>
+            </a:r>
+            <a:r>
+              <a:rPr lang="en-US" dirty="0" err="1">
+                <a:latin typeface="Segoe UI Black" panose="020B0A02040204020203" pitchFamily="34" charset="0"/>
+                <a:cs typeface="Arial" panose="020B0604020202020204" pitchFamily="34" charset="0"/>
+              </a:rPr>
+              <a:t>việc</a:t>
+            </a:r>
+            <a:r>
+              <a:rPr lang="en-US" dirty="0">
+                <a:latin typeface="Segoe UI Black" panose="020B0A02040204020203" pitchFamily="34" charset="0"/>
+                <a:cs typeface="Arial" panose="020B0604020202020204" pitchFamily="34" charset="0"/>
+              </a:rPr>
+              <a:t> </a:t>
+            </a:r>
+            <a:r>
+              <a:rPr lang="en-US" dirty="0" err="1">
+                <a:latin typeface="Segoe UI Black" panose="020B0A02040204020203" pitchFamily="34" charset="0"/>
+                <a:cs typeface="Arial" panose="020B0604020202020204" pitchFamily="34" charset="0"/>
+              </a:rPr>
+              <a:t>xuất</a:t>
+            </a:r>
+            <a:r>
+              <a:rPr lang="en-US" dirty="0">
+                <a:latin typeface="Segoe UI Black" panose="020B0A02040204020203" pitchFamily="34" charset="0"/>
+                <a:cs typeface="Arial" panose="020B0604020202020204" pitchFamily="34" charset="0"/>
+              </a:rPr>
+              <a:t> </a:t>
+            </a:r>
+            <a:r>
+              <a:rPr lang="en-US" dirty="0" err="1">
+                <a:latin typeface="Segoe UI Black" panose="020B0A02040204020203" pitchFamily="34" charset="0"/>
+                <a:cs typeface="Arial" panose="020B0604020202020204" pitchFamily="34" charset="0"/>
+              </a:rPr>
+              <a:t>giá</a:t>
+            </a:r>
+            <a:r>
+              <a:rPr lang="en-US" dirty="0">
+                <a:latin typeface="Segoe UI Black" panose="020B0A02040204020203" pitchFamily="34" charset="0"/>
+                <a:cs typeface="Arial" panose="020B0604020202020204" pitchFamily="34" charset="0"/>
+              </a:rPr>
+              <a:t> </a:t>
+            </a:r>
+            <a:r>
+              <a:rPr lang="en-US" dirty="0" err="1">
+                <a:latin typeface="Segoe UI Black" panose="020B0A02040204020203" pitchFamily="34" charset="0"/>
+                <a:cs typeface="Arial" panose="020B0604020202020204" pitchFamily="34" charset="0"/>
+              </a:rPr>
+              <a:t>trị</a:t>
+            </a:r>
+            <a:r>
+              <a:rPr lang="en-US" dirty="0">
+                <a:latin typeface="Segoe UI Black" panose="020B0A02040204020203" pitchFamily="34" charset="0"/>
+                <a:cs typeface="Arial" panose="020B0604020202020204" pitchFamily="34" charset="0"/>
+              </a:rPr>
+              <a:t> </a:t>
+            </a:r>
+            <a:r>
+              <a:rPr lang="en-US" dirty="0" err="1">
+                <a:latin typeface="Segoe UI Black" panose="020B0A02040204020203" pitchFamily="34" charset="0"/>
+                <a:cs typeface="Arial" panose="020B0604020202020204" pitchFamily="34" charset="0"/>
+              </a:rPr>
+              <a:t>trong</a:t>
+            </a:r>
+            <a:r>
+              <a:rPr lang="en-US" dirty="0">
+                <a:latin typeface="Segoe UI Black" panose="020B0A02040204020203" pitchFamily="34" charset="0"/>
+                <a:cs typeface="Arial" panose="020B0604020202020204" pitchFamily="34" charset="0"/>
+              </a:rPr>
+              <a:t> </a:t>
+            </a:r>
+            <a:r>
+              <a:rPr lang="en-US" dirty="0" err="1">
+                <a:latin typeface="Segoe UI Black" panose="020B0A02040204020203" pitchFamily="34" charset="0"/>
+                <a:cs typeface="Arial" panose="020B0604020202020204" pitchFamily="34" charset="0"/>
+              </a:rPr>
+              <a:t>mảng</a:t>
+            </a:r>
+            <a:r>
+              <a:rPr lang="en-US" dirty="0">
+                <a:latin typeface="Segoe UI Black" panose="020B0A02040204020203" pitchFamily="34" charset="0"/>
+                <a:cs typeface="Arial" panose="020B0604020202020204" pitchFamily="34" charset="0"/>
+              </a:rPr>
+              <a:t>.</a:t>
             </a:r>
           </a:p>
         </p:txBody>
@@ -6955,7 +12241,7 @@
         <p:spPr/>
         <p:txBody>
           <a:bodyPr>
-            <a:normAutofit fontScale="92500"/>
+            <a:normAutofit fontScale="85000" lnSpcReduction="10000"/>
           </a:bodyPr>
           <a:lstStyle/>
           <a:p>
@@ -6985,8 +12271,8 @@
         </p:nvSpPr>
         <p:spPr bwMode="auto">
           <a:xfrm>
-            <a:off x="0" y="0"/>
-            <a:ext cx="12192000" cy="457200"/>
+            <a:off x="0" y="97795"/>
+            <a:ext cx="1334020" cy="261610"/>
           </a:xfrm>
           <a:prstGeom prst="rect">
             <a:avLst/>
@@ -7051,7 +12337,7 @@
               <a:tabLst/>
             </a:pPr>
             <a:r>
-              <a:rPr kumimoji="0" lang="en-US" altLang="en-US" sz="1000" b="0" i="0" u="none" strike="noStrike" cap="none" normalizeH="0" baseline="0">
+              <a:rPr kumimoji="0" lang="en-US" altLang="en-US" sz="1000" b="0" i="0" u="none" strike="noStrike" cap="none" normalizeH="0" baseline="0" dirty="0">
                 <a:ln>
                   <a:noFill/>
                 </a:ln>
@@ -7064,7 +12350,7 @@
               <a:t>{"VND":168000000}</a:t>
             </a:r>
             <a:r>
-              <a:rPr kumimoji="0" lang="en-US" altLang="en-US" sz="1100" b="0" i="0" u="none" strike="noStrike" cap="none" normalizeH="0" baseline="0">
+              <a:rPr kumimoji="0" lang="en-US" altLang="en-US" sz="1100" b="0" i="0" u="none" strike="noStrike" cap="none" normalizeH="0" baseline="0" dirty="0">
                 <a:ln>
                   <a:noFill/>
                 </a:ln>
@@ -7072,10 +12358,11 @@
                   <a:schemeClr val="tx1"/>
                 </a:solidFill>
                 <a:effectLst/>
-              </a:rPr>
-              <a:t> </a:t>
-            </a:r>
-            <a:endParaRPr kumimoji="0" lang="en-US" altLang="en-US" sz="1800" b="0" i="0" u="none" strike="noStrike" cap="none" normalizeH="0" baseline="0">
+                <a:latin typeface="Segoe UI Black" panose="020B0A02040204020203" pitchFamily="34" charset="0"/>
+              </a:rPr>
+              <a:t> </a:t>
+            </a:r>
+            <a:endParaRPr kumimoji="0" lang="en-US" altLang="en-US" sz="1800" b="0" i="0" u="none" strike="noStrike" cap="none" normalizeH="0" baseline="0" dirty="0">
               <a:ln>
                 <a:noFill/>
               </a:ln>
@@ -7083,7 +12370,7 @@
                 <a:schemeClr val="tx1"/>
               </a:solidFill>
               <a:effectLst/>
-              <a:latin typeface="Arial" panose="020B0604020202020204" pitchFamily="34" charset="0"/>
+              <a:latin typeface="Segoe UI Black" panose="020B0A02040204020203" pitchFamily="34" charset="0"/>
             </a:endParaRPr>
           </a:p>
         </p:txBody>
@@ -7203,7 +12490,7 @@
           <a:bodyPr/>
           <a:lstStyle/>
           <a:p>
-            <a:endParaRPr lang="en-US"/>
+            <a:endParaRPr lang="en-US" dirty="0"/>
           </a:p>
         </p:txBody>
       </p:sp>
@@ -7280,8 +12567,20 @@
           <a:lstStyle/>
           <a:p>
             <a:r>
-              <a:rPr lang="en-US"/>
-              <a:t>Chế độ Station</a:t>
+              <a:rPr lang="en-US" sz="3000" dirty="0" err="1"/>
+              <a:t>Chế</a:t>
+            </a:r>
+            <a:r>
+              <a:rPr lang="en-US" sz="3000" dirty="0"/>
+              <a:t> </a:t>
+            </a:r>
+            <a:r>
+              <a:rPr lang="en-US" sz="3000" dirty="0" err="1"/>
+              <a:t>độ</a:t>
+            </a:r>
+            <a:r>
+              <a:rPr lang="en-US" sz="3000" dirty="0"/>
+              <a:t> Station</a:t>
             </a:r>
           </a:p>
         </p:txBody>
@@ -7304,9 +12603,18 @@
           <a:lstStyle/>
           <a:p>
             <a:r>
-              <a:rPr lang="en-US"/>
-              <a:t>Khái niệm</a:t>
-            </a:r>
+              <a:rPr lang="en-US" dirty="0" err="1"/>
+              <a:t>Khái</a:t>
+            </a:r>
+            <a:r>
+              <a:rPr lang="en-US" dirty="0"/>
+              <a:t> </a:t>
+            </a:r>
+            <a:r>
+              <a:rPr lang="en-US" dirty="0" err="1"/>
+              <a:t>niệm</a:t>
+            </a:r>
+            <a:endParaRPr lang="en-US" dirty="0"/>
           </a:p>
         </p:txBody>
       </p:sp>
@@ -7325,7 +12633,7 @@
         <p:spPr>
           <a:xfrm>
             <a:off x="1971675" y="1857392"/>
-            <a:ext cx="9618642" cy="1477328"/>
+            <a:ext cx="9618642" cy="2031325"/>
           </a:xfrm>
           <a:prstGeom prst="rect">
             <a:avLst/>
@@ -7339,587 +12647,879 @@
           <a:p>
             <a:pPr algn="just"/>
             <a:r>
-              <a:rPr lang="en-US" err="1"/>
+              <a:rPr lang="en-US" dirty="0" err="1">
+                <a:latin typeface="Segoe UI Black" panose="020B0A02040204020203" pitchFamily="34" charset="0"/>
+              </a:rPr>
               <a:t>Thiết</a:t>
             </a:r>
             <a:r>
-              <a:rPr lang="en-US"/>
-              <a:t> </a:t>
-            </a:r>
-            <a:r>
-              <a:rPr lang="en-US" err="1"/>
+              <a:rPr lang="en-US" dirty="0">
+                <a:latin typeface="Segoe UI Black" panose="020B0A02040204020203" pitchFamily="34" charset="0"/>
+              </a:rPr>
+              <a:t> </a:t>
+            </a:r>
+            <a:r>
+              <a:rPr lang="en-US" dirty="0" err="1">
+                <a:latin typeface="Segoe UI Black" panose="020B0A02040204020203" pitchFamily="34" charset="0"/>
+              </a:rPr>
               <a:t>bị</a:t>
             </a:r>
             <a:r>
-              <a:rPr lang="en-US"/>
-              <a:t> </a:t>
-            </a:r>
-            <a:r>
-              <a:rPr lang="en-US" err="1"/>
+              <a:rPr lang="en-US" dirty="0">
+                <a:latin typeface="Segoe UI Black" panose="020B0A02040204020203" pitchFamily="34" charset="0"/>
+              </a:rPr>
+              <a:t> </a:t>
+            </a:r>
+            <a:r>
+              <a:rPr lang="en-US" dirty="0" err="1">
+                <a:latin typeface="Segoe UI Black" panose="020B0A02040204020203" pitchFamily="34" charset="0"/>
+              </a:rPr>
               <a:t>kết</a:t>
             </a:r>
             <a:r>
-              <a:rPr lang="en-US"/>
-              <a:t> </a:t>
-            </a:r>
-            <a:r>
-              <a:rPr lang="en-US" err="1"/>
+              <a:rPr lang="en-US" dirty="0">
+                <a:latin typeface="Segoe UI Black" panose="020B0A02040204020203" pitchFamily="34" charset="0"/>
+              </a:rPr>
+              <a:t> </a:t>
+            </a:r>
+            <a:r>
+              <a:rPr lang="en-US" dirty="0" err="1">
+                <a:latin typeface="Segoe UI Black" panose="020B0A02040204020203" pitchFamily="34" charset="0"/>
+              </a:rPr>
               <a:t>nối</a:t>
             </a:r>
             <a:r>
-              <a:rPr lang="en-US"/>
-              <a:t> </a:t>
-            </a:r>
-            <a:r>
-              <a:rPr lang="en-US" err="1"/>
+              <a:rPr lang="en-US" dirty="0">
+                <a:latin typeface="Segoe UI Black" panose="020B0A02040204020203" pitchFamily="34" charset="0"/>
+              </a:rPr>
+              <a:t> </a:t>
+            </a:r>
+            <a:r>
+              <a:rPr lang="en-US" dirty="0" err="1">
+                <a:latin typeface="Segoe UI Black" panose="020B0A02040204020203" pitchFamily="34" charset="0"/>
+              </a:rPr>
               <a:t>vào</a:t>
             </a:r>
             <a:r>
-              <a:rPr lang="en-US"/>
-              <a:t> </a:t>
-            </a:r>
-            <a:r>
-              <a:rPr lang="en-US" err="1"/>
+              <a:rPr lang="en-US" dirty="0">
+                <a:latin typeface="Segoe UI Black" panose="020B0A02040204020203" pitchFamily="34" charset="0"/>
+              </a:rPr>
+              <a:t> </a:t>
+            </a:r>
+            <a:r>
+              <a:rPr lang="en-US" dirty="0" err="1">
+                <a:latin typeface="Segoe UI Black" panose="020B0A02040204020203" pitchFamily="34" charset="0"/>
+              </a:rPr>
               <a:t>mạng</a:t>
             </a:r>
             <a:r>
-              <a:rPr lang="en-US"/>
+              <a:rPr lang="en-US" dirty="0">
+                <a:latin typeface="Segoe UI Black" panose="020B0A02040204020203" pitchFamily="34" charset="0"/>
+              </a:rPr>
               <a:t> WIFI </a:t>
             </a:r>
             <a:r>
-              <a:rPr lang="en-US" err="1"/>
+              <a:rPr lang="en-US" dirty="0" err="1">
+                <a:latin typeface="Segoe UI Black" panose="020B0A02040204020203" pitchFamily="34" charset="0"/>
+              </a:rPr>
               <a:t>được</a:t>
             </a:r>
             <a:r>
-              <a:rPr lang="en-US"/>
-              <a:t> </a:t>
-            </a:r>
-            <a:r>
-              <a:rPr lang="en-US" err="1"/>
+              <a:rPr lang="en-US" dirty="0">
+                <a:latin typeface="Segoe UI Black" panose="020B0A02040204020203" pitchFamily="34" charset="0"/>
+              </a:rPr>
+              <a:t> </a:t>
+            </a:r>
+            <a:r>
+              <a:rPr lang="en-US" dirty="0" err="1">
+                <a:latin typeface="Segoe UI Black" panose="020B0A02040204020203" pitchFamily="34" charset="0"/>
+              </a:rPr>
               <a:t>gọi</a:t>
             </a:r>
             <a:r>
-              <a:rPr lang="en-US"/>
-              <a:t> </a:t>
-            </a:r>
-            <a:r>
-              <a:rPr lang="en-US" err="1"/>
+              <a:rPr lang="en-US" dirty="0">
+                <a:latin typeface="Segoe UI Black" panose="020B0A02040204020203" pitchFamily="34" charset="0"/>
+              </a:rPr>
+              <a:t> </a:t>
+            </a:r>
+            <a:r>
+              <a:rPr lang="en-US" dirty="0" err="1">
+                <a:latin typeface="Segoe UI Black" panose="020B0A02040204020203" pitchFamily="34" charset="0"/>
+              </a:rPr>
               <a:t>là</a:t>
             </a:r>
             <a:r>
-              <a:rPr lang="en-US"/>
+              <a:rPr lang="en-US" dirty="0">
+                <a:latin typeface="Segoe UI Black" panose="020B0A02040204020203" pitchFamily="34" charset="0"/>
+              </a:rPr>
               <a:t> station (</a:t>
             </a:r>
             <a:r>
-              <a:rPr lang="en-US" err="1"/>
+              <a:rPr lang="en-US" dirty="0" err="1">
+                <a:latin typeface="Segoe UI Black" panose="020B0A02040204020203" pitchFamily="34" charset="0"/>
+              </a:rPr>
               <a:t>trạm</a:t>
             </a:r>
             <a:r>
-              <a:rPr lang="en-US"/>
+              <a:rPr lang="en-US" dirty="0">
+                <a:latin typeface="Segoe UI Black" panose="020B0A02040204020203" pitchFamily="34" charset="0"/>
+              </a:rPr>
               <a:t>). </a:t>
             </a:r>
             <a:r>
-              <a:rPr lang="en-US" err="1"/>
+              <a:rPr lang="en-US" dirty="0" err="1">
+                <a:latin typeface="Segoe UI Black" panose="020B0A02040204020203" pitchFamily="34" charset="0"/>
+              </a:rPr>
               <a:t>Việc</a:t>
             </a:r>
             <a:r>
-              <a:rPr lang="en-US"/>
-              <a:t> </a:t>
-            </a:r>
-            <a:r>
-              <a:rPr lang="en-US" err="1"/>
+              <a:rPr lang="en-US" dirty="0">
+                <a:latin typeface="Segoe UI Black" panose="020B0A02040204020203" pitchFamily="34" charset="0"/>
+              </a:rPr>
+              <a:t> </a:t>
+            </a:r>
+            <a:r>
+              <a:rPr lang="en-US" dirty="0" err="1">
+                <a:latin typeface="Segoe UI Black" panose="020B0A02040204020203" pitchFamily="34" charset="0"/>
+              </a:rPr>
               <a:t>kết</a:t>
             </a:r>
             <a:r>
-              <a:rPr lang="en-US"/>
-              <a:t> </a:t>
-            </a:r>
-            <a:r>
-              <a:rPr lang="en-US" err="1"/>
+              <a:rPr lang="en-US" dirty="0">
+                <a:latin typeface="Segoe UI Black" panose="020B0A02040204020203" pitchFamily="34" charset="0"/>
+              </a:rPr>
+              <a:t> </a:t>
+            </a:r>
+            <a:r>
+              <a:rPr lang="en-US" dirty="0" err="1">
+                <a:latin typeface="Segoe UI Black" panose="020B0A02040204020203" pitchFamily="34" charset="0"/>
+              </a:rPr>
               <a:t>nối</a:t>
             </a:r>
             <a:r>
-              <a:rPr lang="en-US"/>
-              <a:t> </a:t>
-            </a:r>
-            <a:r>
-              <a:rPr lang="en-US" err="1"/>
+              <a:rPr lang="en-US" dirty="0">
+                <a:latin typeface="Segoe UI Black" panose="020B0A02040204020203" pitchFamily="34" charset="0"/>
+              </a:rPr>
+              <a:t> </a:t>
+            </a:r>
+            <a:r>
+              <a:rPr lang="en-US" dirty="0" err="1">
+                <a:latin typeface="Segoe UI Black" panose="020B0A02040204020203" pitchFamily="34" charset="0"/>
+              </a:rPr>
               <a:t>vào</a:t>
             </a:r>
             <a:r>
-              <a:rPr lang="en-US"/>
-              <a:t> </a:t>
-            </a:r>
-            <a:r>
-              <a:rPr lang="en-US" err="1"/>
+              <a:rPr lang="en-US" dirty="0">
+                <a:latin typeface="Segoe UI Black" panose="020B0A02040204020203" pitchFamily="34" charset="0"/>
+              </a:rPr>
+              <a:t> </a:t>
+            </a:r>
+            <a:r>
+              <a:rPr lang="en-US" dirty="0" err="1">
+                <a:latin typeface="Segoe UI Black" panose="020B0A02040204020203" pitchFamily="34" charset="0"/>
+              </a:rPr>
               <a:t>mạng</a:t>
             </a:r>
             <a:r>
-              <a:rPr lang="en-US"/>
-              <a:t> </a:t>
-            </a:r>
-            <a:r>
-              <a:rPr lang="en-US" err="1"/>
+              <a:rPr lang="en-US" dirty="0">
+                <a:latin typeface="Segoe UI Black" panose="020B0A02040204020203" pitchFamily="34" charset="0"/>
+              </a:rPr>
+              <a:t> </a:t>
+            </a:r>
+            <a:r>
+              <a:rPr lang="en-US" dirty="0" err="1">
+                <a:latin typeface="Segoe UI Black" panose="020B0A02040204020203" pitchFamily="34" charset="0"/>
+              </a:rPr>
               <a:t>Wifi</a:t>
             </a:r>
             <a:r>
-              <a:rPr lang="en-US"/>
-              <a:t> </a:t>
-            </a:r>
-            <a:r>
-              <a:rPr lang="en-US" err="1"/>
+              <a:rPr lang="en-US" dirty="0">
+                <a:latin typeface="Segoe UI Black" panose="020B0A02040204020203" pitchFamily="34" charset="0"/>
+              </a:rPr>
+              <a:t> </a:t>
+            </a:r>
+            <a:r>
+              <a:rPr lang="en-US" dirty="0" err="1">
+                <a:latin typeface="Segoe UI Black" panose="020B0A02040204020203" pitchFamily="34" charset="0"/>
+              </a:rPr>
               <a:t>được</a:t>
             </a:r>
             <a:r>
-              <a:rPr lang="en-US"/>
-              <a:t> </a:t>
-            </a:r>
-            <a:r>
-              <a:rPr lang="en-US" err="1"/>
+              <a:rPr lang="en-US" dirty="0">
+                <a:latin typeface="Segoe UI Black" panose="020B0A02040204020203" pitchFamily="34" charset="0"/>
+              </a:rPr>
+              <a:t> </a:t>
+            </a:r>
+            <a:r>
+              <a:rPr lang="en-US" dirty="0" err="1">
+                <a:latin typeface="Segoe UI Black" panose="020B0A02040204020203" pitchFamily="34" charset="0"/>
+              </a:rPr>
               <a:t>hỗ</a:t>
             </a:r>
             <a:r>
-              <a:rPr lang="en-US"/>
-              <a:t> </a:t>
-            </a:r>
-            <a:r>
-              <a:rPr lang="en-US" err="1"/>
+              <a:rPr lang="en-US" dirty="0">
+                <a:latin typeface="Segoe UI Black" panose="020B0A02040204020203" pitchFamily="34" charset="0"/>
+              </a:rPr>
+              <a:t> </a:t>
+            </a:r>
+            <a:r>
+              <a:rPr lang="en-US" dirty="0" err="1">
+                <a:latin typeface="Segoe UI Black" panose="020B0A02040204020203" pitchFamily="34" charset="0"/>
+              </a:rPr>
               <a:t>trợ</a:t>
             </a:r>
             <a:r>
-              <a:rPr lang="en-US"/>
-              <a:t> </a:t>
-            </a:r>
-            <a:r>
-              <a:rPr lang="en-US" err="1"/>
+              <a:rPr lang="en-US" dirty="0">
+                <a:latin typeface="Segoe UI Black" panose="020B0A02040204020203" pitchFamily="34" charset="0"/>
+              </a:rPr>
+              <a:t> </a:t>
+            </a:r>
+            <a:r>
+              <a:rPr lang="en-US" dirty="0" err="1">
+                <a:latin typeface="Segoe UI Black" panose="020B0A02040204020203" pitchFamily="34" charset="0"/>
+              </a:rPr>
               <a:t>bởi</a:t>
             </a:r>
             <a:r>
-              <a:rPr lang="en-US"/>
-              <a:t> </a:t>
-            </a:r>
-            <a:r>
-              <a:rPr lang="en-US" err="1"/>
+              <a:rPr lang="en-US" dirty="0">
+                <a:latin typeface="Segoe UI Black" panose="020B0A02040204020203" pitchFamily="34" charset="0"/>
+              </a:rPr>
+              <a:t> </a:t>
+            </a:r>
+            <a:r>
+              <a:rPr lang="en-US" dirty="0" err="1">
+                <a:latin typeface="Segoe UI Black" panose="020B0A02040204020203" pitchFamily="34" charset="0"/>
+              </a:rPr>
               <a:t>một</a:t>
             </a:r>
             <a:r>
-              <a:rPr lang="en-US"/>
+              <a:rPr lang="en-US" dirty="0">
+                <a:latin typeface="Segoe UI Black" panose="020B0A02040204020203" pitchFamily="34" charset="0"/>
+              </a:rPr>
               <a:t> access point (AP), </a:t>
             </a:r>
             <a:r>
-              <a:rPr lang="en-US" err="1"/>
+              <a:rPr lang="en-US" dirty="0" err="1">
+                <a:latin typeface="Segoe UI Black" panose="020B0A02040204020203" pitchFamily="34" charset="0"/>
+              </a:rPr>
               <a:t>một</a:t>
             </a:r>
             <a:r>
-              <a:rPr lang="en-US"/>
+              <a:rPr lang="en-US" dirty="0">
+                <a:latin typeface="Segoe UI Black" panose="020B0A02040204020203" pitchFamily="34" charset="0"/>
+              </a:rPr>
               <a:t> AP </a:t>
             </a:r>
             <a:r>
-              <a:rPr lang="en-US" err="1"/>
+              <a:rPr lang="en-US" dirty="0" err="1">
+                <a:latin typeface="Segoe UI Black" panose="020B0A02040204020203" pitchFamily="34" charset="0"/>
+              </a:rPr>
               <a:t>có</a:t>
             </a:r>
             <a:r>
-              <a:rPr lang="en-US"/>
-              <a:t> </a:t>
-            </a:r>
-            <a:r>
-              <a:rPr lang="en-US" err="1"/>
+              <a:rPr lang="en-US" dirty="0">
+                <a:latin typeface="Segoe UI Black" panose="020B0A02040204020203" pitchFamily="34" charset="0"/>
+              </a:rPr>
+              <a:t> </a:t>
+            </a:r>
+            <a:r>
+              <a:rPr lang="en-US" dirty="0" err="1">
+                <a:latin typeface="Segoe UI Black" panose="020B0A02040204020203" pitchFamily="34" charset="0"/>
+              </a:rPr>
               <a:t>chức</a:t>
             </a:r>
             <a:r>
-              <a:rPr lang="en-US"/>
-              <a:t> </a:t>
-            </a:r>
-            <a:r>
-              <a:rPr lang="en-US" err="1"/>
+              <a:rPr lang="en-US" dirty="0">
+                <a:latin typeface="Segoe UI Black" panose="020B0A02040204020203" pitchFamily="34" charset="0"/>
+              </a:rPr>
+              <a:t> </a:t>
+            </a:r>
+            <a:r>
+              <a:rPr lang="en-US" dirty="0" err="1">
+                <a:latin typeface="Segoe UI Black" panose="020B0A02040204020203" pitchFamily="34" charset="0"/>
+              </a:rPr>
               <a:t>năng</a:t>
             </a:r>
             <a:r>
-              <a:rPr lang="en-US"/>
-              <a:t> </a:t>
-            </a:r>
-            <a:r>
-              <a:rPr lang="en-US" err="1"/>
+              <a:rPr lang="en-US" dirty="0">
+                <a:latin typeface="Segoe UI Black" panose="020B0A02040204020203" pitchFamily="34" charset="0"/>
+              </a:rPr>
+              <a:t> </a:t>
+            </a:r>
+            <a:r>
+              <a:rPr lang="en-US" dirty="0" err="1">
+                <a:latin typeface="Segoe UI Black" panose="020B0A02040204020203" pitchFamily="34" charset="0"/>
+              </a:rPr>
               <a:t>như</a:t>
             </a:r>
             <a:r>
-              <a:rPr lang="en-US"/>
-              <a:t> </a:t>
-            </a:r>
-            <a:r>
-              <a:rPr lang="en-US" err="1"/>
+              <a:rPr lang="en-US" dirty="0">
+                <a:latin typeface="Segoe UI Black" panose="020B0A02040204020203" pitchFamily="34" charset="0"/>
+              </a:rPr>
+              <a:t> </a:t>
+            </a:r>
+            <a:r>
+              <a:rPr lang="en-US" dirty="0" err="1">
+                <a:latin typeface="Segoe UI Black" panose="020B0A02040204020203" pitchFamily="34" charset="0"/>
+              </a:rPr>
               <a:t>một</a:t>
             </a:r>
             <a:r>
-              <a:rPr lang="en-US"/>
+              <a:rPr lang="en-US" dirty="0">
+                <a:latin typeface="Segoe UI Black" panose="020B0A02040204020203" pitchFamily="34" charset="0"/>
+              </a:rPr>
               <a:t> hub </a:t>
             </a:r>
             <a:r>
-              <a:rPr lang="en-US" err="1"/>
+              <a:rPr lang="en-US" dirty="0" err="1">
+                <a:latin typeface="Segoe UI Black" panose="020B0A02040204020203" pitchFamily="34" charset="0"/>
+              </a:rPr>
               <a:t>nhưng</a:t>
             </a:r>
             <a:r>
-              <a:rPr lang="en-US"/>
-              <a:t> </a:t>
-            </a:r>
-            <a:r>
-              <a:rPr lang="en-US" err="1"/>
+              <a:rPr lang="en-US" dirty="0">
+                <a:latin typeface="Segoe UI Black" panose="020B0A02040204020203" pitchFamily="34" charset="0"/>
+              </a:rPr>
+              <a:t> </a:t>
+            </a:r>
+            <a:r>
+              <a:rPr lang="en-US" dirty="0" err="1">
+                <a:latin typeface="Segoe UI Black" panose="020B0A02040204020203" pitchFamily="34" charset="0"/>
+              </a:rPr>
               <a:t>dùng</a:t>
             </a:r>
             <a:r>
-              <a:rPr lang="en-US"/>
-              <a:t> </a:t>
-            </a:r>
-            <a:r>
-              <a:rPr lang="en-US" err="1"/>
+              <a:rPr lang="en-US" dirty="0">
+                <a:latin typeface="Segoe UI Black" panose="020B0A02040204020203" pitchFamily="34" charset="0"/>
+              </a:rPr>
+              <a:t> </a:t>
+            </a:r>
+            <a:r>
+              <a:rPr lang="en-US" dirty="0" err="1">
+                <a:latin typeface="Segoe UI Black" panose="020B0A02040204020203" pitchFamily="34" charset="0"/>
+              </a:rPr>
               <a:t>cho</a:t>
             </a:r>
             <a:r>
-              <a:rPr lang="en-US"/>
-              <a:t> </a:t>
-            </a:r>
-            <a:r>
-              <a:rPr lang="en-US" err="1"/>
+              <a:rPr lang="en-US" dirty="0">
+                <a:latin typeface="Segoe UI Black" panose="020B0A02040204020203" pitchFamily="34" charset="0"/>
+              </a:rPr>
+              <a:t> </a:t>
+            </a:r>
+            <a:r>
+              <a:rPr lang="en-US" dirty="0" err="1">
+                <a:latin typeface="Segoe UI Black" panose="020B0A02040204020203" pitchFamily="34" charset="0"/>
+              </a:rPr>
               <a:t>nhiều</a:t>
             </a:r>
             <a:r>
-              <a:rPr lang="en-US"/>
+              <a:rPr lang="en-US" dirty="0">
+                <a:latin typeface="Segoe UI Black" panose="020B0A02040204020203" pitchFamily="34" charset="0"/>
+              </a:rPr>
               <a:t> station. </a:t>
             </a:r>
             <a:r>
-              <a:rPr lang="en-US" err="1"/>
+              <a:rPr lang="en-US" dirty="0" err="1">
+                <a:latin typeface="Segoe UI Black" panose="020B0A02040204020203" pitchFamily="34" charset="0"/>
+              </a:rPr>
               <a:t>Một</a:t>
             </a:r>
             <a:r>
-              <a:rPr lang="en-US"/>
+              <a:rPr lang="en-US" dirty="0">
+                <a:latin typeface="Segoe UI Black" panose="020B0A02040204020203" pitchFamily="34" charset="0"/>
+              </a:rPr>
               <a:t> access point </a:t>
             </a:r>
             <a:r>
-              <a:rPr lang="en-US" err="1"/>
+              <a:rPr lang="en-US" dirty="0" err="1">
+                <a:latin typeface="Segoe UI Black" panose="020B0A02040204020203" pitchFamily="34" charset="0"/>
+              </a:rPr>
               <a:t>thông</a:t>
             </a:r>
             <a:r>
-              <a:rPr lang="en-US"/>
-              <a:t> </a:t>
-            </a:r>
-            <a:r>
-              <a:rPr lang="en-US" err="1"/>
+              <a:rPr lang="en-US" dirty="0">
+                <a:latin typeface="Segoe UI Black" panose="020B0A02040204020203" pitchFamily="34" charset="0"/>
+              </a:rPr>
+              <a:t> </a:t>
+            </a:r>
+            <a:r>
+              <a:rPr lang="en-US" dirty="0" err="1">
+                <a:latin typeface="Segoe UI Black" panose="020B0A02040204020203" pitchFamily="34" charset="0"/>
+              </a:rPr>
               <a:t>thường</a:t>
             </a:r>
             <a:r>
-              <a:rPr lang="en-US"/>
-              <a:t> </a:t>
-            </a:r>
-            <a:r>
-              <a:rPr lang="en-US" err="1"/>
+              <a:rPr lang="en-US" dirty="0">
+                <a:latin typeface="Segoe UI Black" panose="020B0A02040204020203" pitchFamily="34" charset="0"/>
+              </a:rPr>
+              <a:t> </a:t>
+            </a:r>
+            <a:r>
+              <a:rPr lang="en-US" dirty="0" err="1">
+                <a:latin typeface="Segoe UI Black" panose="020B0A02040204020203" pitchFamily="34" charset="0"/>
+              </a:rPr>
               <a:t>được</a:t>
             </a:r>
             <a:r>
-              <a:rPr lang="en-US"/>
-              <a:t> </a:t>
-            </a:r>
-            <a:r>
-              <a:rPr lang="en-US" err="1"/>
+              <a:rPr lang="en-US" dirty="0">
+                <a:latin typeface="Segoe UI Black" panose="020B0A02040204020203" pitchFamily="34" charset="0"/>
+              </a:rPr>
+              <a:t> </a:t>
+            </a:r>
+            <a:r>
+              <a:rPr lang="en-US" dirty="0" err="1">
+                <a:latin typeface="Segoe UI Black" panose="020B0A02040204020203" pitchFamily="34" charset="0"/>
+              </a:rPr>
               <a:t>kết</a:t>
             </a:r>
             <a:r>
-              <a:rPr lang="en-US"/>
-              <a:t> </a:t>
-            </a:r>
-            <a:r>
-              <a:rPr lang="en-US" err="1"/>
+              <a:rPr lang="en-US" dirty="0">
+                <a:latin typeface="Segoe UI Black" panose="020B0A02040204020203" pitchFamily="34" charset="0"/>
+              </a:rPr>
+              <a:t> </a:t>
+            </a:r>
+            <a:r>
+              <a:rPr lang="en-US" dirty="0" err="1">
+                <a:latin typeface="Segoe UI Black" panose="020B0A02040204020203" pitchFamily="34" charset="0"/>
+              </a:rPr>
               <a:t>nối</a:t>
             </a:r>
             <a:r>
-              <a:rPr lang="en-US"/>
-              <a:t> </a:t>
-            </a:r>
-            <a:r>
-              <a:rPr lang="en-US" err="1"/>
+              <a:rPr lang="en-US" dirty="0">
+                <a:latin typeface="Segoe UI Black" panose="020B0A02040204020203" pitchFamily="34" charset="0"/>
+              </a:rPr>
+              <a:t> </a:t>
+            </a:r>
+            <a:r>
+              <a:rPr lang="en-US" dirty="0" err="1">
+                <a:latin typeface="Segoe UI Black" panose="020B0A02040204020203" pitchFamily="34" charset="0"/>
+              </a:rPr>
               <a:t>vào</a:t>
             </a:r>
             <a:r>
-              <a:rPr lang="en-US"/>
-              <a:t> </a:t>
-            </a:r>
-            <a:r>
-              <a:rPr lang="en-US" err="1"/>
+              <a:rPr lang="en-US" dirty="0">
+                <a:latin typeface="Segoe UI Black" panose="020B0A02040204020203" pitchFamily="34" charset="0"/>
+              </a:rPr>
+              <a:t> </a:t>
+            </a:r>
+            <a:r>
+              <a:rPr lang="en-US" dirty="0" err="1">
+                <a:latin typeface="Segoe UI Black" panose="020B0A02040204020203" pitchFamily="34" charset="0"/>
+              </a:rPr>
               <a:t>một</a:t>
             </a:r>
             <a:r>
-              <a:rPr lang="en-US"/>
-              <a:t> </a:t>
-            </a:r>
-            <a:r>
-              <a:rPr lang="en-US" err="1"/>
+              <a:rPr lang="en-US" dirty="0">
+                <a:latin typeface="Segoe UI Black" panose="020B0A02040204020203" pitchFamily="34" charset="0"/>
+              </a:rPr>
+              <a:t> </a:t>
+            </a:r>
+            <a:r>
+              <a:rPr lang="en-US" dirty="0" err="1">
+                <a:latin typeface="Segoe UI Black" panose="020B0A02040204020203" pitchFamily="34" charset="0"/>
+              </a:rPr>
               <a:t>mạng</a:t>
             </a:r>
             <a:r>
-              <a:rPr lang="en-US"/>
-              <a:t> </a:t>
-            </a:r>
-            <a:r>
-              <a:rPr lang="en-US" err="1"/>
+              <a:rPr lang="en-US" dirty="0">
+                <a:latin typeface="Segoe UI Black" panose="020B0A02040204020203" pitchFamily="34" charset="0"/>
+              </a:rPr>
+              <a:t> </a:t>
+            </a:r>
+            <a:r>
+              <a:rPr lang="en-US" dirty="0" err="1">
+                <a:latin typeface="Segoe UI Black" panose="020B0A02040204020203" pitchFamily="34" charset="0"/>
+              </a:rPr>
               <a:t>dây</a:t>
             </a:r>
             <a:r>
-              <a:rPr lang="en-US"/>
-              <a:t> </a:t>
-            </a:r>
-            <a:r>
-              <a:rPr lang="en-US" err="1"/>
+              <a:rPr lang="en-US" dirty="0">
+                <a:latin typeface="Segoe UI Black" panose="020B0A02040204020203" pitchFamily="34" charset="0"/>
+              </a:rPr>
+              <a:t> </a:t>
+            </a:r>
+            <a:r>
+              <a:rPr lang="en-US" dirty="0" err="1">
+                <a:latin typeface="Segoe UI Black" panose="020B0A02040204020203" pitchFamily="34" charset="0"/>
+              </a:rPr>
               <a:t>để</a:t>
             </a:r>
             <a:r>
-              <a:rPr lang="en-US"/>
-              <a:t> </a:t>
-            </a:r>
-            <a:r>
-              <a:rPr lang="en-US" err="1"/>
+              <a:rPr lang="en-US" dirty="0">
+                <a:latin typeface="Segoe UI Black" panose="020B0A02040204020203" pitchFamily="34" charset="0"/>
+              </a:rPr>
+              <a:t> </a:t>
+            </a:r>
+            <a:r>
+              <a:rPr lang="en-US" dirty="0" err="1">
+                <a:latin typeface="Segoe UI Black" panose="020B0A02040204020203" pitchFamily="34" charset="0"/>
+              </a:rPr>
               <a:t>phát</a:t>
             </a:r>
             <a:r>
-              <a:rPr lang="en-US"/>
+              <a:rPr lang="en-US" dirty="0">
+                <a:latin typeface="Segoe UI Black" panose="020B0A02040204020203" pitchFamily="34" charset="0"/>
+              </a:rPr>
               <a:t> WIFI (</a:t>
             </a:r>
             <a:r>
-              <a:rPr lang="en-US" err="1"/>
+              <a:rPr lang="en-US" dirty="0" err="1">
+                <a:latin typeface="Segoe UI Black" panose="020B0A02040204020203" pitchFamily="34" charset="0"/>
+              </a:rPr>
               <a:t>tức</a:t>
             </a:r>
             <a:r>
-              <a:rPr lang="en-US"/>
-              <a:t> </a:t>
-            </a:r>
-            <a:r>
-              <a:rPr lang="en-US" err="1"/>
+              <a:rPr lang="en-US" dirty="0">
+                <a:latin typeface="Segoe UI Black" panose="020B0A02040204020203" pitchFamily="34" charset="0"/>
+              </a:rPr>
+              <a:t> </a:t>
+            </a:r>
+            <a:r>
+              <a:rPr lang="en-US" dirty="0" err="1">
+                <a:latin typeface="Segoe UI Black" panose="020B0A02040204020203" pitchFamily="34" charset="0"/>
+              </a:rPr>
               <a:t>là</a:t>
             </a:r>
             <a:r>
-              <a:rPr lang="en-US"/>
-              <a:t> </a:t>
-            </a:r>
-            <a:r>
-              <a:rPr lang="en-US" err="1"/>
+              <a:rPr lang="en-US" dirty="0">
+                <a:latin typeface="Segoe UI Black" panose="020B0A02040204020203" pitchFamily="34" charset="0"/>
+              </a:rPr>
+              <a:t> </a:t>
+            </a:r>
+            <a:r>
+              <a:rPr lang="en-US" dirty="0" err="1">
+                <a:latin typeface="Segoe UI Black" panose="020B0A02040204020203" pitchFamily="34" charset="0"/>
+              </a:rPr>
               <a:t>chuyển</a:t>
             </a:r>
             <a:r>
-              <a:rPr lang="en-US"/>
-              <a:t> </a:t>
-            </a:r>
-            <a:r>
-              <a:rPr lang="en-US" err="1"/>
+              <a:rPr lang="en-US" dirty="0">
+                <a:latin typeface="Segoe UI Black" panose="020B0A02040204020203" pitchFamily="34" charset="0"/>
+              </a:rPr>
+              <a:t> </a:t>
+            </a:r>
+            <a:r>
+              <a:rPr lang="en-US" dirty="0" err="1">
+                <a:latin typeface="Segoe UI Black" panose="020B0A02040204020203" pitchFamily="34" charset="0"/>
+              </a:rPr>
               <a:t>từ</a:t>
             </a:r>
             <a:r>
-              <a:rPr lang="en-US"/>
-              <a:t> </a:t>
-            </a:r>
-            <a:r>
-              <a:rPr lang="en-US" err="1"/>
+              <a:rPr lang="en-US" dirty="0">
+                <a:latin typeface="Segoe UI Black" panose="020B0A02040204020203" pitchFamily="34" charset="0"/>
+              </a:rPr>
+              <a:t> </a:t>
+            </a:r>
+            <a:r>
+              <a:rPr lang="en-US" dirty="0" err="1">
+                <a:latin typeface="Segoe UI Black" panose="020B0A02040204020203" pitchFamily="34" charset="0"/>
+              </a:rPr>
               <a:t>mạng</a:t>
             </a:r>
             <a:r>
-              <a:rPr lang="en-US"/>
-              <a:t> </a:t>
-            </a:r>
-            <a:r>
-              <a:rPr lang="en-US" err="1"/>
+              <a:rPr lang="en-US" dirty="0">
+                <a:latin typeface="Segoe UI Black" panose="020B0A02040204020203" pitchFamily="34" charset="0"/>
+              </a:rPr>
+              <a:t> </a:t>
+            </a:r>
+            <a:r>
+              <a:rPr lang="en-US" dirty="0" err="1">
+                <a:latin typeface="Segoe UI Black" panose="020B0A02040204020203" pitchFamily="34" charset="0"/>
+              </a:rPr>
               <a:t>dây</a:t>
             </a:r>
             <a:r>
-              <a:rPr lang="en-US"/>
+              <a:rPr lang="en-US" dirty="0">
+                <a:latin typeface="Segoe UI Black" panose="020B0A02040204020203" pitchFamily="34" charset="0"/>
+              </a:rPr>
               <a:t> sang WIFI). Do </a:t>
             </a:r>
             <a:r>
-              <a:rPr lang="en-US" err="1"/>
+              <a:rPr lang="en-US" dirty="0" err="1">
+                <a:latin typeface="Segoe UI Black" panose="020B0A02040204020203" pitchFamily="34" charset="0"/>
+              </a:rPr>
               <a:t>đó</a:t>
             </a:r>
             <a:r>
-              <a:rPr lang="en-US"/>
+              <a:rPr lang="en-US" dirty="0">
+                <a:latin typeface="Segoe UI Black" panose="020B0A02040204020203" pitchFamily="34" charset="0"/>
+              </a:rPr>
               <a:t> access point </a:t>
             </a:r>
             <a:r>
-              <a:rPr lang="en-US" err="1"/>
+              <a:rPr lang="en-US" dirty="0" err="1">
+                <a:latin typeface="Segoe UI Black" panose="020B0A02040204020203" pitchFamily="34" charset="0"/>
+              </a:rPr>
               <a:t>luôn</a:t>
             </a:r>
             <a:r>
-              <a:rPr lang="en-US"/>
-              <a:t> </a:t>
-            </a:r>
-            <a:r>
-              <a:rPr lang="en-US" err="1"/>
+              <a:rPr lang="en-US" dirty="0">
+                <a:latin typeface="Segoe UI Black" panose="020B0A02040204020203" pitchFamily="34" charset="0"/>
+              </a:rPr>
+              <a:t> </a:t>
+            </a:r>
+            <a:r>
+              <a:rPr lang="en-US" dirty="0" err="1">
+                <a:latin typeface="Segoe UI Black" panose="020B0A02040204020203" pitchFamily="34" charset="0"/>
+              </a:rPr>
               <a:t>được</a:t>
             </a:r>
             <a:r>
-              <a:rPr lang="en-US"/>
-              <a:t> </a:t>
-            </a:r>
-            <a:r>
-              <a:rPr lang="en-US" err="1"/>
+              <a:rPr lang="en-US" dirty="0">
+                <a:latin typeface="Segoe UI Black" panose="020B0A02040204020203" pitchFamily="34" charset="0"/>
+              </a:rPr>
+              <a:t> </a:t>
+            </a:r>
+            <a:r>
+              <a:rPr lang="en-US" dirty="0" err="1">
+                <a:latin typeface="Segoe UI Black" panose="020B0A02040204020203" pitchFamily="34" charset="0"/>
+              </a:rPr>
               <a:t>tích</a:t>
             </a:r>
             <a:r>
-              <a:rPr lang="en-US"/>
-              <a:t> </a:t>
-            </a:r>
-            <a:r>
-              <a:rPr lang="en-US" err="1"/>
+              <a:rPr lang="en-US" dirty="0">
+                <a:latin typeface="Segoe UI Black" panose="020B0A02040204020203" pitchFamily="34" charset="0"/>
+              </a:rPr>
+              <a:t> </a:t>
+            </a:r>
+            <a:r>
+              <a:rPr lang="en-US" dirty="0" err="1">
+                <a:latin typeface="Segoe UI Black" panose="020B0A02040204020203" pitchFamily="34" charset="0"/>
+              </a:rPr>
               <a:t>hợp</a:t>
             </a:r>
             <a:r>
-              <a:rPr lang="en-US"/>
-              <a:t> </a:t>
-            </a:r>
-            <a:r>
-              <a:rPr lang="en-US" err="1"/>
+              <a:rPr lang="en-US" dirty="0">
+                <a:latin typeface="Segoe UI Black" panose="020B0A02040204020203" pitchFamily="34" charset="0"/>
+              </a:rPr>
+              <a:t> </a:t>
+            </a:r>
+            <a:r>
+              <a:rPr lang="en-US" dirty="0" err="1">
+                <a:latin typeface="Segoe UI Black" panose="020B0A02040204020203" pitchFamily="34" charset="0"/>
+              </a:rPr>
               <a:t>vào</a:t>
             </a:r>
             <a:r>
-              <a:rPr lang="en-US"/>
+              <a:rPr lang="en-US" dirty="0">
+                <a:latin typeface="Segoe UI Black" panose="020B0A02040204020203" pitchFamily="34" charset="0"/>
+              </a:rPr>
               <a:t> router. </a:t>
             </a:r>
             <a:r>
-              <a:rPr lang="en-US" err="1"/>
+              <a:rPr lang="en-US" dirty="0" err="1">
+                <a:latin typeface="Segoe UI Black" panose="020B0A02040204020203" pitchFamily="34" charset="0"/>
+              </a:rPr>
               <a:t>Mỗi</a:t>
             </a:r>
             <a:r>
-              <a:rPr lang="en-US"/>
+              <a:rPr lang="en-US" dirty="0">
+                <a:latin typeface="Segoe UI Black" panose="020B0A02040204020203" pitchFamily="34" charset="0"/>
+              </a:rPr>
               <a:t> access point </a:t>
             </a:r>
             <a:r>
-              <a:rPr lang="en-US" err="1"/>
+              <a:rPr lang="en-US" dirty="0" err="1">
+                <a:latin typeface="Segoe UI Black" panose="020B0A02040204020203" pitchFamily="34" charset="0"/>
+              </a:rPr>
               <a:t>được</a:t>
             </a:r>
             <a:r>
-              <a:rPr lang="en-US"/>
-              <a:t> </a:t>
-            </a:r>
-            <a:r>
-              <a:rPr lang="en-US" err="1"/>
+              <a:rPr lang="en-US" dirty="0">
+                <a:latin typeface="Segoe UI Black" panose="020B0A02040204020203" pitchFamily="34" charset="0"/>
+              </a:rPr>
+              <a:t> </a:t>
+            </a:r>
+            <a:r>
+              <a:rPr lang="en-US" dirty="0" err="1">
+                <a:latin typeface="Segoe UI Black" panose="020B0A02040204020203" pitchFamily="34" charset="0"/>
+              </a:rPr>
               <a:t>nhận</a:t>
             </a:r>
             <a:r>
-              <a:rPr lang="en-US"/>
-              <a:t> </a:t>
-            </a:r>
-            <a:r>
-              <a:rPr lang="en-US" err="1"/>
+              <a:rPr lang="en-US" dirty="0">
+                <a:latin typeface="Segoe UI Black" panose="020B0A02040204020203" pitchFamily="34" charset="0"/>
+              </a:rPr>
+              <a:t> </a:t>
+            </a:r>
+            <a:r>
+              <a:rPr lang="en-US" dirty="0" err="1">
+                <a:latin typeface="Segoe UI Black" panose="020B0A02040204020203" pitchFamily="34" charset="0"/>
+              </a:rPr>
               <a:t>biết</a:t>
             </a:r>
             <a:r>
-              <a:rPr lang="en-US"/>
-              <a:t> </a:t>
-            </a:r>
-            <a:r>
-              <a:rPr lang="en-US" err="1"/>
+              <a:rPr lang="en-US" dirty="0">
+                <a:latin typeface="Segoe UI Black" panose="020B0A02040204020203" pitchFamily="34" charset="0"/>
+              </a:rPr>
+              <a:t> </a:t>
+            </a:r>
+            <a:r>
+              <a:rPr lang="en-US" dirty="0" err="1">
+                <a:latin typeface="Segoe UI Black" panose="020B0A02040204020203" pitchFamily="34" charset="0"/>
+              </a:rPr>
               <a:t>bằng</a:t>
             </a:r>
             <a:r>
-              <a:rPr lang="en-US"/>
-              <a:t> </a:t>
-            </a:r>
-            <a:r>
-              <a:rPr lang="en-US" err="1"/>
+              <a:rPr lang="en-US" dirty="0">
+                <a:latin typeface="Segoe UI Black" panose="020B0A02040204020203" pitchFamily="34" charset="0"/>
+              </a:rPr>
+              <a:t> </a:t>
+            </a:r>
+            <a:r>
+              <a:rPr lang="en-US" dirty="0" err="1">
+                <a:latin typeface="Segoe UI Black" panose="020B0A02040204020203" pitchFamily="34" charset="0"/>
+              </a:rPr>
               <a:t>một</a:t>
             </a:r>
             <a:r>
-              <a:rPr lang="en-US"/>
+              <a:rPr lang="en-US" dirty="0">
+                <a:latin typeface="Segoe UI Black" panose="020B0A02040204020203" pitchFamily="34" charset="0"/>
+              </a:rPr>
               <a:t> SSID (Service Set </a:t>
             </a:r>
             <a:r>
-              <a:rPr lang="en-US" err="1"/>
+              <a:rPr lang="en-US" dirty="0" err="1">
+                <a:latin typeface="Segoe UI Black" panose="020B0A02040204020203" pitchFamily="34" charset="0"/>
+              </a:rPr>
               <a:t>IDentifier</a:t>
             </a:r>
             <a:r>
-              <a:rPr lang="en-US"/>
+              <a:rPr lang="en-US" dirty="0">
+                <a:latin typeface="Segoe UI Black" panose="020B0A02040204020203" pitchFamily="34" charset="0"/>
+              </a:rPr>
               <a:t>), SSID </a:t>
             </a:r>
             <a:r>
-              <a:rPr lang="en-US" err="1"/>
+              <a:rPr lang="en-US" dirty="0" err="1">
+                <a:latin typeface="Segoe UI Black" panose="020B0A02040204020203" pitchFamily="34" charset="0"/>
+              </a:rPr>
               <a:t>cũng</a:t>
             </a:r>
             <a:r>
-              <a:rPr lang="en-US"/>
-              <a:t> </a:t>
-            </a:r>
-            <a:r>
-              <a:rPr lang="en-US" err="1"/>
+              <a:rPr lang="en-US" dirty="0">
+                <a:latin typeface="Segoe UI Black" panose="020B0A02040204020203" pitchFamily="34" charset="0"/>
+              </a:rPr>
+              <a:t> </a:t>
+            </a:r>
+            <a:r>
+              <a:rPr lang="en-US" dirty="0" err="1">
+                <a:latin typeface="Segoe UI Black" panose="020B0A02040204020203" pitchFamily="34" charset="0"/>
+              </a:rPr>
               <a:t>là</a:t>
             </a:r>
             <a:r>
-              <a:rPr lang="en-US"/>
-              <a:t> </a:t>
-            </a:r>
-            <a:r>
-              <a:rPr lang="en-US" err="1"/>
+              <a:rPr lang="en-US" dirty="0">
+                <a:latin typeface="Segoe UI Black" panose="020B0A02040204020203" pitchFamily="34" charset="0"/>
+              </a:rPr>
+              <a:t> </a:t>
+            </a:r>
+            <a:r>
+              <a:rPr lang="en-US" dirty="0" err="1">
+                <a:latin typeface="Segoe UI Black" panose="020B0A02040204020203" pitchFamily="34" charset="0"/>
+              </a:rPr>
               <a:t>tên</a:t>
             </a:r>
             <a:r>
-              <a:rPr lang="en-US"/>
-              <a:t> </a:t>
-            </a:r>
-            <a:r>
-              <a:rPr lang="en-US" err="1"/>
+              <a:rPr lang="en-US" dirty="0">
+                <a:latin typeface="Segoe UI Black" panose="020B0A02040204020203" pitchFamily="34" charset="0"/>
+              </a:rPr>
+              <a:t> </a:t>
+            </a:r>
+            <a:r>
+              <a:rPr lang="en-US" dirty="0" err="1">
+                <a:latin typeface="Segoe UI Black" panose="020B0A02040204020203" pitchFamily="34" charset="0"/>
+              </a:rPr>
               <a:t>của</a:t>
             </a:r>
             <a:r>
-              <a:rPr lang="en-US"/>
-              <a:t> </a:t>
-            </a:r>
-            <a:r>
-              <a:rPr lang="en-US" err="1"/>
+              <a:rPr lang="en-US" dirty="0">
+                <a:latin typeface="Segoe UI Black" panose="020B0A02040204020203" pitchFamily="34" charset="0"/>
+              </a:rPr>
+              <a:t> </a:t>
+            </a:r>
+            <a:r>
+              <a:rPr lang="en-US" dirty="0" err="1">
+                <a:latin typeface="Segoe UI Black" panose="020B0A02040204020203" pitchFamily="34" charset="0"/>
+              </a:rPr>
               <a:t>mạng</a:t>
             </a:r>
             <a:r>
-              <a:rPr lang="en-US"/>
-              <a:t> </a:t>
-            </a:r>
-            <a:r>
-              <a:rPr lang="en-US" err="1"/>
+              <a:rPr lang="en-US" dirty="0">
+                <a:latin typeface="Segoe UI Black" panose="020B0A02040204020203" pitchFamily="34" charset="0"/>
+              </a:rPr>
+              <a:t> </a:t>
+            </a:r>
+            <a:r>
+              <a:rPr lang="en-US" dirty="0" err="1">
+                <a:latin typeface="Segoe UI Black" panose="020B0A02040204020203" pitchFamily="34" charset="0"/>
+              </a:rPr>
               <a:t>hiển</a:t>
             </a:r>
             <a:r>
-              <a:rPr lang="en-US"/>
-              <a:t> </a:t>
-            </a:r>
-            <a:r>
-              <a:rPr lang="en-US" err="1"/>
+              <a:rPr lang="en-US" dirty="0">
+                <a:latin typeface="Segoe UI Black" panose="020B0A02040204020203" pitchFamily="34" charset="0"/>
+              </a:rPr>
+              <a:t> </a:t>
+            </a:r>
+            <a:r>
+              <a:rPr lang="en-US" dirty="0" err="1">
+                <a:latin typeface="Segoe UI Black" panose="020B0A02040204020203" pitchFamily="34" charset="0"/>
+              </a:rPr>
               <a:t>thị</a:t>
             </a:r>
             <a:r>
-              <a:rPr lang="en-US"/>
-              <a:t> </a:t>
-            </a:r>
-            <a:r>
-              <a:rPr lang="en-US" err="1"/>
+              <a:rPr lang="en-US" dirty="0">
+                <a:latin typeface="Segoe UI Black" panose="020B0A02040204020203" pitchFamily="34" charset="0"/>
+              </a:rPr>
+              <a:t> </a:t>
+            </a:r>
+            <a:r>
+              <a:rPr lang="en-US" dirty="0" err="1">
+                <a:latin typeface="Segoe UI Black" panose="020B0A02040204020203" pitchFamily="34" charset="0"/>
+              </a:rPr>
               <a:t>khi</a:t>
             </a:r>
             <a:r>
-              <a:rPr lang="en-US"/>
+              <a:rPr lang="en-US" dirty="0">
+                <a:latin typeface="Segoe UI Black" panose="020B0A02040204020203" pitchFamily="34" charset="0"/>
+              </a:rPr>
               <a:t> ta </a:t>
             </a:r>
             <a:r>
-              <a:rPr lang="en-US" err="1"/>
+              <a:rPr lang="en-US" dirty="0" err="1">
+                <a:latin typeface="Segoe UI Black" panose="020B0A02040204020203" pitchFamily="34" charset="0"/>
+              </a:rPr>
               <a:t>kết</a:t>
             </a:r>
             <a:r>
-              <a:rPr lang="en-US"/>
-              <a:t> </a:t>
-            </a:r>
-            <a:r>
-              <a:rPr lang="en-US" err="1"/>
+              <a:rPr lang="en-US" dirty="0">
+                <a:latin typeface="Segoe UI Black" panose="020B0A02040204020203" pitchFamily="34" charset="0"/>
+              </a:rPr>
+              <a:t> </a:t>
+            </a:r>
+            <a:r>
+              <a:rPr lang="en-US" dirty="0" err="1">
+                <a:latin typeface="Segoe UI Black" panose="020B0A02040204020203" pitchFamily="34" charset="0"/>
+              </a:rPr>
               <a:t>nối</a:t>
             </a:r>
             <a:r>
-              <a:rPr lang="en-US"/>
-              <a:t> </a:t>
-            </a:r>
-            <a:r>
-              <a:rPr lang="en-US" err="1"/>
+              <a:rPr lang="en-US" dirty="0">
+                <a:latin typeface="Segoe UI Black" panose="020B0A02040204020203" pitchFamily="34" charset="0"/>
+              </a:rPr>
+              <a:t> </a:t>
+            </a:r>
+            <a:r>
+              <a:rPr lang="en-US" dirty="0" err="1">
+                <a:latin typeface="Segoe UI Black" panose="020B0A02040204020203" pitchFamily="34" charset="0"/>
+              </a:rPr>
               <a:t>vào</a:t>
             </a:r>
             <a:r>
-              <a:rPr lang="en-US"/>
+              <a:rPr lang="en-US" dirty="0">
+                <a:latin typeface="Segoe UI Black" panose="020B0A02040204020203" pitchFamily="34" charset="0"/>
+              </a:rPr>
               <a:t> WIFI.</a:t>
             </a:r>
           </a:p>
@@ -7976,8 +13576,20 @@
           <a:lstStyle/>
           <a:p>
             <a:r>
-              <a:rPr lang="en-US"/>
-              <a:t>Chế độ Station</a:t>
+              <a:rPr lang="en-US" sz="3000" dirty="0" err="1"/>
+              <a:t>Chế</a:t>
+            </a:r>
+            <a:r>
+              <a:rPr lang="en-US" sz="3000" dirty="0"/>
+              <a:t> </a:t>
+            </a:r>
+            <a:r>
+              <a:rPr lang="en-US" sz="3000" dirty="0" err="1"/>
+              <a:t>độ</a:t>
+            </a:r>
+            <a:r>
+              <a:rPr lang="en-US" sz="3000" dirty="0"/>
+              <a:t> Station</a:t>
             </a:r>
           </a:p>
         </p:txBody>
@@ -8092,8 +13704,20 @@
           <a:lstStyle/>
           <a:p>
             <a:r>
-              <a:rPr lang="en-US"/>
-              <a:t>Chế độ Station</a:t>
+              <a:rPr lang="en-US" sz="3000" dirty="0" err="1"/>
+              <a:t>Chế</a:t>
+            </a:r>
+            <a:r>
+              <a:rPr lang="en-US" sz="3000" dirty="0"/>
+              <a:t> </a:t>
+            </a:r>
+            <a:r>
+              <a:rPr lang="en-US" sz="3000" dirty="0" err="1"/>
+              <a:t>độ</a:t>
+            </a:r>
+            <a:r>
+              <a:rPr lang="en-US" sz="3000" dirty="0"/>
+              <a:t> Station</a:t>
             </a:r>
           </a:p>
         </p:txBody>
@@ -8208,8 +13832,20 @@
           <a:lstStyle/>
           <a:p>
             <a:r>
-              <a:rPr lang="en-US"/>
-              <a:t>Chế độ Station</a:t>
+              <a:rPr lang="en-US" sz="3000" dirty="0" err="1"/>
+              <a:t>Chế</a:t>
+            </a:r>
+            <a:r>
+              <a:rPr lang="en-US" sz="3000" dirty="0"/>
+              <a:t> </a:t>
+            </a:r>
+            <a:r>
+              <a:rPr lang="en-US" sz="3000" dirty="0" err="1"/>
+              <a:t>độ</a:t>
+            </a:r>
+            <a:r>
+              <a:rPr lang="en-US" sz="3000" dirty="0"/>
+              <a:t> Station</a:t>
             </a:r>
           </a:p>
         </p:txBody>
@@ -8316,8 +13952,20 @@
           <a:lstStyle/>
           <a:p>
             <a:r>
-              <a:rPr lang="en-US"/>
-              <a:t>Chế độ Station</a:t>
+              <a:rPr lang="en-US" sz="3000" dirty="0" err="1"/>
+              <a:t>Chế</a:t>
+            </a:r>
+            <a:r>
+              <a:rPr lang="en-US" sz="3000" dirty="0"/>
+              <a:t> </a:t>
+            </a:r>
+            <a:r>
+              <a:rPr lang="en-US" sz="3000" dirty="0" err="1"/>
+              <a:t>độ</a:t>
+            </a:r>
+            <a:r>
+              <a:rPr lang="en-US" sz="3000" dirty="0"/>
+              <a:t> Station</a:t>
             </a:r>
           </a:p>
         </p:txBody>
@@ -8427,8 +14075,20 @@
           <a:lstStyle/>
           <a:p>
             <a:r>
-              <a:rPr lang="en-US"/>
-              <a:t>Chế độ Station</a:t>
+              <a:rPr lang="en-US" sz="3000" dirty="0" err="1"/>
+              <a:t>Chế</a:t>
+            </a:r>
+            <a:r>
+              <a:rPr lang="en-US" sz="3000" dirty="0"/>
+              <a:t> </a:t>
+            </a:r>
+            <a:r>
+              <a:rPr lang="en-US" sz="3000" dirty="0" err="1"/>
+              <a:t>độ</a:t>
+            </a:r>
+            <a:r>
+              <a:rPr lang="en-US" sz="3000" dirty="0"/>
+              <a:t> Station</a:t>
             </a:r>
           </a:p>
         </p:txBody>
@@ -8538,8 +14198,20 @@
           <a:lstStyle/>
           <a:p>
             <a:r>
-              <a:rPr lang="en-US"/>
-              <a:t>Chế độ Station</a:t>
+              <a:rPr lang="en-US" sz="3000" dirty="0" err="1"/>
+              <a:t>Chế</a:t>
+            </a:r>
+            <a:r>
+              <a:rPr lang="en-US" sz="3000" dirty="0"/>
+              <a:t> </a:t>
+            </a:r>
+            <a:r>
+              <a:rPr lang="en-US" sz="3000" dirty="0" err="1"/>
+              <a:t>độ</a:t>
+            </a:r>
+            <a:r>
+              <a:rPr lang="en-US" sz="3000" dirty="0"/>
+              <a:t> Station</a:t>
             </a:r>
           </a:p>
         </p:txBody>
